--- a/spring13/slides13/incexcbinom.pptx
+++ b/spring13/slides13/incexcbinom.pptx
@@ -5,27 +5,32 @@
     <p:sldMasterId id="2147483650" r:id="rId1"/>
   </p:sldMasterIdLst>
   <p:notesMasterIdLst>
-    <p:notesMasterId r:id="rId12"/>
+    <p:notesMasterId r:id="rId17"/>
   </p:notesMasterIdLst>
   <p:handoutMasterIdLst>
-    <p:handoutMasterId r:id="rId13"/>
+    <p:handoutMasterId r:id="rId18"/>
   </p:handoutMasterIdLst>
   <p:sldIdLst>
     <p:sldId id="524" r:id="rId2"/>
-    <p:sldId id="510" r:id="rId3"/>
-    <p:sldId id="563" r:id="rId4"/>
-    <p:sldId id="564" r:id="rId5"/>
-    <p:sldId id="565" r:id="rId6"/>
-    <p:sldId id="567" r:id="rId7"/>
-    <p:sldId id="566" r:id="rId8"/>
-    <p:sldId id="568" r:id="rId9"/>
-    <p:sldId id="569" r:id="rId10"/>
-    <p:sldId id="570" r:id="rId11"/>
+    <p:sldId id="563" r:id="rId3"/>
+    <p:sldId id="579" r:id="rId4"/>
+    <p:sldId id="571" r:id="rId5"/>
+    <p:sldId id="510" r:id="rId6"/>
+    <p:sldId id="573" r:id="rId7"/>
+    <p:sldId id="574" r:id="rId8"/>
+    <p:sldId id="576" r:id="rId9"/>
+    <p:sldId id="577" r:id="rId10"/>
+    <p:sldId id="578" r:id="rId11"/>
+    <p:sldId id="565" r:id="rId12"/>
+    <p:sldId id="567" r:id="rId13"/>
+    <p:sldId id="566" r:id="rId14"/>
+    <p:sldId id="568" r:id="rId15"/>
+    <p:sldId id="569" r:id="rId16"/>
   </p:sldIdLst>
   <p:sldSz cx="9144000" cy="6858000" type="screen4x3"/>
   <p:notesSz cx="9601200" cy="7315200"/>
   <p:custDataLst>
-    <p:tags r:id="rId15"/>
+    <p:tags r:id="rId20"/>
   </p:custDataLst>
   <p:defaultTextStyle>
     <a:defPPr>
@@ -1016,6 +1021,491 @@
 </p:notes>
 </file>
 
+<file path=ppt/notesSlides/notesSlide11.xml><?xml version="1.0" encoding="utf-8"?>
+<p:notes xmlns:a="http://schemas.openxmlformats.org/drawingml/2006/main" xmlns:r="http://schemas.openxmlformats.org/officeDocument/2006/relationships" xmlns:p="http://schemas.openxmlformats.org/presentationml/2006/main">
+  <p:cSld>
+    <p:spTree>
+      <p:nvGrpSpPr>
+        <p:cNvPr id="1" name=""/>
+        <p:cNvGrpSpPr/>
+        <p:nvPr/>
+      </p:nvGrpSpPr>
+      <p:grpSpPr>
+        <a:xfrm>
+          <a:off x="0" y="0"/>
+          <a:ext cx="0" cy="0"/>
+          <a:chOff x="0" y="0"/>
+          <a:chExt cx="0" cy="0"/>
+        </a:xfrm>
+      </p:grpSpPr>
+      <p:sp>
+        <p:nvSpPr>
+          <p:cNvPr id="61442" name="Rectangle 7"/>
+          <p:cNvSpPr>
+            <a:spLocks noGrp="1" noChangeArrowheads="1"/>
+          </p:cNvSpPr>
+          <p:nvPr>
+            <p:ph type="sldNum" sz="quarter" idx="5"/>
+          </p:nvPr>
+        </p:nvSpPr>
+        <p:spPr>
+          <a:noFill/>
+        </p:spPr>
+        <p:txBody>
+          <a:bodyPr/>
+          <a:lstStyle/>
+          <a:p>
+            <a:fld id="{FB67ED51-D6E5-49E3-B2E6-337A7D163646}" type="slidenum">
+              <a:rPr lang="en-US" smtClean="0"/>
+              <a:pPr/>
+              <a:t>11</a:t>
+            </a:fld>
+            <a:endParaRPr lang="en-US" smtClean="0"/>
+          </a:p>
+        </p:txBody>
+      </p:sp>
+      <p:sp>
+        <p:nvSpPr>
+          <p:cNvPr id="61443" name="Rectangle 2"/>
+          <p:cNvSpPr>
+            <a:spLocks noGrp="1" noRot="1" noChangeAspect="1" noChangeArrowheads="1" noTextEdit="1"/>
+          </p:cNvSpPr>
+          <p:nvPr>
+            <p:ph type="sldImg"/>
+          </p:nvPr>
+        </p:nvSpPr>
+        <p:spPr>
+          <a:solidFill>
+            <a:srgbClr val="FFFFFF"/>
+          </a:solidFill>
+          <a:ln/>
+        </p:spPr>
+      </p:sp>
+      <p:sp>
+        <p:nvSpPr>
+          <p:cNvPr id="61444" name="Rectangle 3"/>
+          <p:cNvSpPr>
+            <a:spLocks noGrp="1" noChangeArrowheads="1"/>
+          </p:cNvSpPr>
+          <p:nvPr>
+            <p:ph type="body" idx="1"/>
+          </p:nvPr>
+        </p:nvSpPr>
+        <p:spPr>
+          <a:solidFill>
+            <a:srgbClr val="FFFFFF"/>
+          </a:solidFill>
+          <a:ln>
+            <a:solidFill>
+              <a:srgbClr val="000000"/>
+            </a:solidFill>
+          </a:ln>
+        </p:spPr>
+        <p:txBody>
+          <a:bodyPr/>
+          <a:lstStyle/>
+          <a:p>
+            <a:pPr eaLnBrk="1" hangingPunct="1"/>
+            <a:endParaRPr lang="en-US" smtClean="0"/>
+          </a:p>
+        </p:txBody>
+      </p:sp>
+    </p:spTree>
+  </p:cSld>
+  <p:clrMapOvr>
+    <a:masterClrMapping/>
+  </p:clrMapOvr>
+</p:notes>
+</file>
+
+<file path=ppt/notesSlides/notesSlide12.xml><?xml version="1.0" encoding="utf-8"?>
+<p:notes xmlns:a="http://schemas.openxmlformats.org/drawingml/2006/main" xmlns:r="http://schemas.openxmlformats.org/officeDocument/2006/relationships" xmlns:p="http://schemas.openxmlformats.org/presentationml/2006/main">
+  <p:cSld>
+    <p:spTree>
+      <p:nvGrpSpPr>
+        <p:cNvPr id="1" name=""/>
+        <p:cNvGrpSpPr/>
+        <p:nvPr/>
+      </p:nvGrpSpPr>
+      <p:grpSpPr>
+        <a:xfrm>
+          <a:off x="0" y="0"/>
+          <a:ext cx="0" cy="0"/>
+          <a:chOff x="0" y="0"/>
+          <a:chExt cx="0" cy="0"/>
+        </a:xfrm>
+      </p:grpSpPr>
+      <p:sp>
+        <p:nvSpPr>
+          <p:cNvPr id="61442" name="Rectangle 7"/>
+          <p:cNvSpPr>
+            <a:spLocks noGrp="1" noChangeArrowheads="1"/>
+          </p:cNvSpPr>
+          <p:nvPr>
+            <p:ph type="sldNum" sz="quarter" idx="5"/>
+          </p:nvPr>
+        </p:nvSpPr>
+        <p:spPr>
+          <a:noFill/>
+        </p:spPr>
+        <p:txBody>
+          <a:bodyPr/>
+          <a:lstStyle/>
+          <a:p>
+            <a:fld id="{FB67ED51-D6E5-49E3-B2E6-337A7D163646}" type="slidenum">
+              <a:rPr lang="en-US" smtClean="0"/>
+              <a:pPr/>
+              <a:t>12</a:t>
+            </a:fld>
+            <a:endParaRPr lang="en-US" smtClean="0"/>
+          </a:p>
+        </p:txBody>
+      </p:sp>
+      <p:sp>
+        <p:nvSpPr>
+          <p:cNvPr id="61443" name="Rectangle 2"/>
+          <p:cNvSpPr>
+            <a:spLocks noGrp="1" noRot="1" noChangeAspect="1" noChangeArrowheads="1" noTextEdit="1"/>
+          </p:cNvSpPr>
+          <p:nvPr>
+            <p:ph type="sldImg"/>
+          </p:nvPr>
+        </p:nvSpPr>
+        <p:spPr>
+          <a:solidFill>
+            <a:srgbClr val="FFFFFF"/>
+          </a:solidFill>
+          <a:ln/>
+        </p:spPr>
+      </p:sp>
+      <p:sp>
+        <p:nvSpPr>
+          <p:cNvPr id="61444" name="Rectangle 3"/>
+          <p:cNvSpPr>
+            <a:spLocks noGrp="1" noChangeArrowheads="1"/>
+          </p:cNvSpPr>
+          <p:nvPr>
+            <p:ph type="body" idx="1"/>
+          </p:nvPr>
+        </p:nvSpPr>
+        <p:spPr>
+          <a:solidFill>
+            <a:srgbClr val="FFFFFF"/>
+          </a:solidFill>
+          <a:ln>
+            <a:solidFill>
+              <a:srgbClr val="000000"/>
+            </a:solidFill>
+          </a:ln>
+        </p:spPr>
+        <p:txBody>
+          <a:bodyPr/>
+          <a:lstStyle/>
+          <a:p>
+            <a:pPr eaLnBrk="1" hangingPunct="1"/>
+            <a:endParaRPr lang="en-US" smtClean="0"/>
+          </a:p>
+        </p:txBody>
+      </p:sp>
+    </p:spTree>
+  </p:cSld>
+  <p:clrMapOvr>
+    <a:masterClrMapping/>
+  </p:clrMapOvr>
+</p:notes>
+</file>
+
+<file path=ppt/notesSlides/notesSlide13.xml><?xml version="1.0" encoding="utf-8"?>
+<p:notes xmlns:a="http://schemas.openxmlformats.org/drawingml/2006/main" xmlns:r="http://schemas.openxmlformats.org/officeDocument/2006/relationships" xmlns:p="http://schemas.openxmlformats.org/presentationml/2006/main">
+  <p:cSld>
+    <p:spTree>
+      <p:nvGrpSpPr>
+        <p:cNvPr id="1" name=""/>
+        <p:cNvGrpSpPr/>
+        <p:nvPr/>
+      </p:nvGrpSpPr>
+      <p:grpSpPr>
+        <a:xfrm>
+          <a:off x="0" y="0"/>
+          <a:ext cx="0" cy="0"/>
+          <a:chOff x="0" y="0"/>
+          <a:chExt cx="0" cy="0"/>
+        </a:xfrm>
+      </p:grpSpPr>
+      <p:sp>
+        <p:nvSpPr>
+          <p:cNvPr id="61442" name="Rectangle 7"/>
+          <p:cNvSpPr>
+            <a:spLocks noGrp="1" noChangeArrowheads="1"/>
+          </p:cNvSpPr>
+          <p:nvPr>
+            <p:ph type="sldNum" sz="quarter" idx="5"/>
+          </p:nvPr>
+        </p:nvSpPr>
+        <p:spPr>
+          <a:noFill/>
+        </p:spPr>
+        <p:txBody>
+          <a:bodyPr/>
+          <a:lstStyle/>
+          <a:p>
+            <a:fld id="{FB67ED51-D6E5-49E3-B2E6-337A7D163646}" type="slidenum">
+              <a:rPr lang="en-US" smtClean="0"/>
+              <a:pPr/>
+              <a:t>13</a:t>
+            </a:fld>
+            <a:endParaRPr lang="en-US" smtClean="0"/>
+          </a:p>
+        </p:txBody>
+      </p:sp>
+      <p:sp>
+        <p:nvSpPr>
+          <p:cNvPr id="61443" name="Rectangle 2"/>
+          <p:cNvSpPr>
+            <a:spLocks noGrp="1" noRot="1" noChangeAspect="1" noChangeArrowheads="1" noTextEdit="1"/>
+          </p:cNvSpPr>
+          <p:nvPr>
+            <p:ph type="sldImg"/>
+          </p:nvPr>
+        </p:nvSpPr>
+        <p:spPr>
+          <a:solidFill>
+            <a:srgbClr val="FFFFFF"/>
+          </a:solidFill>
+          <a:ln/>
+        </p:spPr>
+      </p:sp>
+      <p:sp>
+        <p:nvSpPr>
+          <p:cNvPr id="61444" name="Rectangle 3"/>
+          <p:cNvSpPr>
+            <a:spLocks noGrp="1" noChangeArrowheads="1"/>
+          </p:cNvSpPr>
+          <p:nvPr>
+            <p:ph type="body" idx="1"/>
+          </p:nvPr>
+        </p:nvSpPr>
+        <p:spPr>
+          <a:solidFill>
+            <a:srgbClr val="FFFFFF"/>
+          </a:solidFill>
+          <a:ln>
+            <a:solidFill>
+              <a:srgbClr val="000000"/>
+            </a:solidFill>
+          </a:ln>
+        </p:spPr>
+        <p:txBody>
+          <a:bodyPr/>
+          <a:lstStyle/>
+          <a:p>
+            <a:pPr eaLnBrk="1" hangingPunct="1"/>
+            <a:endParaRPr lang="en-US" smtClean="0"/>
+          </a:p>
+        </p:txBody>
+      </p:sp>
+    </p:spTree>
+  </p:cSld>
+  <p:clrMapOvr>
+    <a:masterClrMapping/>
+  </p:clrMapOvr>
+</p:notes>
+</file>
+
+<file path=ppt/notesSlides/notesSlide14.xml><?xml version="1.0" encoding="utf-8"?>
+<p:notes xmlns:a="http://schemas.openxmlformats.org/drawingml/2006/main" xmlns:r="http://schemas.openxmlformats.org/officeDocument/2006/relationships" xmlns:p="http://schemas.openxmlformats.org/presentationml/2006/main">
+  <p:cSld>
+    <p:spTree>
+      <p:nvGrpSpPr>
+        <p:cNvPr id="1" name=""/>
+        <p:cNvGrpSpPr/>
+        <p:nvPr/>
+      </p:nvGrpSpPr>
+      <p:grpSpPr>
+        <a:xfrm>
+          <a:off x="0" y="0"/>
+          <a:ext cx="0" cy="0"/>
+          <a:chOff x="0" y="0"/>
+          <a:chExt cx="0" cy="0"/>
+        </a:xfrm>
+      </p:grpSpPr>
+      <p:sp>
+        <p:nvSpPr>
+          <p:cNvPr id="61442" name="Rectangle 7"/>
+          <p:cNvSpPr>
+            <a:spLocks noGrp="1" noChangeArrowheads="1"/>
+          </p:cNvSpPr>
+          <p:nvPr>
+            <p:ph type="sldNum" sz="quarter" idx="5"/>
+          </p:nvPr>
+        </p:nvSpPr>
+        <p:spPr>
+          <a:noFill/>
+        </p:spPr>
+        <p:txBody>
+          <a:bodyPr/>
+          <a:lstStyle/>
+          <a:p>
+            <a:fld id="{FB67ED51-D6E5-49E3-B2E6-337A7D163646}" type="slidenum">
+              <a:rPr lang="en-US" smtClean="0"/>
+              <a:pPr/>
+              <a:t>14</a:t>
+            </a:fld>
+            <a:endParaRPr lang="en-US" smtClean="0"/>
+          </a:p>
+        </p:txBody>
+      </p:sp>
+      <p:sp>
+        <p:nvSpPr>
+          <p:cNvPr id="61443" name="Rectangle 2"/>
+          <p:cNvSpPr>
+            <a:spLocks noGrp="1" noRot="1" noChangeAspect="1" noChangeArrowheads="1" noTextEdit="1"/>
+          </p:cNvSpPr>
+          <p:nvPr>
+            <p:ph type="sldImg"/>
+          </p:nvPr>
+        </p:nvSpPr>
+        <p:spPr>
+          <a:solidFill>
+            <a:srgbClr val="FFFFFF"/>
+          </a:solidFill>
+          <a:ln/>
+        </p:spPr>
+      </p:sp>
+      <p:sp>
+        <p:nvSpPr>
+          <p:cNvPr id="61444" name="Rectangle 3"/>
+          <p:cNvSpPr>
+            <a:spLocks noGrp="1" noChangeArrowheads="1"/>
+          </p:cNvSpPr>
+          <p:nvPr>
+            <p:ph type="body" idx="1"/>
+          </p:nvPr>
+        </p:nvSpPr>
+        <p:spPr>
+          <a:solidFill>
+            <a:srgbClr val="FFFFFF"/>
+          </a:solidFill>
+          <a:ln>
+            <a:solidFill>
+              <a:srgbClr val="000000"/>
+            </a:solidFill>
+          </a:ln>
+        </p:spPr>
+        <p:txBody>
+          <a:bodyPr/>
+          <a:lstStyle/>
+          <a:p>
+            <a:pPr eaLnBrk="1" hangingPunct="1"/>
+            <a:endParaRPr lang="en-US" smtClean="0"/>
+          </a:p>
+        </p:txBody>
+      </p:sp>
+    </p:spTree>
+  </p:cSld>
+  <p:clrMapOvr>
+    <a:masterClrMapping/>
+  </p:clrMapOvr>
+</p:notes>
+</file>
+
+<file path=ppt/notesSlides/notesSlide15.xml><?xml version="1.0" encoding="utf-8"?>
+<p:notes xmlns:a="http://schemas.openxmlformats.org/drawingml/2006/main" xmlns:r="http://schemas.openxmlformats.org/officeDocument/2006/relationships" xmlns:p="http://schemas.openxmlformats.org/presentationml/2006/main">
+  <p:cSld>
+    <p:spTree>
+      <p:nvGrpSpPr>
+        <p:cNvPr id="1" name=""/>
+        <p:cNvGrpSpPr/>
+        <p:nvPr/>
+      </p:nvGrpSpPr>
+      <p:grpSpPr>
+        <a:xfrm>
+          <a:off x="0" y="0"/>
+          <a:ext cx="0" cy="0"/>
+          <a:chOff x="0" y="0"/>
+          <a:chExt cx="0" cy="0"/>
+        </a:xfrm>
+      </p:grpSpPr>
+      <p:sp>
+        <p:nvSpPr>
+          <p:cNvPr id="60418" name="Rectangle 7"/>
+          <p:cNvSpPr>
+            <a:spLocks noGrp="1" noChangeArrowheads="1"/>
+          </p:cNvSpPr>
+          <p:nvPr>
+            <p:ph type="sldNum" sz="quarter" idx="5"/>
+          </p:nvPr>
+        </p:nvSpPr>
+        <p:spPr>
+          <a:noFill/>
+        </p:spPr>
+        <p:txBody>
+          <a:bodyPr/>
+          <a:lstStyle/>
+          <a:p>
+            <a:fld id="{38AFA472-19A2-4BBD-B046-EAF111414CE2}" type="slidenum">
+              <a:rPr lang="en-US" smtClean="0"/>
+              <a:pPr/>
+              <a:t>15</a:t>
+            </a:fld>
+            <a:endParaRPr lang="en-US" smtClean="0"/>
+          </a:p>
+        </p:txBody>
+      </p:sp>
+      <p:sp>
+        <p:nvSpPr>
+          <p:cNvPr id="60419" name="Rectangle 2"/>
+          <p:cNvSpPr>
+            <a:spLocks noGrp="1" noRot="1" noChangeAspect="1" noChangeArrowheads="1" noTextEdit="1"/>
+          </p:cNvSpPr>
+          <p:nvPr>
+            <p:ph type="sldImg"/>
+          </p:nvPr>
+        </p:nvSpPr>
+        <p:spPr>
+          <a:solidFill>
+            <a:srgbClr val="FFFFFF"/>
+          </a:solidFill>
+          <a:ln/>
+        </p:spPr>
+      </p:sp>
+      <p:sp>
+        <p:nvSpPr>
+          <p:cNvPr id="60420" name="Rectangle 3"/>
+          <p:cNvSpPr>
+            <a:spLocks noGrp="1" noChangeArrowheads="1"/>
+          </p:cNvSpPr>
+          <p:nvPr>
+            <p:ph type="body" idx="1"/>
+          </p:nvPr>
+        </p:nvSpPr>
+        <p:spPr>
+          <a:solidFill>
+            <a:srgbClr val="FFFFFF"/>
+          </a:solidFill>
+          <a:ln>
+            <a:solidFill>
+              <a:srgbClr val="000000"/>
+            </a:solidFill>
+          </a:ln>
+        </p:spPr>
+        <p:txBody>
+          <a:bodyPr/>
+          <a:lstStyle/>
+          <a:p>
+            <a:pPr eaLnBrk="1" hangingPunct="1"/>
+            <a:endParaRPr lang="en-US" smtClean="0"/>
+          </a:p>
+        </p:txBody>
+      </p:sp>
+    </p:spTree>
+  </p:cSld>
+  <p:clrMapOvr>
+    <a:masterClrMapping/>
+  </p:clrMapOvr>
+</p:notes>
+</file>
+
 <file path=ppt/notesSlides/notesSlide2.xml><?xml version="1.0" encoding="utf-8"?>
 <p:notes xmlns:a="http://schemas.openxmlformats.org/drawingml/2006/main" xmlns:r="http://schemas.openxmlformats.org/officeDocument/2006/relationships" xmlns:p="http://schemas.openxmlformats.org/presentationml/2006/main">
   <p:cSld>
@@ -1035,7 +1525,7 @@
       </p:grpSpPr>
       <p:sp>
         <p:nvSpPr>
-          <p:cNvPr id="60418" name="Rectangle 7"/>
+          <p:cNvPr id="61442" name="Rectangle 7"/>
           <p:cNvSpPr>
             <a:spLocks noGrp="1" noChangeArrowheads="1"/>
           </p:cNvSpPr>
@@ -1050,7 +1540,7 @@
           <a:bodyPr/>
           <a:lstStyle/>
           <a:p>
-            <a:fld id="{38AFA472-19A2-4BBD-B046-EAF111414CE2}" type="slidenum">
+            <a:fld id="{FB67ED51-D6E5-49E3-B2E6-337A7D163646}" type="slidenum">
               <a:rPr lang="en-US" smtClean="0"/>
               <a:pPr/>
               <a:t>2</a:t>
@@ -1061,7 +1551,7 @@
       </p:sp>
       <p:sp>
         <p:nvSpPr>
-          <p:cNvPr id="60419" name="Rectangle 2"/>
+          <p:cNvPr id="61443" name="Rectangle 2"/>
           <p:cNvSpPr>
             <a:spLocks noGrp="1" noRot="1" noChangeAspect="1" noChangeArrowheads="1" noTextEdit="1"/>
           </p:cNvSpPr>
@@ -1078,7 +1568,7 @@
       </p:sp>
       <p:sp>
         <p:nvSpPr>
-          <p:cNvPr id="60420" name="Rectangle 3"/>
+          <p:cNvPr id="61444" name="Rectangle 3"/>
           <p:cNvSpPr>
             <a:spLocks noGrp="1" noChangeArrowheads="1"/>
           </p:cNvSpPr>
@@ -1229,7 +1719,7 @@
       </p:grpSpPr>
       <p:sp>
         <p:nvSpPr>
-          <p:cNvPr id="61442" name="Rectangle 7"/>
+          <p:cNvPr id="60418" name="Rectangle 7"/>
           <p:cNvSpPr>
             <a:spLocks noGrp="1" noChangeArrowheads="1"/>
           </p:cNvSpPr>
@@ -1244,7 +1734,7 @@
           <a:bodyPr/>
           <a:lstStyle/>
           <a:p>
-            <a:fld id="{FB67ED51-D6E5-49E3-B2E6-337A7D163646}" type="slidenum">
+            <a:fld id="{38AFA472-19A2-4BBD-B046-EAF111414CE2}" type="slidenum">
               <a:rPr lang="en-US" smtClean="0"/>
               <a:pPr/>
               <a:t>4</a:t>
@@ -1255,7 +1745,7 @@
       </p:sp>
       <p:sp>
         <p:nvSpPr>
-          <p:cNvPr id="61443" name="Rectangle 2"/>
+          <p:cNvPr id="60419" name="Rectangle 2"/>
           <p:cNvSpPr>
             <a:spLocks noGrp="1" noRot="1" noChangeAspect="1" noChangeArrowheads="1" noTextEdit="1"/>
           </p:cNvSpPr>
@@ -1272,7 +1762,7 @@
       </p:sp>
       <p:sp>
         <p:nvSpPr>
-          <p:cNvPr id="61444" name="Rectangle 3"/>
+          <p:cNvPr id="60420" name="Rectangle 3"/>
           <p:cNvSpPr>
             <a:spLocks noGrp="1" noChangeArrowheads="1"/>
           </p:cNvSpPr>
@@ -1326,7 +1816,7 @@
       </p:grpSpPr>
       <p:sp>
         <p:nvSpPr>
-          <p:cNvPr id="61442" name="Rectangle 7"/>
+          <p:cNvPr id="60418" name="Rectangle 7"/>
           <p:cNvSpPr>
             <a:spLocks noGrp="1" noChangeArrowheads="1"/>
           </p:cNvSpPr>
@@ -1341,7 +1831,7 @@
           <a:bodyPr/>
           <a:lstStyle/>
           <a:p>
-            <a:fld id="{FB67ED51-D6E5-49E3-B2E6-337A7D163646}" type="slidenum">
+            <a:fld id="{38AFA472-19A2-4BBD-B046-EAF111414CE2}" type="slidenum">
               <a:rPr lang="en-US" smtClean="0"/>
               <a:pPr/>
               <a:t>5</a:t>
@@ -1352,7 +1842,7 @@
       </p:sp>
       <p:sp>
         <p:nvSpPr>
-          <p:cNvPr id="61443" name="Rectangle 2"/>
+          <p:cNvPr id="60419" name="Rectangle 2"/>
           <p:cNvSpPr>
             <a:spLocks noGrp="1" noRot="1" noChangeAspect="1" noChangeArrowheads="1" noTextEdit="1"/>
           </p:cNvSpPr>
@@ -1369,7 +1859,7 @@
       </p:sp>
       <p:sp>
         <p:nvSpPr>
-          <p:cNvPr id="61444" name="Rectangle 3"/>
+          <p:cNvPr id="60420" name="Rectangle 3"/>
           <p:cNvSpPr>
             <a:spLocks noGrp="1" noChangeArrowheads="1"/>
           </p:cNvSpPr>
@@ -1423,7 +1913,7 @@
       </p:grpSpPr>
       <p:sp>
         <p:nvSpPr>
-          <p:cNvPr id="61442" name="Rectangle 7"/>
+          <p:cNvPr id="60418" name="Rectangle 7"/>
           <p:cNvSpPr>
             <a:spLocks noGrp="1" noChangeArrowheads="1"/>
           </p:cNvSpPr>
@@ -1438,7 +1928,7 @@
           <a:bodyPr/>
           <a:lstStyle/>
           <a:p>
-            <a:fld id="{FB67ED51-D6E5-49E3-B2E6-337A7D163646}" type="slidenum">
+            <a:fld id="{38AFA472-19A2-4BBD-B046-EAF111414CE2}" type="slidenum">
               <a:rPr lang="en-US" smtClean="0"/>
               <a:pPr/>
               <a:t>6</a:t>
@@ -1449,7 +1939,7 @@
       </p:sp>
       <p:sp>
         <p:nvSpPr>
-          <p:cNvPr id="61443" name="Rectangle 2"/>
+          <p:cNvPr id="60419" name="Rectangle 2"/>
           <p:cNvSpPr>
             <a:spLocks noGrp="1" noRot="1" noChangeAspect="1" noChangeArrowheads="1" noTextEdit="1"/>
           </p:cNvSpPr>
@@ -1466,7 +1956,7 @@
       </p:sp>
       <p:sp>
         <p:nvSpPr>
-          <p:cNvPr id="61444" name="Rectangle 3"/>
+          <p:cNvPr id="60420" name="Rectangle 3"/>
           <p:cNvSpPr>
             <a:spLocks noGrp="1" noChangeArrowheads="1"/>
           </p:cNvSpPr>
@@ -1520,7 +2010,7 @@
       </p:grpSpPr>
       <p:sp>
         <p:nvSpPr>
-          <p:cNvPr id="61442" name="Rectangle 7"/>
+          <p:cNvPr id="60418" name="Rectangle 7"/>
           <p:cNvSpPr>
             <a:spLocks noGrp="1" noChangeArrowheads="1"/>
           </p:cNvSpPr>
@@ -1535,7 +2025,7 @@
           <a:bodyPr/>
           <a:lstStyle/>
           <a:p>
-            <a:fld id="{FB67ED51-D6E5-49E3-B2E6-337A7D163646}" type="slidenum">
+            <a:fld id="{38AFA472-19A2-4BBD-B046-EAF111414CE2}" type="slidenum">
               <a:rPr lang="en-US" smtClean="0"/>
               <a:pPr/>
               <a:t>7</a:t>
@@ -1546,7 +2036,7 @@
       </p:sp>
       <p:sp>
         <p:nvSpPr>
-          <p:cNvPr id="61443" name="Rectangle 2"/>
+          <p:cNvPr id="60419" name="Rectangle 2"/>
           <p:cNvSpPr>
             <a:spLocks noGrp="1" noRot="1" noChangeAspect="1" noChangeArrowheads="1" noTextEdit="1"/>
           </p:cNvSpPr>
@@ -1563,7 +2053,7 @@
       </p:sp>
       <p:sp>
         <p:nvSpPr>
-          <p:cNvPr id="61444" name="Rectangle 3"/>
+          <p:cNvPr id="60420" name="Rectangle 3"/>
           <p:cNvSpPr>
             <a:spLocks noGrp="1" noChangeArrowheads="1"/>
           </p:cNvSpPr>
@@ -1617,7 +2107,7 @@
       </p:grpSpPr>
       <p:sp>
         <p:nvSpPr>
-          <p:cNvPr id="61442" name="Rectangle 7"/>
+          <p:cNvPr id="60418" name="Rectangle 7"/>
           <p:cNvSpPr>
             <a:spLocks noGrp="1" noChangeArrowheads="1"/>
           </p:cNvSpPr>
@@ -1632,7 +2122,7 @@
           <a:bodyPr/>
           <a:lstStyle/>
           <a:p>
-            <a:fld id="{FB67ED51-D6E5-49E3-B2E6-337A7D163646}" type="slidenum">
+            <a:fld id="{38AFA472-19A2-4BBD-B046-EAF111414CE2}" type="slidenum">
               <a:rPr lang="en-US" smtClean="0"/>
               <a:pPr/>
               <a:t>8</a:t>
@@ -1643,7 +2133,7 @@
       </p:sp>
       <p:sp>
         <p:nvSpPr>
-          <p:cNvPr id="61443" name="Rectangle 2"/>
+          <p:cNvPr id="60419" name="Rectangle 2"/>
           <p:cNvSpPr>
             <a:spLocks noGrp="1" noRot="1" noChangeAspect="1" noChangeArrowheads="1" noTextEdit="1"/>
           </p:cNvSpPr>
@@ -1660,7 +2150,7 @@
       </p:sp>
       <p:sp>
         <p:nvSpPr>
-          <p:cNvPr id="61444" name="Rectangle 3"/>
+          <p:cNvPr id="60420" name="Rectangle 3"/>
           <p:cNvSpPr>
             <a:spLocks noGrp="1" noChangeArrowheads="1"/>
           </p:cNvSpPr>
@@ -3152,16 +3642,7 @@
                 </a:solidFill>
                 <a:latin typeface="Comic Sans MS" pitchFamily="66" charset="0"/>
               </a:rPr>
-              <a:t>Inclusion-</a:t>
-            </a:r>
-            <a:r>
-              <a:rPr lang="en-US" sz="8000" b="1" dirty="0" smtClean="0">
-                <a:solidFill>
-                  <a:schemeClr val="tx2"/>
-                </a:solidFill>
-                <a:latin typeface="Comic Sans MS" pitchFamily="66" charset="0"/>
-              </a:rPr>
-              <a:t>Exclusion</a:t>
+              <a:t>Inclusion-Exclusion</a:t>
             </a:r>
           </a:p>
           <a:p>
@@ -3175,12 +3656,6 @@
               </a:rPr>
               <a:t>Binomial Proof</a:t>
             </a:r>
-            <a:endParaRPr lang="en-US" sz="8000" dirty="0" smtClean="0">
-              <a:solidFill>
-                <a:schemeClr val="tx2"/>
-              </a:solidFill>
-              <a:latin typeface="Comic Sans MS" pitchFamily="66" charset="0"/>
-            </a:endParaRPr>
           </a:p>
         </p:txBody>
       </p:sp>
@@ -3260,6 +3735,57 @@
       </p:grpSpPr>
       <p:sp>
         <p:nvSpPr>
+          <p:cNvPr id="5124" name="Rectangle 2"/>
+          <p:cNvSpPr>
+            <a:spLocks noGrp="1" noChangeArrowheads="1"/>
+          </p:cNvSpPr>
+          <p:nvPr>
+            <p:ph type="title"/>
+          </p:nvPr>
+        </p:nvSpPr>
+        <p:spPr>
+          <a:xfrm>
+            <a:off x="1600200" y="304800"/>
+            <a:ext cx="6019800" cy="1143000"/>
+          </a:xfrm>
+        </p:spPr>
+        <p:txBody>
+          <a:bodyPr/>
+          <a:lstStyle/>
+          <a:p>
+            <a:pPr eaLnBrk="1" hangingPunct="1"/>
+            <a:r>
+              <a:rPr lang="en-US" dirty="0" err="1" smtClean="0">
+                <a:latin typeface="Comic Sans MS" pitchFamily="66" charset="0"/>
+              </a:rPr>
+              <a:t>Incl-Excl</a:t>
+            </a:r>
+            <a:r>
+              <a:rPr lang="en-US" dirty="0" smtClean="0">
+                <a:latin typeface="Comic Sans MS" pitchFamily="66" charset="0"/>
+              </a:rPr>
+              <a:t> </a:t>
+            </a:r>
+            <a:r>
+              <a:rPr lang="en-US" dirty="0" smtClean="0">
+                <a:solidFill>
+                  <a:srgbClr val="0000FF"/>
+                </a:solidFill>
+                <a:latin typeface="Comic Sans MS" pitchFamily="66" charset="0"/>
+              </a:rPr>
+              <a:t>n</a:t>
+            </a:r>
+            <a:r>
+              <a:rPr lang="en-US" dirty="0" smtClean="0">
+                <a:latin typeface="Comic Sans MS" pitchFamily="66" charset="0"/>
+              </a:rPr>
+              <a:t> sets</a:t>
+            </a:r>
+          </a:p>
+        </p:txBody>
+      </p:sp>
+      <p:sp>
+        <p:nvSpPr>
           <p:cNvPr id="5125" name="Slide Number Placeholder 7"/>
           <p:cNvSpPr>
             <a:spLocks noGrp="1"/>
@@ -3294,89 +3820,32 @@
       </p:sp>
       <p:graphicFrame>
         <p:nvGraphicFramePr>
-          <p:cNvPr id="2" name="Object 1"/>
+          <p:cNvPr id="8" name="Object 4"/>
           <p:cNvGraphicFramePr>
             <a:graphicFrameLocks noChangeAspect="1"/>
           </p:cNvGraphicFramePr>
           <p:nvPr>
             <p:extLst>
               <p:ext uri="{D42A27DB-BD31-4B8C-83A1-F6EECF244321}">
-                <p14:modId xmlns:p14="http://schemas.microsoft.com/office/powerpoint/2010/main" val="3338645529"/>
+                <p14:modId xmlns:p14="http://schemas.microsoft.com/office/powerpoint/2010/main" val="4203262194"/>
               </p:ext>
             </p:extLst>
           </p:nvPr>
         </p:nvGraphicFramePr>
         <p:xfrm>
-          <a:off x="752475" y="2895600"/>
-          <a:ext cx="7789863" cy="2019300"/>
+          <a:off x="228600" y="2374900"/>
+          <a:ext cx="8624419" cy="2273300"/>
         </p:xfrm>
         <a:graphic>
           <a:graphicData uri="http://schemas.openxmlformats.org/presentationml/2006/ole">
             <mc:AlternateContent xmlns:mc="http://schemas.openxmlformats.org/markup-compatibility/2006">
               <mc:Choice xmlns:v="urn:schemas-microsoft-com:vml" Requires="v">
-                <p:oleObj spid="_x0000_s211005" name="Equation" r:id="rId4" imgW="2057400" imgH="533400" progId="Equation.DSMT4">
+                <p:oleObj spid="_x0000_s218121" name="Equation" r:id="rId4" imgW="1346200" imgH="355600" progId="Equation.DSMT4">
                   <p:embed/>
                 </p:oleObj>
               </mc:Choice>
               <mc:Fallback>
-                <p:oleObj name="Equation" r:id="rId4" imgW="2057400" imgH="533400" progId="Equation.DSMT4">
-                  <p:embed/>
-                  <p:pic>
-                    <p:nvPicPr>
-                      <p:cNvPr id="0" name=""/>
-                      <p:cNvPicPr/>
-                      <p:nvPr/>
-                    </p:nvPicPr>
-                    <p:blipFill>
-                      <a:blip r:embed="rId5"/>
-                      <a:stretch>
-                        <a:fillRect/>
-                      </a:stretch>
-                    </p:blipFill>
-                    <p:spPr>
-                      <a:xfrm>
-                        <a:off x="752475" y="2895600"/>
-                        <a:ext cx="7789863" cy="2019300"/>
-                      </a:xfrm>
-                      <a:prstGeom prst="rect">
-                        <a:avLst/>
-                      </a:prstGeom>
-                    </p:spPr>
-                  </p:pic>
-                </p:oleObj>
-              </mc:Fallback>
-            </mc:AlternateContent>
-          </a:graphicData>
-        </a:graphic>
-      </p:graphicFrame>
-      <p:graphicFrame>
-        <p:nvGraphicFramePr>
-          <p:cNvPr id="6" name="Object 3"/>
-          <p:cNvGraphicFramePr>
-            <a:graphicFrameLocks noChangeAspect="1"/>
-          </p:cNvGraphicFramePr>
-          <p:nvPr>
-            <p:extLst>
-              <p:ext uri="{D42A27DB-BD31-4B8C-83A1-F6EECF244321}">
-                <p14:modId xmlns:p14="http://schemas.microsoft.com/office/powerpoint/2010/main" val="2311034937"/>
-              </p:ext>
-            </p:extLst>
-          </p:nvPr>
-        </p:nvGraphicFramePr>
-        <p:xfrm>
-          <a:off x="2895600" y="1295400"/>
-          <a:ext cx="6188075" cy="1066800"/>
-        </p:xfrm>
-        <a:graphic>
-          <a:graphicData uri="http://schemas.openxmlformats.org/presentationml/2006/ole">
-            <mc:AlternateContent xmlns:mc="http://schemas.openxmlformats.org/markup-compatibility/2006">
-              <mc:Choice xmlns:v="urn:schemas-microsoft-com:vml" Requires="v">
-                <p:oleObj spid="_x0000_s211006" name="Equation" r:id="rId6" imgW="1397000" imgH="241300" progId="Equation.DSMT4">
-                  <p:embed/>
-                </p:oleObj>
-              </mc:Choice>
-              <mc:Fallback>
-                <p:oleObj name="Equation" r:id="rId6" imgW="1397000" imgH="241300" progId="Equation.DSMT4">
+                <p:oleObj name="Equation" r:id="rId4" imgW="1346200" imgH="355600" progId="Equation.DSMT4">
                   <p:embed/>
                   <p:pic>
                     <p:nvPicPr>
@@ -3387,7 +3856,7 @@
                       <p:nvPr/>
                     </p:nvPicPr>
                     <p:blipFill>
-                      <a:blip r:embed="rId7"/>
+                      <a:blip r:embed="rId5"/>
                       <a:srcRect/>
                       <a:stretch>
                         <a:fillRect/>
@@ -3395,8 +3864,8 @@
                     </p:blipFill>
                     <p:spPr bwMode="auto">
                       <a:xfrm>
-                        <a:off x="2895600" y="1295400"/>
-                        <a:ext cx="6188075" cy="1066800"/>
+                        <a:off x="228600" y="2374900"/>
+                        <a:ext cx="8624419" cy="2273300"/>
                       </a:xfrm>
                       <a:prstGeom prst="rect">
                         <a:avLst/>
@@ -3411,377 +3880,39 @@
           </a:graphicData>
         </a:graphic>
       </p:graphicFrame>
-      <p:sp>
-        <p:nvSpPr>
-          <p:cNvPr id="3" name="TextBox 2"/>
-          <p:cNvSpPr txBox="1"/>
-          <p:nvPr/>
-        </p:nvSpPr>
-        <p:spPr>
-          <a:xfrm>
-            <a:off x="152400" y="1295400"/>
-            <a:ext cx="5349992" cy="1754327"/>
-          </a:xfrm>
-          <a:prstGeom prst="rect">
-            <a:avLst/>
-          </a:prstGeom>
-          <a:noFill/>
-        </p:spPr>
-        <p:txBody>
-          <a:bodyPr wrap="none" rtlCol="0">
-            <a:spAutoFit/>
-          </a:bodyPr>
-          <a:lstStyle/>
-          <a:p>
-            <a:r>
-              <a:rPr lang="en-US" sz="5400" dirty="0" smtClean="0">
-                <a:latin typeface="Comic Sans MS" pitchFamily="66" charset="0"/>
-              </a:rPr>
-              <a:t>so each</a:t>
-            </a:r>
-          </a:p>
-          <a:p>
-            <a:r>
-              <a:rPr lang="en-US" sz="5400" dirty="0" smtClean="0">
-                <a:latin typeface="Comic Sans MS" pitchFamily="66" charset="0"/>
-              </a:rPr>
-              <a:t>contributes </a:t>
-            </a:r>
-            <a:r>
-              <a:rPr lang="en-US" sz="5400" dirty="0" smtClean="0">
-                <a:solidFill>
-                  <a:srgbClr val="0000FF"/>
-                </a:solidFill>
-                <a:latin typeface="Comic Sans MS" pitchFamily="66" charset="0"/>
-              </a:rPr>
-              <a:t>1</a:t>
-            </a:r>
-            <a:r>
-              <a:rPr lang="en-US" sz="5400" dirty="0" smtClean="0">
-                <a:latin typeface="Comic Sans MS" pitchFamily="66" charset="0"/>
-              </a:rPr>
-              <a:t> to </a:t>
-            </a:r>
-          </a:p>
-        </p:txBody>
-      </p:sp>
-      <p:graphicFrame>
-        <p:nvGraphicFramePr>
-          <p:cNvPr id="4" name="Object 3"/>
-          <p:cNvGraphicFramePr>
-            <a:graphicFrameLocks noChangeAspect="1"/>
-          </p:cNvGraphicFramePr>
-          <p:nvPr>
-            <p:extLst>
-              <p:ext uri="{D42A27DB-BD31-4B8C-83A1-F6EECF244321}">
-                <p14:modId xmlns:p14="http://schemas.microsoft.com/office/powerpoint/2010/main" val="1366942831"/>
-              </p:ext>
-            </p:extLst>
-          </p:nvPr>
-        </p:nvGraphicFramePr>
-        <p:xfrm>
-          <a:off x="685800" y="4953000"/>
-          <a:ext cx="7969250" cy="1371600"/>
-        </p:xfrm>
-        <a:graphic>
-          <a:graphicData uri="http://schemas.openxmlformats.org/presentationml/2006/ole">
-            <mc:AlternateContent xmlns:mc="http://schemas.openxmlformats.org/markup-compatibility/2006">
-              <mc:Choice xmlns:v="urn:schemas-microsoft-com:vml" Requires="v">
-                <p:oleObj spid="_x0000_s211007" name="Equation" r:id="rId8" imgW="1549400" imgH="266700" progId="Equation.DSMT4">
-                  <p:embed/>
-                </p:oleObj>
-              </mc:Choice>
-              <mc:Fallback>
-                <p:oleObj name="Equation" r:id="rId8" imgW="1549400" imgH="266700" progId="Equation.DSMT4">
-                  <p:embed/>
-                  <p:pic>
-                    <p:nvPicPr>
-                      <p:cNvPr id="0" name=""/>
-                      <p:cNvPicPr/>
-                      <p:nvPr/>
-                    </p:nvPicPr>
-                    <p:blipFill>
-                      <a:blip r:embed="rId9"/>
-                      <a:stretch>
-                        <a:fillRect/>
-                      </a:stretch>
-                    </p:blipFill>
-                    <p:spPr>
-                      <a:xfrm>
-                        <a:off x="685800" y="4953000"/>
-                        <a:ext cx="7969250" cy="1371600"/>
-                      </a:xfrm>
-                      <a:prstGeom prst="rect">
-                        <a:avLst/>
-                      </a:prstGeom>
-                    </p:spPr>
-                  </p:pic>
-                </p:oleObj>
-              </mc:Fallback>
-            </mc:AlternateContent>
-          </a:graphicData>
-        </a:graphic>
-      </p:graphicFrame>
-      <p:sp>
-        <p:nvSpPr>
-          <p:cNvPr id="11" name="Rectangle 2"/>
-          <p:cNvSpPr>
-            <a:spLocks noGrp="1" noChangeArrowheads="1"/>
-          </p:cNvSpPr>
-          <p:nvPr>
-            <p:ph type="title"/>
-          </p:nvPr>
-        </p:nvSpPr>
-        <p:spPr>
-          <a:xfrm>
-            <a:off x="1295400" y="152400"/>
-            <a:ext cx="6781800" cy="1219200"/>
-          </a:xfrm>
-        </p:spPr>
-        <p:txBody>
-          <a:bodyPr/>
-          <a:lstStyle/>
-          <a:p>
-            <a:pPr eaLnBrk="1" hangingPunct="1"/>
-            <a:r>
-              <a:rPr lang="en-US" sz="4400" dirty="0" smtClean="0"/>
-              <a:t>Binomial </a:t>
-            </a:r>
-            <a:r>
-              <a:rPr lang="en-US" sz="4400" dirty="0"/>
-              <a:t>C</a:t>
-            </a:r>
-            <a:r>
-              <a:rPr lang="en-US" sz="4400" dirty="0" smtClean="0"/>
-              <a:t>ounting proof</a:t>
-            </a:r>
-          </a:p>
-        </p:txBody>
-      </p:sp>
-      <p:sp>
-        <p:nvSpPr>
-          <p:cNvPr id="8" name="TextBox 7"/>
-          <p:cNvSpPr txBox="1"/>
-          <p:nvPr/>
-        </p:nvSpPr>
-        <p:spPr>
-          <a:xfrm>
-            <a:off x="3429000" y="304800"/>
-            <a:ext cx="2464938" cy="1323439"/>
-          </a:xfrm>
-          <a:prstGeom prst="rect">
-            <a:avLst/>
-          </a:prstGeom>
-          <a:noFill/>
-        </p:spPr>
-        <p:txBody>
-          <a:bodyPr wrap="none" rtlCol="0">
-            <a:spAutoFit/>
-          </a:bodyPr>
-          <a:lstStyle/>
-          <a:p>
-            <a:r>
-              <a:rPr lang="en-US" sz="8000" dirty="0" smtClean="0">
-                <a:solidFill>
-                  <a:srgbClr val="008000"/>
-                </a:solidFill>
-                <a:latin typeface="Comic Sans MS" pitchFamily="66" charset="0"/>
-              </a:rPr>
-              <a:t>QED</a:t>
-            </a:r>
-          </a:p>
-        </p:txBody>
-      </p:sp>
     </p:spTree>
     <p:extLst>
       <p:ext uri="{BB962C8B-B14F-4D97-AF65-F5344CB8AC3E}">
-        <p14:creationId xmlns:p14="http://schemas.microsoft.com/office/powerpoint/2010/main" val="2309296301"/>
+        <p14:creationId xmlns:p14="http://schemas.microsoft.com/office/powerpoint/2010/main" val="2840725800"/>
       </p:ext>
     </p:extLst>
   </p:cSld>
   <p:clrMapOvr>
     <a:masterClrMapping/>
   </p:clrMapOvr>
-  <p:transition xmlns:p14="http://schemas.microsoft.com/office/powerpoint/2010/main" spd="slow" advClick="0">
-    <p:fade/>
-  </p:transition>
+  <mc:AlternateContent xmlns:mc="http://schemas.openxmlformats.org/markup-compatibility/2006" xmlns:p14="http://schemas.microsoft.com/office/powerpoint/2010/main">
+    <mc:Choice Requires="p14">
+      <p:transition spd="slow" p14:dur="900" advClick="0">
+        <p:fade/>
+      </p:transition>
+    </mc:Choice>
+    <mc:Fallback xmlns="">
+      <p:transition xmlns:p14="http://schemas.microsoft.com/office/powerpoint/2010/main" spd="slow" advClick="0">
+        <p:fade/>
+      </p:transition>
+    </mc:Fallback>
+  </mc:AlternateContent>
   <p:timing>
     <p:tnLst>
       <p:par>
-        <p:cTn xmlns:p14="http://schemas.microsoft.com/office/powerpoint/2010/main" id="1" dur="indefinite" restart="never" nodeType="tmRoot">
-          <p:childTnLst>
-            <p:seq concurrent="1" nextAc="seek">
-              <p:cTn id="2" dur="indefinite" nodeType="mainSeq">
-                <p:childTnLst>
-                  <p:par>
-                    <p:cTn id="3" fill="hold">
-                      <p:stCondLst>
-                        <p:cond delay="indefinite"/>
-                        <p:cond evt="onBegin" delay="0">
-                          <p:tn val="2"/>
-                        </p:cond>
-                      </p:stCondLst>
-                      <p:childTnLst>
-                        <p:par>
-                          <p:cTn id="4" fill="hold">
-                            <p:stCondLst>
-                              <p:cond delay="0"/>
-                            </p:stCondLst>
-                            <p:childTnLst>
-                              <p:par>
-                                <p:cTn id="5" presetID="15" presetClass="entr" presetSubtype="0" fill="hold" grpId="0" nodeType="withEffect">
-                                  <p:stCondLst>
-                                    <p:cond delay="0"/>
-                                  </p:stCondLst>
-                                  <p:childTnLst>
-                                    <p:set>
-                                      <p:cBhvr>
-                                        <p:cTn id="6" dur="1" fill="hold">
-                                          <p:stCondLst>
-                                            <p:cond delay="0"/>
-                                          </p:stCondLst>
-                                        </p:cTn>
-                                        <p:tgtEl>
-                                          <p:spTgt spid="8"/>
-                                        </p:tgtEl>
-                                        <p:attrNameLst>
-                                          <p:attrName>style.visibility</p:attrName>
-                                        </p:attrNameLst>
-                                      </p:cBhvr>
-                                      <p:to>
-                                        <p:strVal val="visible"/>
-                                      </p:to>
-                                    </p:set>
-                                    <p:anim calcmode="lin" valueType="num">
-                                      <p:cBhvr>
-                                        <p:cTn id="7" dur="1000" fill="hold"/>
-                                        <p:tgtEl>
-                                          <p:spTgt spid="8"/>
-                                        </p:tgtEl>
-                                        <p:attrNameLst>
-                                          <p:attrName>ppt_w</p:attrName>
-                                        </p:attrNameLst>
-                                      </p:cBhvr>
-                                      <p:tavLst>
-                                        <p:tav tm="0">
-                                          <p:val>
-                                            <p:fltVal val="0"/>
-                                          </p:val>
-                                        </p:tav>
-                                        <p:tav tm="100000">
-                                          <p:val>
-                                            <p:strVal val="#ppt_w"/>
-                                          </p:val>
-                                        </p:tav>
-                                      </p:tavLst>
-                                    </p:anim>
-                                    <p:anim calcmode="lin" valueType="num">
-                                      <p:cBhvr>
-                                        <p:cTn id="8" dur="1000" fill="hold"/>
-                                        <p:tgtEl>
-                                          <p:spTgt spid="8"/>
-                                        </p:tgtEl>
-                                        <p:attrNameLst>
-                                          <p:attrName>ppt_h</p:attrName>
-                                        </p:attrNameLst>
-                                      </p:cBhvr>
-                                      <p:tavLst>
-                                        <p:tav tm="0">
-                                          <p:val>
-                                            <p:fltVal val="0"/>
-                                          </p:val>
-                                        </p:tav>
-                                        <p:tav tm="100000">
-                                          <p:val>
-                                            <p:strVal val="#ppt_h"/>
-                                          </p:val>
-                                        </p:tav>
-                                      </p:tavLst>
-                                    </p:anim>
-                                    <p:anim calcmode="lin" valueType="num">
-                                      <p:cBhvr>
-                                        <p:cTn id="9" dur="1000" fill="hold"/>
-                                        <p:tgtEl>
-                                          <p:spTgt spid="8"/>
-                                        </p:tgtEl>
-                                        <p:attrNameLst>
-                                          <p:attrName>ppt_x</p:attrName>
-                                        </p:attrNameLst>
-                                      </p:cBhvr>
-                                      <p:tavLst>
-                                        <p:tav tm="0" fmla="#ppt_x+(cos(-2*pi*(1-$))*-#ppt_x-sin(-2*pi*(1-$))*(1-#ppt_y))*(1-$)">
-                                          <p:val>
-                                            <p:fltVal val="0"/>
-                                          </p:val>
-                                        </p:tav>
-                                        <p:tav tm="100000">
-                                          <p:val>
-                                            <p:fltVal val="1"/>
-                                          </p:val>
-                                        </p:tav>
-                                      </p:tavLst>
-                                    </p:anim>
-                                    <p:anim calcmode="lin" valueType="num">
-                                      <p:cBhvr>
-                                        <p:cTn id="10" dur="1000" fill="hold"/>
-                                        <p:tgtEl>
-                                          <p:spTgt spid="8"/>
-                                        </p:tgtEl>
-                                        <p:attrNameLst>
-                                          <p:attrName>ppt_y</p:attrName>
-                                        </p:attrNameLst>
-                                      </p:cBhvr>
-                                      <p:tavLst>
-                                        <p:tav tm="0" fmla="#ppt_y+(sin(-2*pi*(1-$))*-#ppt_x+cos(-2*pi*(1-$))*(1-#ppt_y))*(1-$)">
-                                          <p:val>
-                                            <p:fltVal val="0"/>
-                                          </p:val>
-                                        </p:tav>
-                                        <p:tav tm="100000">
-                                          <p:val>
-                                            <p:fltVal val="1"/>
-                                          </p:val>
-                                        </p:tav>
-                                      </p:tavLst>
-                                    </p:anim>
-                                  </p:childTnLst>
-                                </p:cTn>
-                              </p:par>
-                            </p:childTnLst>
-                          </p:cTn>
-                        </p:par>
-                      </p:childTnLst>
-                    </p:cTn>
-                  </p:par>
-                </p:childTnLst>
-              </p:cTn>
-              <p:prevCondLst>
-                <p:cond evt="onPrev" delay="0">
-                  <p:tgtEl>
-                    <p:sldTgt/>
-                  </p:tgtEl>
-                </p:cond>
-              </p:prevCondLst>
-              <p:nextCondLst>
-                <p:cond evt="onNext" delay="0">
-                  <p:tgtEl>
-                    <p:sldTgt/>
-                  </p:tgtEl>
-                </p:cond>
-              </p:nextCondLst>
-            </p:seq>
-          </p:childTnLst>
-        </p:cTn>
+        <p:cTn xmlns:p14="http://schemas.microsoft.com/office/powerpoint/2010/main" id="1" dur="indefinite" restart="never" nodeType="tmRoot"/>
       </p:par>
     </p:tnLst>
-    <p:bldLst>
-      <p:bldP spid="8" grpId="0"/>
-    </p:bldLst>
   </p:timing>
 </p:sld>
 </file>
 
-<file path=ppt/slides/slide2.xml><?xml version="1.0" encoding="utf-8"?>
+<file path=ppt/slides/slide11.xml><?xml version="1.0" encoding="utf-8"?>
 <p:sld xmlns:a="http://schemas.openxmlformats.org/drawingml/2006/main" xmlns:r="http://schemas.openxmlformats.org/officeDocument/2006/relationships" xmlns:p="http://schemas.openxmlformats.org/presentationml/2006/main">
   <p:cSld>
     <p:spTree>
@@ -3798,440 +3929,150 @@
           <a:chExt cx="0" cy="0"/>
         </a:xfrm>
       </p:grpSpPr>
+      <p:sp>
+        <p:nvSpPr>
+          <p:cNvPr id="17412" name="Slide Number Placeholder 5"/>
+          <p:cNvSpPr>
+            <a:spLocks noGrp="1"/>
+          </p:cNvSpPr>
+          <p:nvPr>
+            <p:ph type="sldNum" sz="quarter" idx="10"/>
+          </p:nvPr>
+        </p:nvSpPr>
+        <p:spPr>
+          <a:noFill/>
+        </p:spPr>
+        <p:txBody>
+          <a:bodyPr/>
+          <a:lstStyle/>
+          <a:p>
+            <a:r>
+              <a:rPr lang="en-US" dirty="0" err="1" smtClean="0"/>
+              <a:t>incexcbinom</a:t>
+            </a:r>
+            <a:r>
+              <a:rPr lang="en-US" dirty="0" smtClean="0"/>
+              <a:t>.</a:t>
+            </a:r>
+            <a:fld id="{83D78B86-54BD-4C40-B154-E0B4BEB7EE49}" type="slidenum">
+              <a:rPr lang="en-US" smtClean="0"/>
+              <a:pPr/>
+              <a:t>11</a:t>
+            </a:fld>
+            <a:endParaRPr lang="en-US" dirty="0" smtClean="0"/>
+          </a:p>
+        </p:txBody>
+      </p:sp>
+      <p:sp>
+        <p:nvSpPr>
+          <p:cNvPr id="17413" name="Rectangle 2"/>
+          <p:cNvSpPr>
+            <a:spLocks noGrp="1" noChangeArrowheads="1"/>
+          </p:cNvSpPr>
+          <p:nvPr>
+            <p:ph type="title"/>
+          </p:nvPr>
+        </p:nvSpPr>
+        <p:spPr>
+          <a:xfrm>
+            <a:off x="1295400" y="152400"/>
+            <a:ext cx="6781800" cy="1219200"/>
+          </a:xfrm>
+        </p:spPr>
+        <p:txBody>
+          <a:bodyPr/>
+          <a:lstStyle/>
+          <a:p>
+            <a:pPr eaLnBrk="1" hangingPunct="1"/>
+            <a:r>
+              <a:rPr lang="en-US" sz="4400" dirty="0" smtClean="0"/>
+              <a:t>Binomial </a:t>
+            </a:r>
+            <a:r>
+              <a:rPr lang="en-US" sz="4400" dirty="0"/>
+              <a:t>C</a:t>
+            </a:r>
+            <a:r>
+              <a:rPr lang="en-US" sz="4400" dirty="0" smtClean="0"/>
+              <a:t>ounting proof</a:t>
+            </a:r>
+          </a:p>
+        </p:txBody>
+      </p:sp>
+      <p:sp>
+        <p:nvSpPr>
+          <p:cNvPr id="2" name="TextBox 1"/>
+          <p:cNvSpPr txBox="1"/>
+          <p:nvPr/>
+        </p:nvSpPr>
+        <p:spPr>
+          <a:xfrm>
+            <a:off x="381000" y="1143000"/>
+            <a:ext cx="7420413" cy="2123658"/>
+          </a:xfrm>
+          <a:prstGeom prst="rect">
+            <a:avLst/>
+          </a:prstGeom>
+          <a:noFill/>
+        </p:spPr>
+        <p:txBody>
+          <a:bodyPr wrap="none" rtlCol="0">
+            <a:spAutoFit/>
+          </a:bodyPr>
+          <a:lstStyle/>
+          <a:p>
+            <a:r>
+              <a:rPr lang="en-US" sz="6600" dirty="0" smtClean="0">
+                <a:latin typeface="Comic Sans MS" pitchFamily="66" charset="0"/>
+              </a:rPr>
+              <a:t>The sum of sizes</a:t>
+            </a:r>
+          </a:p>
+          <a:p>
+            <a:r>
+              <a:rPr lang="en-US" sz="6600" dirty="0" smtClean="0">
+                <a:latin typeface="Comic Sans MS" pitchFamily="66" charset="0"/>
+              </a:rPr>
+              <a:t>of intersections </a:t>
+            </a:r>
+            <a:r>
+              <a:rPr lang="en-US" sz="6600" b="1" dirty="0" smtClean="0">
+                <a:latin typeface="Euclid Symbol" charset="2"/>
+                <a:cs typeface="Euclid Symbol" charset="2"/>
+              </a:rPr>
+              <a:t>=</a:t>
+            </a:r>
+          </a:p>
+        </p:txBody>
+      </p:sp>
       <p:graphicFrame>
         <p:nvGraphicFramePr>
-          <p:cNvPr id="5122" name="Object 3"/>
+          <p:cNvPr id="4" name="Object 3"/>
           <p:cNvGraphicFramePr>
             <a:graphicFrameLocks noChangeAspect="1"/>
           </p:cNvGraphicFramePr>
           <p:nvPr>
             <p:extLst>
               <p:ext uri="{D42A27DB-BD31-4B8C-83A1-F6EECF244321}">
-                <p14:modId xmlns:p14="http://schemas.microsoft.com/office/powerpoint/2010/main" val="3128216839"/>
+                <p14:modId xmlns:p14="http://schemas.microsoft.com/office/powerpoint/2010/main" val="1297072614"/>
               </p:ext>
             </p:extLst>
           </p:nvPr>
         </p:nvGraphicFramePr>
         <p:xfrm>
-          <a:off x="217488" y="1187450"/>
-          <a:ext cx="6877050" cy="1360488"/>
+          <a:off x="411869" y="3473388"/>
+          <a:ext cx="8320261" cy="2013012"/>
         </p:xfrm>
         <a:graphic>
           <a:graphicData uri="http://schemas.openxmlformats.org/presentationml/2006/ole">
             <mc:AlternateContent xmlns:mc="http://schemas.openxmlformats.org/markup-compatibility/2006">
               <mc:Choice xmlns:v="urn:schemas-microsoft-com:vml" Requires="v">
-                <p:oleObj spid="_x0000_s5204" name="Equation" r:id="rId4" imgW="1346200" imgH="266700" progId="Equation.DSMT4">
+                <p:oleObj spid="_x0000_s204846" name="Equation" r:id="rId4" imgW="2413000" imgH="584200" progId="Equation.DSMT4">
                   <p:embed/>
                 </p:oleObj>
               </mc:Choice>
               <mc:Fallback>
-                <p:oleObj name="Equation" r:id="rId4" imgW="1346200" imgH="266700" progId="Equation.DSMT4">
-                  <p:embed/>
-                  <p:pic>
-                    <p:nvPicPr>
-                      <p:cNvPr id="0" name="Object 3"/>
-                      <p:cNvPicPr>
-                        <a:picLocks noChangeAspect="1" noChangeArrowheads="1"/>
-                      </p:cNvPicPr>
-                      <p:nvPr/>
-                    </p:nvPicPr>
-                    <p:blipFill>
-                      <a:blip r:embed="rId5"/>
-                      <a:srcRect/>
-                      <a:stretch>
-                        <a:fillRect/>
-                      </a:stretch>
-                    </p:blipFill>
-                    <p:spPr bwMode="auto">
-                      <a:xfrm>
-                        <a:off x="217488" y="1187450"/>
-                        <a:ext cx="6877050" cy="1360488"/>
-                      </a:xfrm>
-                      <a:prstGeom prst="rect">
-                        <a:avLst/>
-                      </a:prstGeom>
-                      <a:noFill/>
-                      <a:extLst>
-                        <a:ext uri="{909E8E84-426E-40dd-AFC4-6F175D3DCCD1}">
-                          <a14:hiddenFill xmlns:a14="http://schemas.microsoft.com/office/drawing/2010/main">
-                            <a:solidFill>
-                              <a:srgbClr val="FFFFFF"/>
-                            </a:solidFill>
-                          </a14:hiddenFill>
-                        </a:ext>
-                      </a:extLst>
-                    </p:spPr>
-                  </p:pic>
-                </p:oleObj>
-              </mc:Fallback>
-            </mc:AlternateContent>
-          </a:graphicData>
-        </a:graphic>
-      </p:graphicFrame>
-      <p:graphicFrame>
-        <p:nvGraphicFramePr>
-          <p:cNvPr id="571396" name="Object 4"/>
-          <p:cNvGraphicFramePr>
-            <a:graphicFrameLocks noChangeAspect="1"/>
-          </p:cNvGraphicFramePr>
-          <p:nvPr>
-            <p:extLst>
-              <p:ext uri="{D42A27DB-BD31-4B8C-83A1-F6EECF244321}">
-                <p14:modId xmlns:p14="http://schemas.microsoft.com/office/powerpoint/2010/main" val="3732530121"/>
-              </p:ext>
-            </p:extLst>
-          </p:nvPr>
-        </p:nvGraphicFramePr>
-        <p:xfrm>
-          <a:off x="933450" y="2451100"/>
-          <a:ext cx="7307263" cy="2493963"/>
-        </p:xfrm>
-        <a:graphic>
-          <a:graphicData uri="http://schemas.openxmlformats.org/presentationml/2006/ole">
-            <mc:AlternateContent xmlns:mc="http://schemas.openxmlformats.org/markup-compatibility/2006">
-              <mc:Choice xmlns:v="urn:schemas-microsoft-com:vml" Requires="v">
-                <p:oleObj spid="_x0000_s5205" name="Equation" r:id="rId6" imgW="1447800" imgH="495300" progId="Equation.DSMT4">
-                  <p:embed/>
-                </p:oleObj>
-              </mc:Choice>
-              <mc:Fallback>
-                <p:oleObj name="Equation" r:id="rId6" imgW="1447800" imgH="495300" progId="Equation.DSMT4">
-                  <p:embed/>
-                  <p:pic>
-                    <p:nvPicPr>
-                      <p:cNvPr id="0" name="Object 4"/>
-                      <p:cNvPicPr>
-                        <a:picLocks noChangeAspect="1" noChangeArrowheads="1"/>
-                      </p:cNvPicPr>
-                      <p:nvPr/>
-                    </p:nvPicPr>
-                    <p:blipFill>
-                      <a:blip r:embed="rId7"/>
-                      <a:srcRect/>
-                      <a:stretch>
-                        <a:fillRect/>
-                      </a:stretch>
-                    </p:blipFill>
-                    <p:spPr bwMode="auto">
-                      <a:xfrm>
-                        <a:off x="933450" y="2451100"/>
-                        <a:ext cx="7307263" cy="2493963"/>
-                      </a:xfrm>
-                      <a:prstGeom prst="rect">
-                        <a:avLst/>
-                      </a:prstGeom>
-                      <a:noFill/>
-                      <a:extLst>
-                        <a:ext uri="{909E8E84-426E-40dd-AFC4-6F175D3DCCD1}">
-                          <a14:hiddenFill xmlns:a14="http://schemas.microsoft.com/office/drawing/2010/main">
-                            <a:solidFill>
-                              <a:srgbClr val="FFFFFF"/>
-                            </a:solidFill>
-                          </a14:hiddenFill>
-                        </a:ext>
-                      </a:extLst>
-                    </p:spPr>
-                  </p:pic>
-                </p:oleObj>
-              </mc:Fallback>
-            </mc:AlternateContent>
-          </a:graphicData>
-        </a:graphic>
-      </p:graphicFrame>
-      <p:sp>
-        <p:nvSpPr>
-          <p:cNvPr id="5124" name="Rectangle 2"/>
-          <p:cNvSpPr>
-            <a:spLocks noGrp="1" noChangeArrowheads="1"/>
-          </p:cNvSpPr>
-          <p:nvPr>
-            <p:ph type="title"/>
-          </p:nvPr>
-        </p:nvSpPr>
-        <p:spPr>
-          <a:xfrm>
-            <a:off x="1600200" y="304800"/>
-            <a:ext cx="6019800" cy="1143000"/>
-          </a:xfrm>
-        </p:spPr>
-        <p:txBody>
-          <a:bodyPr/>
-          <a:lstStyle/>
-          <a:p>
-            <a:pPr eaLnBrk="1" hangingPunct="1"/>
-            <a:r>
-              <a:rPr lang="en-US" dirty="0" err="1" smtClean="0">
-                <a:latin typeface="Comic Sans MS" pitchFamily="66" charset="0"/>
-              </a:rPr>
-              <a:t>Incl-Excl</a:t>
-            </a:r>
-            <a:r>
-              <a:rPr lang="en-US" dirty="0" smtClean="0">
-                <a:latin typeface="Comic Sans MS" pitchFamily="66" charset="0"/>
-              </a:rPr>
-              <a:t> </a:t>
-            </a:r>
-            <a:r>
-              <a:rPr lang="en-US" dirty="0" smtClean="0">
-                <a:solidFill>
-                  <a:srgbClr val="0000FF"/>
-                </a:solidFill>
-                <a:latin typeface="Comic Sans MS" pitchFamily="66" charset="0"/>
-              </a:rPr>
-              <a:t>n</a:t>
-            </a:r>
-            <a:r>
-              <a:rPr lang="en-US" dirty="0" smtClean="0">
-                <a:latin typeface="Comic Sans MS" pitchFamily="66" charset="0"/>
-              </a:rPr>
-              <a:t> sets</a:t>
-            </a:r>
-          </a:p>
-        </p:txBody>
-      </p:sp>
-      <p:sp>
-        <p:nvSpPr>
-          <p:cNvPr id="5125" name="Slide Number Placeholder 7"/>
-          <p:cNvSpPr>
-            <a:spLocks noGrp="1"/>
-          </p:cNvSpPr>
-          <p:nvPr>
-            <p:ph type="sldNum" sz="quarter" idx="10"/>
-          </p:nvPr>
-        </p:nvSpPr>
-        <p:spPr>
-          <a:noFill/>
-        </p:spPr>
-        <p:txBody>
-          <a:bodyPr/>
-          <a:lstStyle/>
-          <a:p>
-            <a:r>
-              <a:rPr lang="en-US" dirty="0" err="1" smtClean="0"/>
-              <a:t>incexcbinom</a:t>
-            </a:r>
-            <a:r>
-              <a:rPr lang="en-US" dirty="0" smtClean="0"/>
-              <a:t>.</a:t>
-            </a:r>
-            <a:fld id="{440333D2-3154-4D4B-AAB9-AB5679BA8A30}" type="slidenum">
-              <a:rPr lang="en-US" smtClean="0"/>
-              <a:pPr/>
-              <a:t>2</a:t>
-            </a:fld>
-            <a:endParaRPr lang="en-US" dirty="0" smtClean="0"/>
-          </a:p>
-        </p:txBody>
-      </p:sp>
-    </p:spTree>
-  </p:cSld>
-  <p:clrMapOvr>
-    <a:masterClrMapping/>
-  </p:clrMapOvr>
-  <p:transition xmlns:p14="http://schemas.microsoft.com/office/powerpoint/2010/main" spd="slow" advClick="0">
-    <p:fade thruBlk="1"/>
-  </p:transition>
-  <p:timing>
-    <p:tnLst>
-      <p:par>
-        <p:cTn xmlns:p14="http://schemas.microsoft.com/office/powerpoint/2010/main" id="1" dur="indefinite" restart="never" nodeType="tmRoot">
-          <p:childTnLst>
-            <p:seq concurrent="1" nextAc="seek">
-              <p:cTn id="2" dur="indefinite" nodeType="mainSeq">
-                <p:childTnLst>
-                  <p:par>
-                    <p:cTn id="3" fill="hold">
-                      <p:stCondLst>
-                        <p:cond delay="indefinite"/>
-                      </p:stCondLst>
-                      <p:childTnLst>
-                        <p:par>
-                          <p:cTn id="4" fill="hold">
-                            <p:stCondLst>
-                              <p:cond delay="0"/>
-                            </p:stCondLst>
-                            <p:childTnLst>
-                              <p:par>
-                                <p:cTn id="5" presetID="22" presetClass="entr" presetSubtype="8" fill="hold" nodeType="clickEffect">
-                                  <p:stCondLst>
-                                    <p:cond delay="0"/>
-                                  </p:stCondLst>
-                                  <p:childTnLst>
-                                    <p:set>
-                                      <p:cBhvr>
-                                        <p:cTn id="6" dur="1" fill="hold">
-                                          <p:stCondLst>
-                                            <p:cond delay="0"/>
-                                          </p:stCondLst>
-                                        </p:cTn>
-                                        <p:tgtEl>
-                                          <p:spTgt spid="571396"/>
-                                        </p:tgtEl>
-                                        <p:attrNameLst>
-                                          <p:attrName>style.visibility</p:attrName>
-                                        </p:attrNameLst>
-                                      </p:cBhvr>
-                                      <p:to>
-                                        <p:strVal val="visible"/>
-                                      </p:to>
-                                    </p:set>
-                                    <p:animEffect transition="in" filter="wipe(left)">
-                                      <p:cBhvr>
-                                        <p:cTn id="7" dur="2000"/>
-                                        <p:tgtEl>
-                                          <p:spTgt spid="571396"/>
-                                        </p:tgtEl>
-                                      </p:cBhvr>
-                                    </p:animEffect>
-                                  </p:childTnLst>
-                                </p:cTn>
-                              </p:par>
-                            </p:childTnLst>
-                          </p:cTn>
-                        </p:par>
-                      </p:childTnLst>
-                    </p:cTn>
-                  </p:par>
-                </p:childTnLst>
-              </p:cTn>
-              <p:prevCondLst>
-                <p:cond evt="onPrev" delay="0">
-                  <p:tgtEl>
-                    <p:sldTgt/>
-                  </p:tgtEl>
-                </p:cond>
-              </p:prevCondLst>
-              <p:nextCondLst>
-                <p:cond evt="onNext" delay="0">
-                  <p:tgtEl>
-                    <p:sldTgt/>
-                  </p:tgtEl>
-                </p:cond>
-              </p:nextCondLst>
-            </p:seq>
-          </p:childTnLst>
-        </p:cTn>
-      </p:par>
-    </p:tnLst>
-  </p:timing>
-</p:sld>
-</file>
-
-<file path=ppt/slides/slide3.xml><?xml version="1.0" encoding="utf-8"?>
-<p:sld xmlns:a="http://schemas.openxmlformats.org/drawingml/2006/main" xmlns:r="http://schemas.openxmlformats.org/officeDocument/2006/relationships" xmlns:p="http://schemas.openxmlformats.org/presentationml/2006/main">
-  <p:cSld>
-    <p:spTree>
-      <p:nvGrpSpPr>
-        <p:cNvPr id="1" name=""/>
-        <p:cNvGrpSpPr/>
-        <p:nvPr/>
-      </p:nvGrpSpPr>
-      <p:grpSpPr>
-        <a:xfrm>
-          <a:off x="0" y="0"/>
-          <a:ext cx="0" cy="0"/>
-          <a:chOff x="0" y="0"/>
-          <a:chExt cx="0" cy="0"/>
-        </a:xfrm>
-      </p:grpSpPr>
-      <p:sp>
-        <p:nvSpPr>
-          <p:cNvPr id="17412" name="Slide Number Placeholder 5"/>
-          <p:cNvSpPr>
-            <a:spLocks noGrp="1"/>
-          </p:cNvSpPr>
-          <p:nvPr>
-            <p:ph type="sldNum" sz="quarter" idx="10"/>
-          </p:nvPr>
-        </p:nvSpPr>
-        <p:spPr>
-          <a:noFill/>
-        </p:spPr>
-        <p:txBody>
-          <a:bodyPr/>
-          <a:lstStyle/>
-          <a:p>
-            <a:r>
-              <a:rPr lang="en-US" dirty="0" err="1" smtClean="0"/>
-              <a:t>incexcbinom</a:t>
-            </a:r>
-            <a:r>
-              <a:rPr lang="en-US" dirty="0" smtClean="0"/>
-              <a:t>.</a:t>
-            </a:r>
-            <a:fld id="{83D78B86-54BD-4C40-B154-E0B4BEB7EE49}" type="slidenum">
-              <a:rPr lang="en-US" smtClean="0"/>
-              <a:pPr/>
-              <a:t>3</a:t>
-            </a:fld>
-            <a:endParaRPr lang="en-US" dirty="0" smtClean="0"/>
-          </a:p>
-        </p:txBody>
-      </p:sp>
-      <p:sp>
-        <p:nvSpPr>
-          <p:cNvPr id="17413" name="Rectangle 2"/>
-          <p:cNvSpPr>
-            <a:spLocks noGrp="1" noChangeArrowheads="1"/>
-          </p:cNvSpPr>
-          <p:nvPr>
-            <p:ph type="title"/>
-          </p:nvPr>
-        </p:nvSpPr>
-        <p:spPr>
-          <a:xfrm>
-            <a:off x="1295400" y="152400"/>
-            <a:ext cx="6781800" cy="1219200"/>
-          </a:xfrm>
-        </p:spPr>
-        <p:txBody>
-          <a:bodyPr/>
-          <a:lstStyle/>
-          <a:p>
-            <a:pPr eaLnBrk="1" hangingPunct="1"/>
-            <a:r>
-              <a:rPr lang="en-US" sz="4400" dirty="0" smtClean="0"/>
-              <a:t>Binomial </a:t>
-            </a:r>
-            <a:r>
-              <a:rPr lang="en-US" sz="4400" dirty="0"/>
-              <a:t>C</a:t>
-            </a:r>
-            <a:r>
-              <a:rPr lang="en-US" sz="4400" dirty="0" smtClean="0"/>
-              <a:t>ounting proof</a:t>
-            </a:r>
-          </a:p>
-        </p:txBody>
-      </p:sp>
-      <p:graphicFrame>
-        <p:nvGraphicFramePr>
-          <p:cNvPr id="3" name="Object 2"/>
-          <p:cNvGraphicFramePr>
-            <a:graphicFrameLocks noChangeAspect="1"/>
-          </p:cNvGraphicFramePr>
-          <p:nvPr>
-            <p:extLst>
-              <p:ext uri="{D42A27DB-BD31-4B8C-83A1-F6EECF244321}">
-                <p14:modId xmlns:p14="http://schemas.microsoft.com/office/powerpoint/2010/main" val="1916367811"/>
-              </p:ext>
-            </p:extLst>
-          </p:nvPr>
-        </p:nvGraphicFramePr>
-        <p:xfrm>
-          <a:off x="163513" y="1219200"/>
-          <a:ext cx="8775700" cy="2193925"/>
-        </p:xfrm>
-        <a:graphic>
-          <a:graphicData uri="http://schemas.openxmlformats.org/presentationml/2006/ole">
-            <mc:AlternateContent xmlns:mc="http://schemas.openxmlformats.org/markup-compatibility/2006">
-              <mc:Choice xmlns:v="urn:schemas-microsoft-com:vml" Requires="v">
-                <p:oleObj spid="_x0000_s202800" name="Equation" r:id="rId4" imgW="2133600" imgH="533400" progId="Equation.DSMT4">
-                  <p:embed/>
-                </p:oleObj>
-              </mc:Choice>
-              <mc:Fallback>
-                <p:oleObj name="Equation" r:id="rId4" imgW="2133600" imgH="533400" progId="Equation.DSMT4">
+                <p:oleObj name="Equation" r:id="rId4" imgW="2413000" imgH="584200" progId="Equation.DSMT4">
                   <p:embed/>
                   <p:pic>
                     <p:nvPicPr>
@@ -4247,707 +4088,8 @@
                     </p:blipFill>
                     <p:spPr>
                       <a:xfrm>
-                        <a:off x="163513" y="1219200"/>
-                        <a:ext cx="8775700" cy="2193925"/>
-                      </a:xfrm>
-                      <a:prstGeom prst="rect">
-                        <a:avLst/>
-                      </a:prstGeom>
-                    </p:spPr>
-                  </p:pic>
-                </p:oleObj>
-              </mc:Fallback>
-            </mc:AlternateContent>
-          </a:graphicData>
-        </a:graphic>
-      </p:graphicFrame>
-      <p:graphicFrame>
-        <p:nvGraphicFramePr>
-          <p:cNvPr id="2" name="Object 1"/>
-          <p:cNvGraphicFramePr>
-            <a:graphicFrameLocks noChangeAspect="1"/>
-          </p:cNvGraphicFramePr>
-          <p:nvPr>
-            <p:extLst>
-              <p:ext uri="{D42A27DB-BD31-4B8C-83A1-F6EECF244321}">
-                <p14:modId xmlns:p14="http://schemas.microsoft.com/office/powerpoint/2010/main" val="2778360678"/>
-              </p:ext>
-            </p:extLst>
-          </p:nvPr>
-        </p:nvGraphicFramePr>
-        <p:xfrm>
-          <a:off x="130175" y="3498850"/>
-          <a:ext cx="8807450" cy="1830388"/>
-        </p:xfrm>
-        <a:graphic>
-          <a:graphicData uri="http://schemas.openxmlformats.org/presentationml/2006/ole">
-            <mc:AlternateContent xmlns:mc="http://schemas.openxmlformats.org/markup-compatibility/2006">
-              <mc:Choice xmlns:v="urn:schemas-microsoft-com:vml" Requires="v">
-                <p:oleObj spid="_x0000_s202801" name="Equation" r:id="rId6" imgW="2565400" imgH="533400" progId="Equation.DSMT4">
-                  <p:embed/>
-                </p:oleObj>
-              </mc:Choice>
-              <mc:Fallback>
-                <p:oleObj name="Equation" r:id="rId6" imgW="2565400" imgH="533400" progId="Equation.DSMT4">
-                  <p:embed/>
-                  <p:pic>
-                    <p:nvPicPr>
-                      <p:cNvPr id="0" name=""/>
-                      <p:cNvPicPr/>
-                      <p:nvPr/>
-                    </p:nvPicPr>
-                    <p:blipFill>
-                      <a:blip r:embed="rId7"/>
-                      <a:stretch>
-                        <a:fillRect/>
-                      </a:stretch>
-                    </p:blipFill>
-                    <p:spPr>
-                      <a:xfrm>
-                        <a:off x="130175" y="3498850"/>
-                        <a:ext cx="8807450" cy="1830388"/>
-                      </a:xfrm>
-                      <a:prstGeom prst="rect">
-                        <a:avLst/>
-                      </a:prstGeom>
-                    </p:spPr>
-                  </p:pic>
-                </p:oleObj>
-              </mc:Fallback>
-            </mc:AlternateContent>
-          </a:graphicData>
-        </a:graphic>
-      </p:graphicFrame>
-    </p:spTree>
-    <p:extLst>
-      <p:ext uri="{BB962C8B-B14F-4D97-AF65-F5344CB8AC3E}">
-        <p14:creationId xmlns:p14="http://schemas.microsoft.com/office/powerpoint/2010/main" val="547243453"/>
-      </p:ext>
-    </p:extLst>
-  </p:cSld>
-  <p:clrMapOvr>
-    <a:masterClrMapping/>
-  </p:clrMapOvr>
-  <p:transition xmlns:p14="http://schemas.microsoft.com/office/powerpoint/2010/main" spd="slow" advClick="0">
-    <p:fade/>
-  </p:transition>
-  <p:timing>
-    <p:tnLst>
-      <p:par>
-        <p:cTn xmlns:p14="http://schemas.microsoft.com/office/powerpoint/2010/main" id="1" dur="indefinite" restart="never" nodeType="tmRoot">
-          <p:childTnLst>
-            <p:seq concurrent="1" nextAc="seek">
-              <p:cTn id="2" dur="indefinite" nodeType="mainSeq">
-                <p:childTnLst>
-                  <p:par>
-                    <p:cTn id="3" fill="hold">
-                      <p:stCondLst>
-                        <p:cond delay="indefinite"/>
-                      </p:stCondLst>
-                      <p:childTnLst>
-                        <p:par>
-                          <p:cTn id="4" fill="hold">
-                            <p:stCondLst>
-                              <p:cond delay="0"/>
-                            </p:stCondLst>
-                            <p:childTnLst>
-                              <p:par>
-                                <p:cTn id="5" presetID="22" presetClass="entr" presetSubtype="8" fill="hold" nodeType="clickEffect">
-                                  <p:stCondLst>
-                                    <p:cond delay="0"/>
-                                  </p:stCondLst>
-                                  <p:childTnLst>
-                                    <p:set>
-                                      <p:cBhvr>
-                                        <p:cTn id="6" dur="1" fill="hold">
-                                          <p:stCondLst>
-                                            <p:cond delay="0"/>
-                                          </p:stCondLst>
-                                        </p:cTn>
-                                        <p:tgtEl>
-                                          <p:spTgt spid="3"/>
-                                        </p:tgtEl>
-                                        <p:attrNameLst>
-                                          <p:attrName>style.visibility</p:attrName>
-                                        </p:attrNameLst>
-                                      </p:cBhvr>
-                                      <p:to>
-                                        <p:strVal val="visible"/>
-                                      </p:to>
-                                    </p:set>
-                                    <p:animEffect transition="in" filter="wipe(left)">
-                                      <p:cBhvr>
-                                        <p:cTn id="7" dur="2000"/>
-                                        <p:tgtEl>
-                                          <p:spTgt spid="3"/>
-                                        </p:tgtEl>
-                                      </p:cBhvr>
-                                    </p:animEffect>
-                                  </p:childTnLst>
-                                </p:cTn>
-                              </p:par>
-                            </p:childTnLst>
-                          </p:cTn>
-                        </p:par>
-                      </p:childTnLst>
-                    </p:cTn>
-                  </p:par>
-                  <p:par>
-                    <p:cTn id="8" fill="hold">
-                      <p:stCondLst>
-                        <p:cond delay="indefinite"/>
-                      </p:stCondLst>
-                      <p:childTnLst>
-                        <p:par>
-                          <p:cTn id="9" fill="hold">
-                            <p:stCondLst>
-                              <p:cond delay="0"/>
-                            </p:stCondLst>
-                            <p:childTnLst>
-                              <p:par>
-                                <p:cTn id="10" presetID="22" presetClass="entr" presetSubtype="8" fill="hold" nodeType="clickEffect">
-                                  <p:stCondLst>
-                                    <p:cond delay="0"/>
-                                  </p:stCondLst>
-                                  <p:childTnLst>
-                                    <p:set>
-                                      <p:cBhvr>
-                                        <p:cTn id="11" dur="1" fill="hold">
-                                          <p:stCondLst>
-                                            <p:cond delay="0"/>
-                                          </p:stCondLst>
-                                        </p:cTn>
-                                        <p:tgtEl>
-                                          <p:spTgt spid="2"/>
-                                        </p:tgtEl>
-                                        <p:attrNameLst>
-                                          <p:attrName>style.visibility</p:attrName>
-                                        </p:attrNameLst>
-                                      </p:cBhvr>
-                                      <p:to>
-                                        <p:strVal val="visible"/>
-                                      </p:to>
-                                    </p:set>
-                                    <p:animEffect transition="in" filter="wipe(left)">
-                                      <p:cBhvr>
-                                        <p:cTn id="12" dur="2000"/>
-                                        <p:tgtEl>
-                                          <p:spTgt spid="2"/>
-                                        </p:tgtEl>
-                                      </p:cBhvr>
-                                    </p:animEffect>
-                                  </p:childTnLst>
-                                </p:cTn>
-                              </p:par>
-                            </p:childTnLst>
-                          </p:cTn>
-                        </p:par>
-                      </p:childTnLst>
-                    </p:cTn>
-                  </p:par>
-                </p:childTnLst>
-              </p:cTn>
-              <p:prevCondLst>
-                <p:cond evt="onPrev" delay="0">
-                  <p:tgtEl>
-                    <p:sldTgt/>
-                  </p:tgtEl>
-                </p:cond>
-              </p:prevCondLst>
-              <p:nextCondLst>
-                <p:cond evt="onNext" delay="0">
-                  <p:tgtEl>
-                    <p:sldTgt/>
-                  </p:tgtEl>
-                </p:cond>
-              </p:nextCondLst>
-            </p:seq>
-          </p:childTnLst>
-        </p:cTn>
-      </p:par>
-    </p:tnLst>
-  </p:timing>
-</p:sld>
-</file>
-
-<file path=ppt/slides/slide4.xml><?xml version="1.0" encoding="utf-8"?>
-<p:sld xmlns:a="http://schemas.openxmlformats.org/drawingml/2006/main" xmlns:r="http://schemas.openxmlformats.org/officeDocument/2006/relationships" xmlns:p="http://schemas.openxmlformats.org/presentationml/2006/main">
-  <p:cSld>
-    <p:spTree>
-      <p:nvGrpSpPr>
-        <p:cNvPr id="1" name=""/>
-        <p:cNvGrpSpPr/>
-        <p:nvPr/>
-      </p:nvGrpSpPr>
-      <p:grpSpPr>
-        <a:xfrm>
-          <a:off x="0" y="0"/>
-          <a:ext cx="0" cy="0"/>
-          <a:chOff x="0" y="0"/>
-          <a:chExt cx="0" cy="0"/>
-        </a:xfrm>
-      </p:grpSpPr>
-      <p:sp>
-        <p:nvSpPr>
-          <p:cNvPr id="17412" name="Slide Number Placeholder 5"/>
-          <p:cNvSpPr>
-            <a:spLocks noGrp="1"/>
-          </p:cNvSpPr>
-          <p:nvPr>
-            <p:ph type="sldNum" sz="quarter" idx="10"/>
-          </p:nvPr>
-        </p:nvSpPr>
-        <p:spPr>
-          <a:noFill/>
-        </p:spPr>
-        <p:txBody>
-          <a:bodyPr/>
-          <a:lstStyle/>
-          <a:p>
-            <a:r>
-              <a:rPr lang="en-US" dirty="0" err="1" smtClean="0"/>
-              <a:t>incexcbinom</a:t>
-            </a:r>
-            <a:r>
-              <a:rPr lang="en-US" dirty="0" smtClean="0"/>
-              <a:t>.</a:t>
-            </a:r>
-            <a:fld id="{83D78B86-54BD-4C40-B154-E0B4BEB7EE49}" type="slidenum">
-              <a:rPr lang="en-US" smtClean="0"/>
-              <a:pPr/>
-              <a:t>4</a:t>
-            </a:fld>
-            <a:endParaRPr lang="en-US" dirty="0" smtClean="0"/>
-          </a:p>
-        </p:txBody>
-      </p:sp>
-      <p:sp>
-        <p:nvSpPr>
-          <p:cNvPr id="17413" name="Rectangle 2"/>
-          <p:cNvSpPr>
-            <a:spLocks noGrp="1" noChangeArrowheads="1"/>
-          </p:cNvSpPr>
-          <p:nvPr>
-            <p:ph type="title"/>
-          </p:nvPr>
-        </p:nvSpPr>
-        <p:spPr>
-          <a:xfrm>
-            <a:off x="1295400" y="152400"/>
-            <a:ext cx="6781800" cy="1219200"/>
-          </a:xfrm>
-        </p:spPr>
-        <p:txBody>
-          <a:bodyPr/>
-          <a:lstStyle/>
-          <a:p>
-            <a:pPr eaLnBrk="1" hangingPunct="1"/>
-            <a:r>
-              <a:rPr lang="en-US" sz="4400" dirty="0" smtClean="0"/>
-              <a:t>Binomial </a:t>
-            </a:r>
-            <a:r>
-              <a:rPr lang="en-US" sz="4400" dirty="0"/>
-              <a:t>C</a:t>
-            </a:r>
-            <a:r>
-              <a:rPr lang="en-US" sz="4400" dirty="0" smtClean="0"/>
-              <a:t>ounting proof</a:t>
-            </a:r>
-          </a:p>
-        </p:txBody>
-      </p:sp>
-      <p:graphicFrame>
-        <p:nvGraphicFramePr>
-          <p:cNvPr id="3" name="Object 2"/>
-          <p:cNvGraphicFramePr>
-            <a:graphicFrameLocks noChangeAspect="1"/>
-          </p:cNvGraphicFramePr>
-          <p:nvPr>
-            <p:extLst>
-              <p:ext uri="{D42A27DB-BD31-4B8C-83A1-F6EECF244321}">
-                <p14:modId xmlns:p14="http://schemas.microsoft.com/office/powerpoint/2010/main" val="3158908450"/>
-              </p:ext>
-            </p:extLst>
-          </p:nvPr>
-        </p:nvGraphicFramePr>
-        <p:xfrm>
-          <a:off x="1607740" y="1143000"/>
-          <a:ext cx="5631260" cy="2750275"/>
-        </p:xfrm>
-        <a:graphic>
-          <a:graphicData uri="http://schemas.openxmlformats.org/presentationml/2006/ole">
-            <mc:AlternateContent xmlns:mc="http://schemas.openxmlformats.org/markup-compatibility/2006">
-              <mc:Choice xmlns:v="urn:schemas-microsoft-com:vml" Requires="v">
-                <p:oleObj spid="_x0000_s203830" name="Equation" r:id="rId4" imgW="1092200" imgH="533400" progId="Equation.DSMT4">
-                  <p:embed/>
-                </p:oleObj>
-              </mc:Choice>
-              <mc:Fallback>
-                <p:oleObj name="Equation" r:id="rId4" imgW="1092200" imgH="533400" progId="Equation.DSMT4">
-                  <p:embed/>
-                  <p:pic>
-                    <p:nvPicPr>
-                      <p:cNvPr id="0" name=""/>
-                      <p:cNvPicPr/>
-                      <p:nvPr/>
-                    </p:nvPicPr>
-                    <p:blipFill>
-                      <a:blip r:embed="rId5"/>
-                      <a:stretch>
-                        <a:fillRect/>
-                      </a:stretch>
-                    </p:blipFill>
-                    <p:spPr>
-                      <a:xfrm>
-                        <a:off x="1607740" y="1143000"/>
-                        <a:ext cx="5631260" cy="2750275"/>
-                      </a:xfrm>
-                      <a:prstGeom prst="rect">
-                        <a:avLst/>
-                      </a:prstGeom>
-                    </p:spPr>
-                  </p:pic>
-                </p:oleObj>
-              </mc:Fallback>
-            </mc:AlternateContent>
-          </a:graphicData>
-        </a:graphic>
-      </p:graphicFrame>
-      <p:graphicFrame>
-        <p:nvGraphicFramePr>
-          <p:cNvPr id="5" name="Object 4"/>
-          <p:cNvGraphicFramePr>
-            <a:graphicFrameLocks noChangeAspect="1"/>
-          </p:cNvGraphicFramePr>
-          <p:nvPr>
-            <p:extLst>
-              <p:ext uri="{D42A27DB-BD31-4B8C-83A1-F6EECF244321}">
-                <p14:modId xmlns:p14="http://schemas.microsoft.com/office/powerpoint/2010/main" val="1717101166"/>
-              </p:ext>
-            </p:extLst>
-          </p:nvPr>
-        </p:nvGraphicFramePr>
-        <p:xfrm>
-          <a:off x="2255838" y="3733800"/>
-          <a:ext cx="5648325" cy="2524125"/>
-        </p:xfrm>
-        <a:graphic>
-          <a:graphicData uri="http://schemas.openxmlformats.org/presentationml/2006/ole">
-            <mc:AlternateContent xmlns:mc="http://schemas.openxmlformats.org/markup-compatibility/2006">
-              <mc:Choice xmlns:v="urn:schemas-microsoft-com:vml" Requires="v">
-                <p:oleObj spid="_x0000_s203831" name="Equation" r:id="rId6" imgW="1193800" imgH="533400" progId="Equation.DSMT4">
-                  <p:embed/>
-                </p:oleObj>
-              </mc:Choice>
-              <mc:Fallback>
-                <p:oleObj name="Equation" r:id="rId6" imgW="1193800" imgH="533400" progId="Equation.DSMT4">
-                  <p:embed/>
-                  <p:pic>
-                    <p:nvPicPr>
-                      <p:cNvPr id="0" name=""/>
-                      <p:cNvPicPr/>
-                      <p:nvPr/>
-                    </p:nvPicPr>
-                    <p:blipFill>
-                      <a:blip r:embed="rId7"/>
-                      <a:stretch>
-                        <a:fillRect/>
-                      </a:stretch>
-                    </p:blipFill>
-                    <p:spPr>
-                      <a:xfrm>
-                        <a:off x="2255838" y="3733800"/>
-                        <a:ext cx="5648325" cy="2524125"/>
-                      </a:xfrm>
-                      <a:prstGeom prst="rect">
-                        <a:avLst/>
-                      </a:prstGeom>
-                    </p:spPr>
-                  </p:pic>
-                </p:oleObj>
-              </mc:Fallback>
-            </mc:AlternateContent>
-          </a:graphicData>
-        </a:graphic>
-      </p:graphicFrame>
-    </p:spTree>
-    <p:extLst>
-      <p:ext uri="{BB962C8B-B14F-4D97-AF65-F5344CB8AC3E}">
-        <p14:creationId xmlns:p14="http://schemas.microsoft.com/office/powerpoint/2010/main" val="3485578191"/>
-      </p:ext>
-    </p:extLst>
-  </p:cSld>
-  <p:clrMapOvr>
-    <a:masterClrMapping/>
-  </p:clrMapOvr>
-  <p:transition xmlns:p14="http://schemas.microsoft.com/office/powerpoint/2010/main" spd="slow" advClick="0">
-    <p:fade/>
-  </p:transition>
-  <p:timing>
-    <p:tnLst>
-      <p:par>
-        <p:cTn xmlns:p14="http://schemas.microsoft.com/office/powerpoint/2010/main" id="1" dur="indefinite" restart="never" nodeType="tmRoot">
-          <p:childTnLst>
-            <p:seq concurrent="1" nextAc="seek">
-              <p:cTn id="2" dur="indefinite" nodeType="mainSeq">
-                <p:childTnLst>
-                  <p:par>
-                    <p:cTn id="3" fill="hold">
-                      <p:stCondLst>
-                        <p:cond delay="indefinite"/>
-                      </p:stCondLst>
-                      <p:childTnLst>
-                        <p:par>
-                          <p:cTn id="4" fill="hold">
-                            <p:stCondLst>
-                              <p:cond delay="0"/>
-                            </p:stCondLst>
-                            <p:childTnLst>
-                              <p:par>
-                                <p:cTn id="5" presetID="22" presetClass="entr" presetSubtype="8" fill="hold" nodeType="clickEffect">
-                                  <p:stCondLst>
-                                    <p:cond delay="0"/>
-                                  </p:stCondLst>
-                                  <p:childTnLst>
-                                    <p:set>
-                                      <p:cBhvr>
-                                        <p:cTn id="6" dur="1" fill="hold">
-                                          <p:stCondLst>
-                                            <p:cond delay="0"/>
-                                          </p:stCondLst>
-                                        </p:cTn>
-                                        <p:tgtEl>
-                                          <p:spTgt spid="5"/>
-                                        </p:tgtEl>
-                                        <p:attrNameLst>
-                                          <p:attrName>style.visibility</p:attrName>
-                                        </p:attrNameLst>
-                                      </p:cBhvr>
-                                      <p:to>
-                                        <p:strVal val="visible"/>
-                                      </p:to>
-                                    </p:set>
-                                    <p:animEffect transition="in" filter="wipe(left)">
-                                      <p:cBhvr>
-                                        <p:cTn id="7" dur="2000"/>
-                                        <p:tgtEl>
-                                          <p:spTgt spid="5"/>
-                                        </p:tgtEl>
-                                      </p:cBhvr>
-                                    </p:animEffect>
-                                  </p:childTnLst>
-                                </p:cTn>
-                              </p:par>
-                            </p:childTnLst>
-                          </p:cTn>
-                        </p:par>
-                      </p:childTnLst>
-                    </p:cTn>
-                  </p:par>
-                </p:childTnLst>
-              </p:cTn>
-              <p:prevCondLst>
-                <p:cond evt="onPrev" delay="0">
-                  <p:tgtEl>
-                    <p:sldTgt/>
-                  </p:tgtEl>
-                </p:cond>
-              </p:prevCondLst>
-              <p:nextCondLst>
-                <p:cond evt="onNext" delay="0">
-                  <p:tgtEl>
-                    <p:sldTgt/>
-                  </p:tgtEl>
-                </p:cond>
-              </p:nextCondLst>
-            </p:seq>
-          </p:childTnLst>
-        </p:cTn>
-      </p:par>
-    </p:tnLst>
-  </p:timing>
-</p:sld>
-</file>
-
-<file path=ppt/slides/slide5.xml><?xml version="1.0" encoding="utf-8"?>
-<p:sld xmlns:a="http://schemas.openxmlformats.org/drawingml/2006/main" xmlns:r="http://schemas.openxmlformats.org/officeDocument/2006/relationships" xmlns:p="http://schemas.openxmlformats.org/presentationml/2006/main">
-  <p:cSld>
-    <p:spTree>
-      <p:nvGrpSpPr>
-        <p:cNvPr id="1" name=""/>
-        <p:cNvGrpSpPr/>
-        <p:nvPr/>
-      </p:nvGrpSpPr>
-      <p:grpSpPr>
-        <a:xfrm>
-          <a:off x="0" y="0"/>
-          <a:ext cx="0" cy="0"/>
-          <a:chOff x="0" y="0"/>
-          <a:chExt cx="0" cy="0"/>
-        </a:xfrm>
-      </p:grpSpPr>
-      <p:sp>
-        <p:nvSpPr>
-          <p:cNvPr id="17412" name="Slide Number Placeholder 5"/>
-          <p:cNvSpPr>
-            <a:spLocks noGrp="1"/>
-          </p:cNvSpPr>
-          <p:nvPr>
-            <p:ph type="sldNum" sz="quarter" idx="10"/>
-          </p:nvPr>
-        </p:nvSpPr>
-        <p:spPr>
-          <a:noFill/>
-        </p:spPr>
-        <p:txBody>
-          <a:bodyPr/>
-          <a:lstStyle/>
-          <a:p>
-            <a:r>
-              <a:rPr lang="en-US" dirty="0" err="1" smtClean="0"/>
-              <a:t>incexcbinom</a:t>
-            </a:r>
-            <a:r>
-              <a:rPr lang="en-US" dirty="0" smtClean="0"/>
-              <a:t>.</a:t>
-            </a:r>
-            <a:fld id="{83D78B86-54BD-4C40-B154-E0B4BEB7EE49}" type="slidenum">
-              <a:rPr lang="en-US" smtClean="0"/>
-              <a:pPr/>
-              <a:t>5</a:t>
-            </a:fld>
-            <a:endParaRPr lang="en-US" dirty="0" smtClean="0"/>
-          </a:p>
-        </p:txBody>
-      </p:sp>
-      <p:sp>
-        <p:nvSpPr>
-          <p:cNvPr id="17413" name="Rectangle 2"/>
-          <p:cNvSpPr>
-            <a:spLocks noGrp="1" noChangeArrowheads="1"/>
-          </p:cNvSpPr>
-          <p:nvPr>
-            <p:ph type="title"/>
-          </p:nvPr>
-        </p:nvSpPr>
-        <p:spPr>
-          <a:xfrm>
-            <a:off x="1295400" y="152400"/>
-            <a:ext cx="6781800" cy="1219200"/>
-          </a:xfrm>
-        </p:spPr>
-        <p:txBody>
-          <a:bodyPr/>
-          <a:lstStyle/>
-          <a:p>
-            <a:pPr eaLnBrk="1" hangingPunct="1"/>
-            <a:r>
-              <a:rPr lang="en-US" sz="4400" dirty="0" smtClean="0"/>
-              <a:t>Binomial </a:t>
-            </a:r>
-            <a:r>
-              <a:rPr lang="en-US" sz="4400" dirty="0"/>
-              <a:t>C</a:t>
-            </a:r>
-            <a:r>
-              <a:rPr lang="en-US" sz="4400" dirty="0" smtClean="0"/>
-              <a:t>ounting proof</a:t>
-            </a:r>
-          </a:p>
-        </p:txBody>
-      </p:sp>
-      <p:sp>
-        <p:nvSpPr>
-          <p:cNvPr id="2" name="TextBox 1"/>
-          <p:cNvSpPr txBox="1"/>
-          <p:nvPr/>
-        </p:nvSpPr>
-        <p:spPr>
-          <a:xfrm>
-            <a:off x="381000" y="1143000"/>
-            <a:ext cx="7420413" cy="2123658"/>
-          </a:xfrm>
-          <a:prstGeom prst="rect">
-            <a:avLst/>
-          </a:prstGeom>
-          <a:noFill/>
-        </p:spPr>
-        <p:txBody>
-          <a:bodyPr wrap="none" rtlCol="0">
-            <a:spAutoFit/>
-          </a:bodyPr>
-          <a:lstStyle/>
-          <a:p>
-            <a:r>
-              <a:rPr lang="en-US" sz="6600" dirty="0" smtClean="0">
-                <a:latin typeface="Comic Sans MS" pitchFamily="66" charset="0"/>
-              </a:rPr>
-              <a:t>The sum of sizes</a:t>
-            </a:r>
-          </a:p>
-          <a:p>
-            <a:r>
-              <a:rPr lang="en-US" sz="6600" dirty="0" smtClean="0">
-                <a:latin typeface="Comic Sans MS" pitchFamily="66" charset="0"/>
-              </a:rPr>
-              <a:t>of intersections </a:t>
-            </a:r>
-            <a:r>
-              <a:rPr lang="en-US" sz="6600" b="1" dirty="0" smtClean="0">
-                <a:latin typeface="Euclid Symbol" charset="2"/>
-                <a:cs typeface="Euclid Symbol" charset="2"/>
-              </a:rPr>
-              <a:t>=</a:t>
-            </a:r>
-          </a:p>
-        </p:txBody>
-      </p:sp>
-      <p:graphicFrame>
-        <p:nvGraphicFramePr>
-          <p:cNvPr id="4" name="Object 3"/>
-          <p:cNvGraphicFramePr>
-            <a:graphicFrameLocks noChangeAspect="1"/>
-          </p:cNvGraphicFramePr>
-          <p:nvPr>
-            <p:extLst>
-              <p:ext uri="{D42A27DB-BD31-4B8C-83A1-F6EECF244321}">
-                <p14:modId xmlns:p14="http://schemas.microsoft.com/office/powerpoint/2010/main" val="655171375"/>
-              </p:ext>
-            </p:extLst>
-          </p:nvPr>
-        </p:nvGraphicFramePr>
-        <p:xfrm>
-          <a:off x="666531" y="3322638"/>
-          <a:ext cx="7944069" cy="2239962"/>
-        </p:xfrm>
-        <a:graphic>
-          <a:graphicData uri="http://schemas.openxmlformats.org/presentationml/2006/ole">
-            <mc:AlternateContent xmlns:mc="http://schemas.openxmlformats.org/markup-compatibility/2006">
-              <mc:Choice xmlns:v="urn:schemas-microsoft-com:vml" Requires="v">
-                <p:oleObj spid="_x0000_s204833" name="Equation" r:id="rId4" imgW="2070100" imgH="584200" progId="Equation.DSMT4">
-                  <p:embed/>
-                </p:oleObj>
-              </mc:Choice>
-              <mc:Fallback>
-                <p:oleObj name="Equation" r:id="rId4" imgW="2070100" imgH="584200" progId="Equation.DSMT4">
-                  <p:embed/>
-                  <p:pic>
-                    <p:nvPicPr>
-                      <p:cNvPr id="0" name=""/>
-                      <p:cNvPicPr/>
-                      <p:nvPr/>
-                    </p:nvPicPr>
-                    <p:blipFill>
-                      <a:blip r:embed="rId5"/>
-                      <a:stretch>
-                        <a:fillRect/>
-                      </a:stretch>
-                    </p:blipFill>
-                    <p:spPr>
-                      <a:xfrm>
-                        <a:off x="666531" y="3322638"/>
-                        <a:ext cx="7944069" cy="2239962"/>
+                        <a:off x="411869" y="3473388"/>
+                        <a:ext cx="8320261" cy="2013012"/>
                       </a:xfrm>
                       <a:prstGeom prst="rect">
                         <a:avLst/>
@@ -5059,7 +4201,7 @@
 </p:sld>
 </file>
 
-<file path=ppt/slides/slide6.xml><?xml version="1.0" encoding="utf-8"?>
+<file path=ppt/slides/slide12.xml><?xml version="1.0" encoding="utf-8"?>
 <p:sld xmlns:a="http://schemas.openxmlformats.org/drawingml/2006/main" xmlns:r="http://schemas.openxmlformats.org/officeDocument/2006/relationships" xmlns:p="http://schemas.openxmlformats.org/presentationml/2006/main" show="0">
   <p:cSld>
     <p:spTree>
@@ -5104,7 +4246,7 @@
             <a:fld id="{83D78B86-54BD-4C40-B154-E0B4BEB7EE49}" type="slidenum">
               <a:rPr lang="en-US" smtClean="0"/>
               <a:pPr/>
-              <a:t>6</a:t>
+              <a:t>12</a:t>
             </a:fld>
             <a:endParaRPr lang="en-US" dirty="0" smtClean="0"/>
           </a:p>
@@ -5201,20 +4343,20 @@
           <p:nvPr>
             <p:extLst>
               <p:ext uri="{D42A27DB-BD31-4B8C-83A1-F6EECF244321}">
-                <p14:modId xmlns:p14="http://schemas.microsoft.com/office/powerpoint/2010/main" val="643717840"/>
+                <p14:modId xmlns:p14="http://schemas.microsoft.com/office/powerpoint/2010/main" val="654728821"/>
               </p:ext>
             </p:extLst>
           </p:nvPr>
         </p:nvGraphicFramePr>
         <p:xfrm>
-          <a:off x="381000" y="3294194"/>
+          <a:off x="381000" y="3352495"/>
           <a:ext cx="8686800" cy="1981505"/>
         </p:xfrm>
         <a:graphic>
           <a:graphicData uri="http://schemas.openxmlformats.org/presentationml/2006/ole">
             <mc:AlternateContent xmlns:mc="http://schemas.openxmlformats.org/markup-compatibility/2006">
               <mc:Choice xmlns:v="urn:schemas-microsoft-com:vml" Requires="v">
-                <p:oleObj spid="_x0000_s206875" name="Equation" r:id="rId4" imgW="2336800" imgH="533400" progId="Equation.DSMT4">
+                <p:oleObj spid="_x0000_s206888" name="Equation" r:id="rId4" imgW="2336800" imgH="533400" progId="Equation.DSMT4">
                   <p:embed/>
                 </p:oleObj>
               </mc:Choice>
@@ -5235,7 +4377,7 @@
                     </p:blipFill>
                     <p:spPr>
                       <a:xfrm>
-                        <a:off x="381000" y="3294194"/>
+                        <a:off x="381000" y="3352495"/>
                         <a:ext cx="8686800" cy="1981505"/>
                       </a:xfrm>
                       <a:prstGeom prst="rect">
@@ -5272,7 +4414,7 @@
 </p:sld>
 </file>
 
-<file path=ppt/slides/slide7.xml><?xml version="1.0" encoding="utf-8"?>
+<file path=ppt/slides/slide13.xml><?xml version="1.0" encoding="utf-8"?>
 <p:sld xmlns:a="http://schemas.openxmlformats.org/drawingml/2006/main" xmlns:r="http://schemas.openxmlformats.org/officeDocument/2006/relationships" xmlns:p="http://schemas.openxmlformats.org/presentationml/2006/main">
   <p:cSld>
     <p:spTree>
@@ -5317,7 +4459,7 @@
             <a:fld id="{83D78B86-54BD-4C40-B154-E0B4BEB7EE49}" type="slidenum">
               <a:rPr lang="en-US" smtClean="0"/>
               <a:pPr/>
-              <a:t>7</a:t>
+              <a:t>13</a:t>
             </a:fld>
             <a:endParaRPr lang="en-US" dirty="0" smtClean="0"/>
           </a:p>
@@ -5405,13 +4547,7 @@
               <a:rPr lang="en-US" sz="6000" dirty="0" smtClean="0">
                 <a:latin typeface="Comic Sans MS" pitchFamily="66" charset="0"/>
               </a:rPr>
-              <a:t> </a:t>
-            </a:r>
-            <a:r>
-              <a:rPr lang="en-US" sz="6000" dirty="0" smtClean="0">
-                <a:latin typeface="Comic Sans MS" pitchFamily="66" charset="0"/>
-              </a:rPr>
-              <a:t>of the </a:t>
+              <a:t> of the </a:t>
             </a:r>
             <a:r>
               <a:rPr lang="en-US" sz="6000" dirty="0" err="1" smtClean="0">
@@ -5453,19 +4589,7 @@
                 </a:solidFill>
                 <a:latin typeface="Comic Sans MS" pitchFamily="66" charset="0"/>
               </a:rPr>
-              <a:t> </a:t>
-            </a:r>
-            <a:r>
-              <a:rPr lang="en-US" sz="5400" dirty="0" smtClean="0">
-                <a:solidFill>
-                  <a:schemeClr val="tx1">
-                    <a:lumMod val="95000"/>
-                    <a:lumOff val="5000"/>
-                  </a:schemeClr>
-                </a:solidFill>
-                <a:latin typeface="Comic Sans MS" pitchFamily="66" charset="0"/>
-              </a:rPr>
-              <a:t>include </a:t>
+              <a:t> include </a:t>
             </a:r>
             <a:r>
               <a:rPr lang="en-US" sz="6000" dirty="0" smtClean="0">
@@ -5530,7 +4654,7 @@
           <a:graphicData uri="http://schemas.openxmlformats.org/presentationml/2006/ole">
             <mc:AlternateContent xmlns:mc="http://schemas.openxmlformats.org/markup-compatibility/2006">
               <mc:Choice xmlns:v="urn:schemas-microsoft-com:vml" Requires="v">
-                <p:oleObj spid="_x0000_s205906" name="Equation" r:id="rId4" imgW="139700" imgH="215900" progId="Equation.DSMT4">
+                <p:oleObj spid="_x0000_s205934" name="Equation" r:id="rId4" imgW="139700" imgH="215900" progId="Equation.DSMT4">
                   <p:embed/>
                 </p:oleObj>
               </mc:Choice>
@@ -5587,7 +4711,7 @@
           <a:graphicData uri="http://schemas.openxmlformats.org/presentationml/2006/ole">
             <mc:AlternateContent xmlns:mc="http://schemas.openxmlformats.org/markup-compatibility/2006">
               <mc:Choice xmlns:v="urn:schemas-microsoft-com:vml" Requires="v">
-                <p:oleObj spid="_x0000_s205907" name="Equation" r:id="rId6" imgW="139700" imgH="215900" progId="Equation.DSMT4">
+                <p:oleObj spid="_x0000_s205935" name="Equation" r:id="rId6" imgW="139700" imgH="215900" progId="Equation.DSMT4">
                   <p:embed/>
                 </p:oleObj>
               </mc:Choice>
@@ -5644,7 +4768,7 @@
           <a:graphicData uri="http://schemas.openxmlformats.org/presentationml/2006/ole">
             <mc:AlternateContent xmlns:mc="http://schemas.openxmlformats.org/markup-compatibility/2006">
               <mc:Choice xmlns:v="urn:schemas-microsoft-com:vml" Requires="v">
-                <p:oleObj spid="_x0000_s205908" name="Equation" r:id="rId7" imgW="1574800" imgH="533400" progId="Equation.DSMT4">
+                <p:oleObj spid="_x0000_s205936" name="Equation" r:id="rId7" imgW="1574800" imgH="533400" progId="Equation.DSMT4">
                   <p:embed/>
                 </p:oleObj>
               </mc:Choice>
@@ -5778,7 +4902,7 @@
 </p:sld>
 </file>
 
-<file path=ppt/slides/slide8.xml><?xml version="1.0" encoding="utf-8"?>
+<file path=ppt/slides/slide14.xml><?xml version="1.0" encoding="utf-8"?>
 <p:sld xmlns:a="http://schemas.openxmlformats.org/drawingml/2006/main" xmlns:r="http://schemas.openxmlformats.org/officeDocument/2006/relationships" xmlns:p="http://schemas.openxmlformats.org/presentationml/2006/main">
   <p:cSld>
     <p:spTree>
@@ -5823,7 +4947,7 @@
             <a:fld id="{83D78B86-54BD-4C40-B154-E0B4BEB7EE49}" type="slidenum">
               <a:rPr lang="en-US" smtClean="0"/>
               <a:pPr/>
-              <a:t>8</a:t>
+              <a:t>14</a:t>
             </a:fld>
             <a:endParaRPr lang="en-US" dirty="0" smtClean="0"/>
           </a:p>
@@ -5911,13 +5035,7 @@
               <a:rPr lang="en-US" sz="6000" dirty="0" smtClean="0">
                 <a:latin typeface="Comic Sans MS" pitchFamily="66" charset="0"/>
               </a:rPr>
-              <a:t> </a:t>
-            </a:r>
-            <a:r>
-              <a:rPr lang="en-US" sz="6000" dirty="0" smtClean="0">
-                <a:latin typeface="Comic Sans MS" pitchFamily="66" charset="0"/>
-              </a:rPr>
-              <a:t>of the </a:t>
+              <a:t> of the </a:t>
             </a:r>
             <a:r>
               <a:rPr lang="en-US" sz="6000" dirty="0" err="1" smtClean="0">
@@ -5959,19 +5077,7 @@
                 </a:solidFill>
                 <a:latin typeface="Comic Sans MS" pitchFamily="66" charset="0"/>
               </a:rPr>
-              <a:t> </a:t>
-            </a:r>
-            <a:r>
-              <a:rPr lang="en-US" sz="5400" dirty="0" smtClean="0">
-                <a:solidFill>
-                  <a:schemeClr val="tx1">
-                    <a:lumMod val="95000"/>
-                    <a:lumOff val="5000"/>
-                  </a:schemeClr>
-                </a:solidFill>
-                <a:latin typeface="Comic Sans MS" pitchFamily="66" charset="0"/>
-              </a:rPr>
-              <a:t>include </a:t>
+              <a:t> include </a:t>
             </a:r>
             <a:r>
               <a:rPr lang="en-US" sz="6000" dirty="0" smtClean="0">
@@ -6036,7 +5142,7 @@
           <a:graphicData uri="http://schemas.openxmlformats.org/presentationml/2006/ole">
             <mc:AlternateContent xmlns:mc="http://schemas.openxmlformats.org/markup-compatibility/2006">
               <mc:Choice xmlns:v="urn:schemas-microsoft-com:vml" Requires="v">
-                <p:oleObj spid="_x0000_s207966" name="Equation" r:id="rId4" imgW="139700" imgH="215900" progId="Equation.DSMT4">
+                <p:oleObj spid="_x0000_s208006" name="Equation" r:id="rId4" imgW="139700" imgH="215900" progId="Equation.DSMT4">
                   <p:embed/>
                 </p:oleObj>
               </mc:Choice>
@@ -6093,7 +5199,7 @@
           <a:graphicData uri="http://schemas.openxmlformats.org/presentationml/2006/ole">
             <mc:AlternateContent xmlns:mc="http://schemas.openxmlformats.org/markup-compatibility/2006">
               <mc:Choice xmlns:v="urn:schemas-microsoft-com:vml" Requires="v">
-                <p:oleObj spid="_x0000_s207967" name="Equation" r:id="rId6" imgW="139700" imgH="215900" progId="Equation.DSMT4">
+                <p:oleObj spid="_x0000_s208007" name="Equation" r:id="rId6" imgW="139700" imgH="215900" progId="Equation.DSMT4">
                   <p:embed/>
                 </p:oleObj>
               </mc:Choice>
@@ -6150,7 +5256,7 @@
           <a:graphicData uri="http://schemas.openxmlformats.org/presentationml/2006/ole">
             <mc:AlternateContent xmlns:mc="http://schemas.openxmlformats.org/markup-compatibility/2006">
               <mc:Choice xmlns:v="urn:schemas-microsoft-com:vml" Requires="v">
-                <p:oleObj spid="_x0000_s207968" name="Equation" r:id="rId7" imgW="1765300" imgH="533400" progId="Equation.DSMT4">
+                <p:oleObj spid="_x0000_s208008" name="Equation" r:id="rId7" imgW="1765300" imgH="533400" progId="Equation.DSMT4">
                   <p:embed/>
                 </p:oleObj>
               </mc:Choice>
@@ -6194,25 +5300,25 @@
           <p:nvPr>
             <p:extLst>
               <p:ext uri="{D42A27DB-BD31-4B8C-83A1-F6EECF244321}">
-                <p14:modId xmlns:p14="http://schemas.microsoft.com/office/powerpoint/2010/main" val="92950744"/>
+                <p14:modId xmlns:p14="http://schemas.microsoft.com/office/powerpoint/2010/main" val="4050603583"/>
               </p:ext>
             </p:extLst>
           </p:nvPr>
         </p:nvGraphicFramePr>
         <p:xfrm>
-          <a:off x="1558925" y="3962400"/>
-          <a:ext cx="6242050" cy="2362200"/>
+          <a:off x="1474788" y="3962400"/>
+          <a:ext cx="6410325" cy="2362200"/>
         </p:xfrm>
         <a:graphic>
           <a:graphicData uri="http://schemas.openxmlformats.org/presentationml/2006/ole">
             <mc:AlternateContent xmlns:mc="http://schemas.openxmlformats.org/markup-compatibility/2006">
               <mc:Choice xmlns:v="urn:schemas-microsoft-com:vml" Requires="v">
-                <p:oleObj spid="_x0000_s207969" name="Equation" r:id="rId9" imgW="1409700" imgH="533400" progId="Equation.DSMT4">
+                <p:oleObj spid="_x0000_s208009" name="Equation" r:id="rId9" imgW="1447800" imgH="533400" progId="Equation.DSMT4">
                   <p:embed/>
                 </p:oleObj>
               </mc:Choice>
               <mc:Fallback>
-                <p:oleObj name="Equation" r:id="rId9" imgW="1409700" imgH="533400" progId="Equation.DSMT4">
+                <p:oleObj name="Equation" r:id="rId9" imgW="1447800" imgH="533400" progId="Equation.DSMT4">
                   <p:embed/>
                   <p:pic>
                     <p:nvPicPr>
@@ -6228,8 +5334,8 @@
                     </p:blipFill>
                     <p:spPr>
                       <a:xfrm>
-                        <a:off x="1558925" y="3962400"/>
-                        <a:ext cx="6242050" cy="2362200"/>
+                        <a:off x="1474788" y="3962400"/>
+                        <a:ext cx="6410325" cy="2362200"/>
                       </a:xfrm>
                       <a:prstGeom prst="rect">
                         <a:avLst/>
@@ -6341,7 +5447,7 @@
 </p:sld>
 </file>
 
-<file path=ppt/slides/slide9.xml><?xml version="1.0" encoding="utf-8"?>
+<file path=ppt/slides/slide15.xml><?xml version="1.0" encoding="utf-8"?>
 <p:sld xmlns:a="http://schemas.openxmlformats.org/drawingml/2006/main" xmlns:r="http://schemas.openxmlformats.org/officeDocument/2006/relationships" xmlns:p="http://schemas.openxmlformats.org/presentationml/2006/main">
   <p:cSld>
     <p:spTree>
@@ -6386,69 +5492,12 @@
             <a:fld id="{440333D2-3154-4D4B-AAB9-AB5679BA8A30}" type="slidenum">
               <a:rPr lang="en-US" smtClean="0"/>
               <a:pPr/>
-              <a:t>9</a:t>
+              <a:t>15</a:t>
             </a:fld>
             <a:endParaRPr lang="en-US" dirty="0" smtClean="0"/>
           </a:p>
         </p:txBody>
       </p:sp>
-      <p:graphicFrame>
-        <p:nvGraphicFramePr>
-          <p:cNvPr id="2" name="Object 1"/>
-          <p:cNvGraphicFramePr>
-            <a:graphicFrameLocks noChangeAspect="1"/>
-          </p:cNvGraphicFramePr>
-          <p:nvPr>
-            <p:extLst>
-              <p:ext uri="{D42A27DB-BD31-4B8C-83A1-F6EECF244321}">
-                <p14:modId xmlns:p14="http://schemas.microsoft.com/office/powerpoint/2010/main" val="1852812193"/>
-              </p:ext>
-            </p:extLst>
-          </p:nvPr>
-        </p:nvGraphicFramePr>
-        <p:xfrm>
-          <a:off x="752475" y="2895600"/>
-          <a:ext cx="7789863" cy="2019300"/>
-        </p:xfrm>
-        <a:graphic>
-          <a:graphicData uri="http://schemas.openxmlformats.org/presentationml/2006/ole">
-            <mc:AlternateContent xmlns:mc="http://schemas.openxmlformats.org/markup-compatibility/2006">
-              <mc:Choice xmlns:v="urn:schemas-microsoft-com:vml" Requires="v">
-                <p:oleObj spid="_x0000_s209981" name="Equation" r:id="rId4" imgW="2057400" imgH="533400" progId="Equation.DSMT4">
-                  <p:embed/>
-                </p:oleObj>
-              </mc:Choice>
-              <mc:Fallback>
-                <p:oleObj name="Equation" r:id="rId4" imgW="2057400" imgH="533400" progId="Equation.DSMT4">
-                  <p:embed/>
-                  <p:pic>
-                    <p:nvPicPr>
-                      <p:cNvPr id="0" name=""/>
-                      <p:cNvPicPr/>
-                      <p:nvPr/>
-                    </p:nvPicPr>
-                    <p:blipFill>
-                      <a:blip r:embed="rId5"/>
-                      <a:stretch>
-                        <a:fillRect/>
-                      </a:stretch>
-                    </p:blipFill>
-                    <p:spPr>
-                      <a:xfrm>
-                        <a:off x="752475" y="2895600"/>
-                        <a:ext cx="7789863" cy="2019300"/>
-                      </a:xfrm>
-                      <a:prstGeom prst="rect">
-                        <a:avLst/>
-                      </a:prstGeom>
-                    </p:spPr>
-                  </p:pic>
-                </p:oleObj>
-              </mc:Fallback>
-            </mc:AlternateContent>
-          </a:graphicData>
-        </a:graphic>
-      </p:graphicFrame>
       <p:graphicFrame>
         <p:nvGraphicFramePr>
           <p:cNvPr id="6" name="Object 3"/>
@@ -6471,12 +5520,12 @@
           <a:graphicData uri="http://schemas.openxmlformats.org/presentationml/2006/ole">
             <mc:AlternateContent xmlns:mc="http://schemas.openxmlformats.org/markup-compatibility/2006">
               <mc:Choice xmlns:v="urn:schemas-microsoft-com:vml" Requires="v">
-                <p:oleObj spid="_x0000_s209982" name="Equation" r:id="rId6" imgW="1397000" imgH="241300" progId="Equation.DSMT4">
+                <p:oleObj spid="_x0000_s210009" name="Equation" r:id="rId4" imgW="1397000" imgH="241300" progId="Equation.DSMT4">
                   <p:embed/>
                 </p:oleObj>
               </mc:Choice>
               <mc:Fallback>
-                <p:oleObj name="Equation" r:id="rId6" imgW="1397000" imgH="241300" progId="Equation.DSMT4">
+                <p:oleObj name="Equation" r:id="rId4" imgW="1397000" imgH="241300" progId="Equation.DSMT4">
                   <p:embed/>
                   <p:pic>
                     <p:nvPicPr>
@@ -6487,7 +5536,7 @@
                       <p:nvPr/>
                     </p:nvPicPr>
                     <p:blipFill>
-                      <a:blip r:embed="rId7"/>
+                      <a:blip r:embed="rId5"/>
                       <a:srcRect/>
                       <a:stretch>
                         <a:fillRect/>
@@ -6520,7 +5569,7 @@
         <p:spPr>
           <a:xfrm>
             <a:off x="152400" y="1295400"/>
-            <a:ext cx="5349992" cy="1754327"/>
+            <a:ext cx="5460900" cy="1754327"/>
           </a:xfrm>
           <a:prstGeom prst="rect">
             <a:avLst/>
@@ -6554,7 +5603,7 @@
                 </a:solidFill>
                 <a:latin typeface="Comic Sans MS" pitchFamily="66" charset="0"/>
               </a:rPr>
-              <a:t>1</a:t>
+              <a:t>0</a:t>
             </a:r>
             <a:r>
               <a:rPr lang="en-US" sz="5400" dirty="0" smtClean="0">
@@ -6565,6 +5614,468 @@
           </a:p>
         </p:txBody>
       </p:sp>
+      <p:sp>
+        <p:nvSpPr>
+          <p:cNvPr id="11" name="Rectangle 2"/>
+          <p:cNvSpPr>
+            <a:spLocks noGrp="1" noChangeArrowheads="1"/>
+          </p:cNvSpPr>
+          <p:nvPr>
+            <p:ph type="title"/>
+          </p:nvPr>
+        </p:nvSpPr>
+        <p:spPr>
+          <a:xfrm>
+            <a:off x="1295400" y="152400"/>
+            <a:ext cx="6781800" cy="1219200"/>
+          </a:xfrm>
+        </p:spPr>
+        <p:txBody>
+          <a:bodyPr/>
+          <a:lstStyle/>
+          <a:p>
+            <a:pPr eaLnBrk="1" hangingPunct="1"/>
+            <a:r>
+              <a:rPr lang="en-US" sz="4400" dirty="0" smtClean="0"/>
+              <a:t>Binomial </a:t>
+            </a:r>
+            <a:r>
+              <a:rPr lang="en-US" sz="4400" dirty="0"/>
+              <a:t>C</a:t>
+            </a:r>
+            <a:r>
+              <a:rPr lang="en-US" sz="4400" dirty="0" smtClean="0"/>
+              <a:t>ounting proof</a:t>
+            </a:r>
+          </a:p>
+        </p:txBody>
+      </p:sp>
+      <p:graphicFrame>
+        <p:nvGraphicFramePr>
+          <p:cNvPr id="8" name="Object 4"/>
+          <p:cNvGraphicFramePr>
+            <a:graphicFrameLocks noChangeAspect="1"/>
+          </p:cNvGraphicFramePr>
+          <p:nvPr>
+            <p:extLst>
+              <p:ext uri="{D42A27DB-BD31-4B8C-83A1-F6EECF244321}">
+                <p14:modId xmlns:p14="http://schemas.microsoft.com/office/powerpoint/2010/main" val="1417885281"/>
+              </p:ext>
+            </p:extLst>
+          </p:nvPr>
+        </p:nvGraphicFramePr>
+        <p:xfrm>
+          <a:off x="1468438" y="3048000"/>
+          <a:ext cx="6207125" cy="1947863"/>
+        </p:xfrm>
+        <a:graphic>
+          <a:graphicData uri="http://schemas.openxmlformats.org/presentationml/2006/ole">
+            <mc:AlternateContent xmlns:mc="http://schemas.openxmlformats.org/markup-compatibility/2006">
+              <mc:Choice xmlns:v="urn:schemas-microsoft-com:vml" Requires="v">
+                <p:oleObj spid="_x0000_s210010" name="Equation" r:id="rId6" imgW="1130300" imgH="355600" progId="Equation.DSMT4">
+                  <p:embed/>
+                </p:oleObj>
+              </mc:Choice>
+              <mc:Fallback>
+                <p:oleObj name="Equation" r:id="rId6" imgW="1130300" imgH="355600" progId="Equation.DSMT4">
+                  <p:embed/>
+                  <p:pic>
+                    <p:nvPicPr>
+                      <p:cNvPr id="0" name=""/>
+                      <p:cNvPicPr>
+                        <a:picLocks noChangeAspect="1" noChangeArrowheads="1"/>
+                      </p:cNvPicPr>
+                      <p:nvPr/>
+                    </p:nvPicPr>
+                    <p:blipFill>
+                      <a:blip r:embed="rId7"/>
+                      <a:srcRect/>
+                      <a:stretch>
+                        <a:fillRect/>
+                      </a:stretch>
+                    </p:blipFill>
+                    <p:spPr bwMode="auto">
+                      <a:xfrm>
+                        <a:off x="1468438" y="3048000"/>
+                        <a:ext cx="6207125" cy="1947863"/>
+                      </a:xfrm>
+                      <a:prstGeom prst="rect">
+                        <a:avLst/>
+                      </a:prstGeom>
+                      <a:noFill/>
+                      <a:extLst/>
+                    </p:spPr>
+                  </p:pic>
+                </p:oleObj>
+              </mc:Fallback>
+            </mc:AlternateContent>
+          </a:graphicData>
+        </a:graphic>
+      </p:graphicFrame>
+      <p:sp>
+        <p:nvSpPr>
+          <p:cNvPr id="9" name="TextBox 8"/>
+          <p:cNvSpPr txBox="1"/>
+          <p:nvPr/>
+        </p:nvSpPr>
+        <p:spPr>
+          <a:xfrm>
+            <a:off x="3429000" y="304800"/>
+            <a:ext cx="2464938" cy="1323439"/>
+          </a:xfrm>
+          <a:prstGeom prst="rect">
+            <a:avLst/>
+          </a:prstGeom>
+          <a:noFill/>
+        </p:spPr>
+        <p:txBody>
+          <a:bodyPr wrap="none" rtlCol="0">
+            <a:spAutoFit/>
+          </a:bodyPr>
+          <a:lstStyle/>
+          <a:p>
+            <a:r>
+              <a:rPr lang="en-US" sz="8000" dirty="0" smtClean="0">
+                <a:solidFill>
+                  <a:srgbClr val="008000"/>
+                </a:solidFill>
+                <a:latin typeface="Comic Sans MS" pitchFamily="66" charset="0"/>
+              </a:rPr>
+              <a:t>QED</a:t>
+            </a:r>
+          </a:p>
+        </p:txBody>
+      </p:sp>
+    </p:spTree>
+    <p:extLst>
+      <p:ext uri="{BB962C8B-B14F-4D97-AF65-F5344CB8AC3E}">
+        <p14:creationId xmlns:p14="http://schemas.microsoft.com/office/powerpoint/2010/main" val="2487465792"/>
+      </p:ext>
+    </p:extLst>
+  </p:cSld>
+  <p:clrMapOvr>
+    <a:masterClrMapping/>
+  </p:clrMapOvr>
+  <p:transition xmlns:p14="http://schemas.microsoft.com/office/powerpoint/2010/main" spd="slow" advClick="0">
+    <p:fade/>
+  </p:transition>
+  <p:timing>
+    <p:tnLst>
+      <p:par>
+        <p:cTn xmlns:p14="http://schemas.microsoft.com/office/powerpoint/2010/main" id="1" dur="indefinite" restart="never" nodeType="tmRoot">
+          <p:childTnLst>
+            <p:seq concurrent="1" nextAc="seek">
+              <p:cTn id="2" dur="indefinite" nodeType="mainSeq">
+                <p:childTnLst>
+                  <p:par>
+                    <p:cTn id="3" fill="hold">
+                      <p:stCondLst>
+                        <p:cond delay="indefinite"/>
+                      </p:stCondLst>
+                      <p:childTnLst>
+                        <p:par>
+                          <p:cTn id="4" fill="hold">
+                            <p:stCondLst>
+                              <p:cond delay="0"/>
+                            </p:stCondLst>
+                            <p:childTnLst>
+                              <p:par>
+                                <p:cTn id="5" presetID="15" presetClass="entr" presetSubtype="0" fill="hold" grpId="0" nodeType="clickEffect">
+                                  <p:stCondLst>
+                                    <p:cond delay="0"/>
+                                  </p:stCondLst>
+                                  <p:childTnLst>
+                                    <p:set>
+                                      <p:cBhvr>
+                                        <p:cTn id="6" dur="1" fill="hold">
+                                          <p:stCondLst>
+                                            <p:cond delay="0"/>
+                                          </p:stCondLst>
+                                        </p:cTn>
+                                        <p:tgtEl>
+                                          <p:spTgt spid="9"/>
+                                        </p:tgtEl>
+                                        <p:attrNameLst>
+                                          <p:attrName>style.visibility</p:attrName>
+                                        </p:attrNameLst>
+                                      </p:cBhvr>
+                                      <p:to>
+                                        <p:strVal val="visible"/>
+                                      </p:to>
+                                    </p:set>
+                                    <p:anim calcmode="lin" valueType="num">
+                                      <p:cBhvr>
+                                        <p:cTn id="7" dur="1000" fill="hold"/>
+                                        <p:tgtEl>
+                                          <p:spTgt spid="9"/>
+                                        </p:tgtEl>
+                                        <p:attrNameLst>
+                                          <p:attrName>ppt_w</p:attrName>
+                                        </p:attrNameLst>
+                                      </p:cBhvr>
+                                      <p:tavLst>
+                                        <p:tav tm="0">
+                                          <p:val>
+                                            <p:fltVal val="0"/>
+                                          </p:val>
+                                        </p:tav>
+                                        <p:tav tm="100000">
+                                          <p:val>
+                                            <p:strVal val="#ppt_w"/>
+                                          </p:val>
+                                        </p:tav>
+                                      </p:tavLst>
+                                    </p:anim>
+                                    <p:anim calcmode="lin" valueType="num">
+                                      <p:cBhvr>
+                                        <p:cTn id="8" dur="1000" fill="hold"/>
+                                        <p:tgtEl>
+                                          <p:spTgt spid="9"/>
+                                        </p:tgtEl>
+                                        <p:attrNameLst>
+                                          <p:attrName>ppt_h</p:attrName>
+                                        </p:attrNameLst>
+                                      </p:cBhvr>
+                                      <p:tavLst>
+                                        <p:tav tm="0">
+                                          <p:val>
+                                            <p:fltVal val="0"/>
+                                          </p:val>
+                                        </p:tav>
+                                        <p:tav tm="100000">
+                                          <p:val>
+                                            <p:strVal val="#ppt_h"/>
+                                          </p:val>
+                                        </p:tav>
+                                      </p:tavLst>
+                                    </p:anim>
+                                    <p:anim calcmode="lin" valueType="num">
+                                      <p:cBhvr>
+                                        <p:cTn id="9" dur="1000" fill="hold"/>
+                                        <p:tgtEl>
+                                          <p:spTgt spid="9"/>
+                                        </p:tgtEl>
+                                        <p:attrNameLst>
+                                          <p:attrName>ppt_x</p:attrName>
+                                        </p:attrNameLst>
+                                      </p:cBhvr>
+                                      <p:tavLst>
+                                        <p:tav tm="0" fmla="#ppt_x+(cos(-2*pi*(1-$))*-#ppt_x-sin(-2*pi*(1-$))*(1-#ppt_y))*(1-$)">
+                                          <p:val>
+                                            <p:fltVal val="0"/>
+                                          </p:val>
+                                        </p:tav>
+                                        <p:tav tm="100000">
+                                          <p:val>
+                                            <p:fltVal val="1"/>
+                                          </p:val>
+                                        </p:tav>
+                                      </p:tavLst>
+                                    </p:anim>
+                                    <p:anim calcmode="lin" valueType="num">
+                                      <p:cBhvr>
+                                        <p:cTn id="10" dur="1000" fill="hold"/>
+                                        <p:tgtEl>
+                                          <p:spTgt spid="9"/>
+                                        </p:tgtEl>
+                                        <p:attrNameLst>
+                                          <p:attrName>ppt_y</p:attrName>
+                                        </p:attrNameLst>
+                                      </p:cBhvr>
+                                      <p:tavLst>
+                                        <p:tav tm="0" fmla="#ppt_y+(sin(-2*pi*(1-$))*-#ppt_x+cos(-2*pi*(1-$))*(1-#ppt_y))*(1-$)">
+                                          <p:val>
+                                            <p:fltVal val="0"/>
+                                          </p:val>
+                                        </p:tav>
+                                        <p:tav tm="100000">
+                                          <p:val>
+                                            <p:fltVal val="1"/>
+                                          </p:val>
+                                        </p:tav>
+                                      </p:tavLst>
+                                    </p:anim>
+                                  </p:childTnLst>
+                                </p:cTn>
+                              </p:par>
+                            </p:childTnLst>
+                          </p:cTn>
+                        </p:par>
+                      </p:childTnLst>
+                    </p:cTn>
+                  </p:par>
+                </p:childTnLst>
+              </p:cTn>
+              <p:prevCondLst>
+                <p:cond evt="onPrev" delay="0">
+                  <p:tgtEl>
+                    <p:sldTgt/>
+                  </p:tgtEl>
+                </p:cond>
+              </p:prevCondLst>
+              <p:nextCondLst>
+                <p:cond evt="onNext" delay="0">
+                  <p:tgtEl>
+                    <p:sldTgt/>
+                  </p:tgtEl>
+                </p:cond>
+              </p:nextCondLst>
+            </p:seq>
+          </p:childTnLst>
+        </p:cTn>
+      </p:par>
+    </p:tnLst>
+    <p:bldLst>
+      <p:bldP spid="9" grpId="0"/>
+    </p:bldLst>
+  </p:timing>
+</p:sld>
+</file>
+
+<file path=ppt/slides/slide2.xml><?xml version="1.0" encoding="utf-8"?>
+<p:sld xmlns:a="http://schemas.openxmlformats.org/drawingml/2006/main" xmlns:r="http://schemas.openxmlformats.org/officeDocument/2006/relationships" xmlns:p="http://schemas.openxmlformats.org/presentationml/2006/main">
+  <p:cSld>
+    <p:spTree>
+      <p:nvGrpSpPr>
+        <p:cNvPr id="1" name=""/>
+        <p:cNvGrpSpPr/>
+        <p:nvPr/>
+      </p:nvGrpSpPr>
+      <p:grpSpPr>
+        <a:xfrm>
+          <a:off x="0" y="0"/>
+          <a:ext cx="0" cy="0"/>
+          <a:chOff x="0" y="0"/>
+          <a:chExt cx="0" cy="0"/>
+        </a:xfrm>
+      </p:grpSpPr>
+      <p:sp>
+        <p:nvSpPr>
+          <p:cNvPr id="17412" name="Slide Number Placeholder 5"/>
+          <p:cNvSpPr>
+            <a:spLocks noGrp="1"/>
+          </p:cNvSpPr>
+          <p:nvPr>
+            <p:ph type="sldNum" sz="quarter" idx="10"/>
+          </p:nvPr>
+        </p:nvSpPr>
+        <p:spPr>
+          <a:noFill/>
+        </p:spPr>
+        <p:txBody>
+          <a:bodyPr/>
+          <a:lstStyle/>
+          <a:p>
+            <a:r>
+              <a:rPr lang="en-US" dirty="0" err="1" smtClean="0"/>
+              <a:t>incexcbinom</a:t>
+            </a:r>
+            <a:r>
+              <a:rPr lang="en-US" dirty="0" smtClean="0"/>
+              <a:t>.</a:t>
+            </a:r>
+            <a:fld id="{83D78B86-54BD-4C40-B154-E0B4BEB7EE49}" type="slidenum">
+              <a:rPr lang="en-US" smtClean="0"/>
+              <a:pPr/>
+              <a:t>2</a:t>
+            </a:fld>
+            <a:endParaRPr lang="en-US" dirty="0" smtClean="0"/>
+          </a:p>
+        </p:txBody>
+      </p:sp>
+      <p:sp>
+        <p:nvSpPr>
+          <p:cNvPr id="17413" name="Rectangle 2"/>
+          <p:cNvSpPr>
+            <a:spLocks noGrp="1" noChangeArrowheads="1"/>
+          </p:cNvSpPr>
+          <p:nvPr>
+            <p:ph type="title"/>
+          </p:nvPr>
+        </p:nvSpPr>
+        <p:spPr>
+          <a:xfrm>
+            <a:off x="1295400" y="152400"/>
+            <a:ext cx="6781800" cy="1219200"/>
+          </a:xfrm>
+        </p:spPr>
+        <p:txBody>
+          <a:bodyPr/>
+          <a:lstStyle/>
+          <a:p>
+            <a:pPr eaLnBrk="1" hangingPunct="1"/>
+            <a:r>
+              <a:rPr lang="en-US" sz="4400" dirty="0" smtClean="0"/>
+              <a:t>Binomial </a:t>
+            </a:r>
+            <a:r>
+              <a:rPr lang="en-US" sz="4400" dirty="0"/>
+              <a:t>C</a:t>
+            </a:r>
+            <a:r>
+              <a:rPr lang="en-US" sz="4400" dirty="0" smtClean="0"/>
+              <a:t>ounting proof</a:t>
+            </a:r>
+          </a:p>
+        </p:txBody>
+      </p:sp>
+      <p:graphicFrame>
+        <p:nvGraphicFramePr>
+          <p:cNvPr id="3" name="Object 2"/>
+          <p:cNvGraphicFramePr>
+            <a:graphicFrameLocks noChangeAspect="1"/>
+          </p:cNvGraphicFramePr>
+          <p:nvPr>
+            <p:extLst>
+              <p:ext uri="{D42A27DB-BD31-4B8C-83A1-F6EECF244321}">
+                <p14:modId xmlns:p14="http://schemas.microsoft.com/office/powerpoint/2010/main" val="231996843"/>
+              </p:ext>
+            </p:extLst>
+          </p:nvPr>
+        </p:nvGraphicFramePr>
+        <p:xfrm>
+          <a:off x="381000" y="1752600"/>
+          <a:ext cx="3133725" cy="1044575"/>
+        </p:xfrm>
+        <a:graphic>
+          <a:graphicData uri="http://schemas.openxmlformats.org/presentationml/2006/ole">
+            <mc:AlternateContent xmlns:mc="http://schemas.openxmlformats.org/markup-compatibility/2006">
+              <mc:Choice xmlns:v="urn:schemas-microsoft-com:vml" Requires="v">
+                <p:oleObj spid="_x0000_s202833" name="Equation" r:id="rId4" imgW="762000" imgH="254000" progId="Equation.DSMT4">
+                  <p:embed/>
+                </p:oleObj>
+              </mc:Choice>
+              <mc:Fallback>
+                <p:oleObj name="Equation" r:id="rId4" imgW="762000" imgH="254000" progId="Equation.DSMT4">
+                  <p:embed/>
+                  <p:pic>
+                    <p:nvPicPr>
+                      <p:cNvPr id="0" name=""/>
+                      <p:cNvPicPr/>
+                      <p:nvPr/>
+                    </p:nvPicPr>
+                    <p:blipFill>
+                      <a:blip r:embed="rId5"/>
+                      <a:stretch>
+                        <a:fillRect/>
+                      </a:stretch>
+                    </p:blipFill>
+                    <p:spPr>
+                      <a:xfrm>
+                        <a:off x="381000" y="1752600"/>
+                        <a:ext cx="3133725" cy="1044575"/>
+                      </a:xfrm>
+                      <a:prstGeom prst="rect">
+                        <a:avLst/>
+                      </a:prstGeom>
+                    </p:spPr>
+                  </p:pic>
+                </p:oleObj>
+              </mc:Fallback>
+            </mc:AlternateContent>
+          </a:graphicData>
+        </a:graphic>
+      </p:graphicFrame>
       <p:graphicFrame>
         <p:nvGraphicFramePr>
           <p:cNvPr id="4" name="Object 3"/>
@@ -6574,25 +6085,82 @@
           <p:nvPr>
             <p:extLst>
               <p:ext uri="{D42A27DB-BD31-4B8C-83A1-F6EECF244321}">
-                <p14:modId xmlns:p14="http://schemas.microsoft.com/office/powerpoint/2010/main" val="916352613"/>
+                <p14:modId xmlns:p14="http://schemas.microsoft.com/office/powerpoint/2010/main" val="537130185"/>
               </p:ext>
             </p:extLst>
           </p:nvPr>
         </p:nvGraphicFramePr>
         <p:xfrm>
-          <a:off x="685800" y="4953000"/>
-          <a:ext cx="7969250" cy="1371600"/>
+          <a:off x="1524000" y="3657600"/>
+          <a:ext cx="5934321" cy="2286000"/>
         </p:xfrm>
         <a:graphic>
           <a:graphicData uri="http://schemas.openxmlformats.org/presentationml/2006/ole">
             <mc:AlternateContent xmlns:mc="http://schemas.openxmlformats.org/markup-compatibility/2006">
               <mc:Choice xmlns:v="urn:schemas-microsoft-com:vml" Requires="v">
-                <p:oleObj spid="_x0000_s209983" name="Equation" r:id="rId8" imgW="1549400" imgH="266700" progId="Equation.DSMT4">
+                <p:oleObj spid="_x0000_s202834" name="Equation" r:id="rId6" imgW="1384300" imgH="533400" progId="Equation.DSMT4">
                   <p:embed/>
                 </p:oleObj>
               </mc:Choice>
               <mc:Fallback>
-                <p:oleObj name="Equation" r:id="rId8" imgW="1549400" imgH="266700" progId="Equation.DSMT4">
+                <p:oleObj name="Equation" r:id="rId6" imgW="1384300" imgH="533400" progId="Equation.DSMT4">
+                  <p:embed/>
+                  <p:pic>
+                    <p:nvPicPr>
+                      <p:cNvPr id="0" name=""/>
+                      <p:cNvPicPr/>
+                      <p:nvPr/>
+                    </p:nvPicPr>
+                    <p:blipFill>
+                      <a:blip r:embed="rId7"/>
+                      <a:stretch>
+                        <a:fillRect/>
+                      </a:stretch>
+                    </p:blipFill>
+                    <p:spPr>
+                      <a:xfrm>
+                        <a:off x="1524000" y="3657600"/>
+                        <a:ext cx="5934321" cy="2286000"/>
+                      </a:xfrm>
+                      <a:prstGeom prst="rect">
+                        <a:avLst/>
+                      </a:prstGeom>
+                    </p:spPr>
+                  </p:pic>
+                </p:oleObj>
+              </mc:Fallback>
+            </mc:AlternateContent>
+          </a:graphicData>
+        </a:graphic>
+      </p:graphicFrame>
+      <p:graphicFrame>
+        <p:nvGraphicFramePr>
+          <p:cNvPr id="5" name="Object 4"/>
+          <p:cNvGraphicFramePr>
+            <a:graphicFrameLocks noChangeAspect="1"/>
+          </p:cNvGraphicFramePr>
+          <p:nvPr>
+            <p:extLst>
+              <p:ext uri="{D42A27DB-BD31-4B8C-83A1-F6EECF244321}">
+                <p14:modId xmlns:p14="http://schemas.microsoft.com/office/powerpoint/2010/main" val="3023837873"/>
+              </p:ext>
+            </p:extLst>
+          </p:nvPr>
+        </p:nvGraphicFramePr>
+        <p:xfrm>
+          <a:off x="3657599" y="1295400"/>
+          <a:ext cx="4775201" cy="2133600"/>
+        </p:xfrm>
+        <a:graphic>
+          <a:graphicData uri="http://schemas.openxmlformats.org/presentationml/2006/ole">
+            <mc:AlternateContent xmlns:mc="http://schemas.openxmlformats.org/markup-compatibility/2006">
+              <mc:Choice xmlns:v="urn:schemas-microsoft-com:vml" Requires="v">
+                <p:oleObj spid="_x0000_s202835" name="Equation" r:id="rId8" imgW="1193800" imgH="533400" progId="Equation.DSMT4">
+                  <p:embed/>
+                </p:oleObj>
+              </mc:Choice>
+              <mc:Fallback>
+                <p:oleObj name="Equation" r:id="rId8" imgW="1193800" imgH="533400" progId="Equation.DSMT4">
                   <p:embed/>
                   <p:pic>
                     <p:nvPicPr>
@@ -6608,8 +6176,8 @@
                     </p:blipFill>
                     <p:spPr>
                       <a:xfrm>
-                        <a:off x="685800" y="4953000"/>
-                        <a:ext cx="7969250" cy="1371600"/>
+                        <a:off x="3657599" y="1295400"/>
+                        <a:ext cx="4775201" cy="2133600"/>
                       </a:xfrm>
                       <a:prstGeom prst="rect">
                         <a:avLst/>
@@ -6622,46 +6190,10 @@
           </a:graphicData>
         </a:graphic>
       </p:graphicFrame>
-      <p:sp>
-        <p:nvSpPr>
-          <p:cNvPr id="11" name="Rectangle 2"/>
-          <p:cNvSpPr>
-            <a:spLocks noGrp="1" noChangeArrowheads="1"/>
-          </p:cNvSpPr>
-          <p:nvPr>
-            <p:ph type="title"/>
-          </p:nvPr>
-        </p:nvSpPr>
-        <p:spPr>
-          <a:xfrm>
-            <a:off x="1295400" y="152400"/>
-            <a:ext cx="6781800" cy="1219200"/>
-          </a:xfrm>
-        </p:spPr>
-        <p:txBody>
-          <a:bodyPr/>
-          <a:lstStyle/>
-          <a:p>
-            <a:pPr eaLnBrk="1" hangingPunct="1"/>
-            <a:r>
-              <a:rPr lang="en-US" sz="4400" dirty="0" smtClean="0"/>
-              <a:t>Binomial </a:t>
-            </a:r>
-            <a:r>
-              <a:rPr lang="en-US" sz="4400" dirty="0"/>
-              <a:t>C</a:t>
-            </a:r>
-            <a:r>
-              <a:rPr lang="en-US" sz="4400" dirty="0" smtClean="0"/>
-              <a:t>ounting proof</a:t>
-            </a:r>
-          </a:p>
-        </p:txBody>
-      </p:sp>
     </p:spTree>
     <p:extLst>
       <p:ext uri="{BB962C8B-B14F-4D97-AF65-F5344CB8AC3E}">
-        <p14:creationId xmlns:p14="http://schemas.microsoft.com/office/powerpoint/2010/main" val="2487465792"/>
+        <p14:creationId xmlns:p14="http://schemas.microsoft.com/office/powerpoint/2010/main" val="547243453"/>
       </p:ext>
     </p:extLst>
   </p:cSld>
@@ -6705,7 +6237,7 @@
                                           </p:stCondLst>
                                         </p:cTn>
                                         <p:tgtEl>
-                                          <p:spTgt spid="2"/>
+                                          <p:spTgt spid="3"/>
                                         </p:tgtEl>
                                         <p:attrNameLst>
                                           <p:attrName>style.visibility</p:attrName>
@@ -6717,9 +6249,9 @@
                                     </p:set>
                                     <p:animEffect transition="in" filter="wipe(left)">
                                       <p:cBhvr>
-                                        <p:cTn id="7" dur="1000"/>
+                                        <p:cTn id="7" dur="500"/>
                                         <p:tgtEl>
-                                          <p:spTgt spid="2"/>
+                                          <p:spTgt spid="3"/>
                                         </p:tgtEl>
                                       </p:cBhvr>
                                     </p:animEffect>
@@ -6758,6 +6290,59 @@
                                           </p:stCondLst>
                                         </p:cTn>
                                         <p:tgtEl>
+                                          <p:spTgt spid="5"/>
+                                        </p:tgtEl>
+                                        <p:attrNameLst>
+                                          <p:attrName>style.visibility</p:attrName>
+                                        </p:attrNameLst>
+                                      </p:cBhvr>
+                                      <p:to>
+                                        <p:strVal val="visible"/>
+                                      </p:to>
+                                    </p:set>
+                                    <p:animEffect transition="in" filter="wipe(left)">
+                                      <p:cBhvr>
+                                        <p:cTn id="12" dur="2000"/>
+                                        <p:tgtEl>
+                                          <p:spTgt spid="5"/>
+                                        </p:tgtEl>
+                                      </p:cBhvr>
+                                    </p:animEffect>
+                                  </p:childTnLst>
+                                </p:cTn>
+                              </p:par>
+                            </p:childTnLst>
+                          </p:cTn>
+                        </p:par>
+                      </p:childTnLst>
+                    </p:cTn>
+                  </p:par>
+                  <p:par>
+                    <p:cTn id="13" fill="hold">
+                      <p:stCondLst>
+                        <p:cond delay="indefinite"/>
+                      </p:stCondLst>
+                      <p:childTnLst>
+                        <p:par>
+                          <p:cTn id="14" fill="hold">
+                            <p:stCondLst>
+                              <p:cond delay="0"/>
+                            </p:stCondLst>
+                            <p:childTnLst>
+                              <p:par>
+                                <p:cTn id="15" presetID="22" presetClass="entr" presetSubtype="8" fill="hold" nodeType="clickEffect">
+                                  <p:stCondLst>
+                                    <p:cond delay="0"/>
+                                  </p:stCondLst>
+                                  <p:childTnLst>
+                                    <p:set>
+                                      <p:cBhvr>
+                                        <p:cTn id="16" dur="1" fill="hold">
+                                          <p:stCondLst>
+                                            <p:cond delay="0"/>
+                                          </p:stCondLst>
+                                        </p:cTn>
+                                        <p:tgtEl>
                                           <p:spTgt spid="4"/>
                                         </p:tgtEl>
                                         <p:attrNameLst>
@@ -6770,7 +6355,7 @@
                                     </p:set>
                                     <p:animEffect transition="in" filter="wipe(left)">
                                       <p:cBhvr>
-                                        <p:cTn id="12" dur="1000"/>
+                                        <p:cTn id="17" dur="2000"/>
                                         <p:tgtEl>
                                           <p:spTgt spid="4"/>
                                         </p:tgtEl>
@@ -6804,6 +6389,2078 @@
             </p:seq>
           </p:childTnLst>
         </p:cTn>
+      </p:par>
+    </p:tnLst>
+  </p:timing>
+</p:sld>
+</file>
+
+<file path=ppt/slides/slide3.xml><?xml version="1.0" encoding="utf-8"?>
+<p:sld xmlns:a="http://schemas.openxmlformats.org/drawingml/2006/main" xmlns:r="http://schemas.openxmlformats.org/officeDocument/2006/relationships" xmlns:p="http://schemas.openxmlformats.org/presentationml/2006/main">
+  <p:cSld>
+    <p:spTree>
+      <p:nvGrpSpPr>
+        <p:cNvPr id="1" name=""/>
+        <p:cNvGrpSpPr/>
+        <p:nvPr/>
+      </p:nvGrpSpPr>
+      <p:grpSpPr>
+        <a:xfrm>
+          <a:off x="0" y="0"/>
+          <a:ext cx="0" cy="0"/>
+          <a:chOff x="0" y="0"/>
+          <a:chExt cx="0" cy="0"/>
+        </a:xfrm>
+      </p:grpSpPr>
+      <p:sp>
+        <p:nvSpPr>
+          <p:cNvPr id="17412" name="Slide Number Placeholder 5"/>
+          <p:cNvSpPr>
+            <a:spLocks noGrp="1"/>
+          </p:cNvSpPr>
+          <p:nvPr>
+            <p:ph type="sldNum" sz="quarter" idx="10"/>
+          </p:nvPr>
+        </p:nvSpPr>
+        <p:spPr>
+          <a:noFill/>
+        </p:spPr>
+        <p:txBody>
+          <a:bodyPr/>
+          <a:lstStyle/>
+          <a:p>
+            <a:r>
+              <a:rPr lang="en-US" dirty="0" err="1" smtClean="0"/>
+              <a:t>incexcbinom</a:t>
+            </a:r>
+            <a:r>
+              <a:rPr lang="en-US" dirty="0" smtClean="0"/>
+              <a:t>.</a:t>
+            </a:r>
+            <a:fld id="{83D78B86-54BD-4C40-B154-E0B4BEB7EE49}" type="slidenum">
+              <a:rPr lang="en-US" smtClean="0"/>
+              <a:pPr/>
+              <a:t>3</a:t>
+            </a:fld>
+            <a:endParaRPr lang="en-US" dirty="0" smtClean="0"/>
+          </a:p>
+        </p:txBody>
+      </p:sp>
+      <p:sp>
+        <p:nvSpPr>
+          <p:cNvPr id="17413" name="Rectangle 2"/>
+          <p:cNvSpPr>
+            <a:spLocks noGrp="1" noChangeArrowheads="1"/>
+          </p:cNvSpPr>
+          <p:nvPr>
+            <p:ph type="title"/>
+          </p:nvPr>
+        </p:nvSpPr>
+        <p:spPr>
+          <a:xfrm>
+            <a:off x="1295400" y="152400"/>
+            <a:ext cx="6781800" cy="1219200"/>
+          </a:xfrm>
+        </p:spPr>
+        <p:txBody>
+          <a:bodyPr/>
+          <a:lstStyle/>
+          <a:p>
+            <a:pPr eaLnBrk="1" hangingPunct="1"/>
+            <a:r>
+              <a:rPr lang="en-US" sz="4400" dirty="0" smtClean="0"/>
+              <a:t>Binomial </a:t>
+            </a:r>
+            <a:r>
+              <a:rPr lang="en-US" sz="4400" dirty="0"/>
+              <a:t>C</a:t>
+            </a:r>
+            <a:r>
+              <a:rPr lang="en-US" sz="4400" dirty="0" smtClean="0"/>
+              <a:t>ounting proof</a:t>
+            </a:r>
+          </a:p>
+        </p:txBody>
+      </p:sp>
+      <p:graphicFrame>
+        <p:nvGraphicFramePr>
+          <p:cNvPr id="4" name="Object 3"/>
+          <p:cNvGraphicFramePr>
+            <a:graphicFrameLocks noChangeAspect="1"/>
+          </p:cNvGraphicFramePr>
+          <p:nvPr>
+            <p:extLst>
+              <p:ext uri="{D42A27DB-BD31-4B8C-83A1-F6EECF244321}">
+                <p14:modId xmlns:p14="http://schemas.microsoft.com/office/powerpoint/2010/main" val="3214761271"/>
+              </p:ext>
+            </p:extLst>
+          </p:nvPr>
+        </p:nvGraphicFramePr>
+        <p:xfrm>
+          <a:off x="1219200" y="2286000"/>
+          <a:ext cx="6478588" cy="2667000"/>
+        </p:xfrm>
+        <a:graphic>
+          <a:graphicData uri="http://schemas.openxmlformats.org/presentationml/2006/ole">
+            <mc:AlternateContent xmlns:mc="http://schemas.openxmlformats.org/markup-compatibility/2006">
+              <mc:Choice xmlns:v="urn:schemas-microsoft-com:vml" Requires="v">
+                <p:oleObj spid="_x0000_s222214" name="Equation" r:id="rId4" imgW="1295400" imgH="533400" progId="Equation.DSMT4">
+                  <p:embed/>
+                </p:oleObj>
+              </mc:Choice>
+              <mc:Fallback>
+                <p:oleObj name="Equation" r:id="rId4" imgW="1295400" imgH="533400" progId="Equation.DSMT4">
+                  <p:embed/>
+                  <p:pic>
+                    <p:nvPicPr>
+                      <p:cNvPr id="0" name=""/>
+                      <p:cNvPicPr/>
+                      <p:nvPr/>
+                    </p:nvPicPr>
+                    <p:blipFill>
+                      <a:blip r:embed="rId5"/>
+                      <a:stretch>
+                        <a:fillRect/>
+                      </a:stretch>
+                    </p:blipFill>
+                    <p:spPr>
+                      <a:xfrm>
+                        <a:off x="1219200" y="2286000"/>
+                        <a:ext cx="6478588" cy="2667000"/>
+                      </a:xfrm>
+                      <a:prstGeom prst="rect">
+                        <a:avLst/>
+                      </a:prstGeom>
+                    </p:spPr>
+                  </p:pic>
+                </p:oleObj>
+              </mc:Fallback>
+            </mc:AlternateContent>
+          </a:graphicData>
+        </a:graphic>
+      </p:graphicFrame>
+      <p:sp>
+        <p:nvSpPr>
+          <p:cNvPr id="2" name="TextBox 1"/>
+          <p:cNvSpPr txBox="1"/>
+          <p:nvPr/>
+        </p:nvSpPr>
+        <p:spPr>
+          <a:xfrm>
+            <a:off x="609600" y="1828800"/>
+            <a:ext cx="1982409" cy="769441"/>
+          </a:xfrm>
+          <a:prstGeom prst="rect">
+            <a:avLst/>
+          </a:prstGeom>
+          <a:noFill/>
+        </p:spPr>
+        <p:txBody>
+          <a:bodyPr wrap="none" rtlCol="0">
+            <a:spAutoFit/>
+          </a:bodyPr>
+          <a:lstStyle/>
+          <a:p>
+            <a:r>
+              <a:rPr lang="en-US" sz="4400" dirty="0" smtClean="0">
+                <a:solidFill>
+                  <a:srgbClr val="90096D"/>
+                </a:solidFill>
+                <a:latin typeface="Comic Sans MS" pitchFamily="66" charset="0"/>
+              </a:rPr>
+              <a:t>lemma:</a:t>
+            </a:r>
+          </a:p>
+        </p:txBody>
+      </p:sp>
+    </p:spTree>
+    <p:extLst>
+      <p:ext uri="{BB962C8B-B14F-4D97-AF65-F5344CB8AC3E}">
+        <p14:creationId xmlns:p14="http://schemas.microsoft.com/office/powerpoint/2010/main" val="678555003"/>
+      </p:ext>
+    </p:extLst>
+  </p:cSld>
+  <p:clrMapOvr>
+    <a:masterClrMapping/>
+  </p:clrMapOvr>
+  <p:transition xmlns:p14="http://schemas.microsoft.com/office/powerpoint/2010/main" spd="slow" advClick="0">
+    <p:fade/>
+  </p:transition>
+  <p:timing>
+    <p:tnLst>
+      <p:par>
+        <p:cTn xmlns:p14="http://schemas.microsoft.com/office/powerpoint/2010/main" id="1" dur="indefinite" restart="never" nodeType="tmRoot"/>
+      </p:par>
+    </p:tnLst>
+  </p:timing>
+</p:sld>
+</file>
+
+<file path=ppt/slides/slide4.xml><?xml version="1.0" encoding="utf-8"?>
+<p:sld xmlns:a="http://schemas.openxmlformats.org/drawingml/2006/main" xmlns:r="http://schemas.openxmlformats.org/officeDocument/2006/relationships" xmlns:p="http://schemas.openxmlformats.org/presentationml/2006/main">
+  <p:cSld>
+    <p:spTree>
+      <p:nvGrpSpPr>
+        <p:cNvPr id="1" name=""/>
+        <p:cNvGrpSpPr/>
+        <p:nvPr/>
+      </p:nvGrpSpPr>
+      <p:grpSpPr>
+        <a:xfrm>
+          <a:off x="0" y="0"/>
+          <a:ext cx="0" cy="0"/>
+          <a:chOff x="0" y="0"/>
+          <a:chExt cx="0" cy="0"/>
+        </a:xfrm>
+      </p:grpSpPr>
+      <p:graphicFrame>
+        <p:nvGraphicFramePr>
+          <p:cNvPr id="5122" name="Object 3"/>
+          <p:cNvGraphicFramePr>
+            <a:graphicFrameLocks noChangeAspect="1"/>
+          </p:cNvGraphicFramePr>
+          <p:nvPr>
+            <p:extLst>
+              <p:ext uri="{D42A27DB-BD31-4B8C-83A1-F6EECF244321}">
+                <p14:modId xmlns:p14="http://schemas.microsoft.com/office/powerpoint/2010/main" val="1940869011"/>
+              </p:ext>
+            </p:extLst>
+          </p:nvPr>
+        </p:nvGraphicFramePr>
+        <p:xfrm>
+          <a:off x="217488" y="1187450"/>
+          <a:ext cx="6877050" cy="1360488"/>
+        </p:xfrm>
+        <a:graphic>
+          <a:graphicData uri="http://schemas.openxmlformats.org/presentationml/2006/ole">
+            <mc:AlternateContent xmlns:mc="http://schemas.openxmlformats.org/markup-compatibility/2006">
+              <mc:Choice xmlns:v="urn:schemas-microsoft-com:vml" Requires="v">
+                <p:oleObj spid="_x0000_s1040" name="Equation" r:id="rId4" imgW="1346200" imgH="266700" progId="Equation.DSMT4">
+                  <p:embed/>
+                </p:oleObj>
+              </mc:Choice>
+              <mc:Fallback>
+                <p:oleObj name="Equation" r:id="rId4" imgW="1346200" imgH="266700" progId="Equation.DSMT4">
+                  <p:embed/>
+                  <p:pic>
+                    <p:nvPicPr>
+                      <p:cNvPr id="0" name=""/>
+                      <p:cNvPicPr>
+                        <a:picLocks noChangeAspect="1" noChangeArrowheads="1"/>
+                      </p:cNvPicPr>
+                      <p:nvPr/>
+                    </p:nvPicPr>
+                    <p:blipFill>
+                      <a:blip r:embed="rId5"/>
+                      <a:srcRect/>
+                      <a:stretch>
+                        <a:fillRect/>
+                      </a:stretch>
+                    </p:blipFill>
+                    <p:spPr bwMode="auto">
+                      <a:xfrm>
+                        <a:off x="217488" y="1187450"/>
+                        <a:ext cx="6877050" cy="1360488"/>
+                      </a:xfrm>
+                      <a:prstGeom prst="rect">
+                        <a:avLst/>
+                      </a:prstGeom>
+                      <a:noFill/>
+                      <a:extLst>
+                        <a:ext uri="{909E8E84-426E-40dd-AFC4-6F175D3DCCD1}">
+                          <a14:hiddenFill xmlns:a14="http://schemas.microsoft.com/office/drawing/2010/main">
+                            <a:solidFill>
+                              <a:srgbClr val="FFFFFF"/>
+                            </a:solidFill>
+                          </a14:hiddenFill>
+                        </a:ext>
+                      </a:extLst>
+                    </p:spPr>
+                  </p:pic>
+                </p:oleObj>
+              </mc:Fallback>
+            </mc:AlternateContent>
+          </a:graphicData>
+        </a:graphic>
+      </p:graphicFrame>
+      <p:graphicFrame>
+        <p:nvGraphicFramePr>
+          <p:cNvPr id="571396" name="Object 4"/>
+          <p:cNvGraphicFramePr>
+            <a:graphicFrameLocks noChangeAspect="1"/>
+          </p:cNvGraphicFramePr>
+          <p:nvPr>
+            <p:extLst>
+              <p:ext uri="{D42A27DB-BD31-4B8C-83A1-F6EECF244321}">
+                <p14:modId xmlns:p14="http://schemas.microsoft.com/office/powerpoint/2010/main" val="2926669800"/>
+              </p:ext>
+            </p:extLst>
+          </p:nvPr>
+        </p:nvGraphicFramePr>
+        <p:xfrm>
+          <a:off x="933450" y="2451100"/>
+          <a:ext cx="7307263" cy="2493963"/>
+        </p:xfrm>
+        <a:graphic>
+          <a:graphicData uri="http://schemas.openxmlformats.org/presentationml/2006/ole">
+            <mc:AlternateContent xmlns:mc="http://schemas.openxmlformats.org/markup-compatibility/2006">
+              <mc:Choice xmlns:v="urn:schemas-microsoft-com:vml" Requires="v">
+                <p:oleObj spid="_x0000_s1041" name="Equation" r:id="rId6" imgW="1447800" imgH="495300" progId="Equation.DSMT4">
+                  <p:embed/>
+                </p:oleObj>
+              </mc:Choice>
+              <mc:Fallback>
+                <p:oleObj name="Equation" r:id="rId6" imgW="1447800" imgH="495300" progId="Equation.DSMT4">
+                  <p:embed/>
+                  <p:pic>
+                    <p:nvPicPr>
+                      <p:cNvPr id="0" name=""/>
+                      <p:cNvPicPr>
+                        <a:picLocks noChangeAspect="1" noChangeArrowheads="1"/>
+                      </p:cNvPicPr>
+                      <p:nvPr/>
+                    </p:nvPicPr>
+                    <p:blipFill>
+                      <a:blip r:embed="rId7"/>
+                      <a:srcRect/>
+                      <a:stretch>
+                        <a:fillRect/>
+                      </a:stretch>
+                    </p:blipFill>
+                    <p:spPr bwMode="auto">
+                      <a:xfrm>
+                        <a:off x="933450" y="2451100"/>
+                        <a:ext cx="7307263" cy="2493963"/>
+                      </a:xfrm>
+                      <a:prstGeom prst="rect">
+                        <a:avLst/>
+                      </a:prstGeom>
+                      <a:noFill/>
+                      <a:extLst>
+                        <a:ext uri="{909E8E84-426E-40dd-AFC4-6F175D3DCCD1}">
+                          <a14:hiddenFill xmlns:a14="http://schemas.microsoft.com/office/drawing/2010/main">
+                            <a:solidFill>
+                              <a:srgbClr val="FFFFFF"/>
+                            </a:solidFill>
+                          </a14:hiddenFill>
+                        </a:ext>
+                      </a:extLst>
+                    </p:spPr>
+                  </p:pic>
+                </p:oleObj>
+              </mc:Fallback>
+            </mc:AlternateContent>
+          </a:graphicData>
+        </a:graphic>
+      </p:graphicFrame>
+      <p:sp>
+        <p:nvSpPr>
+          <p:cNvPr id="5124" name="Rectangle 2"/>
+          <p:cNvSpPr>
+            <a:spLocks noGrp="1" noChangeArrowheads="1"/>
+          </p:cNvSpPr>
+          <p:nvPr>
+            <p:ph type="title"/>
+          </p:nvPr>
+        </p:nvSpPr>
+        <p:spPr>
+          <a:xfrm>
+            <a:off x="1600200" y="304800"/>
+            <a:ext cx="6019800" cy="1143000"/>
+          </a:xfrm>
+        </p:spPr>
+        <p:txBody>
+          <a:bodyPr/>
+          <a:lstStyle/>
+          <a:p>
+            <a:pPr eaLnBrk="1" hangingPunct="1"/>
+            <a:r>
+              <a:rPr lang="en-US" dirty="0" err="1" smtClean="0">
+                <a:latin typeface="Comic Sans MS" pitchFamily="66" charset="0"/>
+              </a:rPr>
+              <a:t>Incl-Excl</a:t>
+            </a:r>
+            <a:r>
+              <a:rPr lang="en-US" dirty="0" smtClean="0">
+                <a:latin typeface="Comic Sans MS" pitchFamily="66" charset="0"/>
+              </a:rPr>
+              <a:t> </a:t>
+            </a:r>
+            <a:r>
+              <a:rPr lang="en-US" dirty="0" smtClean="0">
+                <a:solidFill>
+                  <a:srgbClr val="0000FF"/>
+                </a:solidFill>
+                <a:latin typeface="Comic Sans MS" pitchFamily="66" charset="0"/>
+              </a:rPr>
+              <a:t>n</a:t>
+            </a:r>
+            <a:r>
+              <a:rPr lang="en-US" dirty="0" smtClean="0">
+                <a:latin typeface="Comic Sans MS" pitchFamily="66" charset="0"/>
+              </a:rPr>
+              <a:t> sets</a:t>
+            </a:r>
+          </a:p>
+        </p:txBody>
+      </p:sp>
+      <p:sp>
+        <p:nvSpPr>
+          <p:cNvPr id="5125" name="Slide Number Placeholder 7"/>
+          <p:cNvSpPr>
+            <a:spLocks noGrp="1"/>
+          </p:cNvSpPr>
+          <p:nvPr>
+            <p:ph type="sldNum" sz="quarter" idx="10"/>
+          </p:nvPr>
+        </p:nvSpPr>
+        <p:spPr>
+          <a:noFill/>
+        </p:spPr>
+        <p:txBody>
+          <a:bodyPr/>
+          <a:lstStyle/>
+          <a:p>
+            <a:r>
+              <a:rPr lang="en-US" dirty="0" err="1" smtClean="0"/>
+              <a:t>incexcbinom</a:t>
+            </a:r>
+            <a:r>
+              <a:rPr lang="en-US" dirty="0" smtClean="0"/>
+              <a:t>.</a:t>
+            </a:r>
+            <a:fld id="{440333D2-3154-4D4B-AAB9-AB5679BA8A30}" type="slidenum">
+              <a:rPr lang="en-US" smtClean="0"/>
+              <a:pPr/>
+              <a:t>4</a:t>
+            </a:fld>
+            <a:endParaRPr lang="en-US" dirty="0" smtClean="0"/>
+          </a:p>
+        </p:txBody>
+      </p:sp>
+    </p:spTree>
+    <p:extLst>
+      <p:ext uri="{BB962C8B-B14F-4D97-AF65-F5344CB8AC3E}">
+        <p14:creationId xmlns:p14="http://schemas.microsoft.com/office/powerpoint/2010/main" val="371793121"/>
+      </p:ext>
+    </p:extLst>
+  </p:cSld>
+  <p:clrMapOvr>
+    <a:masterClrMapping/>
+  </p:clrMapOvr>
+  <p:transition xmlns:p14="http://schemas.microsoft.com/office/powerpoint/2010/main" spd="slow" advClick="0">
+    <p:fade thruBlk="1"/>
+  </p:transition>
+  <p:timing>
+    <p:tnLst>
+      <p:par>
+        <p:cTn xmlns:p14="http://schemas.microsoft.com/office/powerpoint/2010/main" id="1" dur="indefinite" restart="never" nodeType="tmRoot">
+          <p:childTnLst>
+            <p:seq concurrent="1" nextAc="seek">
+              <p:cTn id="2" dur="indefinite" nodeType="mainSeq">
+                <p:childTnLst>
+                  <p:par>
+                    <p:cTn id="3" fill="hold">
+                      <p:stCondLst>
+                        <p:cond delay="indefinite"/>
+                      </p:stCondLst>
+                      <p:childTnLst>
+                        <p:par>
+                          <p:cTn id="4" fill="hold">
+                            <p:stCondLst>
+                              <p:cond delay="0"/>
+                            </p:stCondLst>
+                            <p:childTnLst>
+                              <p:par>
+                                <p:cTn id="5" presetID="22" presetClass="entr" presetSubtype="8" fill="hold" nodeType="clickEffect">
+                                  <p:stCondLst>
+                                    <p:cond delay="0"/>
+                                  </p:stCondLst>
+                                  <p:childTnLst>
+                                    <p:set>
+                                      <p:cBhvr>
+                                        <p:cTn id="6" dur="1" fill="hold">
+                                          <p:stCondLst>
+                                            <p:cond delay="0"/>
+                                          </p:stCondLst>
+                                        </p:cTn>
+                                        <p:tgtEl>
+                                          <p:spTgt spid="571396"/>
+                                        </p:tgtEl>
+                                        <p:attrNameLst>
+                                          <p:attrName>style.visibility</p:attrName>
+                                        </p:attrNameLst>
+                                      </p:cBhvr>
+                                      <p:to>
+                                        <p:strVal val="visible"/>
+                                      </p:to>
+                                    </p:set>
+                                    <p:animEffect transition="in" filter="wipe(left)">
+                                      <p:cBhvr>
+                                        <p:cTn id="7" dur="2000"/>
+                                        <p:tgtEl>
+                                          <p:spTgt spid="571396"/>
+                                        </p:tgtEl>
+                                      </p:cBhvr>
+                                    </p:animEffect>
+                                  </p:childTnLst>
+                                </p:cTn>
+                              </p:par>
+                            </p:childTnLst>
+                          </p:cTn>
+                        </p:par>
+                      </p:childTnLst>
+                    </p:cTn>
+                  </p:par>
+                </p:childTnLst>
+              </p:cTn>
+              <p:prevCondLst>
+                <p:cond evt="onPrev" delay="0">
+                  <p:tgtEl>
+                    <p:sldTgt/>
+                  </p:tgtEl>
+                </p:cond>
+              </p:prevCondLst>
+              <p:nextCondLst>
+                <p:cond evt="onNext" delay="0">
+                  <p:tgtEl>
+                    <p:sldTgt/>
+                  </p:tgtEl>
+                </p:cond>
+              </p:nextCondLst>
+            </p:seq>
+          </p:childTnLst>
+        </p:cTn>
+      </p:par>
+    </p:tnLst>
+  </p:timing>
+</p:sld>
+</file>
+
+<file path=ppt/slides/slide5.xml><?xml version="1.0" encoding="utf-8"?>
+<p:sld xmlns:a="http://schemas.openxmlformats.org/drawingml/2006/main" xmlns:r="http://schemas.openxmlformats.org/officeDocument/2006/relationships" xmlns:p="http://schemas.openxmlformats.org/presentationml/2006/main">
+  <p:cSld>
+    <p:spTree>
+      <p:nvGrpSpPr>
+        <p:cNvPr id="1" name=""/>
+        <p:cNvGrpSpPr/>
+        <p:nvPr/>
+      </p:nvGrpSpPr>
+      <p:grpSpPr>
+        <a:xfrm>
+          <a:off x="0" y="0"/>
+          <a:ext cx="0" cy="0"/>
+          <a:chOff x="0" y="0"/>
+          <a:chExt cx="0" cy="0"/>
+        </a:xfrm>
+      </p:grpSpPr>
+      <p:sp>
+        <p:nvSpPr>
+          <p:cNvPr id="5124" name="Rectangle 2"/>
+          <p:cNvSpPr>
+            <a:spLocks noGrp="1" noChangeArrowheads="1"/>
+          </p:cNvSpPr>
+          <p:nvPr>
+            <p:ph type="title"/>
+          </p:nvPr>
+        </p:nvSpPr>
+        <p:spPr>
+          <a:xfrm>
+            <a:off x="1600200" y="304800"/>
+            <a:ext cx="6019800" cy="1143000"/>
+          </a:xfrm>
+        </p:spPr>
+        <p:txBody>
+          <a:bodyPr/>
+          <a:lstStyle/>
+          <a:p>
+            <a:pPr eaLnBrk="1" hangingPunct="1"/>
+            <a:r>
+              <a:rPr lang="en-US" dirty="0" err="1" smtClean="0">
+                <a:latin typeface="Comic Sans MS" pitchFamily="66" charset="0"/>
+              </a:rPr>
+              <a:t>Incl-Excl</a:t>
+            </a:r>
+            <a:r>
+              <a:rPr lang="en-US" dirty="0" smtClean="0">
+                <a:latin typeface="Comic Sans MS" pitchFamily="66" charset="0"/>
+              </a:rPr>
+              <a:t> </a:t>
+            </a:r>
+            <a:r>
+              <a:rPr lang="en-US" dirty="0" smtClean="0">
+                <a:solidFill>
+                  <a:srgbClr val="0000FF"/>
+                </a:solidFill>
+                <a:latin typeface="Comic Sans MS" pitchFamily="66" charset="0"/>
+              </a:rPr>
+              <a:t>n</a:t>
+            </a:r>
+            <a:r>
+              <a:rPr lang="en-US" dirty="0" smtClean="0">
+                <a:latin typeface="Comic Sans MS" pitchFamily="66" charset="0"/>
+              </a:rPr>
+              <a:t> sets</a:t>
+            </a:r>
+          </a:p>
+        </p:txBody>
+      </p:sp>
+      <p:sp>
+        <p:nvSpPr>
+          <p:cNvPr id="5125" name="Slide Number Placeholder 7"/>
+          <p:cNvSpPr>
+            <a:spLocks noGrp="1"/>
+          </p:cNvSpPr>
+          <p:nvPr>
+            <p:ph type="sldNum" sz="quarter" idx="10"/>
+          </p:nvPr>
+        </p:nvSpPr>
+        <p:spPr>
+          <a:noFill/>
+        </p:spPr>
+        <p:txBody>
+          <a:bodyPr/>
+          <a:lstStyle/>
+          <a:p>
+            <a:r>
+              <a:rPr lang="en-US" dirty="0" err="1" smtClean="0"/>
+              <a:t>incexcbinom</a:t>
+            </a:r>
+            <a:r>
+              <a:rPr lang="en-US" dirty="0" smtClean="0"/>
+              <a:t>.</a:t>
+            </a:r>
+            <a:fld id="{440333D2-3154-4D4B-AAB9-AB5679BA8A30}" type="slidenum">
+              <a:rPr lang="en-US" smtClean="0"/>
+              <a:pPr/>
+              <a:t>5</a:t>
+            </a:fld>
+            <a:endParaRPr lang="en-US" dirty="0" smtClean="0"/>
+          </a:p>
+        </p:txBody>
+      </p:sp>
+      <p:graphicFrame>
+        <p:nvGraphicFramePr>
+          <p:cNvPr id="2" name="Object 1"/>
+          <p:cNvGraphicFramePr>
+            <a:graphicFrameLocks noChangeAspect="1"/>
+          </p:cNvGraphicFramePr>
+          <p:nvPr>
+            <p:extLst>
+              <p:ext uri="{D42A27DB-BD31-4B8C-83A1-F6EECF244321}">
+                <p14:modId xmlns:p14="http://schemas.microsoft.com/office/powerpoint/2010/main" val="2878514418"/>
+              </p:ext>
+            </p:extLst>
+          </p:nvPr>
+        </p:nvGraphicFramePr>
+        <p:xfrm>
+          <a:off x="5676900" y="4610100"/>
+          <a:ext cx="139700" cy="215900"/>
+        </p:xfrm>
+        <a:graphic>
+          <a:graphicData uri="http://schemas.openxmlformats.org/presentationml/2006/ole">
+            <mc:AlternateContent xmlns:mc="http://schemas.openxmlformats.org/markup-compatibility/2006">
+              <mc:Choice xmlns:v="urn:schemas-microsoft-com:vml" Requires="v">
+                <p:oleObj spid="_x0000_s5251" name="Equation" r:id="rId4" imgW="139700" imgH="215900" progId="Equation.DSMT4">
+                  <p:embed/>
+                </p:oleObj>
+              </mc:Choice>
+              <mc:Fallback>
+                <p:oleObj name="Equation" r:id="rId4" imgW="139700" imgH="215900" progId="Equation.DSMT4">
+                  <p:embed/>
+                  <p:pic>
+                    <p:nvPicPr>
+                      <p:cNvPr id="0" name=""/>
+                      <p:cNvPicPr/>
+                      <p:nvPr/>
+                    </p:nvPicPr>
+                    <p:blipFill>
+                      <a:blip r:embed="rId5"/>
+                      <a:stretch>
+                        <a:fillRect/>
+                      </a:stretch>
+                    </p:blipFill>
+                    <p:spPr>
+                      <a:xfrm>
+                        <a:off x="5676900" y="4610100"/>
+                        <a:ext cx="139700" cy="215900"/>
+                      </a:xfrm>
+                      <a:prstGeom prst="rect">
+                        <a:avLst/>
+                      </a:prstGeom>
+                    </p:spPr>
+                  </p:pic>
+                </p:oleObj>
+              </mc:Fallback>
+            </mc:AlternateContent>
+          </a:graphicData>
+        </a:graphic>
+      </p:graphicFrame>
+      <p:graphicFrame>
+        <p:nvGraphicFramePr>
+          <p:cNvPr id="3" name="Object 2"/>
+          <p:cNvGraphicFramePr>
+            <a:graphicFrameLocks noChangeAspect="1"/>
+          </p:cNvGraphicFramePr>
+          <p:nvPr>
+            <p:extLst>
+              <p:ext uri="{D42A27DB-BD31-4B8C-83A1-F6EECF244321}">
+                <p14:modId xmlns:p14="http://schemas.microsoft.com/office/powerpoint/2010/main" val="462007076"/>
+              </p:ext>
+            </p:extLst>
+          </p:nvPr>
+        </p:nvGraphicFramePr>
+        <p:xfrm>
+          <a:off x="685800" y="990600"/>
+          <a:ext cx="4572000" cy="1625465"/>
+        </p:xfrm>
+        <a:graphic>
+          <a:graphicData uri="http://schemas.openxmlformats.org/presentationml/2006/ole">
+            <mc:AlternateContent xmlns:mc="http://schemas.openxmlformats.org/markup-compatibility/2006">
+              <mc:Choice xmlns:v="urn:schemas-microsoft-com:vml" Requires="v">
+                <p:oleObj spid="_x0000_s5252" name="Equation" r:id="rId6" imgW="571500" imgH="203200" progId="Equation.DSMT4">
+                  <p:embed/>
+                </p:oleObj>
+              </mc:Choice>
+              <mc:Fallback>
+                <p:oleObj name="Equation" r:id="rId6" imgW="571500" imgH="203200" progId="Equation.DSMT4">
+                  <p:embed/>
+                  <p:pic>
+                    <p:nvPicPr>
+                      <p:cNvPr id="0" name=""/>
+                      <p:cNvPicPr/>
+                      <p:nvPr/>
+                    </p:nvPicPr>
+                    <p:blipFill>
+                      <a:blip r:embed="rId7"/>
+                      <a:stretch>
+                        <a:fillRect/>
+                      </a:stretch>
+                    </p:blipFill>
+                    <p:spPr>
+                      <a:xfrm>
+                        <a:off x="685800" y="990600"/>
+                        <a:ext cx="4572000" cy="1625465"/>
+                      </a:xfrm>
+                      <a:prstGeom prst="rect">
+                        <a:avLst/>
+                      </a:prstGeom>
+                    </p:spPr>
+                  </p:pic>
+                </p:oleObj>
+              </mc:Fallback>
+            </mc:AlternateContent>
+          </a:graphicData>
+        </a:graphic>
+      </p:graphicFrame>
+      <p:graphicFrame>
+        <p:nvGraphicFramePr>
+          <p:cNvPr id="4" name="Object 3"/>
+          <p:cNvGraphicFramePr>
+            <a:graphicFrameLocks noChangeAspect="1"/>
+          </p:cNvGraphicFramePr>
+          <p:nvPr>
+            <p:extLst>
+              <p:ext uri="{D42A27DB-BD31-4B8C-83A1-F6EECF244321}">
+                <p14:modId xmlns:p14="http://schemas.microsoft.com/office/powerpoint/2010/main" val="1678439042"/>
+              </p:ext>
+            </p:extLst>
+          </p:nvPr>
+        </p:nvGraphicFramePr>
+        <p:xfrm>
+          <a:off x="812750" y="2590800"/>
+          <a:ext cx="7493050" cy="1828800"/>
+        </p:xfrm>
+        <a:graphic>
+          <a:graphicData uri="http://schemas.openxmlformats.org/presentationml/2006/ole">
+            <mc:AlternateContent xmlns:mc="http://schemas.openxmlformats.org/markup-compatibility/2006">
+              <mc:Choice xmlns:v="urn:schemas-microsoft-com:vml" Requires="v">
+                <p:oleObj spid="_x0000_s5253" name="Equation" r:id="rId8" imgW="1612900" imgH="393700" progId="Equation.DSMT4">
+                  <p:embed/>
+                </p:oleObj>
+              </mc:Choice>
+              <mc:Fallback>
+                <p:oleObj name="Equation" r:id="rId8" imgW="1612900" imgH="393700" progId="Equation.DSMT4">
+                  <p:embed/>
+                  <p:pic>
+                    <p:nvPicPr>
+                      <p:cNvPr id="0" name=""/>
+                      <p:cNvPicPr/>
+                      <p:nvPr/>
+                    </p:nvPicPr>
+                    <p:blipFill>
+                      <a:blip r:embed="rId9"/>
+                      <a:stretch>
+                        <a:fillRect/>
+                      </a:stretch>
+                    </p:blipFill>
+                    <p:spPr>
+                      <a:xfrm>
+                        <a:off x="812750" y="2590800"/>
+                        <a:ext cx="7493050" cy="1828800"/>
+                      </a:xfrm>
+                      <a:prstGeom prst="rect">
+                        <a:avLst/>
+                      </a:prstGeom>
+                    </p:spPr>
+                  </p:pic>
+                </p:oleObj>
+              </mc:Fallback>
+            </mc:AlternateContent>
+          </a:graphicData>
+        </a:graphic>
+      </p:graphicFrame>
+      <p:graphicFrame>
+        <p:nvGraphicFramePr>
+          <p:cNvPr id="9" name="Object 8"/>
+          <p:cNvGraphicFramePr>
+            <a:graphicFrameLocks noChangeAspect="1"/>
+          </p:cNvGraphicFramePr>
+          <p:nvPr>
+            <p:extLst>
+              <p:ext uri="{D42A27DB-BD31-4B8C-83A1-F6EECF244321}">
+                <p14:modId xmlns:p14="http://schemas.microsoft.com/office/powerpoint/2010/main" val="1037720089"/>
+              </p:ext>
+            </p:extLst>
+          </p:nvPr>
+        </p:nvGraphicFramePr>
+        <p:xfrm>
+          <a:off x="838199" y="4191000"/>
+          <a:ext cx="7772401" cy="1465533"/>
+        </p:xfrm>
+        <a:graphic>
+          <a:graphicData uri="http://schemas.openxmlformats.org/presentationml/2006/ole">
+            <mc:AlternateContent xmlns:mc="http://schemas.openxmlformats.org/markup-compatibility/2006">
+              <mc:Choice xmlns:v="urn:schemas-microsoft-com:vml" Requires="v">
+                <p:oleObj spid="_x0000_s5254" name="Equation" r:id="rId10" imgW="1549400" imgH="292100" progId="Equation.DSMT4">
+                  <p:embed/>
+                </p:oleObj>
+              </mc:Choice>
+              <mc:Fallback>
+                <p:oleObj name="Equation" r:id="rId10" imgW="1549400" imgH="292100" progId="Equation.DSMT4">
+                  <p:embed/>
+                  <p:pic>
+                    <p:nvPicPr>
+                      <p:cNvPr id="0" name=""/>
+                      <p:cNvPicPr/>
+                      <p:nvPr/>
+                    </p:nvPicPr>
+                    <p:blipFill>
+                      <a:blip r:embed="rId11"/>
+                      <a:stretch>
+                        <a:fillRect/>
+                      </a:stretch>
+                    </p:blipFill>
+                    <p:spPr>
+                      <a:xfrm>
+                        <a:off x="838199" y="4191000"/>
+                        <a:ext cx="7772401" cy="1465533"/>
+                      </a:xfrm>
+                      <a:prstGeom prst="rect">
+                        <a:avLst/>
+                      </a:prstGeom>
+                    </p:spPr>
+                  </p:pic>
+                </p:oleObj>
+              </mc:Fallback>
+            </mc:AlternateContent>
+          </a:graphicData>
+        </a:graphic>
+      </p:graphicFrame>
+    </p:spTree>
+  </p:cSld>
+  <p:clrMapOvr>
+    <a:masterClrMapping/>
+  </p:clrMapOvr>
+  <p:transition xmlns:p14="http://schemas.microsoft.com/office/powerpoint/2010/main" spd="slow" advClick="0">
+    <p:fade thruBlk="1"/>
+  </p:transition>
+  <p:timing>
+    <p:tnLst>
+      <p:par>
+        <p:cTn xmlns:p14="http://schemas.microsoft.com/office/powerpoint/2010/main" id="1" dur="indefinite" restart="never" nodeType="tmRoot">
+          <p:childTnLst>
+            <p:seq concurrent="1" nextAc="seek">
+              <p:cTn id="2" dur="indefinite" nodeType="mainSeq">
+                <p:childTnLst>
+                  <p:par>
+                    <p:cTn id="3" fill="hold">
+                      <p:stCondLst>
+                        <p:cond delay="indefinite"/>
+                      </p:stCondLst>
+                      <p:childTnLst>
+                        <p:par>
+                          <p:cTn id="4" fill="hold">
+                            <p:stCondLst>
+                              <p:cond delay="0"/>
+                            </p:stCondLst>
+                            <p:childTnLst>
+                              <p:par>
+                                <p:cTn id="5" presetID="22" presetClass="entr" presetSubtype="8" fill="hold" nodeType="clickEffect">
+                                  <p:stCondLst>
+                                    <p:cond delay="0"/>
+                                  </p:stCondLst>
+                                  <p:childTnLst>
+                                    <p:set>
+                                      <p:cBhvr>
+                                        <p:cTn id="6" dur="1" fill="hold">
+                                          <p:stCondLst>
+                                            <p:cond delay="0"/>
+                                          </p:stCondLst>
+                                        </p:cTn>
+                                        <p:tgtEl>
+                                          <p:spTgt spid="4"/>
+                                        </p:tgtEl>
+                                        <p:attrNameLst>
+                                          <p:attrName>style.visibility</p:attrName>
+                                        </p:attrNameLst>
+                                      </p:cBhvr>
+                                      <p:to>
+                                        <p:strVal val="visible"/>
+                                      </p:to>
+                                    </p:set>
+                                    <p:animEffect transition="in" filter="wipe(left)">
+                                      <p:cBhvr>
+                                        <p:cTn id="7" dur="1000"/>
+                                        <p:tgtEl>
+                                          <p:spTgt spid="4"/>
+                                        </p:tgtEl>
+                                      </p:cBhvr>
+                                    </p:animEffect>
+                                  </p:childTnLst>
+                                </p:cTn>
+                              </p:par>
+                            </p:childTnLst>
+                          </p:cTn>
+                        </p:par>
+                      </p:childTnLst>
+                    </p:cTn>
+                  </p:par>
+                  <p:par>
+                    <p:cTn id="8" fill="hold">
+                      <p:stCondLst>
+                        <p:cond delay="indefinite"/>
+                      </p:stCondLst>
+                      <p:childTnLst>
+                        <p:par>
+                          <p:cTn id="9" fill="hold">
+                            <p:stCondLst>
+                              <p:cond delay="0"/>
+                            </p:stCondLst>
+                            <p:childTnLst>
+                              <p:par>
+                                <p:cTn id="10" presetID="22" presetClass="entr" presetSubtype="8" fill="hold" nodeType="clickEffect">
+                                  <p:stCondLst>
+                                    <p:cond delay="0"/>
+                                  </p:stCondLst>
+                                  <p:childTnLst>
+                                    <p:set>
+                                      <p:cBhvr>
+                                        <p:cTn id="11" dur="1" fill="hold">
+                                          <p:stCondLst>
+                                            <p:cond delay="0"/>
+                                          </p:stCondLst>
+                                        </p:cTn>
+                                        <p:tgtEl>
+                                          <p:spTgt spid="9"/>
+                                        </p:tgtEl>
+                                        <p:attrNameLst>
+                                          <p:attrName>style.visibility</p:attrName>
+                                        </p:attrNameLst>
+                                      </p:cBhvr>
+                                      <p:to>
+                                        <p:strVal val="visible"/>
+                                      </p:to>
+                                    </p:set>
+                                    <p:animEffect transition="in" filter="wipe(left)">
+                                      <p:cBhvr>
+                                        <p:cTn id="12" dur="1000"/>
+                                        <p:tgtEl>
+                                          <p:spTgt spid="9"/>
+                                        </p:tgtEl>
+                                      </p:cBhvr>
+                                    </p:animEffect>
+                                  </p:childTnLst>
+                                </p:cTn>
+                              </p:par>
+                            </p:childTnLst>
+                          </p:cTn>
+                        </p:par>
+                      </p:childTnLst>
+                    </p:cTn>
+                  </p:par>
+                </p:childTnLst>
+              </p:cTn>
+              <p:prevCondLst>
+                <p:cond evt="onPrev" delay="0">
+                  <p:tgtEl>
+                    <p:sldTgt/>
+                  </p:tgtEl>
+                </p:cond>
+              </p:prevCondLst>
+              <p:nextCondLst>
+                <p:cond evt="onNext" delay="0">
+                  <p:tgtEl>
+                    <p:sldTgt/>
+                  </p:tgtEl>
+                </p:cond>
+              </p:nextCondLst>
+            </p:seq>
+          </p:childTnLst>
+        </p:cTn>
+      </p:par>
+    </p:tnLst>
+  </p:timing>
+</p:sld>
+</file>
+
+<file path=ppt/slides/slide6.xml><?xml version="1.0" encoding="utf-8"?>
+<p:sld xmlns:a="http://schemas.openxmlformats.org/drawingml/2006/main" xmlns:r="http://schemas.openxmlformats.org/officeDocument/2006/relationships" xmlns:p="http://schemas.openxmlformats.org/presentationml/2006/main">
+  <p:cSld>
+    <p:spTree>
+      <p:nvGrpSpPr>
+        <p:cNvPr id="1" name=""/>
+        <p:cNvGrpSpPr/>
+        <p:nvPr/>
+      </p:nvGrpSpPr>
+      <p:grpSpPr>
+        <a:xfrm>
+          <a:off x="0" y="0"/>
+          <a:ext cx="0" cy="0"/>
+          <a:chOff x="0" y="0"/>
+          <a:chExt cx="0" cy="0"/>
+        </a:xfrm>
+      </p:grpSpPr>
+      <p:graphicFrame>
+        <p:nvGraphicFramePr>
+          <p:cNvPr id="5122" name="Object 3"/>
+          <p:cNvGraphicFramePr>
+            <a:graphicFrameLocks noChangeAspect="1"/>
+          </p:cNvGraphicFramePr>
+          <p:nvPr>
+            <p:extLst>
+              <p:ext uri="{D42A27DB-BD31-4B8C-83A1-F6EECF244321}">
+                <p14:modId xmlns:p14="http://schemas.microsoft.com/office/powerpoint/2010/main" val="2822908306"/>
+              </p:ext>
+            </p:extLst>
+          </p:nvPr>
+        </p:nvGraphicFramePr>
+        <p:xfrm>
+          <a:off x="217488" y="1187450"/>
+          <a:ext cx="6877050" cy="1360488"/>
+        </p:xfrm>
+        <a:graphic>
+          <a:graphicData uri="http://schemas.openxmlformats.org/presentationml/2006/ole">
+            <mc:AlternateContent xmlns:mc="http://schemas.openxmlformats.org/markup-compatibility/2006">
+              <mc:Choice xmlns:v="urn:schemas-microsoft-com:vml" Requires="v">
+                <p:oleObj spid="_x0000_s213012" name="Equation" r:id="rId4" imgW="1346200" imgH="266700" progId="Equation.DSMT4">
+                  <p:embed/>
+                </p:oleObj>
+              </mc:Choice>
+              <mc:Fallback>
+                <p:oleObj name="Equation" r:id="rId4" imgW="1346200" imgH="266700" progId="Equation.DSMT4">
+                  <p:embed/>
+                  <p:pic>
+                    <p:nvPicPr>
+                      <p:cNvPr id="0" name=""/>
+                      <p:cNvPicPr>
+                        <a:picLocks noChangeAspect="1" noChangeArrowheads="1"/>
+                      </p:cNvPicPr>
+                      <p:nvPr/>
+                    </p:nvPicPr>
+                    <p:blipFill>
+                      <a:blip r:embed="rId5"/>
+                      <a:srcRect/>
+                      <a:stretch>
+                        <a:fillRect/>
+                      </a:stretch>
+                    </p:blipFill>
+                    <p:spPr bwMode="auto">
+                      <a:xfrm>
+                        <a:off x="217488" y="1187450"/>
+                        <a:ext cx="6877050" cy="1360488"/>
+                      </a:xfrm>
+                      <a:prstGeom prst="rect">
+                        <a:avLst/>
+                      </a:prstGeom>
+                      <a:noFill/>
+                      <a:extLst>
+                        <a:ext uri="{909E8E84-426E-40dd-AFC4-6F175D3DCCD1}">
+                          <a14:hiddenFill xmlns:a14="http://schemas.microsoft.com/office/drawing/2010/main">
+                            <a:solidFill>
+                              <a:srgbClr val="FFFFFF"/>
+                            </a:solidFill>
+                          </a14:hiddenFill>
+                        </a:ext>
+                      </a:extLst>
+                    </p:spPr>
+                  </p:pic>
+                </p:oleObj>
+              </mc:Fallback>
+            </mc:AlternateContent>
+          </a:graphicData>
+        </a:graphic>
+      </p:graphicFrame>
+      <p:sp>
+        <p:nvSpPr>
+          <p:cNvPr id="5124" name="Rectangle 2"/>
+          <p:cNvSpPr>
+            <a:spLocks noGrp="1" noChangeArrowheads="1"/>
+          </p:cNvSpPr>
+          <p:nvPr>
+            <p:ph type="title"/>
+          </p:nvPr>
+        </p:nvSpPr>
+        <p:spPr>
+          <a:xfrm>
+            <a:off x="1600200" y="304800"/>
+            <a:ext cx="6019800" cy="1143000"/>
+          </a:xfrm>
+        </p:spPr>
+        <p:txBody>
+          <a:bodyPr/>
+          <a:lstStyle/>
+          <a:p>
+            <a:pPr eaLnBrk="1" hangingPunct="1"/>
+            <a:r>
+              <a:rPr lang="en-US" dirty="0" err="1" smtClean="0">
+                <a:latin typeface="Comic Sans MS" pitchFamily="66" charset="0"/>
+              </a:rPr>
+              <a:t>Incl-Excl</a:t>
+            </a:r>
+            <a:r>
+              <a:rPr lang="en-US" dirty="0" smtClean="0">
+                <a:latin typeface="Comic Sans MS" pitchFamily="66" charset="0"/>
+              </a:rPr>
+              <a:t> </a:t>
+            </a:r>
+            <a:r>
+              <a:rPr lang="en-US" dirty="0" smtClean="0">
+                <a:solidFill>
+                  <a:srgbClr val="0000FF"/>
+                </a:solidFill>
+                <a:latin typeface="Comic Sans MS" pitchFamily="66" charset="0"/>
+              </a:rPr>
+              <a:t>n</a:t>
+            </a:r>
+            <a:r>
+              <a:rPr lang="en-US" dirty="0" smtClean="0">
+                <a:latin typeface="Comic Sans MS" pitchFamily="66" charset="0"/>
+              </a:rPr>
+              <a:t> sets</a:t>
+            </a:r>
+          </a:p>
+        </p:txBody>
+      </p:sp>
+      <p:sp>
+        <p:nvSpPr>
+          <p:cNvPr id="5125" name="Slide Number Placeholder 7"/>
+          <p:cNvSpPr>
+            <a:spLocks noGrp="1"/>
+          </p:cNvSpPr>
+          <p:nvPr>
+            <p:ph type="sldNum" sz="quarter" idx="10"/>
+          </p:nvPr>
+        </p:nvSpPr>
+        <p:spPr>
+          <a:noFill/>
+        </p:spPr>
+        <p:txBody>
+          <a:bodyPr/>
+          <a:lstStyle/>
+          <a:p>
+            <a:r>
+              <a:rPr lang="en-US" dirty="0" err="1" smtClean="0"/>
+              <a:t>incexcbinom</a:t>
+            </a:r>
+            <a:r>
+              <a:rPr lang="en-US" dirty="0" smtClean="0"/>
+              <a:t>.</a:t>
+            </a:r>
+            <a:fld id="{440333D2-3154-4D4B-AAB9-AB5679BA8A30}" type="slidenum">
+              <a:rPr lang="en-US" smtClean="0"/>
+              <a:pPr/>
+              <a:t>6</a:t>
+            </a:fld>
+            <a:endParaRPr lang="en-US" dirty="0" smtClean="0"/>
+          </a:p>
+        </p:txBody>
+      </p:sp>
+      <p:graphicFrame>
+        <p:nvGraphicFramePr>
+          <p:cNvPr id="8" name="Object 4"/>
+          <p:cNvGraphicFramePr>
+            <a:graphicFrameLocks noChangeAspect="1"/>
+          </p:cNvGraphicFramePr>
+          <p:nvPr>
+            <p:extLst>
+              <p:ext uri="{D42A27DB-BD31-4B8C-83A1-F6EECF244321}">
+                <p14:modId xmlns:p14="http://schemas.microsoft.com/office/powerpoint/2010/main" val="4098894642"/>
+              </p:ext>
+            </p:extLst>
+          </p:nvPr>
+        </p:nvGraphicFramePr>
+        <p:xfrm>
+          <a:off x="933450" y="2451100"/>
+          <a:ext cx="7307263" cy="2493963"/>
+        </p:xfrm>
+        <a:graphic>
+          <a:graphicData uri="http://schemas.openxmlformats.org/presentationml/2006/ole">
+            <mc:AlternateContent xmlns:mc="http://schemas.openxmlformats.org/markup-compatibility/2006">
+              <mc:Choice xmlns:v="urn:schemas-microsoft-com:vml" Requires="v">
+                <p:oleObj spid="_x0000_s213013" name="Equation" r:id="rId6" imgW="1447800" imgH="495300" progId="Equation.DSMT4">
+                  <p:embed/>
+                </p:oleObj>
+              </mc:Choice>
+              <mc:Fallback>
+                <p:oleObj name="Equation" r:id="rId6" imgW="1447800" imgH="495300" progId="Equation.DSMT4">
+                  <p:embed/>
+                  <p:pic>
+                    <p:nvPicPr>
+                      <p:cNvPr id="0" name=""/>
+                      <p:cNvPicPr>
+                        <a:picLocks noChangeAspect="1" noChangeArrowheads="1"/>
+                      </p:cNvPicPr>
+                      <p:nvPr/>
+                    </p:nvPicPr>
+                    <p:blipFill>
+                      <a:blip r:embed="rId7"/>
+                      <a:srcRect/>
+                      <a:stretch>
+                        <a:fillRect/>
+                      </a:stretch>
+                    </p:blipFill>
+                    <p:spPr bwMode="auto">
+                      <a:xfrm>
+                        <a:off x="933450" y="2451100"/>
+                        <a:ext cx="7307263" cy="2493963"/>
+                      </a:xfrm>
+                      <a:prstGeom prst="rect">
+                        <a:avLst/>
+                      </a:prstGeom>
+                      <a:noFill/>
+                      <a:extLst>
+                        <a:ext uri="{909E8E84-426E-40dd-AFC4-6F175D3DCCD1}">
+                          <a14:hiddenFill xmlns:a14="http://schemas.microsoft.com/office/drawing/2010/main">
+                            <a:solidFill>
+                              <a:srgbClr val="FFFFFF"/>
+                            </a:solidFill>
+                          </a14:hiddenFill>
+                        </a:ext>
+                      </a:extLst>
+                    </p:spPr>
+                  </p:pic>
+                </p:oleObj>
+              </mc:Fallback>
+            </mc:AlternateContent>
+          </a:graphicData>
+        </a:graphic>
+      </p:graphicFrame>
+    </p:spTree>
+    <p:extLst>
+      <p:ext uri="{BB962C8B-B14F-4D97-AF65-F5344CB8AC3E}">
+        <p14:creationId xmlns:p14="http://schemas.microsoft.com/office/powerpoint/2010/main" val="1258199239"/>
+      </p:ext>
+    </p:extLst>
+  </p:cSld>
+  <p:clrMapOvr>
+    <a:masterClrMapping/>
+  </p:clrMapOvr>
+  <mc:AlternateContent xmlns:mc="http://schemas.openxmlformats.org/markup-compatibility/2006" xmlns:p14="http://schemas.microsoft.com/office/powerpoint/2010/main">
+    <mc:Choice Requires="p14">
+      <p:transition spd="med" p14:dur="700" advClick="0">
+        <p:fade/>
+      </p:transition>
+    </mc:Choice>
+    <mc:Fallback xmlns="">
+      <p:transition xmlns:p14="http://schemas.microsoft.com/office/powerpoint/2010/main" spd="med" advClick="0">
+        <p:fade/>
+      </p:transition>
+    </mc:Fallback>
+  </mc:AlternateContent>
+  <p:timing>
+    <p:tnLst>
+      <p:par>
+        <p:cTn xmlns:p14="http://schemas.microsoft.com/office/powerpoint/2010/main" id="1" dur="indefinite" restart="never" nodeType="tmRoot"/>
+      </p:par>
+    </p:tnLst>
+  </p:timing>
+</p:sld>
+</file>
+
+<file path=ppt/slides/slide7.xml><?xml version="1.0" encoding="utf-8"?>
+<p:sld xmlns:a="http://schemas.openxmlformats.org/drawingml/2006/main" xmlns:r="http://schemas.openxmlformats.org/officeDocument/2006/relationships" xmlns:p="http://schemas.openxmlformats.org/presentationml/2006/main">
+  <p:cSld>
+    <p:spTree>
+      <p:nvGrpSpPr>
+        <p:cNvPr id="1" name=""/>
+        <p:cNvGrpSpPr/>
+        <p:nvPr/>
+      </p:nvGrpSpPr>
+      <p:grpSpPr>
+        <a:xfrm>
+          <a:off x="0" y="0"/>
+          <a:ext cx="0" cy="0"/>
+          <a:chOff x="0" y="0"/>
+          <a:chExt cx="0" cy="0"/>
+        </a:xfrm>
+      </p:grpSpPr>
+      <p:sp>
+        <p:nvSpPr>
+          <p:cNvPr id="5124" name="Rectangle 2"/>
+          <p:cNvSpPr>
+            <a:spLocks noGrp="1" noChangeArrowheads="1"/>
+          </p:cNvSpPr>
+          <p:nvPr>
+            <p:ph type="title"/>
+          </p:nvPr>
+        </p:nvSpPr>
+        <p:spPr>
+          <a:xfrm>
+            <a:off x="1600200" y="304800"/>
+            <a:ext cx="6019800" cy="1143000"/>
+          </a:xfrm>
+        </p:spPr>
+        <p:txBody>
+          <a:bodyPr/>
+          <a:lstStyle/>
+          <a:p>
+            <a:pPr eaLnBrk="1" hangingPunct="1"/>
+            <a:r>
+              <a:rPr lang="en-US" dirty="0" err="1" smtClean="0">
+                <a:latin typeface="Comic Sans MS" pitchFamily="66" charset="0"/>
+              </a:rPr>
+              <a:t>Incl-Excl</a:t>
+            </a:r>
+            <a:r>
+              <a:rPr lang="en-US" dirty="0" smtClean="0">
+                <a:latin typeface="Comic Sans MS" pitchFamily="66" charset="0"/>
+              </a:rPr>
+              <a:t> </a:t>
+            </a:r>
+            <a:r>
+              <a:rPr lang="en-US" dirty="0" smtClean="0">
+                <a:solidFill>
+                  <a:srgbClr val="0000FF"/>
+                </a:solidFill>
+                <a:latin typeface="Comic Sans MS" pitchFamily="66" charset="0"/>
+              </a:rPr>
+              <a:t>n</a:t>
+            </a:r>
+            <a:r>
+              <a:rPr lang="en-US" dirty="0" smtClean="0">
+                <a:latin typeface="Comic Sans MS" pitchFamily="66" charset="0"/>
+              </a:rPr>
+              <a:t> sets</a:t>
+            </a:r>
+          </a:p>
+        </p:txBody>
+      </p:sp>
+      <p:sp>
+        <p:nvSpPr>
+          <p:cNvPr id="5125" name="Slide Number Placeholder 7"/>
+          <p:cNvSpPr>
+            <a:spLocks noGrp="1"/>
+          </p:cNvSpPr>
+          <p:nvPr>
+            <p:ph type="sldNum" sz="quarter" idx="10"/>
+          </p:nvPr>
+        </p:nvSpPr>
+        <p:spPr>
+          <a:noFill/>
+        </p:spPr>
+        <p:txBody>
+          <a:bodyPr/>
+          <a:lstStyle/>
+          <a:p>
+            <a:r>
+              <a:rPr lang="en-US" dirty="0" err="1" smtClean="0"/>
+              <a:t>incexcbinom</a:t>
+            </a:r>
+            <a:r>
+              <a:rPr lang="en-US" dirty="0" smtClean="0"/>
+              <a:t>.</a:t>
+            </a:r>
+            <a:fld id="{440333D2-3154-4D4B-AAB9-AB5679BA8A30}" type="slidenum">
+              <a:rPr lang="en-US" smtClean="0"/>
+              <a:pPr/>
+              <a:t>7</a:t>
+            </a:fld>
+            <a:endParaRPr lang="en-US" dirty="0" smtClean="0"/>
+          </a:p>
+        </p:txBody>
+      </p:sp>
+      <p:graphicFrame>
+        <p:nvGraphicFramePr>
+          <p:cNvPr id="6" name="Object 3"/>
+          <p:cNvGraphicFramePr>
+            <a:graphicFrameLocks noChangeAspect="1"/>
+          </p:cNvGraphicFramePr>
+          <p:nvPr>
+            <p:extLst>
+              <p:ext uri="{D42A27DB-BD31-4B8C-83A1-F6EECF244321}">
+                <p14:modId xmlns:p14="http://schemas.microsoft.com/office/powerpoint/2010/main" val="1771136301"/>
+              </p:ext>
+            </p:extLst>
+          </p:nvPr>
+        </p:nvGraphicFramePr>
+        <p:xfrm>
+          <a:off x="5075238" y="1219200"/>
+          <a:ext cx="2011362" cy="1360488"/>
+        </p:xfrm>
+        <a:graphic>
+          <a:graphicData uri="http://schemas.openxmlformats.org/presentationml/2006/ole">
+            <mc:AlternateContent xmlns:mc="http://schemas.openxmlformats.org/markup-compatibility/2006">
+              <mc:Choice xmlns:v="urn:schemas-microsoft-com:vml" Requires="v">
+                <p:oleObj spid="_x0000_s214026" name="Equation" r:id="rId4" imgW="393700" imgH="266700" progId="Equation.DSMT4">
+                  <p:embed/>
+                </p:oleObj>
+              </mc:Choice>
+              <mc:Fallback>
+                <p:oleObj name="Equation" r:id="rId4" imgW="393700" imgH="266700" progId="Equation.DSMT4">
+                  <p:embed/>
+                  <p:pic>
+                    <p:nvPicPr>
+                      <p:cNvPr id="0" name=""/>
+                      <p:cNvPicPr>
+                        <a:picLocks noChangeAspect="1" noChangeArrowheads="1"/>
+                      </p:cNvPicPr>
+                      <p:nvPr/>
+                    </p:nvPicPr>
+                    <p:blipFill>
+                      <a:blip r:embed="rId5"/>
+                      <a:srcRect/>
+                      <a:stretch>
+                        <a:fillRect/>
+                      </a:stretch>
+                    </p:blipFill>
+                    <p:spPr bwMode="auto">
+                      <a:xfrm>
+                        <a:off x="5075238" y="1219200"/>
+                        <a:ext cx="2011362" cy="1360488"/>
+                      </a:xfrm>
+                      <a:prstGeom prst="rect">
+                        <a:avLst/>
+                      </a:prstGeom>
+                      <a:noFill/>
+                      <a:extLst>
+                        <a:ext uri="{909E8E84-426E-40dd-AFC4-6F175D3DCCD1}">
+                          <a14:hiddenFill xmlns:a14="http://schemas.microsoft.com/office/drawing/2010/main">
+                            <a:solidFill>
+                              <a:srgbClr val="FFFFFF"/>
+                            </a:solidFill>
+                          </a14:hiddenFill>
+                        </a:ext>
+                      </a:extLst>
+                    </p:spPr>
+                  </p:pic>
+                </p:oleObj>
+              </mc:Fallback>
+            </mc:AlternateContent>
+          </a:graphicData>
+        </a:graphic>
+      </p:graphicFrame>
+      <p:graphicFrame>
+        <p:nvGraphicFramePr>
+          <p:cNvPr id="8" name="Object 4"/>
+          <p:cNvGraphicFramePr>
+            <a:graphicFrameLocks noChangeAspect="1"/>
+          </p:cNvGraphicFramePr>
+          <p:nvPr>
+            <p:extLst>
+              <p:ext uri="{D42A27DB-BD31-4B8C-83A1-F6EECF244321}">
+                <p14:modId xmlns:p14="http://schemas.microsoft.com/office/powerpoint/2010/main" val="283014166"/>
+              </p:ext>
+            </p:extLst>
+          </p:nvPr>
+        </p:nvGraphicFramePr>
+        <p:xfrm>
+          <a:off x="933450" y="2451100"/>
+          <a:ext cx="7307263" cy="2493963"/>
+        </p:xfrm>
+        <a:graphic>
+          <a:graphicData uri="http://schemas.openxmlformats.org/presentationml/2006/ole">
+            <mc:AlternateContent xmlns:mc="http://schemas.openxmlformats.org/markup-compatibility/2006">
+              <mc:Choice xmlns:v="urn:schemas-microsoft-com:vml" Requires="v">
+                <p:oleObj spid="_x0000_s214027" name="Equation" r:id="rId6" imgW="1447800" imgH="495300" progId="Equation.DSMT4">
+                  <p:embed/>
+                </p:oleObj>
+              </mc:Choice>
+              <mc:Fallback>
+                <p:oleObj name="Equation" r:id="rId6" imgW="1447800" imgH="495300" progId="Equation.DSMT4">
+                  <p:embed/>
+                  <p:pic>
+                    <p:nvPicPr>
+                      <p:cNvPr id="0" name=""/>
+                      <p:cNvPicPr>
+                        <a:picLocks noChangeAspect="1" noChangeArrowheads="1"/>
+                      </p:cNvPicPr>
+                      <p:nvPr/>
+                    </p:nvPicPr>
+                    <p:blipFill>
+                      <a:blip r:embed="rId7"/>
+                      <a:srcRect/>
+                      <a:stretch>
+                        <a:fillRect/>
+                      </a:stretch>
+                    </p:blipFill>
+                    <p:spPr bwMode="auto">
+                      <a:xfrm>
+                        <a:off x="933450" y="2451100"/>
+                        <a:ext cx="7307263" cy="2493963"/>
+                      </a:xfrm>
+                      <a:prstGeom prst="rect">
+                        <a:avLst/>
+                      </a:prstGeom>
+                      <a:noFill/>
+                      <a:extLst>
+                        <a:ext uri="{909E8E84-426E-40dd-AFC4-6F175D3DCCD1}">
+                          <a14:hiddenFill xmlns:a14="http://schemas.microsoft.com/office/drawing/2010/main">
+                            <a:solidFill>
+                              <a:srgbClr val="FFFFFF"/>
+                            </a:solidFill>
+                          </a14:hiddenFill>
+                        </a:ext>
+                      </a:extLst>
+                    </p:spPr>
+                  </p:pic>
+                </p:oleObj>
+              </mc:Fallback>
+            </mc:AlternateContent>
+          </a:graphicData>
+        </a:graphic>
+      </p:graphicFrame>
+    </p:spTree>
+    <p:extLst>
+      <p:ext uri="{BB962C8B-B14F-4D97-AF65-F5344CB8AC3E}">
+        <p14:creationId xmlns:p14="http://schemas.microsoft.com/office/powerpoint/2010/main" val="1746230683"/>
+      </p:ext>
+    </p:extLst>
+  </p:cSld>
+  <p:clrMapOvr>
+    <a:masterClrMapping/>
+  </p:clrMapOvr>
+  <p:transition xmlns:p14="http://schemas.microsoft.com/office/powerpoint/2010/main" advClick="0">
+    <p:fade/>
+  </p:transition>
+  <p:timing>
+    <p:tnLst>
+      <p:par>
+        <p:cTn xmlns:p14="http://schemas.microsoft.com/office/powerpoint/2010/main" id="1" dur="indefinite" restart="never" nodeType="tmRoot"/>
+      </p:par>
+    </p:tnLst>
+  </p:timing>
+</p:sld>
+</file>
+
+<file path=ppt/slides/slide8.xml><?xml version="1.0" encoding="utf-8"?>
+<p:sld xmlns:a="http://schemas.openxmlformats.org/drawingml/2006/main" xmlns:r="http://schemas.openxmlformats.org/officeDocument/2006/relationships" xmlns:p="http://schemas.openxmlformats.org/presentationml/2006/main">
+  <p:cSld>
+    <p:spTree>
+      <p:nvGrpSpPr>
+        <p:cNvPr id="1" name=""/>
+        <p:cNvGrpSpPr/>
+        <p:nvPr/>
+      </p:nvGrpSpPr>
+      <p:grpSpPr>
+        <a:xfrm>
+          <a:off x="0" y="0"/>
+          <a:ext cx="0" cy="0"/>
+          <a:chOff x="0" y="0"/>
+          <a:chExt cx="0" cy="0"/>
+        </a:xfrm>
+      </p:grpSpPr>
+      <p:sp>
+        <p:nvSpPr>
+          <p:cNvPr id="5124" name="Rectangle 2"/>
+          <p:cNvSpPr>
+            <a:spLocks noGrp="1" noChangeArrowheads="1"/>
+          </p:cNvSpPr>
+          <p:nvPr>
+            <p:ph type="title"/>
+          </p:nvPr>
+        </p:nvSpPr>
+        <p:spPr>
+          <a:xfrm>
+            <a:off x="1600200" y="304800"/>
+            <a:ext cx="6019800" cy="1143000"/>
+          </a:xfrm>
+        </p:spPr>
+        <p:txBody>
+          <a:bodyPr/>
+          <a:lstStyle/>
+          <a:p>
+            <a:pPr eaLnBrk="1" hangingPunct="1"/>
+            <a:r>
+              <a:rPr lang="en-US" dirty="0" err="1" smtClean="0">
+                <a:latin typeface="Comic Sans MS" pitchFamily="66" charset="0"/>
+              </a:rPr>
+              <a:t>Incl-Excl</a:t>
+            </a:r>
+            <a:r>
+              <a:rPr lang="en-US" dirty="0" smtClean="0">
+                <a:latin typeface="Comic Sans MS" pitchFamily="66" charset="0"/>
+              </a:rPr>
+              <a:t> </a:t>
+            </a:r>
+            <a:r>
+              <a:rPr lang="en-US" dirty="0" smtClean="0">
+                <a:solidFill>
+                  <a:srgbClr val="0000FF"/>
+                </a:solidFill>
+                <a:latin typeface="Comic Sans MS" pitchFamily="66" charset="0"/>
+              </a:rPr>
+              <a:t>n</a:t>
+            </a:r>
+            <a:r>
+              <a:rPr lang="en-US" dirty="0" smtClean="0">
+                <a:latin typeface="Comic Sans MS" pitchFamily="66" charset="0"/>
+              </a:rPr>
+              <a:t> sets</a:t>
+            </a:r>
+          </a:p>
+        </p:txBody>
+      </p:sp>
+      <p:sp>
+        <p:nvSpPr>
+          <p:cNvPr id="5125" name="Slide Number Placeholder 7"/>
+          <p:cNvSpPr>
+            <a:spLocks noGrp="1"/>
+          </p:cNvSpPr>
+          <p:nvPr>
+            <p:ph type="sldNum" sz="quarter" idx="10"/>
+          </p:nvPr>
+        </p:nvSpPr>
+        <p:spPr>
+          <a:noFill/>
+        </p:spPr>
+        <p:txBody>
+          <a:bodyPr/>
+          <a:lstStyle/>
+          <a:p>
+            <a:r>
+              <a:rPr lang="en-US" dirty="0" err="1" smtClean="0"/>
+              <a:t>incexcbinom</a:t>
+            </a:r>
+            <a:r>
+              <a:rPr lang="en-US" dirty="0" smtClean="0"/>
+              <a:t>.</a:t>
+            </a:r>
+            <a:fld id="{440333D2-3154-4D4B-AAB9-AB5679BA8A30}" type="slidenum">
+              <a:rPr lang="en-US" smtClean="0"/>
+              <a:pPr/>
+              <a:t>8</a:t>
+            </a:fld>
+            <a:endParaRPr lang="en-US" dirty="0" smtClean="0"/>
+          </a:p>
+        </p:txBody>
+      </p:sp>
+      <p:graphicFrame>
+        <p:nvGraphicFramePr>
+          <p:cNvPr id="6" name="Object 3"/>
+          <p:cNvGraphicFramePr>
+            <a:graphicFrameLocks noChangeAspect="1"/>
+          </p:cNvGraphicFramePr>
+          <p:nvPr>
+            <p:extLst>
+              <p:ext uri="{D42A27DB-BD31-4B8C-83A1-F6EECF244321}">
+                <p14:modId xmlns:p14="http://schemas.microsoft.com/office/powerpoint/2010/main" val="339727271"/>
+              </p:ext>
+            </p:extLst>
+          </p:nvPr>
+        </p:nvGraphicFramePr>
+        <p:xfrm>
+          <a:off x="5075238" y="1219200"/>
+          <a:ext cx="2011362" cy="1360488"/>
+        </p:xfrm>
+        <a:graphic>
+          <a:graphicData uri="http://schemas.openxmlformats.org/presentationml/2006/ole">
+            <mc:AlternateContent xmlns:mc="http://schemas.openxmlformats.org/markup-compatibility/2006">
+              <mc:Choice xmlns:v="urn:schemas-microsoft-com:vml" Requires="v">
+                <p:oleObj spid="_x0000_s216076" name="Equation" r:id="rId4" imgW="393700" imgH="266700" progId="Equation.DSMT4">
+                  <p:embed/>
+                </p:oleObj>
+              </mc:Choice>
+              <mc:Fallback>
+                <p:oleObj name="Equation" r:id="rId4" imgW="393700" imgH="266700" progId="Equation.DSMT4">
+                  <p:embed/>
+                  <p:pic>
+                    <p:nvPicPr>
+                      <p:cNvPr id="0" name=""/>
+                      <p:cNvPicPr>
+                        <a:picLocks noChangeAspect="1" noChangeArrowheads="1"/>
+                      </p:cNvPicPr>
+                      <p:nvPr/>
+                    </p:nvPicPr>
+                    <p:blipFill>
+                      <a:blip r:embed="rId5"/>
+                      <a:srcRect/>
+                      <a:stretch>
+                        <a:fillRect/>
+                      </a:stretch>
+                    </p:blipFill>
+                    <p:spPr bwMode="auto">
+                      <a:xfrm>
+                        <a:off x="5075238" y="1219200"/>
+                        <a:ext cx="2011362" cy="1360488"/>
+                      </a:xfrm>
+                      <a:prstGeom prst="rect">
+                        <a:avLst/>
+                      </a:prstGeom>
+                      <a:noFill/>
+                      <a:extLst>
+                        <a:ext uri="{909E8E84-426E-40dd-AFC4-6F175D3DCCD1}">
+                          <a14:hiddenFill xmlns:a14="http://schemas.microsoft.com/office/drawing/2010/main">
+                            <a:solidFill>
+                              <a:srgbClr val="FFFFFF"/>
+                            </a:solidFill>
+                          </a14:hiddenFill>
+                        </a:ext>
+                      </a:extLst>
+                    </p:spPr>
+                  </p:pic>
+                </p:oleObj>
+              </mc:Fallback>
+            </mc:AlternateContent>
+          </a:graphicData>
+        </a:graphic>
+      </p:graphicFrame>
+      <p:graphicFrame>
+        <p:nvGraphicFramePr>
+          <p:cNvPr id="8" name="Object 4"/>
+          <p:cNvGraphicFramePr>
+            <a:graphicFrameLocks noChangeAspect="1"/>
+          </p:cNvGraphicFramePr>
+          <p:nvPr>
+            <p:extLst>
+              <p:ext uri="{D42A27DB-BD31-4B8C-83A1-F6EECF244321}">
+                <p14:modId xmlns:p14="http://schemas.microsoft.com/office/powerpoint/2010/main" val="1664764881"/>
+              </p:ext>
+            </p:extLst>
+          </p:nvPr>
+        </p:nvGraphicFramePr>
+        <p:xfrm>
+          <a:off x="914400" y="2784259"/>
+          <a:ext cx="6781800" cy="2168741"/>
+        </p:xfrm>
+        <a:graphic>
+          <a:graphicData uri="http://schemas.openxmlformats.org/presentationml/2006/ole">
+            <mc:AlternateContent xmlns:mc="http://schemas.openxmlformats.org/markup-compatibility/2006">
+              <mc:Choice xmlns:v="urn:schemas-microsoft-com:vml" Requires="v">
+                <p:oleObj spid="_x0000_s216077" name="Equation" r:id="rId6" imgW="1308100" imgH="419100" progId="Equation.DSMT4">
+                  <p:embed/>
+                </p:oleObj>
+              </mc:Choice>
+              <mc:Fallback>
+                <p:oleObj name="Equation" r:id="rId6" imgW="1308100" imgH="419100" progId="Equation.DSMT4">
+                  <p:embed/>
+                  <p:pic>
+                    <p:nvPicPr>
+                      <p:cNvPr id="0" name=""/>
+                      <p:cNvPicPr>
+                        <a:picLocks noChangeAspect="1" noChangeArrowheads="1"/>
+                      </p:cNvPicPr>
+                      <p:nvPr/>
+                    </p:nvPicPr>
+                    <p:blipFill>
+                      <a:blip r:embed="rId7"/>
+                      <a:srcRect/>
+                      <a:stretch>
+                        <a:fillRect/>
+                      </a:stretch>
+                    </p:blipFill>
+                    <p:spPr bwMode="auto">
+                      <a:xfrm>
+                        <a:off x="914400" y="2784259"/>
+                        <a:ext cx="6781800" cy="2168741"/>
+                      </a:xfrm>
+                      <a:prstGeom prst="rect">
+                        <a:avLst/>
+                      </a:prstGeom>
+                      <a:noFill/>
+                      <a:extLst/>
+                    </p:spPr>
+                  </p:pic>
+                </p:oleObj>
+              </mc:Fallback>
+            </mc:AlternateContent>
+          </a:graphicData>
+        </a:graphic>
+      </p:graphicFrame>
+    </p:spTree>
+    <p:extLst>
+      <p:ext uri="{BB962C8B-B14F-4D97-AF65-F5344CB8AC3E}">
+        <p14:creationId xmlns:p14="http://schemas.microsoft.com/office/powerpoint/2010/main" val="3847754977"/>
+      </p:ext>
+    </p:extLst>
+  </p:cSld>
+  <p:clrMapOvr>
+    <a:masterClrMapping/>
+  </p:clrMapOvr>
+  <p:transition xmlns:p14="http://schemas.microsoft.com/office/powerpoint/2010/main" advClick="0">
+    <p:fade/>
+  </p:transition>
+  <p:timing>
+    <p:tnLst>
+      <p:par>
+        <p:cTn xmlns:p14="http://schemas.microsoft.com/office/powerpoint/2010/main" id="1" dur="indefinite" restart="never" nodeType="tmRoot"/>
+      </p:par>
+    </p:tnLst>
+  </p:timing>
+</p:sld>
+</file>
+
+<file path=ppt/slides/slide9.xml><?xml version="1.0" encoding="utf-8"?>
+<p:sld xmlns:a="http://schemas.openxmlformats.org/drawingml/2006/main" xmlns:r="http://schemas.openxmlformats.org/officeDocument/2006/relationships" xmlns:p="http://schemas.openxmlformats.org/presentationml/2006/main">
+  <p:cSld>
+    <p:spTree>
+      <p:nvGrpSpPr>
+        <p:cNvPr id="1" name=""/>
+        <p:cNvGrpSpPr/>
+        <p:nvPr/>
+      </p:nvGrpSpPr>
+      <p:grpSpPr>
+        <a:xfrm>
+          <a:off x="0" y="0"/>
+          <a:ext cx="0" cy="0"/>
+          <a:chOff x="0" y="0"/>
+          <a:chExt cx="0" cy="0"/>
+        </a:xfrm>
+      </p:grpSpPr>
+      <p:sp>
+        <p:nvSpPr>
+          <p:cNvPr id="5124" name="Rectangle 2"/>
+          <p:cNvSpPr>
+            <a:spLocks noGrp="1" noChangeArrowheads="1"/>
+          </p:cNvSpPr>
+          <p:nvPr>
+            <p:ph type="title"/>
+          </p:nvPr>
+        </p:nvSpPr>
+        <p:spPr>
+          <a:xfrm>
+            <a:off x="1600200" y="304800"/>
+            <a:ext cx="6019800" cy="1143000"/>
+          </a:xfrm>
+        </p:spPr>
+        <p:txBody>
+          <a:bodyPr/>
+          <a:lstStyle/>
+          <a:p>
+            <a:pPr eaLnBrk="1" hangingPunct="1"/>
+            <a:r>
+              <a:rPr lang="en-US" dirty="0" err="1" smtClean="0">
+                <a:latin typeface="Comic Sans MS" pitchFamily="66" charset="0"/>
+              </a:rPr>
+              <a:t>Incl-Excl</a:t>
+            </a:r>
+            <a:r>
+              <a:rPr lang="en-US" dirty="0" smtClean="0">
+                <a:latin typeface="Comic Sans MS" pitchFamily="66" charset="0"/>
+              </a:rPr>
+              <a:t> </a:t>
+            </a:r>
+            <a:r>
+              <a:rPr lang="en-US" dirty="0" smtClean="0">
+                <a:solidFill>
+                  <a:srgbClr val="0000FF"/>
+                </a:solidFill>
+                <a:latin typeface="Comic Sans MS" pitchFamily="66" charset="0"/>
+              </a:rPr>
+              <a:t>n</a:t>
+            </a:r>
+            <a:r>
+              <a:rPr lang="en-US" dirty="0" smtClean="0">
+                <a:latin typeface="Comic Sans MS" pitchFamily="66" charset="0"/>
+              </a:rPr>
+              <a:t> sets</a:t>
+            </a:r>
+          </a:p>
+        </p:txBody>
+      </p:sp>
+      <p:sp>
+        <p:nvSpPr>
+          <p:cNvPr id="5125" name="Slide Number Placeholder 7"/>
+          <p:cNvSpPr>
+            <a:spLocks noGrp="1"/>
+          </p:cNvSpPr>
+          <p:nvPr>
+            <p:ph type="sldNum" sz="quarter" idx="10"/>
+          </p:nvPr>
+        </p:nvSpPr>
+        <p:spPr>
+          <a:noFill/>
+        </p:spPr>
+        <p:txBody>
+          <a:bodyPr/>
+          <a:lstStyle/>
+          <a:p>
+            <a:r>
+              <a:rPr lang="en-US" dirty="0" err="1" smtClean="0"/>
+              <a:t>incexcbinom</a:t>
+            </a:r>
+            <a:r>
+              <a:rPr lang="en-US" dirty="0" smtClean="0"/>
+              <a:t>.</a:t>
+            </a:r>
+            <a:fld id="{440333D2-3154-4D4B-AAB9-AB5679BA8A30}" type="slidenum">
+              <a:rPr lang="en-US" smtClean="0"/>
+              <a:pPr/>
+              <a:t>9</a:t>
+            </a:fld>
+            <a:endParaRPr lang="en-US" dirty="0" smtClean="0"/>
+          </a:p>
+        </p:txBody>
+      </p:sp>
+      <p:graphicFrame>
+        <p:nvGraphicFramePr>
+          <p:cNvPr id="6" name="Object 3"/>
+          <p:cNvGraphicFramePr>
+            <a:graphicFrameLocks noChangeAspect="1"/>
+          </p:cNvGraphicFramePr>
+          <p:nvPr>
+            <p:extLst>
+              <p:ext uri="{D42A27DB-BD31-4B8C-83A1-F6EECF244321}">
+                <p14:modId xmlns:p14="http://schemas.microsoft.com/office/powerpoint/2010/main" val="1466461490"/>
+              </p:ext>
+            </p:extLst>
+          </p:nvPr>
+        </p:nvGraphicFramePr>
+        <p:xfrm>
+          <a:off x="5464175" y="1511300"/>
+          <a:ext cx="1233488" cy="776288"/>
+        </p:xfrm>
+        <a:graphic>
+          <a:graphicData uri="http://schemas.openxmlformats.org/presentationml/2006/ole">
+            <mc:AlternateContent xmlns:mc="http://schemas.openxmlformats.org/markup-compatibility/2006">
+              <mc:Choice xmlns:v="urn:schemas-microsoft-com:vml" Requires="v">
+                <p:oleObj spid="_x0000_s217098" name="Equation" r:id="rId4" imgW="241300" imgH="152400" progId="Equation.DSMT4">
+                  <p:embed/>
+                </p:oleObj>
+              </mc:Choice>
+              <mc:Fallback>
+                <p:oleObj name="Equation" r:id="rId4" imgW="241300" imgH="152400" progId="Equation.DSMT4">
+                  <p:embed/>
+                  <p:pic>
+                    <p:nvPicPr>
+                      <p:cNvPr id="0" name=""/>
+                      <p:cNvPicPr>
+                        <a:picLocks noChangeAspect="1" noChangeArrowheads="1"/>
+                      </p:cNvPicPr>
+                      <p:nvPr/>
+                    </p:nvPicPr>
+                    <p:blipFill>
+                      <a:blip r:embed="rId5"/>
+                      <a:srcRect/>
+                      <a:stretch>
+                        <a:fillRect/>
+                      </a:stretch>
+                    </p:blipFill>
+                    <p:spPr bwMode="auto">
+                      <a:xfrm>
+                        <a:off x="5464175" y="1511300"/>
+                        <a:ext cx="1233488" cy="776288"/>
+                      </a:xfrm>
+                      <a:prstGeom prst="rect">
+                        <a:avLst/>
+                      </a:prstGeom>
+                      <a:noFill/>
+                      <a:extLst>
+                        <a:ext uri="{909E8E84-426E-40dd-AFC4-6F175D3DCCD1}">
+                          <a14:hiddenFill xmlns:a14="http://schemas.microsoft.com/office/drawing/2010/main">
+                            <a:solidFill>
+                              <a:srgbClr val="FFFFFF"/>
+                            </a:solidFill>
+                          </a14:hiddenFill>
+                        </a:ext>
+                      </a:extLst>
+                    </p:spPr>
+                  </p:pic>
+                </p:oleObj>
+              </mc:Fallback>
+            </mc:AlternateContent>
+          </a:graphicData>
+        </a:graphic>
+      </p:graphicFrame>
+      <p:graphicFrame>
+        <p:nvGraphicFramePr>
+          <p:cNvPr id="8" name="Object 4"/>
+          <p:cNvGraphicFramePr>
+            <a:graphicFrameLocks noChangeAspect="1"/>
+          </p:cNvGraphicFramePr>
+          <p:nvPr>
+            <p:extLst>
+              <p:ext uri="{D42A27DB-BD31-4B8C-83A1-F6EECF244321}">
+                <p14:modId xmlns:p14="http://schemas.microsoft.com/office/powerpoint/2010/main" val="3306977612"/>
+              </p:ext>
+            </p:extLst>
+          </p:nvPr>
+        </p:nvGraphicFramePr>
+        <p:xfrm>
+          <a:off x="1243013" y="2784475"/>
+          <a:ext cx="6122987" cy="2168525"/>
+        </p:xfrm>
+        <a:graphic>
+          <a:graphicData uri="http://schemas.openxmlformats.org/presentationml/2006/ole">
+            <mc:AlternateContent xmlns:mc="http://schemas.openxmlformats.org/markup-compatibility/2006">
+              <mc:Choice xmlns:v="urn:schemas-microsoft-com:vml" Requires="v">
+                <p:oleObj spid="_x0000_s217099" name="Equation" r:id="rId6" imgW="1181100" imgH="419100" progId="Equation.DSMT4">
+                  <p:embed/>
+                </p:oleObj>
+              </mc:Choice>
+              <mc:Fallback>
+                <p:oleObj name="Equation" r:id="rId6" imgW="1181100" imgH="419100" progId="Equation.DSMT4">
+                  <p:embed/>
+                  <p:pic>
+                    <p:nvPicPr>
+                      <p:cNvPr id="0" name=""/>
+                      <p:cNvPicPr>
+                        <a:picLocks noChangeAspect="1" noChangeArrowheads="1"/>
+                      </p:cNvPicPr>
+                      <p:nvPr/>
+                    </p:nvPicPr>
+                    <p:blipFill>
+                      <a:blip r:embed="rId7"/>
+                      <a:srcRect/>
+                      <a:stretch>
+                        <a:fillRect/>
+                      </a:stretch>
+                    </p:blipFill>
+                    <p:spPr bwMode="auto">
+                      <a:xfrm>
+                        <a:off x="1243013" y="2784475"/>
+                        <a:ext cx="6122987" cy="2168525"/>
+                      </a:xfrm>
+                      <a:prstGeom prst="rect">
+                        <a:avLst/>
+                      </a:prstGeom>
+                      <a:noFill/>
+                      <a:extLst/>
+                    </p:spPr>
+                  </p:pic>
+                </p:oleObj>
+              </mc:Fallback>
+            </mc:AlternateContent>
+          </a:graphicData>
+        </a:graphic>
+      </p:graphicFrame>
+    </p:spTree>
+    <p:extLst>
+      <p:ext uri="{BB962C8B-B14F-4D97-AF65-F5344CB8AC3E}">
+        <p14:creationId xmlns:p14="http://schemas.microsoft.com/office/powerpoint/2010/main" val="1141569426"/>
+      </p:ext>
+    </p:extLst>
+  </p:cSld>
+  <p:clrMapOvr>
+    <a:masterClrMapping/>
+  </p:clrMapOvr>
+  <p:transition xmlns:p14="http://schemas.microsoft.com/office/powerpoint/2010/main" advClick="0">
+    <p:fade/>
+  </p:transition>
+  <p:timing>
+    <p:tnLst>
+      <p:par>
+        <p:cTn xmlns:p14="http://schemas.microsoft.com/office/powerpoint/2010/main" id="1" dur="indefinite" restart="never" nodeType="tmRoot"/>
       </p:par>
     </p:tnLst>
   </p:timing>

--- a/spring13/slides13/incexcbinom.pptx
+++ b/spring13/slides13/incexcbinom.pptx
@@ -5,32 +5,35 @@
     <p:sldMasterId id="2147483650" r:id="rId1"/>
   </p:sldMasterIdLst>
   <p:notesMasterIdLst>
-    <p:notesMasterId r:id="rId17"/>
+    <p:notesMasterId r:id="rId20"/>
   </p:notesMasterIdLst>
   <p:handoutMasterIdLst>
-    <p:handoutMasterId r:id="rId18"/>
+    <p:handoutMasterId r:id="rId21"/>
   </p:handoutMasterIdLst>
   <p:sldIdLst>
     <p:sldId id="524" r:id="rId2"/>
-    <p:sldId id="563" r:id="rId3"/>
-    <p:sldId id="579" r:id="rId4"/>
-    <p:sldId id="571" r:id="rId5"/>
-    <p:sldId id="510" r:id="rId6"/>
-    <p:sldId id="573" r:id="rId7"/>
-    <p:sldId id="574" r:id="rId8"/>
-    <p:sldId id="576" r:id="rId9"/>
-    <p:sldId id="577" r:id="rId10"/>
+    <p:sldId id="571" r:id="rId3"/>
+    <p:sldId id="510" r:id="rId4"/>
+    <p:sldId id="573" r:id="rId5"/>
+    <p:sldId id="574" r:id="rId6"/>
+    <p:sldId id="576" r:id="rId7"/>
+    <p:sldId id="593" r:id="rId8"/>
+    <p:sldId id="577" r:id="rId9"/>
+    <p:sldId id="581" r:id="rId10"/>
     <p:sldId id="578" r:id="rId11"/>
-    <p:sldId id="565" r:id="rId12"/>
-    <p:sldId id="567" r:id="rId13"/>
-    <p:sldId id="566" r:id="rId14"/>
-    <p:sldId id="568" r:id="rId15"/>
-    <p:sldId id="569" r:id="rId16"/>
+    <p:sldId id="580" r:id="rId12"/>
+    <p:sldId id="585" r:id="rId13"/>
+    <p:sldId id="582" r:id="rId14"/>
+    <p:sldId id="587" r:id="rId15"/>
+    <p:sldId id="589" r:id="rId16"/>
+    <p:sldId id="566" r:id="rId17"/>
+    <p:sldId id="590" r:id="rId18"/>
+    <p:sldId id="594" r:id="rId19"/>
   </p:sldIdLst>
   <p:sldSz cx="9144000" cy="6858000" type="screen4x3"/>
   <p:notesSz cx="9601200" cy="7315200"/>
   <p:custDataLst>
-    <p:tags r:id="rId20"/>
+    <p:tags r:id="rId23"/>
   </p:custDataLst>
   <p:defaultTextStyle>
     <a:defPPr>
@@ -1058,7 +1061,7 @@
             <a:fld id="{FB67ED51-D6E5-49E3-B2E6-337A7D163646}" type="slidenum">
               <a:rPr lang="en-US" smtClean="0"/>
               <a:pPr/>
-              <a:t>11</a:t>
+              <a:t>16</a:t>
             </a:fld>
             <a:endParaRPr lang="en-US" smtClean="0"/>
           </a:p>
@@ -1155,7 +1158,7 @@
             <a:fld id="{FB67ED51-D6E5-49E3-B2E6-337A7D163646}" type="slidenum">
               <a:rPr lang="en-US" smtClean="0"/>
               <a:pPr/>
-              <a:t>12</a:t>
+              <a:t>17</a:t>
             </a:fld>
             <a:endParaRPr lang="en-US" smtClean="0"/>
           </a:p>
@@ -1252,7 +1255,7 @@
             <a:fld id="{FB67ED51-D6E5-49E3-B2E6-337A7D163646}" type="slidenum">
               <a:rPr lang="en-US" smtClean="0"/>
               <a:pPr/>
-              <a:t>13</a:t>
+              <a:t>18</a:t>
             </a:fld>
             <a:endParaRPr lang="en-US" smtClean="0"/>
           </a:p>
@@ -1278,200 +1281,6 @@
       <p:sp>
         <p:nvSpPr>
           <p:cNvPr id="61444" name="Rectangle 3"/>
-          <p:cNvSpPr>
-            <a:spLocks noGrp="1" noChangeArrowheads="1"/>
-          </p:cNvSpPr>
-          <p:nvPr>
-            <p:ph type="body" idx="1"/>
-          </p:nvPr>
-        </p:nvSpPr>
-        <p:spPr>
-          <a:solidFill>
-            <a:srgbClr val="FFFFFF"/>
-          </a:solidFill>
-          <a:ln>
-            <a:solidFill>
-              <a:srgbClr val="000000"/>
-            </a:solidFill>
-          </a:ln>
-        </p:spPr>
-        <p:txBody>
-          <a:bodyPr/>
-          <a:lstStyle/>
-          <a:p>
-            <a:pPr eaLnBrk="1" hangingPunct="1"/>
-            <a:endParaRPr lang="en-US" smtClean="0"/>
-          </a:p>
-        </p:txBody>
-      </p:sp>
-    </p:spTree>
-  </p:cSld>
-  <p:clrMapOvr>
-    <a:masterClrMapping/>
-  </p:clrMapOvr>
-</p:notes>
-</file>
-
-<file path=ppt/notesSlides/notesSlide14.xml><?xml version="1.0" encoding="utf-8"?>
-<p:notes xmlns:a="http://schemas.openxmlformats.org/drawingml/2006/main" xmlns:r="http://schemas.openxmlformats.org/officeDocument/2006/relationships" xmlns:p="http://schemas.openxmlformats.org/presentationml/2006/main">
-  <p:cSld>
-    <p:spTree>
-      <p:nvGrpSpPr>
-        <p:cNvPr id="1" name=""/>
-        <p:cNvGrpSpPr/>
-        <p:nvPr/>
-      </p:nvGrpSpPr>
-      <p:grpSpPr>
-        <a:xfrm>
-          <a:off x="0" y="0"/>
-          <a:ext cx="0" cy="0"/>
-          <a:chOff x="0" y="0"/>
-          <a:chExt cx="0" cy="0"/>
-        </a:xfrm>
-      </p:grpSpPr>
-      <p:sp>
-        <p:nvSpPr>
-          <p:cNvPr id="61442" name="Rectangle 7"/>
-          <p:cNvSpPr>
-            <a:spLocks noGrp="1" noChangeArrowheads="1"/>
-          </p:cNvSpPr>
-          <p:nvPr>
-            <p:ph type="sldNum" sz="quarter" idx="5"/>
-          </p:nvPr>
-        </p:nvSpPr>
-        <p:spPr>
-          <a:noFill/>
-        </p:spPr>
-        <p:txBody>
-          <a:bodyPr/>
-          <a:lstStyle/>
-          <a:p>
-            <a:fld id="{FB67ED51-D6E5-49E3-B2E6-337A7D163646}" type="slidenum">
-              <a:rPr lang="en-US" smtClean="0"/>
-              <a:pPr/>
-              <a:t>14</a:t>
-            </a:fld>
-            <a:endParaRPr lang="en-US" smtClean="0"/>
-          </a:p>
-        </p:txBody>
-      </p:sp>
-      <p:sp>
-        <p:nvSpPr>
-          <p:cNvPr id="61443" name="Rectangle 2"/>
-          <p:cNvSpPr>
-            <a:spLocks noGrp="1" noRot="1" noChangeAspect="1" noChangeArrowheads="1" noTextEdit="1"/>
-          </p:cNvSpPr>
-          <p:nvPr>
-            <p:ph type="sldImg"/>
-          </p:nvPr>
-        </p:nvSpPr>
-        <p:spPr>
-          <a:solidFill>
-            <a:srgbClr val="FFFFFF"/>
-          </a:solidFill>
-          <a:ln/>
-        </p:spPr>
-      </p:sp>
-      <p:sp>
-        <p:nvSpPr>
-          <p:cNvPr id="61444" name="Rectangle 3"/>
-          <p:cNvSpPr>
-            <a:spLocks noGrp="1" noChangeArrowheads="1"/>
-          </p:cNvSpPr>
-          <p:nvPr>
-            <p:ph type="body" idx="1"/>
-          </p:nvPr>
-        </p:nvSpPr>
-        <p:spPr>
-          <a:solidFill>
-            <a:srgbClr val="FFFFFF"/>
-          </a:solidFill>
-          <a:ln>
-            <a:solidFill>
-              <a:srgbClr val="000000"/>
-            </a:solidFill>
-          </a:ln>
-        </p:spPr>
-        <p:txBody>
-          <a:bodyPr/>
-          <a:lstStyle/>
-          <a:p>
-            <a:pPr eaLnBrk="1" hangingPunct="1"/>
-            <a:endParaRPr lang="en-US" smtClean="0"/>
-          </a:p>
-        </p:txBody>
-      </p:sp>
-    </p:spTree>
-  </p:cSld>
-  <p:clrMapOvr>
-    <a:masterClrMapping/>
-  </p:clrMapOvr>
-</p:notes>
-</file>
-
-<file path=ppt/notesSlides/notesSlide15.xml><?xml version="1.0" encoding="utf-8"?>
-<p:notes xmlns:a="http://schemas.openxmlformats.org/drawingml/2006/main" xmlns:r="http://schemas.openxmlformats.org/officeDocument/2006/relationships" xmlns:p="http://schemas.openxmlformats.org/presentationml/2006/main">
-  <p:cSld>
-    <p:spTree>
-      <p:nvGrpSpPr>
-        <p:cNvPr id="1" name=""/>
-        <p:cNvGrpSpPr/>
-        <p:nvPr/>
-      </p:nvGrpSpPr>
-      <p:grpSpPr>
-        <a:xfrm>
-          <a:off x="0" y="0"/>
-          <a:ext cx="0" cy="0"/>
-          <a:chOff x="0" y="0"/>
-          <a:chExt cx="0" cy="0"/>
-        </a:xfrm>
-      </p:grpSpPr>
-      <p:sp>
-        <p:nvSpPr>
-          <p:cNvPr id="60418" name="Rectangle 7"/>
-          <p:cNvSpPr>
-            <a:spLocks noGrp="1" noChangeArrowheads="1"/>
-          </p:cNvSpPr>
-          <p:nvPr>
-            <p:ph type="sldNum" sz="quarter" idx="5"/>
-          </p:nvPr>
-        </p:nvSpPr>
-        <p:spPr>
-          <a:noFill/>
-        </p:spPr>
-        <p:txBody>
-          <a:bodyPr/>
-          <a:lstStyle/>
-          <a:p>
-            <a:fld id="{38AFA472-19A2-4BBD-B046-EAF111414CE2}" type="slidenum">
-              <a:rPr lang="en-US" smtClean="0"/>
-              <a:pPr/>
-              <a:t>15</a:t>
-            </a:fld>
-            <a:endParaRPr lang="en-US" smtClean="0"/>
-          </a:p>
-        </p:txBody>
-      </p:sp>
-      <p:sp>
-        <p:nvSpPr>
-          <p:cNvPr id="60419" name="Rectangle 2"/>
-          <p:cNvSpPr>
-            <a:spLocks noGrp="1" noRot="1" noChangeAspect="1" noChangeArrowheads="1" noTextEdit="1"/>
-          </p:cNvSpPr>
-          <p:nvPr>
-            <p:ph type="sldImg"/>
-          </p:nvPr>
-        </p:nvSpPr>
-        <p:spPr>
-          <a:solidFill>
-            <a:srgbClr val="FFFFFF"/>
-          </a:solidFill>
-          <a:ln/>
-        </p:spPr>
-      </p:sp>
-      <p:sp>
-        <p:nvSpPr>
-          <p:cNvPr id="60420" name="Rectangle 3"/>
           <p:cNvSpPr>
             <a:spLocks noGrp="1" noChangeArrowheads="1"/>
           </p:cNvSpPr>
@@ -1525,7 +1334,7 @@
       </p:grpSpPr>
       <p:sp>
         <p:nvSpPr>
-          <p:cNvPr id="61442" name="Rectangle 7"/>
+          <p:cNvPr id="60418" name="Rectangle 7"/>
           <p:cNvSpPr>
             <a:spLocks noGrp="1" noChangeArrowheads="1"/>
           </p:cNvSpPr>
@@ -1540,7 +1349,7 @@
           <a:bodyPr/>
           <a:lstStyle/>
           <a:p>
-            <a:fld id="{FB67ED51-D6E5-49E3-B2E6-337A7D163646}" type="slidenum">
+            <a:fld id="{38AFA472-19A2-4BBD-B046-EAF111414CE2}" type="slidenum">
               <a:rPr lang="en-US" smtClean="0"/>
               <a:pPr/>
               <a:t>2</a:t>
@@ -1551,7 +1360,7 @@
       </p:sp>
       <p:sp>
         <p:nvSpPr>
-          <p:cNvPr id="61443" name="Rectangle 2"/>
+          <p:cNvPr id="60419" name="Rectangle 2"/>
           <p:cNvSpPr>
             <a:spLocks noGrp="1" noRot="1" noChangeAspect="1" noChangeArrowheads="1" noTextEdit="1"/>
           </p:cNvSpPr>
@@ -1568,7 +1377,7 @@
       </p:sp>
       <p:sp>
         <p:nvSpPr>
-          <p:cNvPr id="61444" name="Rectangle 3"/>
+          <p:cNvPr id="60420" name="Rectangle 3"/>
           <p:cNvSpPr>
             <a:spLocks noGrp="1" noChangeArrowheads="1"/>
           </p:cNvSpPr>
@@ -1622,7 +1431,7 @@
       </p:grpSpPr>
       <p:sp>
         <p:nvSpPr>
-          <p:cNvPr id="61442" name="Rectangle 7"/>
+          <p:cNvPr id="60418" name="Rectangle 7"/>
           <p:cNvSpPr>
             <a:spLocks noGrp="1" noChangeArrowheads="1"/>
           </p:cNvSpPr>
@@ -1637,7 +1446,7 @@
           <a:bodyPr/>
           <a:lstStyle/>
           <a:p>
-            <a:fld id="{FB67ED51-D6E5-49E3-B2E6-337A7D163646}" type="slidenum">
+            <a:fld id="{38AFA472-19A2-4BBD-B046-EAF111414CE2}" type="slidenum">
               <a:rPr lang="en-US" smtClean="0"/>
               <a:pPr/>
               <a:t>3</a:t>
@@ -1648,7 +1457,7 @@
       </p:sp>
       <p:sp>
         <p:nvSpPr>
-          <p:cNvPr id="61443" name="Rectangle 2"/>
+          <p:cNvPr id="60419" name="Rectangle 2"/>
           <p:cNvSpPr>
             <a:spLocks noGrp="1" noRot="1" noChangeAspect="1" noChangeArrowheads="1" noTextEdit="1"/>
           </p:cNvSpPr>
@@ -1665,7 +1474,7 @@
       </p:sp>
       <p:sp>
         <p:nvSpPr>
-          <p:cNvPr id="61444" name="Rectangle 3"/>
+          <p:cNvPr id="60420" name="Rectangle 3"/>
           <p:cNvSpPr>
             <a:spLocks noGrp="1" noChangeArrowheads="1"/>
           </p:cNvSpPr>
@@ -3717,7 +3526,7 @@
 </file>
 
 <file path=ppt/slides/slide10.xml><?xml version="1.0" encoding="utf-8"?>
-<p:sld xmlns:a="http://schemas.openxmlformats.org/drawingml/2006/main" xmlns:r="http://schemas.openxmlformats.org/officeDocument/2006/relationships" xmlns:p="http://schemas.openxmlformats.org/presentationml/2006/main">
+<p:sld xmlns:a="http://schemas.openxmlformats.org/drawingml/2006/main" xmlns:r="http://schemas.openxmlformats.org/officeDocument/2006/relationships" xmlns:p="http://schemas.openxmlformats.org/presentationml/2006/main" show="0">
   <p:cSld>
     <p:spTree>
       <p:nvGrpSpPr>
@@ -3840,7 +3649,7 @@
           <a:graphicData uri="http://schemas.openxmlformats.org/presentationml/2006/ole">
             <mc:AlternateContent xmlns:mc="http://schemas.openxmlformats.org/markup-compatibility/2006">
               <mc:Choice xmlns:v="urn:schemas-microsoft-com:vml" Requires="v">
-                <p:oleObj spid="_x0000_s218121" name="Equation" r:id="rId4" imgW="1346200" imgH="355600" progId="Equation.DSMT4">
+                <p:oleObj spid="_x0000_s218126" name="Equation" r:id="rId4" imgW="1346200" imgH="355600" progId="Equation.DSMT4">
                   <p:embed/>
                 </p:oleObj>
               </mc:Choice>
@@ -3890,13 +3699,13 @@
   <p:clrMapOvr>
     <a:masterClrMapping/>
   </p:clrMapOvr>
-  <mc:AlternateContent xmlns:mc="http://schemas.openxmlformats.org/markup-compatibility/2006" xmlns:p14="http://schemas.microsoft.com/office/powerpoint/2010/main">
-    <mc:Choice Requires="p14">
+  <mc:AlternateContent xmlns:mc="http://schemas.openxmlformats.org/markup-compatibility/2006">
+    <mc:Choice xmlns:p14="http://schemas.microsoft.com/office/powerpoint/2010/main" Requires="p14">
       <p:transition spd="slow" p14:dur="900" advClick="0">
         <p:fade/>
       </p:transition>
     </mc:Choice>
-    <mc:Fallback xmlns="">
+    <mc:Fallback>
       <p:transition xmlns:p14="http://schemas.microsoft.com/office/powerpoint/2010/main" spd="slow" advClick="0">
         <p:fade/>
       </p:transition>
@@ -3931,148 +3740,421 @@
       </p:grpSpPr>
       <p:sp>
         <p:nvSpPr>
-          <p:cNvPr id="17412" name="Slide Number Placeholder 5"/>
+          <p:cNvPr id="2" name="Title 1"/>
           <p:cNvSpPr>
             <a:spLocks noGrp="1"/>
           </p:cNvSpPr>
           <p:nvPr>
-            <p:ph type="sldNum" sz="quarter" idx="10"/>
+            <p:ph type="title"/>
           </p:nvPr>
         </p:nvSpPr>
-        <p:spPr>
-          <a:noFill/>
-        </p:spPr>
+        <p:spPr/>
         <p:txBody>
           <a:bodyPr/>
           <a:lstStyle/>
           <a:p>
             <a:r>
-              <a:rPr lang="en-US" dirty="0" err="1" smtClean="0"/>
-              <a:t>incexcbinom</a:t>
-            </a:r>
-            <a:r>
               <a:rPr lang="en-US" dirty="0" smtClean="0"/>
-              <a:t>.</a:t>
-            </a:r>
-            <a:fld id="{83D78B86-54BD-4C40-B154-E0B4BEB7EE49}" type="slidenum">
-              <a:rPr lang="en-US" smtClean="0"/>
-              <a:pPr/>
-              <a:t>11</a:t>
-            </a:fld>
-            <a:endParaRPr lang="en-US" dirty="0" smtClean="0"/>
+              <a:t>The proof</a:t>
+            </a:r>
+            <a:endParaRPr lang="en-US" dirty="0"/>
           </a:p>
         </p:txBody>
       </p:sp>
       <p:sp>
         <p:nvSpPr>
-          <p:cNvPr id="17413" name="Rectangle 2"/>
+          <p:cNvPr id="3" name="Content Placeholder 2"/>
           <p:cNvSpPr>
-            <a:spLocks noGrp="1" noChangeArrowheads="1"/>
+            <a:spLocks noGrp="1"/>
           </p:cNvSpPr>
           <p:nvPr>
-            <p:ph type="title"/>
+            <p:ph idx="1"/>
           </p:nvPr>
         </p:nvSpPr>
         <p:spPr>
           <a:xfrm>
-            <a:off x="1295400" y="152400"/>
-            <a:ext cx="6781800" cy="1219200"/>
+            <a:off x="152400" y="1143000"/>
+            <a:ext cx="8839200" cy="4495800"/>
           </a:xfrm>
         </p:spPr>
         <p:txBody>
           <a:bodyPr/>
           <a:lstStyle/>
           <a:p>
-            <a:pPr eaLnBrk="1" hangingPunct="1"/>
+            <a:pPr>
+              <a:spcAft>
+                <a:spcPts val="0"/>
+              </a:spcAft>
+            </a:pPr>
             <a:r>
               <a:rPr lang="en-US" sz="4400" dirty="0" smtClean="0"/>
-              <a:t>Binomial </a:t>
-            </a:r>
-            <a:r>
-              <a:rPr lang="en-US" sz="4400" dirty="0"/>
-              <a:t>C</a:t>
+              <a:t>For</a:t>
+            </a:r>
+            <a:r>
+              <a:rPr lang="en-US" sz="4400" dirty="0" smtClean="0">
+                <a:solidFill>
+                  <a:srgbClr val="0000FF"/>
+                </a:solidFill>
+              </a:rPr>
+              <a:t> </a:t>
+            </a:r>
+            <a:r>
+              <a:rPr lang="en-US" sz="4400" dirty="0">
+                <a:solidFill>
+                  <a:srgbClr val="0000FF"/>
+                </a:solidFill>
+              </a:rPr>
+              <a:t>a </a:t>
+            </a:r>
+            <a:r>
+              <a:rPr lang="en-US" sz="4400" b="1" dirty="0">
+                <a:solidFill>
+                  <a:srgbClr val="0000FF"/>
+                </a:solidFill>
+                <a:latin typeface="Euclid Symbol" charset="2"/>
+                <a:cs typeface="Euclid Symbol" charset="2"/>
+              </a:rPr>
+              <a:t>∈</a:t>
+            </a:r>
+            <a:r>
+              <a:rPr lang="en-US" sz="4400" dirty="0">
+                <a:solidFill>
+                  <a:srgbClr val="0000FF"/>
+                </a:solidFill>
+                <a:latin typeface="Cambria"/>
+              </a:rPr>
+              <a:t> </a:t>
+            </a:r>
+            <a:r>
+              <a:rPr lang="en-US" sz="4400" dirty="0">
+                <a:solidFill>
+                  <a:srgbClr val="0000FF"/>
+                </a:solidFill>
+                <a:latin typeface="Comic Sans MS"/>
+                <a:cs typeface="Comic Sans MS"/>
+              </a:rPr>
+              <a:t>A</a:t>
+            </a:r>
+            <a:r>
+              <a:rPr lang="en-US" sz="4400" baseline="-25000" dirty="0">
+                <a:solidFill>
+                  <a:srgbClr val="0000FF"/>
+                </a:solidFill>
+                <a:latin typeface="Comic Sans MS"/>
+                <a:cs typeface="Comic Sans MS"/>
+              </a:rPr>
+              <a:t>1</a:t>
+            </a:r>
+            <a:r>
+              <a:rPr lang="en-US" sz="4400" dirty="0">
+                <a:solidFill>
+                  <a:srgbClr val="0000FF"/>
+                </a:solidFill>
+                <a:latin typeface="Comic Sans MS"/>
+                <a:cs typeface="Comic Sans MS"/>
+              </a:rPr>
+              <a:t>∪⋯∪</a:t>
+            </a:r>
+            <a:r>
+              <a:rPr lang="en-US" sz="4400" dirty="0" smtClean="0">
+                <a:solidFill>
+                  <a:srgbClr val="0000FF"/>
+                </a:solidFill>
+                <a:latin typeface="Comic Sans MS"/>
+                <a:cs typeface="Comic Sans MS"/>
+              </a:rPr>
+              <a:t>A</a:t>
+            </a:r>
+            <a:r>
+              <a:rPr lang="en-US" sz="4400" baseline="-25000" dirty="0" smtClean="0">
+                <a:solidFill>
+                  <a:srgbClr val="0000FF"/>
+                </a:solidFill>
+                <a:latin typeface="Comic Sans MS"/>
+                <a:cs typeface="Comic Sans MS"/>
+              </a:rPr>
+              <a:t>n</a:t>
+            </a:r>
+            <a:endParaRPr lang="en-US" sz="4400" dirty="0">
+              <a:solidFill>
+                <a:srgbClr val="0000FF"/>
+              </a:solidFill>
+            </a:endParaRPr>
+          </a:p>
+          <a:p>
+            <a:pPr>
+              <a:spcAft>
+                <a:spcPts val="0"/>
+              </a:spcAft>
+            </a:pPr>
+            <a:r>
+              <a:rPr lang="en-US" sz="4400" dirty="0" smtClean="0">
+                <a:solidFill>
+                  <a:srgbClr val="0000FF"/>
+                </a:solidFill>
+              </a:rPr>
+              <a:t>#a ::</a:t>
+            </a:r>
+            <a:r>
+              <a:rPr lang="en-US" sz="4400" b="1" dirty="0" smtClean="0">
+                <a:solidFill>
+                  <a:srgbClr val="0000FF"/>
+                </a:solidFill>
+                <a:latin typeface="Euclid Symbol" charset="2"/>
+                <a:cs typeface="Euclid Symbol" charset="2"/>
+              </a:rPr>
+              <a:t>=</a:t>
+            </a:r>
+            <a:r>
+              <a:rPr lang="en-US" sz="4400" dirty="0" smtClean="0">
+                <a:solidFill>
+                  <a:srgbClr val="0000FF"/>
+                </a:solidFill>
+              </a:rPr>
+              <a:t> </a:t>
             </a:r>
             <a:r>
               <a:rPr lang="en-US" sz="4400" dirty="0" smtClean="0"/>
-              <a:t>ounting proof</a:t>
-            </a:r>
+              <a:t>number of times</a:t>
+            </a:r>
+            <a:r>
+              <a:rPr lang="en-US" sz="4400" dirty="0">
+                <a:latin typeface="Comic Sans MS"/>
+                <a:cs typeface="Comic Sans MS"/>
+              </a:rPr>
+              <a:t> </a:t>
+            </a:r>
+            <a:r>
+              <a:rPr lang="en-US" sz="4400" dirty="0" smtClean="0">
+                <a:solidFill>
+                  <a:srgbClr val="0000FF"/>
+                </a:solidFill>
+                <a:latin typeface="Comic Sans MS"/>
+                <a:cs typeface="Comic Sans MS"/>
+              </a:rPr>
+              <a:t>a</a:t>
+            </a:r>
+            <a:r>
+              <a:rPr lang="en-US" sz="4400" dirty="0" smtClean="0">
+                <a:solidFill>
+                  <a:schemeClr val="tx2"/>
+                </a:solidFill>
+                <a:latin typeface="Comic Sans MS"/>
+                <a:cs typeface="Comic Sans MS"/>
+              </a:rPr>
+              <a:t> gets    </a:t>
+            </a:r>
+          </a:p>
+          <a:p>
+            <a:pPr>
+              <a:spcAft>
+                <a:spcPts val="0"/>
+              </a:spcAft>
+            </a:pPr>
+            <a:r>
+              <a:rPr lang="en-US" sz="4400" dirty="0">
+                <a:solidFill>
+                  <a:schemeClr val="tx2"/>
+                </a:solidFill>
+                <a:latin typeface="Comic Sans MS"/>
+                <a:cs typeface="Comic Sans MS"/>
+              </a:rPr>
+              <a:t> </a:t>
+            </a:r>
+            <a:r>
+              <a:rPr lang="en-US" sz="4400" dirty="0" smtClean="0">
+                <a:solidFill>
+                  <a:schemeClr val="tx2"/>
+                </a:solidFill>
+                <a:latin typeface="Comic Sans MS"/>
+                <a:cs typeface="Comic Sans MS"/>
+              </a:rPr>
+              <a:t>          counted in</a:t>
+            </a:r>
+            <a:r>
+              <a:rPr lang="en-US" sz="4400" dirty="0" smtClean="0">
+                <a:solidFill>
+                  <a:srgbClr val="0000FF"/>
+                </a:solidFill>
+                <a:latin typeface="Comic Sans MS"/>
+                <a:cs typeface="Comic Sans MS"/>
+              </a:rPr>
+              <a:t>      </a:t>
+            </a:r>
+            <a:endParaRPr lang="en-US" sz="4400" b="1" dirty="0" smtClean="0">
+              <a:latin typeface="Comic Sans MS"/>
+              <a:cs typeface="Comic Sans MS"/>
+            </a:endParaRPr>
+          </a:p>
+          <a:p>
+            <a:pPr algn="ctr">
+              <a:spcAft>
+                <a:spcPts val="600"/>
+              </a:spcAft>
+            </a:pPr>
+            <a:r>
+              <a:rPr lang="en-US" sz="6000" dirty="0" smtClean="0">
+                <a:solidFill>
+                  <a:srgbClr val="90096D"/>
+                </a:solidFill>
+                <a:latin typeface="Comic Sans MS"/>
+                <a:cs typeface="Comic Sans MS"/>
+              </a:rPr>
+              <a:t>Claim:</a:t>
+            </a:r>
+            <a:r>
+              <a:rPr lang="en-US" sz="6000" dirty="0" smtClean="0">
+                <a:latin typeface="Comic Sans MS"/>
+                <a:cs typeface="Comic Sans MS"/>
+              </a:rPr>
+              <a:t> </a:t>
+            </a:r>
+            <a:r>
+              <a:rPr lang="en-US" sz="6000" dirty="0">
+                <a:solidFill>
+                  <a:srgbClr val="0000FF"/>
+                </a:solidFill>
+                <a:latin typeface="Comic Sans MS"/>
+                <a:cs typeface="Comic Sans MS"/>
+              </a:rPr>
+              <a:t>#</a:t>
+            </a:r>
+            <a:r>
+              <a:rPr lang="en-US" sz="6000" dirty="0" smtClean="0">
+                <a:solidFill>
+                  <a:srgbClr val="0000FF"/>
+                </a:solidFill>
+                <a:latin typeface="Comic Sans MS"/>
+                <a:cs typeface="Comic Sans MS"/>
+              </a:rPr>
+              <a:t>a </a:t>
+            </a:r>
+            <a:r>
+              <a:rPr lang="en-US" sz="6000" b="1" dirty="0" smtClean="0">
+                <a:solidFill>
+                  <a:srgbClr val="0000FF"/>
+                </a:solidFill>
+                <a:latin typeface="Euclid Symbol" charset="2"/>
+                <a:cs typeface="Euclid Symbol" charset="2"/>
+              </a:rPr>
+              <a:t>=</a:t>
+            </a:r>
+            <a:r>
+              <a:rPr lang="en-US" sz="6000" b="1" dirty="0" smtClean="0">
+                <a:solidFill>
+                  <a:srgbClr val="0000FF"/>
+                </a:solidFill>
+                <a:latin typeface="Comic Sans MS"/>
+                <a:cs typeface="Comic Sans MS"/>
+              </a:rPr>
+              <a:t> </a:t>
+            </a:r>
+            <a:r>
+              <a:rPr lang="en-US" sz="6000" dirty="0" smtClean="0">
+                <a:solidFill>
+                  <a:srgbClr val="008000"/>
+                </a:solidFill>
+                <a:latin typeface="Comic Sans MS"/>
+                <a:cs typeface="Comic Sans MS"/>
+              </a:rPr>
+              <a:t>0</a:t>
+            </a:r>
+          </a:p>
+          <a:p>
+            <a:pPr>
+              <a:spcAft>
+                <a:spcPts val="600"/>
+              </a:spcAft>
+            </a:pPr>
+            <a:r>
+              <a:rPr lang="en-US" sz="6000" dirty="0" smtClean="0">
+                <a:latin typeface="Comic Sans MS"/>
+                <a:cs typeface="Comic Sans MS"/>
+              </a:rPr>
+              <a:t>so</a:t>
+            </a:r>
+            <a:endParaRPr lang="en-US" sz="4800" dirty="0" smtClean="0">
+              <a:latin typeface="Comic Sans MS"/>
+              <a:cs typeface="Comic Sans MS"/>
+            </a:endParaRPr>
+          </a:p>
+          <a:p>
+            <a:endParaRPr lang="en-US" baseline="-25000" dirty="0">
+              <a:solidFill>
+                <a:srgbClr val="0000FF"/>
+              </a:solidFill>
+            </a:endParaRPr>
+          </a:p>
+          <a:p>
+            <a:endParaRPr lang="en-US" baseline="-25000" dirty="0">
+              <a:solidFill>
+                <a:srgbClr val="0000FF"/>
+              </a:solidFill>
+            </a:endParaRPr>
           </a:p>
         </p:txBody>
       </p:sp>
       <p:sp>
         <p:nvSpPr>
-          <p:cNvPr id="2" name="TextBox 1"/>
-          <p:cNvSpPr txBox="1"/>
-          <p:nvPr/>
+          <p:cNvPr id="4" name="Slide Number Placeholder 3"/>
+          <p:cNvSpPr>
+            <a:spLocks noGrp="1"/>
+          </p:cNvSpPr>
+          <p:nvPr>
+            <p:ph type="sldNum" sz="quarter" idx="10"/>
+          </p:nvPr>
         </p:nvSpPr>
-        <p:spPr>
-          <a:xfrm>
-            <a:off x="381000" y="1143000"/>
-            <a:ext cx="7420413" cy="2123658"/>
-          </a:xfrm>
-          <a:prstGeom prst="rect">
-            <a:avLst/>
-          </a:prstGeom>
-          <a:noFill/>
-        </p:spPr>
+        <p:spPr/>
         <p:txBody>
-          <a:bodyPr wrap="none" rtlCol="0">
-            <a:spAutoFit/>
-          </a:bodyPr>
+          <a:bodyPr/>
           <a:lstStyle/>
           <a:p>
-            <a:r>
-              <a:rPr lang="en-US" sz="6600" dirty="0" smtClean="0">
-                <a:latin typeface="Comic Sans MS" pitchFamily="66" charset="0"/>
-              </a:rPr>
-              <a:t>The sum of sizes</a:t>
-            </a:r>
-          </a:p>
-          <a:p>
-            <a:r>
-              <a:rPr lang="en-US" sz="6600" dirty="0" smtClean="0">
-                <a:latin typeface="Comic Sans MS" pitchFamily="66" charset="0"/>
-              </a:rPr>
-              <a:t>of intersections </a:t>
-            </a:r>
-            <a:r>
-              <a:rPr lang="en-US" sz="6600" b="1" dirty="0" smtClean="0">
-                <a:latin typeface="Euclid Symbol" charset="2"/>
-                <a:cs typeface="Euclid Symbol" charset="2"/>
-              </a:rPr>
-              <a:t>=</a:t>
-            </a:r>
+            <a:pPr>
+              <a:defRPr/>
+            </a:pPr>
+            <a:r>
+              <a:rPr lang="en-US" smtClean="0"/>
+              <a:t>incexcbinom.</a:t>
+            </a:r>
+            <a:fld id="{D64AE0B5-FBC8-401C-9D58-7FCB6A8BDAB7}" type="slidenum">
+              <a:rPr lang="en-US" smtClean="0"/>
+              <a:pPr>
+                <a:defRPr/>
+              </a:pPr>
+              <a:t>11</a:t>
+            </a:fld>
+            <a:endParaRPr lang="en-US" dirty="0"/>
           </a:p>
         </p:txBody>
       </p:sp>
       <p:graphicFrame>
         <p:nvGraphicFramePr>
-          <p:cNvPr id="4" name="Object 3"/>
+          <p:cNvPr id="6" name="Object 5"/>
           <p:cNvGraphicFramePr>
             <a:graphicFrameLocks noChangeAspect="1"/>
           </p:cNvGraphicFramePr>
           <p:nvPr>
             <p:extLst>
               <p:ext uri="{D42A27DB-BD31-4B8C-83A1-F6EECF244321}">
-                <p14:modId xmlns:p14="http://schemas.microsoft.com/office/powerpoint/2010/main" val="1297072614"/>
+                <p14:modId xmlns:p14="http://schemas.microsoft.com/office/powerpoint/2010/main" val="3553562373"/>
               </p:ext>
             </p:extLst>
           </p:nvPr>
         </p:nvGraphicFramePr>
         <p:xfrm>
-          <a:off x="411869" y="3473388"/>
-          <a:ext cx="8320261" cy="2013012"/>
+          <a:off x="1252220" y="4648200"/>
+          <a:ext cx="7264400" cy="1524000"/>
         </p:xfrm>
         <a:graphic>
           <a:graphicData uri="http://schemas.openxmlformats.org/presentationml/2006/ole">
             <mc:AlternateContent xmlns:mc="http://schemas.openxmlformats.org/markup-compatibility/2006">
               <mc:Choice xmlns:v="urn:schemas-microsoft-com:vml" Requires="v">
-                <p:oleObj spid="_x0000_s204846" name="Equation" r:id="rId4" imgW="2413000" imgH="584200" progId="Equation.DSMT4">
+                <p:oleObj spid="_x0000_s234514" name="Equation" r:id="rId3" imgW="1816100" imgH="381000" progId="Equation.DSMT4">
                   <p:embed/>
                 </p:oleObj>
               </mc:Choice>
               <mc:Fallback>
-                <p:oleObj name="Equation" r:id="rId4" imgW="2413000" imgH="584200" progId="Equation.DSMT4">
+                <p:oleObj name="Equation" r:id="rId3" imgW="1816100" imgH="381000" progId="Equation.DSMT4">
                   <p:embed/>
                   <p:pic>
                     <p:nvPicPr>
@@ -4081,15 +4163,15 @@
                       <p:nvPr/>
                     </p:nvPicPr>
                     <p:blipFill>
-                      <a:blip r:embed="rId5"/>
+                      <a:blip r:embed="rId4"/>
                       <a:stretch>
                         <a:fillRect/>
                       </a:stretch>
                     </p:blipFill>
                     <p:spPr>
                       <a:xfrm>
-                        <a:off x="411869" y="3473388"/>
-                        <a:ext cx="8320261" cy="2013012"/>
+                        <a:off x="1252220" y="4648200"/>
+                        <a:ext cx="7264400" cy="1524000"/>
                       </a:xfrm>
                       <a:prstGeom prst="rect">
                         <a:avLst/>
@@ -4102,19 +4184,125 @@
           </a:graphicData>
         </a:graphic>
       </p:graphicFrame>
+      <p:graphicFrame>
+        <p:nvGraphicFramePr>
+          <p:cNvPr id="7" name="Object 6"/>
+          <p:cNvGraphicFramePr>
+            <a:graphicFrameLocks noChangeAspect="1"/>
+          </p:cNvGraphicFramePr>
+          <p:nvPr>
+            <p:extLst>
+              <p:ext uri="{D42A27DB-BD31-4B8C-83A1-F6EECF244321}">
+                <p14:modId xmlns:p14="http://schemas.microsoft.com/office/powerpoint/2010/main" val="815485895"/>
+              </p:ext>
+            </p:extLst>
+          </p:nvPr>
+        </p:nvGraphicFramePr>
+        <p:xfrm>
+          <a:off x="5029200" y="2565400"/>
+          <a:ext cx="1307548" cy="939800"/>
+        </p:xfrm>
+        <a:graphic>
+          <a:graphicData uri="http://schemas.openxmlformats.org/presentationml/2006/ole">
+            <mc:AlternateContent xmlns:mc="http://schemas.openxmlformats.org/markup-compatibility/2006">
+              <mc:Choice xmlns:v="urn:schemas-microsoft-com:vml" Requires="v">
+                <p:oleObj spid="_x0000_s234515" name="Equation" r:id="rId5" imgW="406400" imgH="292100" progId="Equation.DSMT4">
+                  <p:embed/>
+                </p:oleObj>
+              </mc:Choice>
+              <mc:Fallback>
+                <p:oleObj name="Equation" r:id="rId5" imgW="406400" imgH="292100" progId="Equation.DSMT4">
+                  <p:embed/>
+                  <p:pic>
+                    <p:nvPicPr>
+                      <p:cNvPr id="0" name=""/>
+                      <p:cNvPicPr/>
+                      <p:nvPr/>
+                    </p:nvPicPr>
+                    <p:blipFill>
+                      <a:blip r:embed="rId6"/>
+                      <a:stretch>
+                        <a:fillRect/>
+                      </a:stretch>
+                    </p:blipFill>
+                    <p:spPr>
+                      <a:xfrm>
+                        <a:off x="5029200" y="2565400"/>
+                        <a:ext cx="1307548" cy="939800"/>
+                      </a:xfrm>
+                      <a:prstGeom prst="rect">
+                        <a:avLst/>
+                      </a:prstGeom>
+                    </p:spPr>
+                  </p:pic>
+                </p:oleObj>
+              </mc:Fallback>
+            </mc:AlternateContent>
+          </a:graphicData>
+        </a:graphic>
+      </p:graphicFrame>
+      <p:sp>
+        <p:nvSpPr>
+          <p:cNvPr id="8" name="TextBox 7"/>
+          <p:cNvSpPr txBox="1"/>
+          <p:nvPr/>
+        </p:nvSpPr>
+        <p:spPr>
+          <a:xfrm>
+            <a:off x="6858000" y="5486400"/>
+            <a:ext cx="2065890" cy="1107996"/>
+          </a:xfrm>
+          <a:prstGeom prst="rect">
+            <a:avLst/>
+          </a:prstGeom>
+          <a:noFill/>
+        </p:spPr>
+        <p:txBody>
+          <a:bodyPr wrap="none" rtlCol="0">
+            <a:spAutoFit/>
+          </a:bodyPr>
+          <a:lstStyle/>
+          <a:p>
+            <a:r>
+              <a:rPr lang="en-US" sz="6600" dirty="0" smtClean="0">
+                <a:solidFill>
+                  <a:srgbClr val="90096D"/>
+                </a:solidFill>
+                <a:latin typeface="Comic Sans MS" pitchFamily="66" charset="0"/>
+              </a:rPr>
+              <a:t>QED</a:t>
+            </a:r>
+            <a:endParaRPr lang="en-US" sz="6600" dirty="0" smtClean="0">
+              <a:solidFill>
+                <a:srgbClr val="90096D"/>
+              </a:solidFill>
+              <a:latin typeface="Comic Sans MS" pitchFamily="66" charset="0"/>
+            </a:endParaRPr>
+          </a:p>
+        </p:txBody>
+      </p:sp>
     </p:spTree>
     <p:extLst>
       <p:ext uri="{BB962C8B-B14F-4D97-AF65-F5344CB8AC3E}">
-        <p14:creationId xmlns:p14="http://schemas.microsoft.com/office/powerpoint/2010/main" val="400907768"/>
+        <p14:creationId xmlns:p14="http://schemas.microsoft.com/office/powerpoint/2010/main" val="1800221867"/>
       </p:ext>
     </p:extLst>
   </p:cSld>
   <p:clrMapOvr>
     <a:masterClrMapping/>
   </p:clrMapOvr>
-  <p:transition xmlns:p14="http://schemas.microsoft.com/office/powerpoint/2010/main" spd="slow" advClick="0">
-    <p:fade/>
-  </p:transition>
+  <mc:AlternateContent xmlns:mc="http://schemas.openxmlformats.org/markup-compatibility/2006">
+    <mc:Choice xmlns:p14="http://schemas.microsoft.com/office/powerpoint/2010/main" Requires="p14">
+      <p:transition spd="slow" p14:dur="1200" advClick="0">
+        <p:fade thruBlk="1"/>
+      </p:transition>
+    </mc:Choice>
+    <mc:Fallback>
+      <p:transition xmlns:p14="http://schemas.microsoft.com/office/powerpoint/2010/main" spd="slow" advClick="0">
+        <p:fade thruBlk="1"/>
+      </p:transition>
+    </mc:Fallback>
+  </mc:AlternateContent>
   <p:timing>
     <p:tnLst>
       <p:par>
@@ -4149,7 +4337,11 @@
                                           </p:stCondLst>
                                         </p:cTn>
                                         <p:tgtEl>
-                                          <p:spTgt spid="4"/>
+                                          <p:spTgt spid="3">
+                                            <p:txEl>
+                                              <p:pRg st="0" end="0"/>
+                                            </p:txEl>
+                                          </p:spTgt>
                                         </p:tgtEl>
                                         <p:attrNameLst>
                                           <p:attrName>style.visibility</p:attrName>
@@ -4161,12 +4353,424 @@
                                     </p:set>
                                     <p:animEffect transition="in" filter="fade">
                                       <p:cBhvr>
-                                        <p:cTn id="7" dur="1000"/>
+                                        <p:cTn id="7" dur="500"/>
                                         <p:tgtEl>
-                                          <p:spTgt spid="4"/>
+                                          <p:spTgt spid="3">
+                                            <p:txEl>
+                                              <p:pRg st="0" end="0"/>
+                                            </p:txEl>
+                                          </p:spTgt>
                                         </p:tgtEl>
                                       </p:cBhvr>
                                     </p:animEffect>
+                                  </p:childTnLst>
+                                </p:cTn>
+                              </p:par>
+                            </p:childTnLst>
+                          </p:cTn>
+                        </p:par>
+                        <p:par>
+                          <p:cTn id="8" fill="hold">
+                            <p:stCondLst>
+                              <p:cond delay="500"/>
+                            </p:stCondLst>
+                            <p:childTnLst>
+                              <p:par>
+                                <p:cTn id="9" presetID="10" presetClass="entr" presetSubtype="0" fill="hold" nodeType="afterEffect">
+                                  <p:stCondLst>
+                                    <p:cond delay="0"/>
+                                  </p:stCondLst>
+                                  <p:childTnLst>
+                                    <p:set>
+                                      <p:cBhvr>
+                                        <p:cTn id="10" dur="1" fill="hold">
+                                          <p:stCondLst>
+                                            <p:cond delay="0"/>
+                                          </p:stCondLst>
+                                        </p:cTn>
+                                        <p:tgtEl>
+                                          <p:spTgt spid="3">
+                                            <p:txEl>
+                                              <p:pRg st="1" end="1"/>
+                                            </p:txEl>
+                                          </p:spTgt>
+                                        </p:tgtEl>
+                                        <p:attrNameLst>
+                                          <p:attrName>style.visibility</p:attrName>
+                                        </p:attrNameLst>
+                                      </p:cBhvr>
+                                      <p:to>
+                                        <p:strVal val="visible"/>
+                                      </p:to>
+                                    </p:set>
+                                    <p:animEffect transition="in" filter="fade">
+                                      <p:cBhvr>
+                                        <p:cTn id="11" dur="500"/>
+                                        <p:tgtEl>
+                                          <p:spTgt spid="3">
+                                            <p:txEl>
+                                              <p:pRg st="1" end="1"/>
+                                            </p:txEl>
+                                          </p:spTgt>
+                                        </p:tgtEl>
+                                      </p:cBhvr>
+                                    </p:animEffect>
+                                  </p:childTnLst>
+                                </p:cTn>
+                              </p:par>
+                            </p:childTnLst>
+                          </p:cTn>
+                        </p:par>
+                        <p:par>
+                          <p:cTn id="12" fill="hold">
+                            <p:stCondLst>
+                              <p:cond delay="1000"/>
+                            </p:stCondLst>
+                            <p:childTnLst>
+                              <p:par>
+                                <p:cTn id="13" presetID="10" presetClass="entr" presetSubtype="0" fill="hold" nodeType="afterEffect">
+                                  <p:stCondLst>
+                                    <p:cond delay="0"/>
+                                  </p:stCondLst>
+                                  <p:childTnLst>
+                                    <p:set>
+                                      <p:cBhvr>
+                                        <p:cTn id="14" dur="1" fill="hold">
+                                          <p:stCondLst>
+                                            <p:cond delay="0"/>
+                                          </p:stCondLst>
+                                        </p:cTn>
+                                        <p:tgtEl>
+                                          <p:spTgt spid="3">
+                                            <p:txEl>
+                                              <p:pRg st="2" end="2"/>
+                                            </p:txEl>
+                                          </p:spTgt>
+                                        </p:tgtEl>
+                                        <p:attrNameLst>
+                                          <p:attrName>style.visibility</p:attrName>
+                                        </p:attrNameLst>
+                                      </p:cBhvr>
+                                      <p:to>
+                                        <p:strVal val="visible"/>
+                                      </p:to>
+                                    </p:set>
+                                    <p:animEffect transition="in" filter="fade">
+                                      <p:cBhvr>
+                                        <p:cTn id="15" dur="500"/>
+                                        <p:tgtEl>
+                                          <p:spTgt spid="3">
+                                            <p:txEl>
+                                              <p:pRg st="2" end="2"/>
+                                            </p:txEl>
+                                          </p:spTgt>
+                                        </p:tgtEl>
+                                      </p:cBhvr>
+                                    </p:animEffect>
+                                  </p:childTnLst>
+                                </p:cTn>
+                              </p:par>
+                              <p:par>
+                                <p:cTn id="16" presetID="10" presetClass="entr" presetSubtype="0" fill="hold" nodeType="withEffect">
+                                  <p:stCondLst>
+                                    <p:cond delay="0"/>
+                                  </p:stCondLst>
+                                  <p:childTnLst>
+                                    <p:set>
+                                      <p:cBhvr>
+                                        <p:cTn id="17" dur="1" fill="hold">
+                                          <p:stCondLst>
+                                            <p:cond delay="0"/>
+                                          </p:stCondLst>
+                                        </p:cTn>
+                                        <p:tgtEl>
+                                          <p:spTgt spid="7"/>
+                                        </p:tgtEl>
+                                        <p:attrNameLst>
+                                          <p:attrName>style.visibility</p:attrName>
+                                        </p:attrNameLst>
+                                      </p:cBhvr>
+                                      <p:to>
+                                        <p:strVal val="visible"/>
+                                      </p:to>
+                                    </p:set>
+                                    <p:animEffect transition="in" filter="fade">
+                                      <p:cBhvr>
+                                        <p:cTn id="18" dur="500"/>
+                                        <p:tgtEl>
+                                          <p:spTgt spid="7"/>
+                                        </p:tgtEl>
+                                      </p:cBhvr>
+                                    </p:animEffect>
+                                  </p:childTnLst>
+                                </p:cTn>
+                              </p:par>
+                            </p:childTnLst>
+                          </p:cTn>
+                        </p:par>
+                      </p:childTnLst>
+                    </p:cTn>
+                  </p:par>
+                  <p:par>
+                    <p:cTn id="19" fill="hold">
+                      <p:stCondLst>
+                        <p:cond delay="indefinite"/>
+                      </p:stCondLst>
+                      <p:childTnLst>
+                        <p:par>
+                          <p:cTn id="20" fill="hold">
+                            <p:stCondLst>
+                              <p:cond delay="0"/>
+                            </p:stCondLst>
+                            <p:childTnLst>
+                              <p:par>
+                                <p:cTn id="21" presetID="10" presetClass="entr" presetSubtype="0" fill="hold" nodeType="clickEffect">
+                                  <p:stCondLst>
+                                    <p:cond delay="0"/>
+                                  </p:stCondLst>
+                                  <p:childTnLst>
+                                    <p:set>
+                                      <p:cBhvr>
+                                        <p:cTn id="22" dur="1" fill="hold">
+                                          <p:stCondLst>
+                                            <p:cond delay="0"/>
+                                          </p:stCondLst>
+                                        </p:cTn>
+                                        <p:tgtEl>
+                                          <p:spTgt spid="3">
+                                            <p:txEl>
+                                              <p:pRg st="3" end="3"/>
+                                            </p:txEl>
+                                          </p:spTgt>
+                                        </p:tgtEl>
+                                        <p:attrNameLst>
+                                          <p:attrName>style.visibility</p:attrName>
+                                        </p:attrNameLst>
+                                      </p:cBhvr>
+                                      <p:to>
+                                        <p:strVal val="visible"/>
+                                      </p:to>
+                                    </p:set>
+                                    <p:animEffect transition="in" filter="fade">
+                                      <p:cBhvr>
+                                        <p:cTn id="23" dur="500"/>
+                                        <p:tgtEl>
+                                          <p:spTgt spid="3">
+                                            <p:txEl>
+                                              <p:pRg st="3" end="3"/>
+                                            </p:txEl>
+                                          </p:spTgt>
+                                        </p:tgtEl>
+                                      </p:cBhvr>
+                                    </p:animEffect>
+                                  </p:childTnLst>
+                                </p:cTn>
+                              </p:par>
+                            </p:childTnLst>
+                          </p:cTn>
+                        </p:par>
+                      </p:childTnLst>
+                    </p:cTn>
+                  </p:par>
+                  <p:par>
+                    <p:cTn id="24" fill="hold">
+                      <p:stCondLst>
+                        <p:cond delay="indefinite"/>
+                      </p:stCondLst>
+                      <p:childTnLst>
+                        <p:par>
+                          <p:cTn id="25" fill="hold">
+                            <p:stCondLst>
+                              <p:cond delay="0"/>
+                            </p:stCondLst>
+                            <p:childTnLst>
+                              <p:par>
+                                <p:cTn id="26" presetID="10" presetClass="entr" presetSubtype="0" fill="hold" nodeType="clickEffect">
+                                  <p:stCondLst>
+                                    <p:cond delay="0"/>
+                                  </p:stCondLst>
+                                  <p:childTnLst>
+                                    <p:set>
+                                      <p:cBhvr>
+                                        <p:cTn id="27" dur="1" fill="hold">
+                                          <p:stCondLst>
+                                            <p:cond delay="0"/>
+                                          </p:stCondLst>
+                                        </p:cTn>
+                                        <p:tgtEl>
+                                          <p:spTgt spid="3">
+                                            <p:txEl>
+                                              <p:pRg st="4" end="4"/>
+                                            </p:txEl>
+                                          </p:spTgt>
+                                        </p:tgtEl>
+                                        <p:attrNameLst>
+                                          <p:attrName>style.visibility</p:attrName>
+                                        </p:attrNameLst>
+                                      </p:cBhvr>
+                                      <p:to>
+                                        <p:strVal val="visible"/>
+                                      </p:to>
+                                    </p:set>
+                                    <p:animEffect transition="in" filter="fade">
+                                      <p:cBhvr>
+                                        <p:cTn id="28" dur="500"/>
+                                        <p:tgtEl>
+                                          <p:spTgt spid="3">
+                                            <p:txEl>
+                                              <p:pRg st="4" end="4"/>
+                                            </p:txEl>
+                                          </p:spTgt>
+                                        </p:tgtEl>
+                                      </p:cBhvr>
+                                    </p:animEffect>
+                                  </p:childTnLst>
+                                </p:cTn>
+                              </p:par>
+                            </p:childTnLst>
+                          </p:cTn>
+                        </p:par>
+                        <p:par>
+                          <p:cTn id="29" fill="hold">
+                            <p:stCondLst>
+                              <p:cond delay="500"/>
+                            </p:stCondLst>
+                            <p:childTnLst>
+                              <p:par>
+                                <p:cTn id="30" presetID="22" presetClass="entr" presetSubtype="8" fill="hold" nodeType="afterEffect">
+                                  <p:stCondLst>
+                                    <p:cond delay="0"/>
+                                  </p:stCondLst>
+                                  <p:childTnLst>
+                                    <p:set>
+                                      <p:cBhvr>
+                                        <p:cTn id="31" dur="1" fill="hold">
+                                          <p:stCondLst>
+                                            <p:cond delay="0"/>
+                                          </p:stCondLst>
+                                        </p:cTn>
+                                        <p:tgtEl>
+                                          <p:spTgt spid="6"/>
+                                        </p:tgtEl>
+                                        <p:attrNameLst>
+                                          <p:attrName>style.visibility</p:attrName>
+                                        </p:attrNameLst>
+                                      </p:cBhvr>
+                                      <p:to>
+                                        <p:strVal val="visible"/>
+                                      </p:to>
+                                    </p:set>
+                                    <p:animEffect transition="in" filter="wipe(left)">
+                                      <p:cBhvr>
+                                        <p:cTn id="32" dur="2000"/>
+                                        <p:tgtEl>
+                                          <p:spTgt spid="6"/>
+                                        </p:tgtEl>
+                                      </p:cBhvr>
+                                    </p:animEffect>
+                                  </p:childTnLst>
+                                </p:cTn>
+                              </p:par>
+                            </p:childTnLst>
+                          </p:cTn>
+                        </p:par>
+                      </p:childTnLst>
+                    </p:cTn>
+                  </p:par>
+                  <p:par>
+                    <p:cTn id="33" fill="hold">
+                      <p:stCondLst>
+                        <p:cond delay="indefinite"/>
+                      </p:stCondLst>
+                      <p:childTnLst>
+                        <p:par>
+                          <p:cTn id="34" fill="hold">
+                            <p:stCondLst>
+                              <p:cond delay="0"/>
+                            </p:stCondLst>
+                            <p:childTnLst>
+                              <p:par>
+                                <p:cTn id="35" presetID="23" presetClass="entr" presetSubtype="16" fill="hold" nodeType="clickEffect">
+                                  <p:stCondLst>
+                                    <p:cond delay="0"/>
+                                  </p:stCondLst>
+                                  <p:childTnLst>
+                                    <p:set>
+                                      <p:cBhvr>
+                                        <p:cTn id="36" dur="1" fill="hold">
+                                          <p:stCondLst>
+                                            <p:cond delay="0"/>
+                                          </p:stCondLst>
+                                        </p:cTn>
+                                        <p:tgtEl>
+                                          <p:spTgt spid="8">
+                                            <p:txEl>
+                                              <p:pRg st="0" end="0"/>
+                                            </p:txEl>
+                                          </p:spTgt>
+                                        </p:tgtEl>
+                                        <p:attrNameLst>
+                                          <p:attrName>style.visibility</p:attrName>
+                                        </p:attrNameLst>
+                                      </p:cBhvr>
+                                      <p:to>
+                                        <p:strVal val="visible"/>
+                                      </p:to>
+                                    </p:set>
+                                    <p:anim calcmode="lin" valueType="num">
+                                      <p:cBhvr>
+                                        <p:cTn id="37" dur="500" fill="hold"/>
+                                        <p:tgtEl>
+                                          <p:spTgt spid="8">
+                                            <p:txEl>
+                                              <p:pRg st="0" end="0"/>
+                                            </p:txEl>
+                                          </p:spTgt>
+                                        </p:tgtEl>
+                                        <p:attrNameLst>
+                                          <p:attrName>ppt_w</p:attrName>
+                                        </p:attrNameLst>
+                                      </p:cBhvr>
+                                      <p:tavLst>
+                                        <p:tav tm="0">
+                                          <p:val>
+                                            <p:fltVal val="0"/>
+                                          </p:val>
+                                        </p:tav>
+                                        <p:tav tm="100000">
+                                          <p:val>
+                                            <p:strVal val="#ppt_w"/>
+                                          </p:val>
+                                        </p:tav>
+                                      </p:tavLst>
+                                    </p:anim>
+                                    <p:anim calcmode="lin" valueType="num">
+                                      <p:cBhvr>
+                                        <p:cTn id="38" dur="500" fill="hold"/>
+                                        <p:tgtEl>
+                                          <p:spTgt spid="8">
+                                            <p:txEl>
+                                              <p:pRg st="0" end="0"/>
+                                            </p:txEl>
+                                          </p:spTgt>
+                                        </p:tgtEl>
+                                        <p:attrNameLst>
+                                          <p:attrName>ppt_h</p:attrName>
+                                        </p:attrNameLst>
+                                      </p:cBhvr>
+                                      <p:tavLst>
+                                        <p:tav tm="0">
+                                          <p:val>
+                                            <p:fltVal val="0"/>
+                                          </p:val>
+                                        </p:tav>
+                                        <p:tav tm="100000">
+                                          <p:val>
+                                            <p:strVal val="#ppt_h"/>
+                                          </p:val>
+                                        </p:tav>
+                                      </p:tavLst>
+                                    </p:anim>
                                   </p:childTnLst>
                                 </p:cTn>
                               </p:par>
@@ -4202,7 +4806,7 @@
 </file>
 
 <file path=ppt/slides/slide12.xml><?xml version="1.0" encoding="utf-8"?>
-<p:sld xmlns:a="http://schemas.openxmlformats.org/drawingml/2006/main" xmlns:r="http://schemas.openxmlformats.org/officeDocument/2006/relationships" xmlns:p="http://schemas.openxmlformats.org/presentationml/2006/main" show="0">
+<p:sld xmlns:a="http://schemas.openxmlformats.org/drawingml/2006/main" xmlns:r="http://schemas.openxmlformats.org/officeDocument/2006/relationships" xmlns:p="http://schemas.openxmlformats.org/presentationml/2006/main">
   <p:cSld>
     <p:spTree>
       <p:nvGrpSpPr>
@@ -4220,148 +4824,179 @@
       </p:grpSpPr>
       <p:sp>
         <p:nvSpPr>
-          <p:cNvPr id="17412" name="Slide Number Placeholder 5"/>
+          <p:cNvPr id="2" name="Title 1"/>
           <p:cNvSpPr>
             <a:spLocks noGrp="1"/>
           </p:cNvSpPr>
           <p:nvPr>
-            <p:ph type="sldNum" sz="quarter" idx="10"/>
+            <p:ph type="title"/>
           </p:nvPr>
         </p:nvSpPr>
-        <p:spPr>
-          <a:noFill/>
-        </p:spPr>
+        <p:spPr/>
         <p:txBody>
           <a:bodyPr/>
           <a:lstStyle/>
           <a:p>
             <a:r>
-              <a:rPr lang="en-US" dirty="0" err="1" smtClean="0"/>
-              <a:t>incexcbinom</a:t>
-            </a:r>
-            <a:r>
               <a:rPr lang="en-US" dirty="0" smtClean="0"/>
-              <a:t>.</a:t>
-            </a:r>
-            <a:fld id="{83D78B86-54BD-4C40-B154-E0B4BEB7EE49}" type="slidenum">
-              <a:rPr lang="en-US" smtClean="0"/>
-              <a:pPr/>
-              <a:t>12</a:t>
-            </a:fld>
-            <a:endParaRPr lang="en-US" dirty="0" smtClean="0"/>
+              <a:t>Proof of the </a:t>
+            </a:r>
+            <a:r>
+              <a:rPr lang="en-US" dirty="0" smtClean="0">
+                <a:solidFill>
+                  <a:srgbClr val="90096D"/>
+                </a:solidFill>
+              </a:rPr>
+              <a:t>Claim</a:t>
+            </a:r>
+            <a:endParaRPr lang="en-US" dirty="0">
+              <a:solidFill>
+                <a:srgbClr val="90096D"/>
+              </a:solidFill>
+            </a:endParaRPr>
           </a:p>
         </p:txBody>
       </p:sp>
       <p:sp>
         <p:nvSpPr>
-          <p:cNvPr id="17413" name="Rectangle 2"/>
+          <p:cNvPr id="3" name="Content Placeholder 2"/>
           <p:cNvSpPr>
-            <a:spLocks noGrp="1" noChangeArrowheads="1"/>
+            <a:spLocks noGrp="1"/>
           </p:cNvSpPr>
           <p:nvPr>
-            <p:ph type="title"/>
+            <p:ph idx="1"/>
           </p:nvPr>
         </p:nvSpPr>
         <p:spPr>
           <a:xfrm>
-            <a:off x="1295400" y="152400"/>
-            <a:ext cx="6781800" cy="1219200"/>
+            <a:off x="533400" y="1295400"/>
+            <a:ext cx="8077200" cy="4953000"/>
           </a:xfrm>
         </p:spPr>
         <p:txBody>
           <a:bodyPr/>
           <a:lstStyle/>
           <a:p>
-            <a:pPr eaLnBrk="1" hangingPunct="1"/>
-            <a:r>
-              <a:rPr lang="en-US" sz="4400" dirty="0" smtClean="0"/>
-              <a:t>Binomial </a:t>
-            </a:r>
-            <a:r>
-              <a:rPr lang="en-US" sz="4400" dirty="0"/>
+            <a:r>
+              <a:rPr lang="en-US" sz="4800" dirty="0" smtClean="0">
+                <a:solidFill>
+                  <a:srgbClr val="90096D"/>
+                </a:solidFill>
+              </a:rPr>
+              <a:t>characteristic function </a:t>
+            </a:r>
+            <a:r>
+              <a:rPr lang="en-US" sz="4800" dirty="0" smtClean="0">
+                <a:solidFill>
+                  <a:srgbClr val="0000FF"/>
+                </a:solidFill>
+              </a:rPr>
               <a:t>C</a:t>
             </a:r>
             <a:r>
-              <a:rPr lang="en-US" sz="4400" dirty="0" smtClean="0"/>
-              <a:t>ounting proof</a:t>
-            </a:r>
+              <a:rPr lang="en-US" sz="4800" baseline="-25000" dirty="0" smtClean="0">
+                <a:solidFill>
+                  <a:srgbClr val="0000FF"/>
+                </a:solidFill>
+              </a:rPr>
+              <a:t>S</a:t>
+            </a:r>
+            <a:r>
+              <a:rPr lang="en-US" sz="4800" dirty="0" smtClean="0"/>
+              <a:t> </a:t>
+            </a:r>
+          </a:p>
+          <a:p>
+            <a:r>
+              <a:rPr lang="en-US" sz="4800" dirty="0" smtClean="0"/>
+              <a:t>of set </a:t>
+            </a:r>
+            <a:r>
+              <a:rPr lang="en-US" sz="4800" dirty="0" smtClean="0">
+                <a:solidFill>
+                  <a:srgbClr val="0000FF"/>
+                </a:solidFill>
+              </a:rPr>
+              <a:t>S</a:t>
+            </a:r>
+          </a:p>
+          <a:p>
+            <a:endParaRPr lang="en-US" baseline="-25000" dirty="0">
+              <a:solidFill>
+                <a:srgbClr val="0000FF"/>
+              </a:solidFill>
+            </a:endParaRPr>
+          </a:p>
+          <a:p>
+            <a:endParaRPr lang="en-US" baseline="-25000" dirty="0">
+              <a:solidFill>
+                <a:srgbClr val="0000FF"/>
+              </a:solidFill>
+            </a:endParaRPr>
           </a:p>
         </p:txBody>
       </p:sp>
       <p:sp>
         <p:nvSpPr>
-          <p:cNvPr id="2" name="TextBox 1"/>
-          <p:cNvSpPr txBox="1"/>
-          <p:nvPr/>
+          <p:cNvPr id="4" name="Slide Number Placeholder 3"/>
+          <p:cNvSpPr>
+            <a:spLocks noGrp="1"/>
+          </p:cNvSpPr>
+          <p:nvPr>
+            <p:ph type="sldNum" sz="quarter" idx="10"/>
+          </p:nvPr>
         </p:nvSpPr>
-        <p:spPr>
-          <a:xfrm>
-            <a:off x="381000" y="1143000"/>
-            <a:ext cx="7420413" cy="2123658"/>
-          </a:xfrm>
-          <a:prstGeom prst="rect">
-            <a:avLst/>
-          </a:prstGeom>
-          <a:noFill/>
-        </p:spPr>
+        <p:spPr/>
         <p:txBody>
-          <a:bodyPr wrap="none" rtlCol="0">
-            <a:spAutoFit/>
-          </a:bodyPr>
+          <a:bodyPr/>
           <a:lstStyle/>
           <a:p>
-            <a:r>
-              <a:rPr lang="en-US" sz="6600" dirty="0" smtClean="0">
-                <a:latin typeface="Comic Sans MS" pitchFamily="66" charset="0"/>
-              </a:rPr>
-              <a:t>The sum of sizes</a:t>
-            </a:r>
-          </a:p>
-          <a:p>
-            <a:r>
-              <a:rPr lang="en-US" sz="6600" dirty="0" smtClean="0">
-                <a:latin typeface="Comic Sans MS" pitchFamily="66" charset="0"/>
-              </a:rPr>
-              <a:t>of intersections </a:t>
-            </a:r>
-            <a:r>
-              <a:rPr lang="en-US" sz="6600" b="1" dirty="0" smtClean="0">
-                <a:latin typeface="Euclid Symbol" charset="2"/>
-                <a:cs typeface="Euclid Symbol" charset="2"/>
-              </a:rPr>
-              <a:t>=</a:t>
-            </a:r>
+            <a:pPr>
+              <a:defRPr/>
+            </a:pPr>
+            <a:r>
+              <a:rPr lang="en-US" smtClean="0"/>
+              <a:t>incexcbinom.</a:t>
+            </a:r>
+            <a:fld id="{D64AE0B5-FBC8-401C-9D58-7FCB6A8BDAB7}" type="slidenum">
+              <a:rPr lang="en-US" smtClean="0"/>
+              <a:pPr>
+                <a:defRPr/>
+              </a:pPr>
+              <a:t>12</a:t>
+            </a:fld>
+            <a:endParaRPr lang="en-US" dirty="0"/>
           </a:p>
         </p:txBody>
       </p:sp>
       <p:graphicFrame>
         <p:nvGraphicFramePr>
-          <p:cNvPr id="4" name="Object 3"/>
+          <p:cNvPr id="5" name="Object 4"/>
           <p:cNvGraphicFramePr>
             <a:graphicFrameLocks noChangeAspect="1"/>
           </p:cNvGraphicFramePr>
           <p:nvPr>
             <p:extLst>
               <p:ext uri="{D42A27DB-BD31-4B8C-83A1-F6EECF244321}">
-                <p14:modId xmlns:p14="http://schemas.microsoft.com/office/powerpoint/2010/main" val="654728821"/>
+                <p14:modId xmlns:p14="http://schemas.microsoft.com/office/powerpoint/2010/main" val="4073986407"/>
               </p:ext>
             </p:extLst>
           </p:nvPr>
         </p:nvGraphicFramePr>
         <p:xfrm>
-          <a:off x="381000" y="3352495"/>
-          <a:ext cx="8686800" cy="1981505"/>
+          <a:off x="1295400" y="2590800"/>
+          <a:ext cx="6524172" cy="2209800"/>
         </p:xfrm>
         <a:graphic>
           <a:graphicData uri="http://schemas.openxmlformats.org/presentationml/2006/ole">
             <mc:AlternateContent xmlns:mc="http://schemas.openxmlformats.org/markup-compatibility/2006">
               <mc:Choice xmlns:v="urn:schemas-microsoft-com:vml" Requires="v">
-                <p:oleObj spid="_x0000_s206888" name="Equation" r:id="rId4" imgW="2336800" imgH="533400" progId="Equation.DSMT4">
+                <p:oleObj spid="_x0000_s240646" name="Equation" r:id="rId3" imgW="1574800" imgH="533400" progId="Equation.DSMT4">
                   <p:embed/>
                 </p:oleObj>
               </mc:Choice>
               <mc:Fallback>
-                <p:oleObj name="Equation" r:id="rId4" imgW="2336800" imgH="533400" progId="Equation.DSMT4">
+                <p:oleObj name="Equation" r:id="rId3" imgW="1574800" imgH="533400" progId="Equation.DSMT4">
                   <p:embed/>
                   <p:pic>
                     <p:nvPicPr>
@@ -4370,15 +5005,15 @@
                       <p:nvPr/>
                     </p:nvPicPr>
                     <p:blipFill>
-                      <a:blip r:embed="rId5"/>
+                      <a:blip r:embed="rId4"/>
                       <a:stretch>
                         <a:fillRect/>
                       </a:stretch>
                     </p:blipFill>
                     <p:spPr>
                       <a:xfrm>
-                        <a:off x="381000" y="3352495"/>
-                        <a:ext cx="8686800" cy="1981505"/>
+                        <a:off x="1295400" y="2590800"/>
+                        <a:ext cx="6524172" cy="2209800"/>
                       </a:xfrm>
                       <a:prstGeom prst="rect">
                         <a:avLst/>
@@ -4394,22 +5029,214 @@
     </p:spTree>
     <p:extLst>
       <p:ext uri="{BB962C8B-B14F-4D97-AF65-F5344CB8AC3E}">
-        <p14:creationId xmlns:p14="http://schemas.microsoft.com/office/powerpoint/2010/main" val="953377563"/>
+        <p14:creationId xmlns:p14="http://schemas.microsoft.com/office/powerpoint/2010/main" val="669621635"/>
       </p:ext>
     </p:extLst>
   </p:cSld>
   <p:clrMapOvr>
     <a:masterClrMapping/>
   </p:clrMapOvr>
-  <p:transition xmlns:p14="http://schemas.microsoft.com/office/powerpoint/2010/main" spd="slow" advClick="0">
-    <p:fade/>
-  </p:transition>
+  <mc:AlternateContent xmlns:mc="http://schemas.openxmlformats.org/markup-compatibility/2006">
+    <mc:Choice xmlns:p14="http://schemas.microsoft.com/office/powerpoint/2010/main" Requires="p14">
+      <p:transition spd="slow" p14:dur="900" advClick="0">
+        <p:fade thruBlk="1"/>
+      </p:transition>
+    </mc:Choice>
+    <mc:Fallback>
+      <p:transition xmlns:p14="http://schemas.microsoft.com/office/powerpoint/2010/main" spd="slow" advClick="0">
+        <p:fade thruBlk="1"/>
+      </p:transition>
+    </mc:Fallback>
+  </mc:AlternateContent>
   <p:timing>
     <p:tnLst>
       <p:par>
-        <p:cTn xmlns:p14="http://schemas.microsoft.com/office/powerpoint/2010/main" id="1" dur="indefinite" restart="never" nodeType="tmRoot"/>
+        <p:cTn xmlns:p14="http://schemas.microsoft.com/office/powerpoint/2010/main" id="1" dur="indefinite" restart="never" nodeType="tmRoot">
+          <p:childTnLst>
+            <p:seq concurrent="1" nextAc="seek">
+              <p:cTn id="2" dur="indefinite" nodeType="mainSeq">
+                <p:childTnLst>
+                  <p:par>
+                    <p:cTn id="3" fill="hold">
+                      <p:stCondLst>
+                        <p:cond delay="indefinite"/>
+                      </p:stCondLst>
+                      <p:childTnLst>
+                        <p:par>
+                          <p:cTn id="4" fill="hold">
+                            <p:stCondLst>
+                              <p:cond delay="0"/>
+                            </p:stCondLst>
+                            <p:childTnLst>
+                              <p:par>
+                                <p:cTn id="5" presetID="10" presetClass="entr" presetSubtype="0" fill="hold" grpId="0" nodeType="clickEffect">
+                                  <p:stCondLst>
+                                    <p:cond delay="0"/>
+                                  </p:stCondLst>
+                                  <p:childTnLst>
+                                    <p:set>
+                                      <p:cBhvr>
+                                        <p:cTn id="6" dur="1" fill="hold">
+                                          <p:stCondLst>
+                                            <p:cond delay="0"/>
+                                          </p:stCondLst>
+                                        </p:cTn>
+                                        <p:tgtEl>
+                                          <p:spTgt spid="3">
+                                            <p:txEl>
+                                              <p:pRg st="0" end="0"/>
+                                            </p:txEl>
+                                          </p:spTgt>
+                                        </p:tgtEl>
+                                        <p:attrNameLst>
+                                          <p:attrName>style.visibility</p:attrName>
+                                        </p:attrNameLst>
+                                      </p:cBhvr>
+                                      <p:to>
+                                        <p:strVal val="visible"/>
+                                      </p:to>
+                                    </p:set>
+                                    <p:animEffect transition="in" filter="fade">
+                                      <p:cBhvr>
+                                        <p:cTn id="7" dur="500"/>
+                                        <p:tgtEl>
+                                          <p:spTgt spid="3">
+                                            <p:txEl>
+                                              <p:pRg st="0" end="0"/>
+                                            </p:txEl>
+                                          </p:spTgt>
+                                        </p:tgtEl>
+                                      </p:cBhvr>
+                                    </p:animEffect>
+                                  </p:childTnLst>
+                                </p:cTn>
+                              </p:par>
+                              <p:par>
+                                <p:cTn id="8" presetID="10" presetClass="entr" presetSubtype="0" fill="hold" grpId="0" nodeType="withEffect">
+                                  <p:stCondLst>
+                                    <p:cond delay="0"/>
+                                  </p:stCondLst>
+                                  <p:childTnLst>
+                                    <p:set>
+                                      <p:cBhvr>
+                                        <p:cTn id="9" dur="1" fill="hold">
+                                          <p:stCondLst>
+                                            <p:cond delay="0"/>
+                                          </p:stCondLst>
+                                        </p:cTn>
+                                        <p:tgtEl>
+                                          <p:spTgt spid="3">
+                                            <p:txEl>
+                                              <p:pRg st="1" end="1"/>
+                                            </p:txEl>
+                                          </p:spTgt>
+                                        </p:tgtEl>
+                                        <p:attrNameLst>
+                                          <p:attrName>style.visibility</p:attrName>
+                                        </p:attrNameLst>
+                                      </p:cBhvr>
+                                      <p:to>
+                                        <p:strVal val="visible"/>
+                                      </p:to>
+                                    </p:set>
+                                    <p:animEffect transition="in" filter="fade">
+                                      <p:cBhvr>
+                                        <p:cTn id="10" dur="500"/>
+                                        <p:tgtEl>
+                                          <p:spTgt spid="3">
+                                            <p:txEl>
+                                              <p:pRg st="1" end="1"/>
+                                            </p:txEl>
+                                          </p:spTgt>
+                                        </p:tgtEl>
+                                      </p:cBhvr>
+                                    </p:animEffect>
+                                  </p:childTnLst>
+                                </p:cTn>
+                              </p:par>
+                            </p:childTnLst>
+                          </p:cTn>
+                        </p:par>
+                      </p:childTnLst>
+                    </p:cTn>
+                  </p:par>
+                  <p:par>
+                    <p:cTn id="11" fill="hold">
+                      <p:stCondLst>
+                        <p:cond delay="indefinite"/>
+                      </p:stCondLst>
+                      <p:childTnLst>
+                        <p:par>
+                          <p:cTn id="12" fill="hold">
+                            <p:stCondLst>
+                              <p:cond delay="0"/>
+                            </p:stCondLst>
+                            <p:childTnLst>
+                              <p:par>
+                                <p:cTn id="13" presetID="22" presetClass="entr" presetSubtype="8" fill="hold" nodeType="clickEffect">
+                                  <p:stCondLst>
+                                    <p:cond delay="0"/>
+                                  </p:stCondLst>
+                                  <p:childTnLst>
+                                    <p:set>
+                                      <p:cBhvr>
+                                        <p:cTn id="14" dur="1" fill="hold">
+                                          <p:stCondLst>
+                                            <p:cond delay="0"/>
+                                          </p:stCondLst>
+                                        </p:cTn>
+                                        <p:tgtEl>
+                                          <p:spTgt spid="5"/>
+                                        </p:tgtEl>
+                                        <p:attrNameLst>
+                                          <p:attrName>style.visibility</p:attrName>
+                                        </p:attrNameLst>
+                                      </p:cBhvr>
+                                      <p:to>
+                                        <p:strVal val="visible"/>
+                                      </p:to>
+                                    </p:set>
+                                    <p:animEffect transition="in" filter="wipe(left)">
+                                      <p:cBhvr>
+                                        <p:cTn id="15" dur="1000"/>
+                                        <p:tgtEl>
+                                          <p:spTgt spid="5"/>
+                                        </p:tgtEl>
+                                      </p:cBhvr>
+                                    </p:animEffect>
+                                  </p:childTnLst>
+                                </p:cTn>
+                              </p:par>
+                            </p:childTnLst>
+                          </p:cTn>
+                        </p:par>
+                      </p:childTnLst>
+                    </p:cTn>
+                  </p:par>
+                </p:childTnLst>
+              </p:cTn>
+              <p:prevCondLst>
+                <p:cond evt="onPrev" delay="0">
+                  <p:tgtEl>
+                    <p:sldTgt/>
+                  </p:tgtEl>
+                </p:cond>
+              </p:prevCondLst>
+              <p:nextCondLst>
+                <p:cond evt="onNext" delay="0">
+                  <p:tgtEl>
+                    <p:sldTgt/>
+                  </p:tgtEl>
+                </p:cond>
+              </p:nextCondLst>
+            </p:seq>
+          </p:childTnLst>
+        </p:cTn>
       </p:par>
     </p:tnLst>
+    <p:bldLst>
+      <p:bldP spid="3" grpId="0" build="p"/>
+    </p:bldLst>
   </p:timing>
 </p:sld>
 </file>
@@ -4433,233 +5260,150 @@
       </p:grpSpPr>
       <p:sp>
         <p:nvSpPr>
-          <p:cNvPr id="17412" name="Slide Number Placeholder 5"/>
+          <p:cNvPr id="2" name="Title 1"/>
           <p:cNvSpPr>
             <a:spLocks noGrp="1"/>
           </p:cNvSpPr>
           <p:nvPr>
-            <p:ph type="sldNum" sz="quarter" idx="10"/>
+            <p:ph type="title"/>
           </p:nvPr>
         </p:nvSpPr>
-        <p:spPr>
-          <a:noFill/>
-        </p:spPr>
+        <p:spPr/>
         <p:txBody>
           <a:bodyPr/>
           <a:lstStyle/>
           <a:p>
             <a:r>
-              <a:rPr lang="en-US" dirty="0" err="1" smtClean="0"/>
-              <a:t>incexcbinom</a:t>
-            </a:r>
-            <a:r>
               <a:rPr lang="en-US" dirty="0" smtClean="0"/>
-              <a:t>.</a:t>
-            </a:r>
-            <a:fld id="{83D78B86-54BD-4C40-B154-E0B4BEB7EE49}" type="slidenum">
-              <a:rPr lang="en-US" smtClean="0"/>
-              <a:pPr/>
-              <a:t>13</a:t>
-            </a:fld>
-            <a:endParaRPr lang="en-US" dirty="0" smtClean="0"/>
+              <a:t>Counting each element</a:t>
+            </a:r>
+            <a:endParaRPr lang="en-US" dirty="0"/>
           </a:p>
         </p:txBody>
       </p:sp>
       <p:sp>
         <p:nvSpPr>
-          <p:cNvPr id="17413" name="Rectangle 2"/>
+          <p:cNvPr id="3" name="Content Placeholder 2"/>
           <p:cNvSpPr>
-            <a:spLocks noGrp="1" noChangeArrowheads="1"/>
+            <a:spLocks noGrp="1"/>
           </p:cNvSpPr>
           <p:nvPr>
-            <p:ph type="title"/>
+            <p:ph idx="1"/>
           </p:nvPr>
         </p:nvSpPr>
-        <p:spPr>
-          <a:xfrm>
-            <a:off x="1295400" y="152400"/>
-            <a:ext cx="6781800" cy="1219200"/>
-          </a:xfrm>
-        </p:spPr>
+        <p:spPr/>
         <p:txBody>
           <a:bodyPr/>
           <a:lstStyle/>
           <a:p>
-            <a:pPr eaLnBrk="1" hangingPunct="1"/>
-            <a:r>
-              <a:rPr lang="en-US" sz="4400" dirty="0" smtClean="0"/>
-              <a:t>Binomial </a:t>
-            </a:r>
-            <a:r>
-              <a:rPr lang="en-US" sz="4400" dirty="0"/>
-              <a:t>C</a:t>
-            </a:r>
-            <a:r>
-              <a:rPr lang="en-US" sz="4400" dirty="0" smtClean="0"/>
-              <a:t>ounting proof</a:t>
-            </a:r>
+            <a:r>
+              <a:rPr lang="en-US" sz="5400" dirty="0"/>
+              <a:t>The </a:t>
+            </a:r>
+            <a:r>
+              <a:rPr lang="en-US" sz="5400" dirty="0" smtClean="0"/>
+              <a:t>count, </a:t>
+            </a:r>
+            <a:r>
+              <a:rPr lang="en-US" sz="5400" dirty="0">
+                <a:solidFill>
+                  <a:srgbClr val="0000FF"/>
+                </a:solidFill>
+              </a:rPr>
+              <a:t>#</a:t>
+            </a:r>
+            <a:r>
+              <a:rPr lang="en-US" sz="5400" dirty="0" smtClean="0">
+                <a:solidFill>
+                  <a:srgbClr val="0000FF"/>
+                </a:solidFill>
+              </a:rPr>
+              <a:t>a</a:t>
+            </a:r>
+            <a:r>
+              <a:rPr lang="en-US" sz="5400" dirty="0" smtClean="0"/>
+              <a:t>, of</a:t>
+            </a:r>
+            <a:endParaRPr lang="en-US" sz="5400" baseline="-25000" dirty="0" smtClean="0">
+              <a:solidFill>
+                <a:srgbClr val="0000FF"/>
+              </a:solidFill>
+              <a:latin typeface="Comic Sans MS"/>
+              <a:cs typeface="Comic Sans MS"/>
+            </a:endParaRPr>
+          </a:p>
+          <a:p>
+            <a:endParaRPr lang="en-US" sz="4400" dirty="0">
+              <a:solidFill>
+                <a:srgbClr val="0000FF"/>
+              </a:solidFill>
+              <a:latin typeface="Comic Sans MS"/>
+              <a:cs typeface="Comic Sans MS"/>
+            </a:endParaRPr>
           </a:p>
         </p:txBody>
       </p:sp>
       <p:sp>
         <p:nvSpPr>
-          <p:cNvPr id="2" name="TextBox 1"/>
-          <p:cNvSpPr txBox="1"/>
-          <p:nvPr/>
+          <p:cNvPr id="4" name="Slide Number Placeholder 3"/>
+          <p:cNvSpPr>
+            <a:spLocks noGrp="1"/>
+          </p:cNvSpPr>
+          <p:nvPr>
+            <p:ph type="sldNum" sz="quarter" idx="10"/>
+          </p:nvPr>
         </p:nvSpPr>
-        <p:spPr>
-          <a:xfrm>
-            <a:off x="0" y="1219200"/>
-            <a:ext cx="8915400" cy="1938992"/>
-          </a:xfrm>
-          <a:prstGeom prst="rect">
-            <a:avLst/>
-          </a:prstGeom>
-          <a:noFill/>
-        </p:spPr>
+        <p:spPr/>
         <p:txBody>
-          <a:bodyPr wrap="square" rtlCol="0">
-            <a:spAutoFit/>
-          </a:bodyPr>
+          <a:bodyPr/>
           <a:lstStyle/>
           <a:p>
             <a:pPr>
-              <a:spcAft>
-                <a:spcPts val="0"/>
-              </a:spcAft>
+              <a:defRPr/>
             </a:pPr>
             <a:r>
-              <a:rPr lang="en-US" sz="6000" dirty="0">
-                <a:latin typeface="Comic Sans MS" pitchFamily="66" charset="0"/>
-              </a:rPr>
-              <a:t>If </a:t>
-            </a:r>
-            <a:r>
-              <a:rPr lang="en-US" sz="6000" dirty="0" smtClean="0">
-                <a:solidFill>
-                  <a:srgbClr val="0000FF"/>
-                </a:solidFill>
-                <a:latin typeface="Comic Sans MS" pitchFamily="66" charset="0"/>
-              </a:rPr>
-              <a:t>k</a:t>
-            </a:r>
-            <a:r>
-              <a:rPr lang="en-US" sz="6000" dirty="0" smtClean="0">
-                <a:latin typeface="Comic Sans MS" pitchFamily="66" charset="0"/>
-              </a:rPr>
-              <a:t> of the </a:t>
-            </a:r>
-            <a:r>
-              <a:rPr lang="en-US" sz="6000" dirty="0" err="1" smtClean="0">
-                <a:solidFill>
-                  <a:srgbClr val="0000FF"/>
-                </a:solidFill>
-                <a:latin typeface="Comic Sans MS" pitchFamily="66" charset="0"/>
-              </a:rPr>
-              <a:t>A</a:t>
-            </a:r>
-            <a:r>
-              <a:rPr lang="en-US" sz="5400" baseline="-25000" dirty="0" err="1" smtClean="0">
-                <a:solidFill>
-                  <a:srgbClr val="0000FF"/>
-                </a:solidFill>
-                <a:latin typeface="Comic Sans MS" pitchFamily="66" charset="0"/>
-              </a:rPr>
-              <a:t>j</a:t>
-            </a:r>
-            <a:r>
-              <a:rPr lang="en-US" sz="5400" dirty="0" err="1" smtClean="0">
-                <a:solidFill>
-                  <a:schemeClr val="tx1">
-                    <a:lumMod val="95000"/>
-                    <a:lumOff val="5000"/>
-                  </a:schemeClr>
-                </a:solidFill>
-                <a:latin typeface="Comic Sans MS" pitchFamily="66" charset="0"/>
-              </a:rPr>
-              <a:t>’s</a:t>
-            </a:r>
-            <a:r>
-              <a:rPr lang="en-US" sz="5400" dirty="0" smtClean="0">
-                <a:solidFill>
-                  <a:schemeClr val="tx1">
-                    <a:lumMod val="95000"/>
-                    <a:lumOff val="5000"/>
-                  </a:schemeClr>
-                </a:solidFill>
-                <a:latin typeface="Comic Sans MS" pitchFamily="66" charset="0"/>
-              </a:rPr>
-              <a:t> include </a:t>
-            </a:r>
-            <a:r>
-              <a:rPr lang="en-US" sz="6000" dirty="0" smtClean="0">
-                <a:solidFill>
-                  <a:srgbClr val="0000FF"/>
-                </a:solidFill>
-                <a:latin typeface="Comic Sans MS" pitchFamily="66" charset="0"/>
-              </a:rPr>
-              <a:t>a</a:t>
-            </a:r>
-            <a:r>
-              <a:rPr lang="en-US" sz="6000" dirty="0" smtClean="0">
-                <a:solidFill>
-                  <a:schemeClr val="tx1">
-                    <a:lumMod val="95000"/>
-                    <a:lumOff val="5000"/>
-                  </a:schemeClr>
-                </a:solidFill>
-                <a:latin typeface="Comic Sans MS" pitchFamily="66" charset="0"/>
-              </a:rPr>
-              <a:t>,</a:t>
-            </a:r>
-          </a:p>
-          <a:p>
-            <a:pPr>
-              <a:spcAft>
-                <a:spcPts val="0"/>
-              </a:spcAft>
-            </a:pPr>
-            <a:r>
-              <a:rPr lang="en-US" sz="6000" dirty="0" smtClean="0">
-                <a:latin typeface="Comic Sans MS" pitchFamily="66" charset="0"/>
-              </a:rPr>
-              <a:t>then</a:t>
-            </a:r>
-            <a:endParaRPr lang="en-US" sz="6000" b="1" dirty="0" smtClean="0">
-              <a:latin typeface="Euclid Symbol" charset="2"/>
-              <a:cs typeface="Euclid Symbol" charset="2"/>
-            </a:endParaRPr>
+              <a:rPr lang="en-US" smtClean="0"/>
+              <a:t>incexcbinom.</a:t>
+            </a:r>
+            <a:fld id="{D64AE0B5-FBC8-401C-9D58-7FCB6A8BDAB7}" type="slidenum">
+              <a:rPr lang="en-US" smtClean="0"/>
+              <a:pPr>
+                <a:defRPr/>
+              </a:pPr>
+              <a:t>13</a:t>
+            </a:fld>
+            <a:endParaRPr lang="en-US" dirty="0"/>
           </a:p>
         </p:txBody>
       </p:sp>
       <p:graphicFrame>
         <p:nvGraphicFramePr>
-          <p:cNvPr id="3" name="Object 2"/>
+          <p:cNvPr id="5" name="Object 4"/>
           <p:cNvGraphicFramePr>
             <a:graphicFrameLocks noChangeAspect="1"/>
           </p:cNvGraphicFramePr>
           <p:nvPr>
             <p:extLst>
               <p:ext uri="{D42A27DB-BD31-4B8C-83A1-F6EECF244321}">
-                <p14:modId xmlns:p14="http://schemas.microsoft.com/office/powerpoint/2010/main" val="2553442625"/>
+                <p14:modId xmlns:p14="http://schemas.microsoft.com/office/powerpoint/2010/main" val="1571780996"/>
               </p:ext>
             </p:extLst>
           </p:nvPr>
         </p:nvGraphicFramePr>
         <p:xfrm>
-          <a:off x="7404100" y="4406900"/>
-          <a:ext cx="139700" cy="215900"/>
+          <a:off x="457200" y="2495550"/>
+          <a:ext cx="7372350" cy="2228850"/>
         </p:xfrm>
         <a:graphic>
           <a:graphicData uri="http://schemas.openxmlformats.org/presentationml/2006/ole">
             <mc:AlternateContent xmlns:mc="http://schemas.openxmlformats.org/markup-compatibility/2006">
               <mc:Choice xmlns:v="urn:schemas-microsoft-com:vml" Requires="v">
-                <p:oleObj spid="_x0000_s205934" name="Equation" r:id="rId4" imgW="139700" imgH="215900" progId="Equation.DSMT4">
+                <p:oleObj spid="_x0000_s237576" name="Equation" r:id="rId3" imgW="1638300" imgH="495300" progId="Equation.DSMT4">
                   <p:embed/>
                 </p:oleObj>
               </mc:Choice>
               <mc:Fallback>
-                <p:oleObj name="Equation" r:id="rId4" imgW="139700" imgH="215900" progId="Equation.DSMT4">
+                <p:oleObj name="Equation" r:id="rId3" imgW="1638300" imgH="495300" progId="Equation.DSMT4">
                   <p:embed/>
                   <p:pic>
                     <p:nvPicPr>
@@ -4668,129 +5412,15 @@
                       <p:nvPr/>
                     </p:nvPicPr>
                     <p:blipFill>
-                      <a:blip r:embed="rId5"/>
+                      <a:blip r:embed="rId4"/>
                       <a:stretch>
                         <a:fillRect/>
                       </a:stretch>
                     </p:blipFill>
                     <p:spPr>
                       <a:xfrm>
-                        <a:off x="7404100" y="4406900"/>
-                        <a:ext cx="139700" cy="215900"/>
-                      </a:xfrm>
-                      <a:prstGeom prst="rect">
-                        <a:avLst/>
-                      </a:prstGeom>
-                    </p:spPr>
-                  </p:pic>
-                </p:oleObj>
-              </mc:Fallback>
-            </mc:AlternateContent>
-          </a:graphicData>
-        </a:graphic>
-      </p:graphicFrame>
-      <p:graphicFrame>
-        <p:nvGraphicFramePr>
-          <p:cNvPr id="5" name="Object 4"/>
-          <p:cNvGraphicFramePr>
-            <a:graphicFrameLocks noChangeAspect="1"/>
-          </p:cNvGraphicFramePr>
-          <p:nvPr>
-            <p:extLst>
-              <p:ext uri="{D42A27DB-BD31-4B8C-83A1-F6EECF244321}">
-                <p14:modId xmlns:p14="http://schemas.microsoft.com/office/powerpoint/2010/main" val="3598947407"/>
-              </p:ext>
-            </p:extLst>
-          </p:nvPr>
-        </p:nvGraphicFramePr>
-        <p:xfrm>
-          <a:off x="7404100" y="4406900"/>
-          <a:ext cx="139700" cy="215900"/>
-        </p:xfrm>
-        <a:graphic>
-          <a:graphicData uri="http://schemas.openxmlformats.org/presentationml/2006/ole">
-            <mc:AlternateContent xmlns:mc="http://schemas.openxmlformats.org/markup-compatibility/2006">
-              <mc:Choice xmlns:v="urn:schemas-microsoft-com:vml" Requires="v">
-                <p:oleObj spid="_x0000_s205935" name="Equation" r:id="rId6" imgW="139700" imgH="215900" progId="Equation.DSMT4">
-                  <p:embed/>
-                </p:oleObj>
-              </mc:Choice>
-              <mc:Fallback>
-                <p:oleObj name="Equation" r:id="rId6" imgW="139700" imgH="215900" progId="Equation.DSMT4">
-                  <p:embed/>
-                  <p:pic>
-                    <p:nvPicPr>
-                      <p:cNvPr id="0" name=""/>
-                      <p:cNvPicPr/>
-                      <p:nvPr/>
-                    </p:nvPicPr>
-                    <p:blipFill>
-                      <a:blip r:embed="rId5"/>
-                      <a:stretch>
-                        <a:fillRect/>
-                      </a:stretch>
-                    </p:blipFill>
-                    <p:spPr>
-                      <a:xfrm>
-                        <a:off x="7404100" y="4406900"/>
-                        <a:ext cx="139700" cy="215900"/>
-                      </a:xfrm>
-                      <a:prstGeom prst="rect">
-                        <a:avLst/>
-                      </a:prstGeom>
-                    </p:spPr>
-                  </p:pic>
-                </p:oleObj>
-              </mc:Fallback>
-            </mc:AlternateContent>
-          </a:graphicData>
-        </a:graphic>
-      </p:graphicFrame>
-      <p:graphicFrame>
-        <p:nvGraphicFramePr>
-          <p:cNvPr id="6" name="Object 5"/>
-          <p:cNvGraphicFramePr>
-            <a:graphicFrameLocks noChangeAspect="1"/>
-          </p:cNvGraphicFramePr>
-          <p:nvPr>
-            <p:extLst>
-              <p:ext uri="{D42A27DB-BD31-4B8C-83A1-F6EECF244321}">
-                <p14:modId xmlns:p14="http://schemas.microsoft.com/office/powerpoint/2010/main" val="4067625673"/>
-              </p:ext>
-            </p:extLst>
-          </p:nvPr>
-        </p:nvGraphicFramePr>
-        <p:xfrm>
-          <a:off x="427037" y="3095625"/>
-          <a:ext cx="8183563" cy="2771775"/>
-        </p:xfrm>
-        <a:graphic>
-          <a:graphicData uri="http://schemas.openxmlformats.org/presentationml/2006/ole">
-            <mc:AlternateContent xmlns:mc="http://schemas.openxmlformats.org/markup-compatibility/2006">
-              <mc:Choice xmlns:v="urn:schemas-microsoft-com:vml" Requires="v">
-                <p:oleObj spid="_x0000_s205936" name="Equation" r:id="rId7" imgW="1574800" imgH="533400" progId="Equation.DSMT4">
-                  <p:embed/>
-                </p:oleObj>
-              </mc:Choice>
-              <mc:Fallback>
-                <p:oleObj name="Equation" r:id="rId7" imgW="1574800" imgH="533400" progId="Equation.DSMT4">
-                  <p:embed/>
-                  <p:pic>
-                    <p:nvPicPr>
-                      <p:cNvPr id="0" name=""/>
-                      <p:cNvPicPr/>
-                      <p:nvPr/>
-                    </p:nvPicPr>
-                    <p:blipFill>
-                      <a:blip r:embed="rId8"/>
-                      <a:stretch>
-                        <a:fillRect/>
-                      </a:stretch>
-                    </p:blipFill>
-                    <p:spPr>
-                      <a:xfrm>
-                        <a:off x="427037" y="3095625"/>
-                        <a:ext cx="8183563" cy="2771775"/>
+                        <a:off x="457200" y="2495550"/>
+                        <a:ext cx="7372350" cy="2228850"/>
                       </a:xfrm>
                       <a:prstGeom prst="rect">
                         <a:avLst/>
@@ -4806,16 +5436,25 @@
     </p:spTree>
     <p:extLst>
       <p:ext uri="{BB962C8B-B14F-4D97-AF65-F5344CB8AC3E}">
-        <p14:creationId xmlns:p14="http://schemas.microsoft.com/office/powerpoint/2010/main" val="689503822"/>
+        <p14:creationId xmlns:p14="http://schemas.microsoft.com/office/powerpoint/2010/main" val="291606772"/>
       </p:ext>
     </p:extLst>
   </p:cSld>
   <p:clrMapOvr>
     <a:masterClrMapping/>
   </p:clrMapOvr>
-  <p:transition xmlns:p14="http://schemas.microsoft.com/office/powerpoint/2010/main" spd="slow" advClick="0">
-    <p:fade/>
-  </p:transition>
+  <mc:AlternateContent xmlns:mc="http://schemas.openxmlformats.org/markup-compatibility/2006">
+    <mc:Choice xmlns:p14="http://schemas.microsoft.com/office/powerpoint/2010/main" Requires="p14">
+      <p:transition spd="slow" p14:dur="800" advClick="0">
+        <p:fade/>
+      </p:transition>
+    </mc:Choice>
+    <mc:Fallback>
+      <p:transition xmlns:p14="http://schemas.microsoft.com/office/powerpoint/2010/main" spd="slow" advClick="0">
+        <p:fade/>
+      </p:transition>
+    </mc:Fallback>
+  </mc:AlternateContent>
   <p:timing>
     <p:tnLst>
       <p:par>
@@ -4837,7 +5476,7 @@
                             </p:stCondLst>
                             <p:childTnLst>
                               <p:par>
-                                <p:cTn id="5" presetID="10" presetClass="entr" presetSubtype="0" fill="hold" nodeType="clickEffect">
+                                <p:cTn id="5" presetID="22" presetClass="entr" presetSubtype="8" fill="hold" nodeType="clickEffect">
                                   <p:stCondLst>
                                     <p:cond delay="0"/>
                                   </p:stCondLst>
@@ -4850,7 +5489,7 @@
                                           </p:stCondLst>
                                         </p:cTn>
                                         <p:tgtEl>
-                                          <p:spTgt spid="6"/>
+                                          <p:spTgt spid="5"/>
                                         </p:tgtEl>
                                         <p:attrNameLst>
                                           <p:attrName>style.visibility</p:attrName>
@@ -4860,11 +5499,11 @@
                                         <p:strVal val="visible"/>
                                       </p:to>
                                     </p:set>
-                                    <p:animEffect transition="in" filter="fade">
+                                    <p:animEffect transition="in" filter="wipe(left)">
                                       <p:cBhvr>
-                                        <p:cTn id="7" dur="500"/>
+                                        <p:cTn id="7" dur="2000"/>
                                         <p:tgtEl>
-                                          <p:spTgt spid="6"/>
+                                          <p:spTgt spid="5"/>
                                         </p:tgtEl>
                                       </p:cBhvr>
                                     </p:animEffect>
@@ -4921,6 +5560,454 @@
       </p:grpSpPr>
       <p:sp>
         <p:nvSpPr>
+          <p:cNvPr id="2" name="Title 1"/>
+          <p:cNvSpPr>
+            <a:spLocks noGrp="1"/>
+          </p:cNvSpPr>
+          <p:nvPr>
+            <p:ph type="title"/>
+          </p:nvPr>
+        </p:nvSpPr>
+        <p:spPr/>
+        <p:txBody>
+          <a:bodyPr/>
+          <a:lstStyle/>
+          <a:p>
+            <a:r>
+              <a:rPr lang="en-US" dirty="0" smtClean="0"/>
+              <a:t>Counting each element</a:t>
+            </a:r>
+            <a:endParaRPr lang="en-US" dirty="0"/>
+          </a:p>
+        </p:txBody>
+      </p:sp>
+      <p:sp>
+        <p:nvSpPr>
+          <p:cNvPr id="3" name="Content Placeholder 2"/>
+          <p:cNvSpPr>
+            <a:spLocks noGrp="1"/>
+          </p:cNvSpPr>
+          <p:nvPr>
+            <p:ph idx="1"/>
+          </p:nvPr>
+        </p:nvSpPr>
+        <p:spPr/>
+        <p:txBody>
+          <a:bodyPr/>
+          <a:lstStyle/>
+          <a:p>
+            <a:r>
+              <a:rPr lang="en-US" sz="5400" dirty="0"/>
+              <a:t>The </a:t>
+            </a:r>
+            <a:r>
+              <a:rPr lang="en-US" sz="5400" dirty="0" smtClean="0"/>
+              <a:t>count, </a:t>
+            </a:r>
+            <a:r>
+              <a:rPr lang="en-US" sz="5400" dirty="0">
+                <a:solidFill>
+                  <a:srgbClr val="0000FF"/>
+                </a:solidFill>
+              </a:rPr>
+              <a:t>#</a:t>
+            </a:r>
+            <a:r>
+              <a:rPr lang="en-US" sz="5400" dirty="0" smtClean="0">
+                <a:solidFill>
+                  <a:srgbClr val="0000FF"/>
+                </a:solidFill>
+              </a:rPr>
+              <a:t>a</a:t>
+            </a:r>
+            <a:r>
+              <a:rPr lang="en-US" sz="5400" dirty="0" smtClean="0"/>
+              <a:t>, of</a:t>
+            </a:r>
+            <a:endParaRPr lang="en-US" sz="5400" baseline="-25000" dirty="0" smtClean="0">
+              <a:solidFill>
+                <a:srgbClr val="0000FF"/>
+              </a:solidFill>
+              <a:latin typeface="Comic Sans MS"/>
+              <a:cs typeface="Comic Sans MS"/>
+            </a:endParaRPr>
+          </a:p>
+          <a:p>
+            <a:endParaRPr lang="en-US" sz="4400" dirty="0">
+              <a:solidFill>
+                <a:srgbClr val="0000FF"/>
+              </a:solidFill>
+              <a:latin typeface="Comic Sans MS"/>
+              <a:cs typeface="Comic Sans MS"/>
+            </a:endParaRPr>
+          </a:p>
+        </p:txBody>
+      </p:sp>
+      <p:sp>
+        <p:nvSpPr>
+          <p:cNvPr id="4" name="Slide Number Placeholder 3"/>
+          <p:cNvSpPr>
+            <a:spLocks noGrp="1"/>
+          </p:cNvSpPr>
+          <p:nvPr>
+            <p:ph type="sldNum" sz="quarter" idx="10"/>
+          </p:nvPr>
+        </p:nvSpPr>
+        <p:spPr/>
+        <p:txBody>
+          <a:bodyPr/>
+          <a:lstStyle/>
+          <a:p>
+            <a:pPr>
+              <a:defRPr/>
+            </a:pPr>
+            <a:r>
+              <a:rPr lang="en-US" smtClean="0"/>
+              <a:t>incexcbinom.</a:t>
+            </a:r>
+            <a:fld id="{D64AE0B5-FBC8-401C-9D58-7FCB6A8BDAB7}" type="slidenum">
+              <a:rPr lang="en-US" smtClean="0"/>
+              <a:pPr>
+                <a:defRPr/>
+              </a:pPr>
+              <a:t>14</a:t>
+            </a:fld>
+            <a:endParaRPr lang="en-US" dirty="0"/>
+          </a:p>
+        </p:txBody>
+      </p:sp>
+      <p:graphicFrame>
+        <p:nvGraphicFramePr>
+          <p:cNvPr id="5" name="Object 4"/>
+          <p:cNvGraphicFramePr>
+            <a:graphicFrameLocks noChangeAspect="1"/>
+          </p:cNvGraphicFramePr>
+          <p:nvPr>
+            <p:extLst>
+              <p:ext uri="{D42A27DB-BD31-4B8C-83A1-F6EECF244321}">
+                <p14:modId xmlns:p14="http://schemas.microsoft.com/office/powerpoint/2010/main" val="47581522"/>
+              </p:ext>
+            </p:extLst>
+          </p:nvPr>
+        </p:nvGraphicFramePr>
+        <p:xfrm>
+          <a:off x="438150" y="2495550"/>
+          <a:ext cx="8058150" cy="2228850"/>
+        </p:xfrm>
+        <a:graphic>
+          <a:graphicData uri="http://schemas.openxmlformats.org/presentationml/2006/ole">
+            <mc:AlternateContent xmlns:mc="http://schemas.openxmlformats.org/markup-compatibility/2006">
+              <mc:Choice xmlns:v="urn:schemas-microsoft-com:vml" Requires="v">
+                <p:oleObj spid="_x0000_s242691" name="Equation" r:id="rId3" imgW="1790700" imgH="495300" progId="Equation.DSMT4">
+                  <p:embed/>
+                </p:oleObj>
+              </mc:Choice>
+              <mc:Fallback>
+                <p:oleObj name="Equation" r:id="rId3" imgW="1790700" imgH="495300" progId="Equation.DSMT4">
+                  <p:embed/>
+                  <p:pic>
+                    <p:nvPicPr>
+                      <p:cNvPr id="0" name=""/>
+                      <p:cNvPicPr/>
+                      <p:nvPr/>
+                    </p:nvPicPr>
+                    <p:blipFill>
+                      <a:blip r:embed="rId4"/>
+                      <a:stretch>
+                        <a:fillRect/>
+                      </a:stretch>
+                    </p:blipFill>
+                    <p:spPr>
+                      <a:xfrm>
+                        <a:off x="438150" y="2495550"/>
+                        <a:ext cx="8058150" cy="2228850"/>
+                      </a:xfrm>
+                      <a:prstGeom prst="rect">
+                        <a:avLst/>
+                      </a:prstGeom>
+                    </p:spPr>
+                  </p:pic>
+                </p:oleObj>
+              </mc:Fallback>
+            </mc:AlternateContent>
+          </a:graphicData>
+        </a:graphic>
+      </p:graphicFrame>
+    </p:spTree>
+    <p:extLst>
+      <p:ext uri="{BB962C8B-B14F-4D97-AF65-F5344CB8AC3E}">
+        <p14:creationId xmlns:p14="http://schemas.microsoft.com/office/powerpoint/2010/main" val="2927258686"/>
+      </p:ext>
+    </p:extLst>
+  </p:cSld>
+  <p:clrMapOvr>
+    <a:masterClrMapping/>
+  </p:clrMapOvr>
+  <mc:AlternateContent xmlns:mc="http://schemas.openxmlformats.org/markup-compatibility/2006">
+    <mc:Choice xmlns:p14="http://schemas.microsoft.com/office/powerpoint/2010/main" Requires="p14">
+      <p:transition spd="slow" p14:dur="800" advClick="0">
+        <p:fade/>
+      </p:transition>
+    </mc:Choice>
+    <mc:Fallback>
+      <p:transition xmlns:p14="http://schemas.microsoft.com/office/powerpoint/2010/main" spd="slow" advClick="0">
+        <p:fade/>
+      </p:transition>
+    </mc:Fallback>
+  </mc:AlternateContent>
+  <p:timing>
+    <p:tnLst>
+      <p:par>
+        <p:cTn xmlns:p14="http://schemas.microsoft.com/office/powerpoint/2010/main" id="1" dur="indefinite" restart="never" nodeType="tmRoot"/>
+      </p:par>
+    </p:tnLst>
+  </p:timing>
+</p:sld>
+</file>
+
+<file path=ppt/slides/slide15.xml><?xml version="1.0" encoding="utf-8"?>
+<p:sld xmlns:a="http://schemas.openxmlformats.org/drawingml/2006/main" xmlns:r="http://schemas.openxmlformats.org/officeDocument/2006/relationships" xmlns:p="http://schemas.openxmlformats.org/presentationml/2006/main">
+  <p:cSld>
+    <p:spTree>
+      <p:nvGrpSpPr>
+        <p:cNvPr id="1" name=""/>
+        <p:cNvGrpSpPr/>
+        <p:nvPr/>
+      </p:nvGrpSpPr>
+      <p:grpSpPr>
+        <a:xfrm>
+          <a:off x="0" y="0"/>
+          <a:ext cx="0" cy="0"/>
+          <a:chOff x="0" y="0"/>
+          <a:chExt cx="0" cy="0"/>
+        </a:xfrm>
+      </p:grpSpPr>
+      <p:sp>
+        <p:nvSpPr>
+          <p:cNvPr id="2" name="Title 1"/>
+          <p:cNvSpPr>
+            <a:spLocks noGrp="1"/>
+          </p:cNvSpPr>
+          <p:nvPr>
+            <p:ph type="title"/>
+          </p:nvPr>
+        </p:nvSpPr>
+        <p:spPr/>
+        <p:txBody>
+          <a:bodyPr/>
+          <a:lstStyle/>
+          <a:p>
+            <a:r>
+              <a:rPr lang="en-US" dirty="0" smtClean="0"/>
+              <a:t>Counting each element</a:t>
+            </a:r>
+            <a:endParaRPr lang="en-US" dirty="0"/>
+          </a:p>
+        </p:txBody>
+      </p:sp>
+      <p:sp>
+        <p:nvSpPr>
+          <p:cNvPr id="3" name="Content Placeholder 2"/>
+          <p:cNvSpPr>
+            <a:spLocks noGrp="1"/>
+          </p:cNvSpPr>
+          <p:nvPr>
+            <p:ph idx="1"/>
+          </p:nvPr>
+        </p:nvSpPr>
+        <p:spPr/>
+        <p:txBody>
+          <a:bodyPr/>
+          <a:lstStyle/>
+          <a:p>
+            <a:r>
+              <a:rPr lang="en-US" sz="5400" dirty="0"/>
+              <a:t>The </a:t>
+            </a:r>
+            <a:r>
+              <a:rPr lang="en-US" sz="5400" dirty="0" smtClean="0"/>
+              <a:t>count, </a:t>
+            </a:r>
+            <a:r>
+              <a:rPr lang="en-US" sz="5400" dirty="0">
+                <a:solidFill>
+                  <a:srgbClr val="0000FF"/>
+                </a:solidFill>
+              </a:rPr>
+              <a:t>#</a:t>
+            </a:r>
+            <a:r>
+              <a:rPr lang="en-US" sz="5400" dirty="0" smtClean="0">
+                <a:solidFill>
+                  <a:srgbClr val="0000FF"/>
+                </a:solidFill>
+              </a:rPr>
+              <a:t>a</a:t>
+            </a:r>
+            <a:r>
+              <a:rPr lang="en-US" sz="5400" dirty="0" smtClean="0"/>
+              <a:t>, of</a:t>
+            </a:r>
+            <a:endParaRPr lang="en-US" sz="5400" baseline="-25000" dirty="0" smtClean="0">
+              <a:solidFill>
+                <a:srgbClr val="0000FF"/>
+              </a:solidFill>
+              <a:latin typeface="Comic Sans MS"/>
+              <a:cs typeface="Comic Sans MS"/>
+            </a:endParaRPr>
+          </a:p>
+          <a:p>
+            <a:endParaRPr lang="en-US" sz="4400" dirty="0">
+              <a:solidFill>
+                <a:srgbClr val="0000FF"/>
+              </a:solidFill>
+              <a:latin typeface="Comic Sans MS"/>
+              <a:cs typeface="Comic Sans MS"/>
+            </a:endParaRPr>
+          </a:p>
+        </p:txBody>
+      </p:sp>
+      <p:sp>
+        <p:nvSpPr>
+          <p:cNvPr id="4" name="Slide Number Placeholder 3"/>
+          <p:cNvSpPr>
+            <a:spLocks noGrp="1"/>
+          </p:cNvSpPr>
+          <p:nvPr>
+            <p:ph type="sldNum" sz="quarter" idx="10"/>
+          </p:nvPr>
+        </p:nvSpPr>
+        <p:spPr/>
+        <p:txBody>
+          <a:bodyPr/>
+          <a:lstStyle/>
+          <a:p>
+            <a:pPr>
+              <a:defRPr/>
+            </a:pPr>
+            <a:r>
+              <a:rPr lang="en-US" smtClean="0"/>
+              <a:t>incexcbinom.</a:t>
+            </a:r>
+            <a:fld id="{D64AE0B5-FBC8-401C-9D58-7FCB6A8BDAB7}" type="slidenum">
+              <a:rPr lang="en-US" smtClean="0"/>
+              <a:pPr>
+                <a:defRPr/>
+              </a:pPr>
+              <a:t>15</a:t>
+            </a:fld>
+            <a:endParaRPr lang="en-US" dirty="0"/>
+          </a:p>
+        </p:txBody>
+      </p:sp>
+      <p:graphicFrame>
+        <p:nvGraphicFramePr>
+          <p:cNvPr id="5" name="Object 4"/>
+          <p:cNvGraphicFramePr>
+            <a:graphicFrameLocks noChangeAspect="1"/>
+          </p:cNvGraphicFramePr>
+          <p:nvPr>
+            <p:extLst>
+              <p:ext uri="{D42A27DB-BD31-4B8C-83A1-F6EECF244321}">
+                <p14:modId xmlns:p14="http://schemas.microsoft.com/office/powerpoint/2010/main" val="3237508150"/>
+              </p:ext>
+            </p:extLst>
+          </p:nvPr>
+        </p:nvGraphicFramePr>
+        <p:xfrm>
+          <a:off x="438150" y="2495550"/>
+          <a:ext cx="8058150" cy="2228850"/>
+        </p:xfrm>
+        <a:graphic>
+          <a:graphicData uri="http://schemas.openxmlformats.org/presentationml/2006/ole">
+            <mc:AlternateContent xmlns:mc="http://schemas.openxmlformats.org/markup-compatibility/2006">
+              <mc:Choice xmlns:v="urn:schemas-microsoft-com:vml" Requires="v">
+                <p:oleObj spid="_x0000_s244740" name="Equation" r:id="rId3" imgW="1790700" imgH="495300" progId="Equation.DSMT4">
+                  <p:embed/>
+                </p:oleObj>
+              </mc:Choice>
+              <mc:Fallback>
+                <p:oleObj name="Equation" r:id="rId3" imgW="1790700" imgH="495300" progId="Equation.DSMT4">
+                  <p:embed/>
+                  <p:pic>
+                    <p:nvPicPr>
+                      <p:cNvPr id="0" name=""/>
+                      <p:cNvPicPr/>
+                      <p:nvPr/>
+                    </p:nvPicPr>
+                    <p:blipFill>
+                      <a:blip r:embed="rId4"/>
+                      <a:stretch>
+                        <a:fillRect/>
+                      </a:stretch>
+                    </p:blipFill>
+                    <p:spPr>
+                      <a:xfrm>
+                        <a:off x="438150" y="2495550"/>
+                        <a:ext cx="8058150" cy="2228850"/>
+                      </a:xfrm>
+                      <a:prstGeom prst="rect">
+                        <a:avLst/>
+                      </a:prstGeom>
+                    </p:spPr>
+                  </p:pic>
+                </p:oleObj>
+              </mc:Fallback>
+            </mc:AlternateContent>
+          </a:graphicData>
+        </a:graphic>
+      </p:graphicFrame>
+    </p:spTree>
+    <p:extLst>
+      <p:ext uri="{BB962C8B-B14F-4D97-AF65-F5344CB8AC3E}">
+        <p14:creationId xmlns:p14="http://schemas.microsoft.com/office/powerpoint/2010/main" val="1387493387"/>
+      </p:ext>
+    </p:extLst>
+  </p:cSld>
+  <p:clrMapOvr>
+    <a:masterClrMapping/>
+  </p:clrMapOvr>
+  <mc:AlternateContent xmlns:mc="http://schemas.openxmlformats.org/markup-compatibility/2006">
+    <mc:Choice xmlns:p14="http://schemas.microsoft.com/office/powerpoint/2010/main" Requires="p14">
+      <p:transition spd="slow" p14:dur="800" advClick="0">
+        <p:fade/>
+      </p:transition>
+    </mc:Choice>
+    <mc:Fallback>
+      <p:transition xmlns:p14="http://schemas.microsoft.com/office/powerpoint/2010/main" spd="slow" advClick="0">
+        <p:fade/>
+      </p:transition>
+    </mc:Fallback>
+  </mc:AlternateContent>
+  <p:timing>
+    <p:tnLst>
+      <p:par>
+        <p:cTn xmlns:p14="http://schemas.microsoft.com/office/powerpoint/2010/main" id="1" dur="indefinite" restart="never" nodeType="tmRoot"/>
+      </p:par>
+    </p:tnLst>
+  </p:timing>
+</p:sld>
+</file>
+
+<file path=ppt/slides/slide16.xml><?xml version="1.0" encoding="utf-8"?>
+<p:sld xmlns:a="http://schemas.openxmlformats.org/drawingml/2006/main" xmlns:r="http://schemas.openxmlformats.org/officeDocument/2006/relationships" xmlns:p="http://schemas.openxmlformats.org/presentationml/2006/main">
+  <p:cSld>
+    <p:spTree>
+      <p:nvGrpSpPr>
+        <p:cNvPr id="1" name=""/>
+        <p:cNvGrpSpPr/>
+        <p:nvPr/>
+      </p:nvGrpSpPr>
+      <p:grpSpPr>
+        <a:xfrm>
+          <a:off x="0" y="0"/>
+          <a:ext cx="0" cy="0"/>
+          <a:chOff x="0" y="0"/>
+          <a:chExt cx="0" cy="0"/>
+        </a:xfrm>
+      </p:grpSpPr>
+      <p:sp>
+        <p:nvSpPr>
           <p:cNvPr id="17412" name="Slide Number Placeholder 5"/>
           <p:cNvSpPr>
             <a:spLocks noGrp="1"/>
@@ -4947,7 +6034,7 @@
             <a:fld id="{83D78B86-54BD-4C40-B154-E0B4BEB7EE49}" type="slidenum">
               <a:rPr lang="en-US" smtClean="0"/>
               <a:pPr/>
-              <a:t>14</a:t>
+              <a:t>16</a:t>
             </a:fld>
             <a:endParaRPr lang="en-US" dirty="0" smtClean="0"/>
           </a:p>
@@ -5111,7 +6198,7 @@
               <a:rPr lang="en-US" sz="6000" dirty="0" smtClean="0">
                 <a:latin typeface="Comic Sans MS" pitchFamily="66" charset="0"/>
               </a:rPr>
-              <a:t>then</a:t>
+              <a:t>then for </a:t>
             </a:r>
             <a:endParaRPr lang="en-US" sz="6000" b="1" dirty="0" smtClean="0">
               <a:latin typeface="Euclid Symbol" charset="2"/>
@@ -5129,7 +6216,7 @@
           <p:nvPr>
             <p:extLst>
               <p:ext uri="{D42A27DB-BD31-4B8C-83A1-F6EECF244321}">
-                <p14:modId xmlns:p14="http://schemas.microsoft.com/office/powerpoint/2010/main" val="578386200"/>
+                <p14:modId xmlns:p14="http://schemas.microsoft.com/office/powerpoint/2010/main" val="2553442625"/>
               </p:ext>
             </p:extLst>
           </p:nvPr>
@@ -5142,7 +6229,7 @@
           <a:graphicData uri="http://schemas.openxmlformats.org/presentationml/2006/ole">
             <mc:AlternateContent xmlns:mc="http://schemas.openxmlformats.org/markup-compatibility/2006">
               <mc:Choice xmlns:v="urn:schemas-microsoft-com:vml" Requires="v">
-                <p:oleObj spid="_x0000_s208006" name="Equation" r:id="rId4" imgW="139700" imgH="215900" progId="Equation.DSMT4">
+                <p:oleObj spid="_x0000_s205956" name="Equation" r:id="rId4" imgW="139700" imgH="215900" progId="Equation.DSMT4">
                   <p:embed/>
                 </p:oleObj>
               </mc:Choice>
@@ -5186,7 +6273,7 @@
           <p:nvPr>
             <p:extLst>
               <p:ext uri="{D42A27DB-BD31-4B8C-83A1-F6EECF244321}">
-                <p14:modId xmlns:p14="http://schemas.microsoft.com/office/powerpoint/2010/main" val="2596815291"/>
+                <p14:modId xmlns:p14="http://schemas.microsoft.com/office/powerpoint/2010/main" val="3598947407"/>
               </p:ext>
             </p:extLst>
           </p:nvPr>
@@ -5199,7 +6286,7 @@
           <a:graphicData uri="http://schemas.openxmlformats.org/presentationml/2006/ole">
             <mc:AlternateContent xmlns:mc="http://schemas.openxmlformats.org/markup-compatibility/2006">
               <mc:Choice xmlns:v="urn:schemas-microsoft-com:vml" Requires="v">
-                <p:oleObj spid="_x0000_s208007" name="Equation" r:id="rId6" imgW="139700" imgH="215900" progId="Equation.DSMT4">
+                <p:oleObj spid="_x0000_s205957" name="Equation" r:id="rId6" imgW="139700" imgH="215900" progId="Equation.DSMT4">
                   <p:embed/>
                 </p:oleObj>
               </mc:Choice>
@@ -5243,25 +6330,25 @@
           <p:nvPr>
             <p:extLst>
               <p:ext uri="{D42A27DB-BD31-4B8C-83A1-F6EECF244321}">
-                <p14:modId xmlns:p14="http://schemas.microsoft.com/office/powerpoint/2010/main" val="1646073522"/>
+                <p14:modId xmlns:p14="http://schemas.microsoft.com/office/powerpoint/2010/main" val="50937880"/>
               </p:ext>
             </p:extLst>
           </p:nvPr>
         </p:nvGraphicFramePr>
         <p:xfrm>
-          <a:off x="1981200" y="2286000"/>
-          <a:ext cx="6808458" cy="2057400"/>
+          <a:off x="1020763" y="3095625"/>
+          <a:ext cx="6996112" cy="2771775"/>
         </p:xfrm>
         <a:graphic>
           <a:graphicData uri="http://schemas.openxmlformats.org/presentationml/2006/ole">
             <mc:AlternateContent xmlns:mc="http://schemas.openxmlformats.org/markup-compatibility/2006">
               <mc:Choice xmlns:v="urn:schemas-microsoft-com:vml" Requires="v">
-                <p:oleObj spid="_x0000_s208008" name="Equation" r:id="rId7" imgW="1765300" imgH="533400" progId="Equation.DSMT4">
+                <p:oleObj spid="_x0000_s205958" name="Equation" r:id="rId7" imgW="1346200" imgH="533400" progId="Equation.DSMT4">
                   <p:embed/>
                 </p:oleObj>
               </mc:Choice>
               <mc:Fallback>
-                <p:oleObj name="Equation" r:id="rId7" imgW="1765300" imgH="533400" progId="Equation.DSMT4">
+                <p:oleObj name="Equation" r:id="rId7" imgW="1346200" imgH="533400" progId="Equation.DSMT4">
                   <p:embed/>
                   <p:pic>
                     <p:nvPicPr>
@@ -5277,8 +6364,8 @@
                     </p:blipFill>
                     <p:spPr>
                       <a:xfrm>
-                        <a:off x="1981200" y="2286000"/>
-                        <a:ext cx="6808458" cy="2057400"/>
+                        <a:off x="1020763" y="3095625"/>
+                        <a:ext cx="6996112" cy="2771775"/>
                       </a:xfrm>
                       <a:prstGeom prst="rect">
                         <a:avLst/>
@@ -5300,25 +6387,25 @@
           <p:nvPr>
             <p:extLst>
               <p:ext uri="{D42A27DB-BD31-4B8C-83A1-F6EECF244321}">
-                <p14:modId xmlns:p14="http://schemas.microsoft.com/office/powerpoint/2010/main" val="4050603583"/>
+                <p14:modId xmlns:p14="http://schemas.microsoft.com/office/powerpoint/2010/main" val="2266025455"/>
               </p:ext>
             </p:extLst>
           </p:nvPr>
         </p:nvGraphicFramePr>
         <p:xfrm>
-          <a:off x="1474788" y="3962400"/>
-          <a:ext cx="6410325" cy="2362200"/>
+          <a:off x="3203575" y="1981200"/>
+          <a:ext cx="2736850" cy="1370013"/>
         </p:xfrm>
         <a:graphic>
           <a:graphicData uri="http://schemas.openxmlformats.org/presentationml/2006/ole">
             <mc:AlternateContent xmlns:mc="http://schemas.openxmlformats.org/markup-compatibility/2006">
               <mc:Choice xmlns:v="urn:schemas-microsoft-com:vml" Requires="v">
-                <p:oleObj spid="_x0000_s208009" name="Equation" r:id="rId9" imgW="1447800" imgH="533400" progId="Equation.DSMT4">
+                <p:oleObj spid="_x0000_s205959" name="Equation" r:id="rId9" imgW="482600" imgH="241300" progId="Equation.DSMT4">
                   <p:embed/>
                 </p:oleObj>
               </mc:Choice>
               <mc:Fallback>
-                <p:oleObj name="Equation" r:id="rId9" imgW="1447800" imgH="533400" progId="Equation.DSMT4">
+                <p:oleObj name="Equation" r:id="rId9" imgW="482600" imgH="241300" progId="Equation.DSMT4">
                   <p:embed/>
                   <p:pic>
                     <p:nvPicPr>
@@ -5334,8 +6421,8 @@
                     </p:blipFill>
                     <p:spPr>
                       <a:xfrm>
-                        <a:off x="1474788" y="3962400"/>
-                        <a:ext cx="6410325" cy="2362200"/>
+                        <a:off x="3203575" y="1981200"/>
+                        <a:ext cx="2736850" cy="1370013"/>
                       </a:xfrm>
                       <a:prstGeom prst="rect">
                         <a:avLst/>
@@ -5351,16 +6438,25 @@
     </p:spTree>
     <p:extLst>
       <p:ext uri="{BB962C8B-B14F-4D97-AF65-F5344CB8AC3E}">
-        <p14:creationId xmlns:p14="http://schemas.microsoft.com/office/powerpoint/2010/main" val="2636827773"/>
+        <p14:creationId xmlns:p14="http://schemas.microsoft.com/office/powerpoint/2010/main" val="689503822"/>
       </p:ext>
     </p:extLst>
   </p:cSld>
   <p:clrMapOvr>
     <a:masterClrMapping/>
   </p:clrMapOvr>
-  <p:transition xmlns:p14="http://schemas.microsoft.com/office/powerpoint/2010/main" spd="slow" advClick="0">
-    <p:fade/>
-  </p:transition>
+  <mc:AlternateContent xmlns:mc="http://schemas.openxmlformats.org/markup-compatibility/2006">
+    <mc:Choice xmlns:p14="http://schemas.microsoft.com/office/powerpoint/2010/main" Requires="p14">
+      <p:transition spd="slow" p14:dur="800" advClick="0">
+        <p:fade thruBlk="1"/>
+      </p:transition>
+    </mc:Choice>
+    <mc:Fallback>
+      <p:transition xmlns:p14="http://schemas.microsoft.com/office/powerpoint/2010/main" spd="slow" advClick="0">
+        <p:fade thruBlk="1"/>
+      </p:transition>
+    </mc:Fallback>
+  </mc:AlternateContent>
   <p:timing>
     <p:tnLst>
       <p:par>
@@ -5395,7 +6491,7 @@
                                           </p:stCondLst>
                                         </p:cTn>
                                         <p:tgtEl>
-                                          <p:spTgt spid="4"/>
+                                          <p:spTgt spid="6"/>
                                         </p:tgtEl>
                                         <p:attrNameLst>
                                           <p:attrName>style.visibility</p:attrName>
@@ -5409,7 +6505,7 @@
                                       <p:cBhvr>
                                         <p:cTn id="7" dur="1000"/>
                                         <p:tgtEl>
-                                          <p:spTgt spid="4"/>
+                                          <p:spTgt spid="6"/>
                                         </p:tgtEl>
                                       </p:cBhvr>
                                     </p:animEffect>
@@ -5447,7 +6543,7 @@
 </p:sld>
 </file>
 
-<file path=ppt/slides/slide15.xml><?xml version="1.0" encoding="utf-8"?>
+<file path=ppt/slides/slide17.xml><?xml version="1.0" encoding="utf-8"?>
 <p:sld xmlns:a="http://schemas.openxmlformats.org/drawingml/2006/main" xmlns:r="http://schemas.openxmlformats.org/officeDocument/2006/relationships" xmlns:p="http://schemas.openxmlformats.org/presentationml/2006/main">
   <p:cSld>
     <p:spTree>
@@ -5466,7 +6562,7 @@
       </p:grpSpPr>
       <p:sp>
         <p:nvSpPr>
-          <p:cNvPr id="5125" name="Slide Number Placeholder 7"/>
+          <p:cNvPr id="17412" name="Slide Number Placeholder 5"/>
           <p:cNvSpPr>
             <a:spLocks noGrp="1"/>
           </p:cNvSpPr>
@@ -5489,134 +6585,18 @@
               <a:rPr lang="en-US" dirty="0" smtClean="0"/>
               <a:t>.</a:t>
             </a:r>
-            <a:fld id="{440333D2-3154-4D4B-AAB9-AB5679BA8A30}" type="slidenum">
+            <a:fld id="{83D78B86-54BD-4C40-B154-E0B4BEB7EE49}" type="slidenum">
               <a:rPr lang="en-US" smtClean="0"/>
               <a:pPr/>
-              <a:t>15</a:t>
+              <a:t>17</a:t>
             </a:fld>
             <a:endParaRPr lang="en-US" dirty="0" smtClean="0"/>
-          </a:p>
-        </p:txBody>
-      </p:sp>
-      <p:graphicFrame>
-        <p:nvGraphicFramePr>
-          <p:cNvPr id="6" name="Object 3"/>
-          <p:cNvGraphicFramePr>
-            <a:graphicFrameLocks noChangeAspect="1"/>
-          </p:cNvGraphicFramePr>
-          <p:nvPr>
-            <p:extLst>
-              <p:ext uri="{D42A27DB-BD31-4B8C-83A1-F6EECF244321}">
-                <p14:modId xmlns:p14="http://schemas.microsoft.com/office/powerpoint/2010/main" val="2618958514"/>
-              </p:ext>
-            </p:extLst>
-          </p:nvPr>
-        </p:nvGraphicFramePr>
-        <p:xfrm>
-          <a:off x="2895600" y="1295400"/>
-          <a:ext cx="6188075" cy="1066800"/>
-        </p:xfrm>
-        <a:graphic>
-          <a:graphicData uri="http://schemas.openxmlformats.org/presentationml/2006/ole">
-            <mc:AlternateContent xmlns:mc="http://schemas.openxmlformats.org/markup-compatibility/2006">
-              <mc:Choice xmlns:v="urn:schemas-microsoft-com:vml" Requires="v">
-                <p:oleObj spid="_x0000_s210009" name="Equation" r:id="rId4" imgW="1397000" imgH="241300" progId="Equation.DSMT4">
-                  <p:embed/>
-                </p:oleObj>
-              </mc:Choice>
-              <mc:Fallback>
-                <p:oleObj name="Equation" r:id="rId4" imgW="1397000" imgH="241300" progId="Equation.DSMT4">
-                  <p:embed/>
-                  <p:pic>
-                    <p:nvPicPr>
-                      <p:cNvPr id="0" name=""/>
-                      <p:cNvPicPr>
-                        <a:picLocks noChangeAspect="1" noChangeArrowheads="1"/>
-                      </p:cNvPicPr>
-                      <p:nvPr/>
-                    </p:nvPicPr>
-                    <p:blipFill>
-                      <a:blip r:embed="rId5"/>
-                      <a:srcRect/>
-                      <a:stretch>
-                        <a:fillRect/>
-                      </a:stretch>
-                    </p:blipFill>
-                    <p:spPr bwMode="auto">
-                      <a:xfrm>
-                        <a:off x="2895600" y="1295400"/>
-                        <a:ext cx="6188075" cy="1066800"/>
-                      </a:xfrm>
-                      <a:prstGeom prst="rect">
-                        <a:avLst/>
-                      </a:prstGeom>
-                      <a:noFill/>
-                      <a:extLst/>
-                    </p:spPr>
-                  </p:pic>
-                </p:oleObj>
-              </mc:Fallback>
-            </mc:AlternateContent>
-          </a:graphicData>
-        </a:graphic>
-      </p:graphicFrame>
-      <p:sp>
-        <p:nvSpPr>
-          <p:cNvPr id="3" name="TextBox 2"/>
-          <p:cNvSpPr txBox="1"/>
-          <p:nvPr/>
-        </p:nvSpPr>
-        <p:spPr>
-          <a:xfrm>
-            <a:off x="152400" y="1295400"/>
-            <a:ext cx="5460900" cy="1754327"/>
-          </a:xfrm>
-          <a:prstGeom prst="rect">
-            <a:avLst/>
-          </a:prstGeom>
-          <a:noFill/>
-        </p:spPr>
-        <p:txBody>
-          <a:bodyPr wrap="none" rtlCol="0">
-            <a:spAutoFit/>
-          </a:bodyPr>
-          <a:lstStyle/>
-          <a:p>
-            <a:r>
-              <a:rPr lang="en-US" sz="5400" dirty="0" smtClean="0">
-                <a:latin typeface="Comic Sans MS" pitchFamily="66" charset="0"/>
-              </a:rPr>
-              <a:t>so each</a:t>
-            </a:r>
-          </a:p>
-          <a:p>
-            <a:r>
-              <a:rPr lang="en-US" sz="5400" dirty="0" smtClean="0">
-                <a:latin typeface="Comic Sans MS" pitchFamily="66" charset="0"/>
-              </a:rPr>
-              <a:t>contributes </a:t>
-            </a:r>
-            <a:r>
-              <a:rPr lang="en-US" sz="5400" dirty="0" smtClean="0">
-                <a:solidFill>
-                  <a:srgbClr val="0000FF"/>
-                </a:solidFill>
-                <a:latin typeface="Comic Sans MS" pitchFamily="66" charset="0"/>
-              </a:rPr>
-              <a:t>0</a:t>
-            </a:r>
-            <a:r>
-              <a:rPr lang="en-US" sz="5400" dirty="0" smtClean="0">
-                <a:latin typeface="Comic Sans MS" pitchFamily="66" charset="0"/>
-              </a:rPr>
-              <a:t> to </a:t>
-            </a:r>
           </a:p>
         </p:txBody>
       </p:sp>
       <p:sp>
         <p:nvSpPr>
-          <p:cNvPr id="11" name="Rectangle 2"/>
+          <p:cNvPr id="17413" name="Rectangle 2"/>
           <p:cNvSpPr>
             <a:spLocks noGrp="1" noChangeArrowheads="1"/>
           </p:cNvSpPr>
@@ -5650,60 +6630,769 @@
           </a:p>
         </p:txBody>
       </p:sp>
+      <p:sp>
+        <p:nvSpPr>
+          <p:cNvPr id="2" name="TextBox 1"/>
+          <p:cNvSpPr txBox="1"/>
+          <p:nvPr/>
+        </p:nvSpPr>
+        <p:spPr>
+          <a:xfrm>
+            <a:off x="0" y="1219200"/>
+            <a:ext cx="8915400" cy="1938992"/>
+          </a:xfrm>
+          <a:prstGeom prst="rect">
+            <a:avLst/>
+          </a:prstGeom>
+          <a:noFill/>
+        </p:spPr>
+        <p:txBody>
+          <a:bodyPr wrap="square" rtlCol="0">
+            <a:spAutoFit/>
+          </a:bodyPr>
+          <a:lstStyle/>
+          <a:p>
+            <a:pPr>
+              <a:spcAft>
+                <a:spcPts val="0"/>
+              </a:spcAft>
+            </a:pPr>
+            <a:r>
+              <a:rPr lang="en-US" sz="6000" dirty="0">
+                <a:latin typeface="Comic Sans MS" pitchFamily="66" charset="0"/>
+              </a:rPr>
+              <a:t>If </a:t>
+            </a:r>
+            <a:r>
+              <a:rPr lang="en-US" sz="6000" dirty="0" smtClean="0">
+                <a:solidFill>
+                  <a:srgbClr val="0000FF"/>
+                </a:solidFill>
+                <a:latin typeface="Comic Sans MS" pitchFamily="66" charset="0"/>
+              </a:rPr>
+              <a:t>k</a:t>
+            </a:r>
+            <a:r>
+              <a:rPr lang="en-US" sz="6000" dirty="0" smtClean="0">
+                <a:latin typeface="Comic Sans MS" pitchFamily="66" charset="0"/>
+              </a:rPr>
+              <a:t> of the </a:t>
+            </a:r>
+            <a:r>
+              <a:rPr lang="en-US" sz="6000" dirty="0" err="1" smtClean="0">
+                <a:solidFill>
+                  <a:srgbClr val="0000FF"/>
+                </a:solidFill>
+                <a:latin typeface="Comic Sans MS" pitchFamily="66" charset="0"/>
+              </a:rPr>
+              <a:t>A</a:t>
+            </a:r>
+            <a:r>
+              <a:rPr lang="en-US" sz="5400" baseline="-25000" dirty="0" err="1" smtClean="0">
+                <a:solidFill>
+                  <a:srgbClr val="0000FF"/>
+                </a:solidFill>
+                <a:latin typeface="Comic Sans MS" pitchFamily="66" charset="0"/>
+              </a:rPr>
+              <a:t>j</a:t>
+            </a:r>
+            <a:r>
+              <a:rPr lang="en-US" sz="5400" dirty="0" err="1" smtClean="0">
+                <a:solidFill>
+                  <a:schemeClr val="tx1">
+                    <a:lumMod val="95000"/>
+                    <a:lumOff val="5000"/>
+                  </a:schemeClr>
+                </a:solidFill>
+                <a:latin typeface="Comic Sans MS" pitchFamily="66" charset="0"/>
+              </a:rPr>
+              <a:t>’s</a:t>
+            </a:r>
+            <a:r>
+              <a:rPr lang="en-US" sz="5400" dirty="0" smtClean="0">
+                <a:solidFill>
+                  <a:schemeClr val="tx1">
+                    <a:lumMod val="95000"/>
+                    <a:lumOff val="5000"/>
+                  </a:schemeClr>
+                </a:solidFill>
+                <a:latin typeface="Comic Sans MS" pitchFamily="66" charset="0"/>
+              </a:rPr>
+              <a:t> include </a:t>
+            </a:r>
+            <a:r>
+              <a:rPr lang="en-US" sz="6000" dirty="0" smtClean="0">
+                <a:solidFill>
+                  <a:srgbClr val="0000FF"/>
+                </a:solidFill>
+                <a:latin typeface="Comic Sans MS" pitchFamily="66" charset="0"/>
+              </a:rPr>
+              <a:t>a</a:t>
+            </a:r>
+            <a:r>
+              <a:rPr lang="en-US" sz="6000" dirty="0" smtClean="0">
+                <a:solidFill>
+                  <a:schemeClr val="tx1">
+                    <a:lumMod val="95000"/>
+                    <a:lumOff val="5000"/>
+                  </a:schemeClr>
+                </a:solidFill>
+                <a:latin typeface="Comic Sans MS" pitchFamily="66" charset="0"/>
+              </a:rPr>
+              <a:t>,</a:t>
+            </a:r>
+          </a:p>
+          <a:p>
+            <a:pPr>
+              <a:spcAft>
+                <a:spcPts val="0"/>
+              </a:spcAft>
+            </a:pPr>
+            <a:r>
+              <a:rPr lang="en-US" sz="6000" dirty="0" smtClean="0">
+                <a:latin typeface="Comic Sans MS" pitchFamily="66" charset="0"/>
+              </a:rPr>
+              <a:t>then </a:t>
+            </a:r>
+            <a:endParaRPr lang="en-US" sz="6000" b="1" dirty="0" smtClean="0">
+              <a:latin typeface="Euclid Symbol" charset="2"/>
+              <a:cs typeface="Euclid Symbol" charset="2"/>
+            </a:endParaRPr>
+          </a:p>
+        </p:txBody>
+      </p:sp>
       <p:graphicFrame>
         <p:nvGraphicFramePr>
-          <p:cNvPr id="8" name="Object 4"/>
+          <p:cNvPr id="3" name="Object 2"/>
           <p:cNvGraphicFramePr>
             <a:graphicFrameLocks noChangeAspect="1"/>
           </p:cNvGraphicFramePr>
           <p:nvPr>
             <p:extLst>
               <p:ext uri="{D42A27DB-BD31-4B8C-83A1-F6EECF244321}">
-                <p14:modId xmlns:p14="http://schemas.microsoft.com/office/powerpoint/2010/main" val="1417885281"/>
+                <p14:modId xmlns:p14="http://schemas.microsoft.com/office/powerpoint/2010/main" val="1311331584"/>
               </p:ext>
             </p:extLst>
           </p:nvPr>
         </p:nvGraphicFramePr>
         <p:xfrm>
-          <a:off x="1468438" y="3048000"/>
-          <a:ext cx="6207125" cy="1947863"/>
+          <a:off x="7404100" y="4406900"/>
+          <a:ext cx="139700" cy="215900"/>
         </p:xfrm>
         <a:graphic>
           <a:graphicData uri="http://schemas.openxmlformats.org/presentationml/2006/ole">
             <mc:AlternateContent xmlns:mc="http://schemas.openxmlformats.org/markup-compatibility/2006">
               <mc:Choice xmlns:v="urn:schemas-microsoft-com:vml" Requires="v">
-                <p:oleObj spid="_x0000_s210010" name="Equation" r:id="rId6" imgW="1130300" imgH="355600" progId="Equation.DSMT4">
+                <p:oleObj spid="_x0000_s245767" name="Equation" r:id="rId4" imgW="139700" imgH="215900" progId="Equation.DSMT4">
                   <p:embed/>
                 </p:oleObj>
               </mc:Choice>
               <mc:Fallback>
-                <p:oleObj name="Equation" r:id="rId6" imgW="1130300" imgH="355600" progId="Equation.DSMT4">
+                <p:oleObj name="Equation" r:id="rId4" imgW="139700" imgH="215900" progId="Equation.DSMT4">
                   <p:embed/>
                   <p:pic>
                     <p:nvPicPr>
                       <p:cNvPr id="0" name=""/>
-                      <p:cNvPicPr>
-                        <a:picLocks noChangeAspect="1" noChangeArrowheads="1"/>
-                      </p:cNvPicPr>
+                      <p:cNvPicPr/>
                       <p:nvPr/>
                     </p:nvPicPr>
                     <p:blipFill>
-                      <a:blip r:embed="rId7"/>
-                      <a:srcRect/>
+                      <a:blip r:embed="rId5"/>
                       <a:stretch>
                         <a:fillRect/>
                       </a:stretch>
                     </p:blipFill>
-                    <p:spPr bwMode="auto">
+                    <p:spPr>
                       <a:xfrm>
-                        <a:off x="1468438" y="3048000"/>
-                        <a:ext cx="6207125" cy="1947863"/>
+                        <a:off x="7404100" y="4406900"/>
+                        <a:ext cx="139700" cy="215900"/>
                       </a:xfrm>
                       <a:prstGeom prst="rect">
                         <a:avLst/>
                       </a:prstGeom>
-                      <a:noFill/>
-                      <a:extLst/>
+                    </p:spPr>
+                  </p:pic>
+                </p:oleObj>
+              </mc:Fallback>
+            </mc:AlternateContent>
+          </a:graphicData>
+        </a:graphic>
+      </p:graphicFrame>
+      <p:graphicFrame>
+        <p:nvGraphicFramePr>
+          <p:cNvPr id="5" name="Object 4"/>
+          <p:cNvGraphicFramePr>
+            <a:graphicFrameLocks noChangeAspect="1"/>
+          </p:cNvGraphicFramePr>
+          <p:nvPr>
+            <p:extLst>
+              <p:ext uri="{D42A27DB-BD31-4B8C-83A1-F6EECF244321}">
+                <p14:modId xmlns:p14="http://schemas.microsoft.com/office/powerpoint/2010/main" val="3999775030"/>
+              </p:ext>
+            </p:extLst>
+          </p:nvPr>
+        </p:nvGraphicFramePr>
+        <p:xfrm>
+          <a:off x="7404100" y="4406900"/>
+          <a:ext cx="139700" cy="215900"/>
+        </p:xfrm>
+        <a:graphic>
+          <a:graphicData uri="http://schemas.openxmlformats.org/presentationml/2006/ole">
+            <mc:AlternateContent xmlns:mc="http://schemas.openxmlformats.org/markup-compatibility/2006">
+              <mc:Choice xmlns:v="urn:schemas-microsoft-com:vml" Requires="v">
+                <p:oleObj spid="_x0000_s245768" name="Equation" r:id="rId6" imgW="139700" imgH="215900" progId="Equation.DSMT4">
+                  <p:embed/>
+                </p:oleObj>
+              </mc:Choice>
+              <mc:Fallback>
+                <p:oleObj name="Equation" r:id="rId6" imgW="139700" imgH="215900" progId="Equation.DSMT4">
+                  <p:embed/>
+                  <p:pic>
+                    <p:nvPicPr>
+                      <p:cNvPr id="0" name=""/>
+                      <p:cNvPicPr/>
+                      <p:nvPr/>
+                    </p:nvPicPr>
+                    <p:blipFill>
+                      <a:blip r:embed="rId5"/>
+                      <a:stretch>
+                        <a:fillRect/>
+                      </a:stretch>
+                    </p:blipFill>
+                    <p:spPr>
+                      <a:xfrm>
+                        <a:off x="7404100" y="4406900"/>
+                        <a:ext cx="139700" cy="215900"/>
+                      </a:xfrm>
+                      <a:prstGeom prst="rect">
+                        <a:avLst/>
+                      </a:prstGeom>
+                    </p:spPr>
+                  </p:pic>
+                </p:oleObj>
+              </mc:Fallback>
+            </mc:AlternateContent>
+          </a:graphicData>
+        </a:graphic>
+      </p:graphicFrame>
+      <p:graphicFrame>
+        <p:nvGraphicFramePr>
+          <p:cNvPr id="7" name="Object 6"/>
+          <p:cNvGraphicFramePr>
+            <a:graphicFrameLocks noChangeAspect="1"/>
+          </p:cNvGraphicFramePr>
+          <p:nvPr>
+            <p:extLst>
+              <p:ext uri="{D42A27DB-BD31-4B8C-83A1-F6EECF244321}">
+                <p14:modId xmlns:p14="http://schemas.microsoft.com/office/powerpoint/2010/main" val="312334529"/>
+              </p:ext>
+            </p:extLst>
+          </p:nvPr>
+        </p:nvGraphicFramePr>
+        <p:xfrm>
+          <a:off x="152400" y="2593041"/>
+          <a:ext cx="4191000" cy="2588559"/>
+        </p:xfrm>
+        <a:graphic>
+          <a:graphicData uri="http://schemas.openxmlformats.org/presentationml/2006/ole">
+            <mc:AlternateContent xmlns:mc="http://schemas.openxmlformats.org/markup-compatibility/2006">
+              <mc:Choice xmlns:v="urn:schemas-microsoft-com:vml" Requires="v">
+                <p:oleObj spid="_x0000_s245769" name="Equation" r:id="rId7" imgW="863600" imgH="533400" progId="Equation.DSMT4">
+                  <p:embed/>
+                </p:oleObj>
+              </mc:Choice>
+              <mc:Fallback>
+                <p:oleObj name="Equation" r:id="rId7" imgW="863600" imgH="533400" progId="Equation.DSMT4">
+                  <p:embed/>
+                  <p:pic>
+                    <p:nvPicPr>
+                      <p:cNvPr id="0" name=""/>
+                      <p:cNvPicPr/>
+                      <p:nvPr/>
+                    </p:nvPicPr>
+                    <p:blipFill>
+                      <a:blip r:embed="rId8"/>
+                      <a:stretch>
+                        <a:fillRect/>
+                      </a:stretch>
+                    </p:blipFill>
+                    <p:spPr>
+                      <a:xfrm>
+                        <a:off x="152400" y="2593041"/>
+                        <a:ext cx="4191000" cy="2588559"/>
+                      </a:xfrm>
+                      <a:prstGeom prst="rect">
+                        <a:avLst/>
+                      </a:prstGeom>
+                    </p:spPr>
+                  </p:pic>
+                </p:oleObj>
+              </mc:Fallback>
+            </mc:AlternateContent>
+          </a:graphicData>
+        </a:graphic>
+      </p:graphicFrame>
+    </p:spTree>
+    <p:extLst>
+      <p:ext uri="{BB962C8B-B14F-4D97-AF65-F5344CB8AC3E}">
+        <p14:creationId xmlns:p14="http://schemas.microsoft.com/office/powerpoint/2010/main" val="3376354410"/>
+      </p:ext>
+    </p:extLst>
+  </p:cSld>
+  <p:clrMapOvr>
+    <a:masterClrMapping/>
+  </p:clrMapOvr>
+  <p:transition xmlns:p14="http://schemas.microsoft.com/office/powerpoint/2010/main" spd="slow" advClick="0">
+    <p:fade/>
+  </p:transition>
+  <p:timing>
+    <p:tnLst>
+      <p:par>
+        <p:cTn xmlns:p14="http://schemas.microsoft.com/office/powerpoint/2010/main" id="1" dur="indefinite" restart="never" nodeType="tmRoot"/>
+      </p:par>
+    </p:tnLst>
+  </p:timing>
+</p:sld>
+</file>
+
+<file path=ppt/slides/slide18.xml><?xml version="1.0" encoding="utf-8"?>
+<p:sld xmlns:a="http://schemas.openxmlformats.org/drawingml/2006/main" xmlns:r="http://schemas.openxmlformats.org/officeDocument/2006/relationships" xmlns:p="http://schemas.openxmlformats.org/presentationml/2006/main">
+  <p:cSld>
+    <p:spTree>
+      <p:nvGrpSpPr>
+        <p:cNvPr id="1" name=""/>
+        <p:cNvGrpSpPr/>
+        <p:nvPr/>
+      </p:nvGrpSpPr>
+      <p:grpSpPr>
+        <a:xfrm>
+          <a:off x="0" y="0"/>
+          <a:ext cx="0" cy="0"/>
+          <a:chOff x="0" y="0"/>
+          <a:chExt cx="0" cy="0"/>
+        </a:xfrm>
+      </p:grpSpPr>
+      <p:sp>
+        <p:nvSpPr>
+          <p:cNvPr id="17412" name="Slide Number Placeholder 5"/>
+          <p:cNvSpPr>
+            <a:spLocks noGrp="1"/>
+          </p:cNvSpPr>
+          <p:nvPr>
+            <p:ph type="sldNum" sz="quarter" idx="10"/>
+          </p:nvPr>
+        </p:nvSpPr>
+        <p:spPr>
+          <a:noFill/>
+        </p:spPr>
+        <p:txBody>
+          <a:bodyPr/>
+          <a:lstStyle/>
+          <a:p>
+            <a:r>
+              <a:rPr lang="en-US" dirty="0" err="1" smtClean="0"/>
+              <a:t>incexcbinom</a:t>
+            </a:r>
+            <a:r>
+              <a:rPr lang="en-US" dirty="0" smtClean="0"/>
+              <a:t>.</a:t>
+            </a:r>
+            <a:fld id="{83D78B86-54BD-4C40-B154-E0B4BEB7EE49}" type="slidenum">
+              <a:rPr lang="en-US" smtClean="0"/>
+              <a:pPr/>
+              <a:t>18</a:t>
+            </a:fld>
+            <a:endParaRPr lang="en-US" dirty="0" smtClean="0"/>
+          </a:p>
+        </p:txBody>
+      </p:sp>
+      <p:sp>
+        <p:nvSpPr>
+          <p:cNvPr id="17413" name="Rectangle 2"/>
+          <p:cNvSpPr>
+            <a:spLocks noGrp="1" noChangeArrowheads="1"/>
+          </p:cNvSpPr>
+          <p:nvPr>
+            <p:ph type="title"/>
+          </p:nvPr>
+        </p:nvSpPr>
+        <p:spPr>
+          <a:xfrm>
+            <a:off x="1295400" y="152400"/>
+            <a:ext cx="6781800" cy="1219200"/>
+          </a:xfrm>
+        </p:spPr>
+        <p:txBody>
+          <a:bodyPr/>
+          <a:lstStyle/>
+          <a:p>
+            <a:pPr eaLnBrk="1" hangingPunct="1"/>
+            <a:r>
+              <a:rPr lang="en-US" sz="4400" dirty="0" smtClean="0"/>
+              <a:t>Binomial </a:t>
+            </a:r>
+            <a:r>
+              <a:rPr lang="en-US" sz="4400" dirty="0"/>
+              <a:t>C</a:t>
+            </a:r>
+            <a:r>
+              <a:rPr lang="en-US" sz="4400" dirty="0" smtClean="0"/>
+              <a:t>ounting proof</a:t>
+            </a:r>
+          </a:p>
+        </p:txBody>
+      </p:sp>
+      <p:sp>
+        <p:nvSpPr>
+          <p:cNvPr id="2" name="TextBox 1"/>
+          <p:cNvSpPr txBox="1"/>
+          <p:nvPr/>
+        </p:nvSpPr>
+        <p:spPr>
+          <a:xfrm>
+            <a:off x="0" y="1219200"/>
+            <a:ext cx="8915400" cy="1938992"/>
+          </a:xfrm>
+          <a:prstGeom prst="rect">
+            <a:avLst/>
+          </a:prstGeom>
+          <a:noFill/>
+        </p:spPr>
+        <p:txBody>
+          <a:bodyPr wrap="square" rtlCol="0">
+            <a:spAutoFit/>
+          </a:bodyPr>
+          <a:lstStyle/>
+          <a:p>
+            <a:pPr>
+              <a:spcAft>
+                <a:spcPts val="0"/>
+              </a:spcAft>
+            </a:pPr>
+            <a:r>
+              <a:rPr lang="en-US" sz="6000" dirty="0">
+                <a:latin typeface="Comic Sans MS" pitchFamily="66" charset="0"/>
+              </a:rPr>
+              <a:t>If </a:t>
+            </a:r>
+            <a:r>
+              <a:rPr lang="en-US" sz="6000" dirty="0" smtClean="0">
+                <a:solidFill>
+                  <a:srgbClr val="0000FF"/>
+                </a:solidFill>
+                <a:latin typeface="Comic Sans MS" pitchFamily="66" charset="0"/>
+              </a:rPr>
+              <a:t>k</a:t>
+            </a:r>
+            <a:r>
+              <a:rPr lang="en-US" sz="6000" dirty="0" smtClean="0">
+                <a:latin typeface="Comic Sans MS" pitchFamily="66" charset="0"/>
+              </a:rPr>
+              <a:t> of the </a:t>
+            </a:r>
+            <a:r>
+              <a:rPr lang="en-US" sz="6000" dirty="0" err="1" smtClean="0">
+                <a:solidFill>
+                  <a:srgbClr val="0000FF"/>
+                </a:solidFill>
+                <a:latin typeface="Comic Sans MS" pitchFamily="66" charset="0"/>
+              </a:rPr>
+              <a:t>A</a:t>
+            </a:r>
+            <a:r>
+              <a:rPr lang="en-US" sz="5400" baseline="-25000" dirty="0" err="1" smtClean="0">
+                <a:solidFill>
+                  <a:srgbClr val="0000FF"/>
+                </a:solidFill>
+                <a:latin typeface="Comic Sans MS" pitchFamily="66" charset="0"/>
+              </a:rPr>
+              <a:t>j</a:t>
+            </a:r>
+            <a:r>
+              <a:rPr lang="en-US" sz="5400" dirty="0" err="1" smtClean="0">
+                <a:solidFill>
+                  <a:schemeClr val="tx1">
+                    <a:lumMod val="95000"/>
+                    <a:lumOff val="5000"/>
+                  </a:schemeClr>
+                </a:solidFill>
+                <a:latin typeface="Comic Sans MS" pitchFamily="66" charset="0"/>
+              </a:rPr>
+              <a:t>’s</a:t>
+            </a:r>
+            <a:r>
+              <a:rPr lang="en-US" sz="5400" dirty="0" smtClean="0">
+                <a:solidFill>
+                  <a:schemeClr val="tx1">
+                    <a:lumMod val="95000"/>
+                    <a:lumOff val="5000"/>
+                  </a:schemeClr>
+                </a:solidFill>
+                <a:latin typeface="Comic Sans MS" pitchFamily="66" charset="0"/>
+              </a:rPr>
+              <a:t> include </a:t>
+            </a:r>
+            <a:r>
+              <a:rPr lang="en-US" sz="6000" dirty="0" smtClean="0">
+                <a:solidFill>
+                  <a:srgbClr val="0000FF"/>
+                </a:solidFill>
+                <a:latin typeface="Comic Sans MS" pitchFamily="66" charset="0"/>
+              </a:rPr>
+              <a:t>a</a:t>
+            </a:r>
+            <a:r>
+              <a:rPr lang="en-US" sz="6000" dirty="0" smtClean="0">
+                <a:solidFill>
+                  <a:schemeClr val="tx1">
+                    <a:lumMod val="95000"/>
+                    <a:lumOff val="5000"/>
+                  </a:schemeClr>
+                </a:solidFill>
+                <a:latin typeface="Comic Sans MS" pitchFamily="66" charset="0"/>
+              </a:rPr>
+              <a:t>,</a:t>
+            </a:r>
+          </a:p>
+          <a:p>
+            <a:pPr>
+              <a:spcAft>
+                <a:spcPts val="0"/>
+              </a:spcAft>
+            </a:pPr>
+            <a:r>
+              <a:rPr lang="en-US" sz="6000" dirty="0" smtClean="0">
+                <a:latin typeface="Comic Sans MS" pitchFamily="66" charset="0"/>
+              </a:rPr>
+              <a:t>then </a:t>
+            </a:r>
+            <a:endParaRPr lang="en-US" sz="6000" b="1" dirty="0" smtClean="0">
+              <a:latin typeface="Euclid Symbol" charset="2"/>
+              <a:cs typeface="Euclid Symbol" charset="2"/>
+            </a:endParaRPr>
+          </a:p>
+        </p:txBody>
+      </p:sp>
+      <p:graphicFrame>
+        <p:nvGraphicFramePr>
+          <p:cNvPr id="3" name="Object 2"/>
+          <p:cNvGraphicFramePr>
+            <a:graphicFrameLocks noChangeAspect="1"/>
+          </p:cNvGraphicFramePr>
+          <p:nvPr>
+            <p:extLst>
+              <p:ext uri="{D42A27DB-BD31-4B8C-83A1-F6EECF244321}">
+                <p14:modId xmlns:p14="http://schemas.microsoft.com/office/powerpoint/2010/main" val="945755997"/>
+              </p:ext>
+            </p:extLst>
+          </p:nvPr>
+        </p:nvGraphicFramePr>
+        <p:xfrm>
+          <a:off x="7404100" y="4406900"/>
+          <a:ext cx="139700" cy="215900"/>
+        </p:xfrm>
+        <a:graphic>
+          <a:graphicData uri="http://schemas.openxmlformats.org/presentationml/2006/ole">
+            <mc:AlternateContent xmlns:mc="http://schemas.openxmlformats.org/markup-compatibility/2006">
+              <mc:Choice xmlns:v="urn:schemas-microsoft-com:vml" Requires="v">
+                <p:oleObj spid="_x0000_s249861" name="Equation" r:id="rId4" imgW="139700" imgH="215900" progId="Equation.DSMT4">
+                  <p:embed/>
+                </p:oleObj>
+              </mc:Choice>
+              <mc:Fallback>
+                <p:oleObj name="Equation" r:id="rId4" imgW="139700" imgH="215900" progId="Equation.DSMT4">
+                  <p:embed/>
+                  <p:pic>
+                    <p:nvPicPr>
+                      <p:cNvPr id="0" name=""/>
+                      <p:cNvPicPr/>
+                      <p:nvPr/>
+                    </p:nvPicPr>
+                    <p:blipFill>
+                      <a:blip r:embed="rId5"/>
+                      <a:stretch>
+                        <a:fillRect/>
+                      </a:stretch>
+                    </p:blipFill>
+                    <p:spPr>
+                      <a:xfrm>
+                        <a:off x="7404100" y="4406900"/>
+                        <a:ext cx="139700" cy="215900"/>
+                      </a:xfrm>
+                      <a:prstGeom prst="rect">
+                        <a:avLst/>
+                      </a:prstGeom>
+                    </p:spPr>
+                  </p:pic>
+                </p:oleObj>
+              </mc:Fallback>
+            </mc:AlternateContent>
+          </a:graphicData>
+        </a:graphic>
+      </p:graphicFrame>
+      <p:graphicFrame>
+        <p:nvGraphicFramePr>
+          <p:cNvPr id="5" name="Object 4"/>
+          <p:cNvGraphicFramePr>
+            <a:graphicFrameLocks noChangeAspect="1"/>
+          </p:cNvGraphicFramePr>
+          <p:nvPr>
+            <p:extLst>
+              <p:ext uri="{D42A27DB-BD31-4B8C-83A1-F6EECF244321}">
+                <p14:modId xmlns:p14="http://schemas.microsoft.com/office/powerpoint/2010/main" val="2188170612"/>
+              </p:ext>
+            </p:extLst>
+          </p:nvPr>
+        </p:nvGraphicFramePr>
+        <p:xfrm>
+          <a:off x="7404100" y="4406900"/>
+          <a:ext cx="139700" cy="215900"/>
+        </p:xfrm>
+        <a:graphic>
+          <a:graphicData uri="http://schemas.openxmlformats.org/presentationml/2006/ole">
+            <mc:AlternateContent xmlns:mc="http://schemas.openxmlformats.org/markup-compatibility/2006">
+              <mc:Choice xmlns:v="urn:schemas-microsoft-com:vml" Requires="v">
+                <p:oleObj spid="_x0000_s249862" name="Equation" r:id="rId6" imgW="139700" imgH="215900" progId="Equation.DSMT4">
+                  <p:embed/>
+                </p:oleObj>
+              </mc:Choice>
+              <mc:Fallback>
+                <p:oleObj name="Equation" r:id="rId6" imgW="139700" imgH="215900" progId="Equation.DSMT4">
+                  <p:embed/>
+                  <p:pic>
+                    <p:nvPicPr>
+                      <p:cNvPr id="0" name=""/>
+                      <p:cNvPicPr/>
+                      <p:nvPr/>
+                    </p:nvPicPr>
+                    <p:blipFill>
+                      <a:blip r:embed="rId5"/>
+                      <a:stretch>
+                        <a:fillRect/>
+                      </a:stretch>
+                    </p:blipFill>
+                    <p:spPr>
+                      <a:xfrm>
+                        <a:off x="7404100" y="4406900"/>
+                        <a:ext cx="139700" cy="215900"/>
+                      </a:xfrm>
+                      <a:prstGeom prst="rect">
+                        <a:avLst/>
+                      </a:prstGeom>
+                    </p:spPr>
+                  </p:pic>
+                </p:oleObj>
+              </mc:Fallback>
+            </mc:AlternateContent>
+          </a:graphicData>
+        </a:graphic>
+      </p:graphicFrame>
+      <p:graphicFrame>
+        <p:nvGraphicFramePr>
+          <p:cNvPr id="7" name="Object 6"/>
+          <p:cNvGraphicFramePr>
+            <a:graphicFrameLocks noChangeAspect="1"/>
+          </p:cNvGraphicFramePr>
+          <p:nvPr>
+            <p:extLst>
+              <p:ext uri="{D42A27DB-BD31-4B8C-83A1-F6EECF244321}">
+                <p14:modId xmlns:p14="http://schemas.microsoft.com/office/powerpoint/2010/main" val="2059159772"/>
+              </p:ext>
+            </p:extLst>
+          </p:nvPr>
+        </p:nvGraphicFramePr>
+        <p:xfrm>
+          <a:off x="152400" y="2593041"/>
+          <a:ext cx="4191000" cy="2588559"/>
+        </p:xfrm>
+        <a:graphic>
+          <a:graphicData uri="http://schemas.openxmlformats.org/presentationml/2006/ole">
+            <mc:AlternateContent xmlns:mc="http://schemas.openxmlformats.org/markup-compatibility/2006">
+              <mc:Choice xmlns:v="urn:schemas-microsoft-com:vml" Requires="v">
+                <p:oleObj spid="_x0000_s249863" name="Equation" r:id="rId7" imgW="863600" imgH="533400" progId="Equation.DSMT4">
+                  <p:embed/>
+                </p:oleObj>
+              </mc:Choice>
+              <mc:Fallback>
+                <p:oleObj name="Equation" r:id="rId7" imgW="863600" imgH="533400" progId="Equation.DSMT4">
+                  <p:embed/>
+                  <p:pic>
+                    <p:nvPicPr>
+                      <p:cNvPr id="0" name=""/>
+                      <p:cNvPicPr/>
+                      <p:nvPr/>
+                    </p:nvPicPr>
+                    <p:blipFill>
+                      <a:blip r:embed="rId8"/>
+                      <a:stretch>
+                        <a:fillRect/>
+                      </a:stretch>
+                    </p:blipFill>
+                    <p:spPr>
+                      <a:xfrm>
+                        <a:off x="152400" y="2593041"/>
+                        <a:ext cx="4191000" cy="2588559"/>
+                      </a:xfrm>
+                      <a:prstGeom prst="rect">
+                        <a:avLst/>
+                      </a:prstGeom>
+                    </p:spPr>
+                  </p:pic>
+                </p:oleObj>
+              </mc:Fallback>
+            </mc:AlternateContent>
+          </a:graphicData>
+        </a:graphic>
+      </p:graphicFrame>
+      <p:graphicFrame>
+        <p:nvGraphicFramePr>
+          <p:cNvPr id="8" name="Object 7"/>
+          <p:cNvGraphicFramePr>
+            <a:graphicFrameLocks noChangeAspect="1"/>
+          </p:cNvGraphicFramePr>
+          <p:nvPr>
+            <p:extLst>
+              <p:ext uri="{D42A27DB-BD31-4B8C-83A1-F6EECF244321}">
+                <p14:modId xmlns:p14="http://schemas.microsoft.com/office/powerpoint/2010/main" val="3634380603"/>
+              </p:ext>
+            </p:extLst>
+          </p:nvPr>
+        </p:nvGraphicFramePr>
+        <p:xfrm>
+          <a:off x="4340225" y="3200400"/>
+          <a:ext cx="4498975" cy="1231900"/>
+        </p:xfrm>
+        <a:graphic>
+          <a:graphicData uri="http://schemas.openxmlformats.org/presentationml/2006/ole">
+            <mc:AlternateContent xmlns:mc="http://schemas.openxmlformats.org/markup-compatibility/2006">
+              <mc:Choice xmlns:v="urn:schemas-microsoft-com:vml" Requires="v">
+                <p:oleObj spid="_x0000_s249864" name="Equation" r:id="rId9" imgW="927100" imgH="254000" progId="Equation.DSMT4">
+                  <p:embed/>
+                </p:oleObj>
+              </mc:Choice>
+              <mc:Fallback>
+                <p:oleObj name="Equation" r:id="rId9" imgW="927100" imgH="254000" progId="Equation.DSMT4">
+                  <p:embed/>
+                  <p:pic>
+                    <p:nvPicPr>
+                      <p:cNvPr id="0" name=""/>
+                      <p:cNvPicPr/>
+                      <p:nvPr/>
+                    </p:nvPicPr>
+                    <p:blipFill>
+                      <a:blip r:embed="rId10"/>
+                      <a:stretch>
+                        <a:fillRect/>
+                      </a:stretch>
+                    </p:blipFill>
+                    <p:spPr>
+                      <a:xfrm>
+                        <a:off x="4340225" y="3200400"/>
+                        <a:ext cx="4498975" cy="1231900"/>
+                      </a:xfrm>
+                      <a:prstGeom prst="rect">
+                        <a:avLst/>
+                      </a:prstGeom>
                     </p:spPr>
                   </p:pic>
                 </p:oleObj>
@@ -5720,7 +7409,7 @@
         </p:nvSpPr>
         <p:spPr>
           <a:xfrm>
-            <a:off x="3429000" y="304800"/>
+            <a:off x="3429000" y="4953000"/>
             <a:ext cx="2464938" cy="1323439"/>
           </a:xfrm>
           <a:prstGeom prst="rect">
@@ -5749,14 +7438,14 @@
     </p:spTree>
     <p:extLst>
       <p:ext uri="{BB962C8B-B14F-4D97-AF65-F5344CB8AC3E}">
-        <p14:creationId xmlns:p14="http://schemas.microsoft.com/office/powerpoint/2010/main" val="2487465792"/>
+        <p14:creationId xmlns:p14="http://schemas.microsoft.com/office/powerpoint/2010/main" val="2703840527"/>
       </p:ext>
     </p:extLst>
   </p:cSld>
   <p:clrMapOvr>
     <a:masterClrMapping/>
   </p:clrMapOvr>
-  <p:transition xmlns:p14="http://schemas.microsoft.com/office/powerpoint/2010/main" spd="slow" advClick="0">
+  <p:transition xmlns:p14="http://schemas.microsoft.com/office/powerpoint/2010/main" advClick="0">
     <p:fade/>
   </p:transition>
   <p:timing>
@@ -5771,6 +7460,9 @@
                     <p:cTn id="3" fill="hold">
                       <p:stCondLst>
                         <p:cond delay="indefinite"/>
+                        <p:cond evt="onBegin" delay="0">
+                          <p:tn val="2"/>
+                        </p:cond>
                       </p:stCondLst>
                       <p:childTnLst>
                         <p:par>
@@ -5780,7 +7472,7 @@
                             </p:stCondLst>
                             <p:childTnLst>
                               <p:par>
-                                <p:cTn id="5" presetID="15" presetClass="entr" presetSubtype="0" fill="hold" grpId="0" nodeType="clickEffect">
+                                <p:cTn id="5" presetID="22" presetClass="entr" presetSubtype="8" fill="hold" nodeType="withEffect">
                                   <p:stCondLst>
                                     <p:cond delay="0"/>
                                   </p:stCondLst>
@@ -5788,6 +7480,59 @@
                                     <p:set>
                                       <p:cBhvr>
                                         <p:cTn id="6" dur="1" fill="hold">
+                                          <p:stCondLst>
+                                            <p:cond delay="0"/>
+                                          </p:stCondLst>
+                                        </p:cTn>
+                                        <p:tgtEl>
+                                          <p:spTgt spid="8"/>
+                                        </p:tgtEl>
+                                        <p:attrNameLst>
+                                          <p:attrName>style.visibility</p:attrName>
+                                        </p:attrNameLst>
+                                      </p:cBhvr>
+                                      <p:to>
+                                        <p:strVal val="visible"/>
+                                      </p:to>
+                                    </p:set>
+                                    <p:animEffect transition="in" filter="wipe(left)">
+                                      <p:cBhvr>
+                                        <p:cTn id="7" dur="500"/>
+                                        <p:tgtEl>
+                                          <p:spTgt spid="8"/>
+                                        </p:tgtEl>
+                                      </p:cBhvr>
+                                    </p:animEffect>
+                                  </p:childTnLst>
+                                </p:cTn>
+                              </p:par>
+                            </p:childTnLst>
+                          </p:cTn>
+                        </p:par>
+                      </p:childTnLst>
+                    </p:cTn>
+                  </p:par>
+                  <p:par>
+                    <p:cTn id="8" fill="hold">
+                      <p:stCondLst>
+                        <p:cond delay="indefinite"/>
+                      </p:stCondLst>
+                      <p:childTnLst>
+                        <p:par>
+                          <p:cTn id="9" fill="hold">
+                            <p:stCondLst>
+                              <p:cond delay="0"/>
+                            </p:stCondLst>
+                            <p:childTnLst>
+                              <p:par>
+                                <p:cTn id="10" presetID="15" presetClass="entr" presetSubtype="0" fill="hold" grpId="0" nodeType="clickEffect">
+                                  <p:stCondLst>
+                                    <p:cond delay="0"/>
+                                  </p:stCondLst>
+                                  <p:childTnLst>
+                                    <p:set>
+                                      <p:cBhvr>
+                                        <p:cTn id="11" dur="1" fill="hold">
                                           <p:stCondLst>
                                             <p:cond delay="0"/>
                                           </p:stCondLst>
@@ -5805,7 +7550,7 @@
                                     </p:set>
                                     <p:anim calcmode="lin" valueType="num">
                                       <p:cBhvr>
-                                        <p:cTn id="7" dur="1000" fill="hold"/>
+                                        <p:cTn id="12" dur="1000" fill="hold"/>
                                         <p:tgtEl>
                                           <p:spTgt spid="9"/>
                                         </p:tgtEl>
@@ -5828,7 +7573,7 @@
                                     </p:anim>
                                     <p:anim calcmode="lin" valueType="num">
                                       <p:cBhvr>
-                                        <p:cTn id="8" dur="1000" fill="hold"/>
+                                        <p:cTn id="13" dur="1000" fill="hold"/>
                                         <p:tgtEl>
                                           <p:spTgt spid="9"/>
                                         </p:tgtEl>
@@ -5851,7 +7596,7 @@
                                     </p:anim>
                                     <p:anim calcmode="lin" valueType="num">
                                       <p:cBhvr>
-                                        <p:cTn id="9" dur="1000" fill="hold"/>
+                                        <p:cTn id="14" dur="1000" fill="hold"/>
                                         <p:tgtEl>
                                           <p:spTgt spid="9"/>
                                         </p:tgtEl>
@@ -5874,7 +7619,7 @@
                                     </p:anim>
                                     <p:anim calcmode="lin" valueType="num">
                                       <p:cBhvr>
-                                        <p:cTn id="10" dur="1000" fill="hold"/>
+                                        <p:cTn id="15" dur="1000" fill="hold"/>
                                         <p:tgtEl>
                                           <p:spTgt spid="9"/>
                                         </p:tgtEl>
@@ -5949,670 +7694,6 @@
           <a:chExt cx="0" cy="0"/>
         </a:xfrm>
       </p:grpSpPr>
-      <p:sp>
-        <p:nvSpPr>
-          <p:cNvPr id="17412" name="Slide Number Placeholder 5"/>
-          <p:cNvSpPr>
-            <a:spLocks noGrp="1"/>
-          </p:cNvSpPr>
-          <p:nvPr>
-            <p:ph type="sldNum" sz="quarter" idx="10"/>
-          </p:nvPr>
-        </p:nvSpPr>
-        <p:spPr>
-          <a:noFill/>
-        </p:spPr>
-        <p:txBody>
-          <a:bodyPr/>
-          <a:lstStyle/>
-          <a:p>
-            <a:r>
-              <a:rPr lang="en-US" dirty="0" err="1" smtClean="0"/>
-              <a:t>incexcbinom</a:t>
-            </a:r>
-            <a:r>
-              <a:rPr lang="en-US" dirty="0" smtClean="0"/>
-              <a:t>.</a:t>
-            </a:r>
-            <a:fld id="{83D78B86-54BD-4C40-B154-E0B4BEB7EE49}" type="slidenum">
-              <a:rPr lang="en-US" smtClean="0"/>
-              <a:pPr/>
-              <a:t>2</a:t>
-            </a:fld>
-            <a:endParaRPr lang="en-US" dirty="0" smtClean="0"/>
-          </a:p>
-        </p:txBody>
-      </p:sp>
-      <p:sp>
-        <p:nvSpPr>
-          <p:cNvPr id="17413" name="Rectangle 2"/>
-          <p:cNvSpPr>
-            <a:spLocks noGrp="1" noChangeArrowheads="1"/>
-          </p:cNvSpPr>
-          <p:nvPr>
-            <p:ph type="title"/>
-          </p:nvPr>
-        </p:nvSpPr>
-        <p:spPr>
-          <a:xfrm>
-            <a:off x="1295400" y="152400"/>
-            <a:ext cx="6781800" cy="1219200"/>
-          </a:xfrm>
-        </p:spPr>
-        <p:txBody>
-          <a:bodyPr/>
-          <a:lstStyle/>
-          <a:p>
-            <a:pPr eaLnBrk="1" hangingPunct="1"/>
-            <a:r>
-              <a:rPr lang="en-US" sz="4400" dirty="0" smtClean="0"/>
-              <a:t>Binomial </a:t>
-            </a:r>
-            <a:r>
-              <a:rPr lang="en-US" sz="4400" dirty="0"/>
-              <a:t>C</a:t>
-            </a:r>
-            <a:r>
-              <a:rPr lang="en-US" sz="4400" dirty="0" smtClean="0"/>
-              <a:t>ounting proof</a:t>
-            </a:r>
-          </a:p>
-        </p:txBody>
-      </p:sp>
-      <p:graphicFrame>
-        <p:nvGraphicFramePr>
-          <p:cNvPr id="3" name="Object 2"/>
-          <p:cNvGraphicFramePr>
-            <a:graphicFrameLocks noChangeAspect="1"/>
-          </p:cNvGraphicFramePr>
-          <p:nvPr>
-            <p:extLst>
-              <p:ext uri="{D42A27DB-BD31-4B8C-83A1-F6EECF244321}">
-                <p14:modId xmlns:p14="http://schemas.microsoft.com/office/powerpoint/2010/main" val="231996843"/>
-              </p:ext>
-            </p:extLst>
-          </p:nvPr>
-        </p:nvGraphicFramePr>
-        <p:xfrm>
-          <a:off x="381000" y="1752600"/>
-          <a:ext cx="3133725" cy="1044575"/>
-        </p:xfrm>
-        <a:graphic>
-          <a:graphicData uri="http://schemas.openxmlformats.org/presentationml/2006/ole">
-            <mc:AlternateContent xmlns:mc="http://schemas.openxmlformats.org/markup-compatibility/2006">
-              <mc:Choice xmlns:v="urn:schemas-microsoft-com:vml" Requires="v">
-                <p:oleObj spid="_x0000_s202833" name="Equation" r:id="rId4" imgW="762000" imgH="254000" progId="Equation.DSMT4">
-                  <p:embed/>
-                </p:oleObj>
-              </mc:Choice>
-              <mc:Fallback>
-                <p:oleObj name="Equation" r:id="rId4" imgW="762000" imgH="254000" progId="Equation.DSMT4">
-                  <p:embed/>
-                  <p:pic>
-                    <p:nvPicPr>
-                      <p:cNvPr id="0" name=""/>
-                      <p:cNvPicPr/>
-                      <p:nvPr/>
-                    </p:nvPicPr>
-                    <p:blipFill>
-                      <a:blip r:embed="rId5"/>
-                      <a:stretch>
-                        <a:fillRect/>
-                      </a:stretch>
-                    </p:blipFill>
-                    <p:spPr>
-                      <a:xfrm>
-                        <a:off x="381000" y="1752600"/>
-                        <a:ext cx="3133725" cy="1044575"/>
-                      </a:xfrm>
-                      <a:prstGeom prst="rect">
-                        <a:avLst/>
-                      </a:prstGeom>
-                    </p:spPr>
-                  </p:pic>
-                </p:oleObj>
-              </mc:Fallback>
-            </mc:AlternateContent>
-          </a:graphicData>
-        </a:graphic>
-      </p:graphicFrame>
-      <p:graphicFrame>
-        <p:nvGraphicFramePr>
-          <p:cNvPr id="4" name="Object 3"/>
-          <p:cNvGraphicFramePr>
-            <a:graphicFrameLocks noChangeAspect="1"/>
-          </p:cNvGraphicFramePr>
-          <p:nvPr>
-            <p:extLst>
-              <p:ext uri="{D42A27DB-BD31-4B8C-83A1-F6EECF244321}">
-                <p14:modId xmlns:p14="http://schemas.microsoft.com/office/powerpoint/2010/main" val="537130185"/>
-              </p:ext>
-            </p:extLst>
-          </p:nvPr>
-        </p:nvGraphicFramePr>
-        <p:xfrm>
-          <a:off x="1524000" y="3657600"/>
-          <a:ext cx="5934321" cy="2286000"/>
-        </p:xfrm>
-        <a:graphic>
-          <a:graphicData uri="http://schemas.openxmlformats.org/presentationml/2006/ole">
-            <mc:AlternateContent xmlns:mc="http://schemas.openxmlformats.org/markup-compatibility/2006">
-              <mc:Choice xmlns:v="urn:schemas-microsoft-com:vml" Requires="v">
-                <p:oleObj spid="_x0000_s202834" name="Equation" r:id="rId6" imgW="1384300" imgH="533400" progId="Equation.DSMT4">
-                  <p:embed/>
-                </p:oleObj>
-              </mc:Choice>
-              <mc:Fallback>
-                <p:oleObj name="Equation" r:id="rId6" imgW="1384300" imgH="533400" progId="Equation.DSMT4">
-                  <p:embed/>
-                  <p:pic>
-                    <p:nvPicPr>
-                      <p:cNvPr id="0" name=""/>
-                      <p:cNvPicPr/>
-                      <p:nvPr/>
-                    </p:nvPicPr>
-                    <p:blipFill>
-                      <a:blip r:embed="rId7"/>
-                      <a:stretch>
-                        <a:fillRect/>
-                      </a:stretch>
-                    </p:blipFill>
-                    <p:spPr>
-                      <a:xfrm>
-                        <a:off x="1524000" y="3657600"/>
-                        <a:ext cx="5934321" cy="2286000"/>
-                      </a:xfrm>
-                      <a:prstGeom prst="rect">
-                        <a:avLst/>
-                      </a:prstGeom>
-                    </p:spPr>
-                  </p:pic>
-                </p:oleObj>
-              </mc:Fallback>
-            </mc:AlternateContent>
-          </a:graphicData>
-        </a:graphic>
-      </p:graphicFrame>
-      <p:graphicFrame>
-        <p:nvGraphicFramePr>
-          <p:cNvPr id="5" name="Object 4"/>
-          <p:cNvGraphicFramePr>
-            <a:graphicFrameLocks noChangeAspect="1"/>
-          </p:cNvGraphicFramePr>
-          <p:nvPr>
-            <p:extLst>
-              <p:ext uri="{D42A27DB-BD31-4B8C-83A1-F6EECF244321}">
-                <p14:modId xmlns:p14="http://schemas.microsoft.com/office/powerpoint/2010/main" val="3023837873"/>
-              </p:ext>
-            </p:extLst>
-          </p:nvPr>
-        </p:nvGraphicFramePr>
-        <p:xfrm>
-          <a:off x="3657599" y="1295400"/>
-          <a:ext cx="4775201" cy="2133600"/>
-        </p:xfrm>
-        <a:graphic>
-          <a:graphicData uri="http://schemas.openxmlformats.org/presentationml/2006/ole">
-            <mc:AlternateContent xmlns:mc="http://schemas.openxmlformats.org/markup-compatibility/2006">
-              <mc:Choice xmlns:v="urn:schemas-microsoft-com:vml" Requires="v">
-                <p:oleObj spid="_x0000_s202835" name="Equation" r:id="rId8" imgW="1193800" imgH="533400" progId="Equation.DSMT4">
-                  <p:embed/>
-                </p:oleObj>
-              </mc:Choice>
-              <mc:Fallback>
-                <p:oleObj name="Equation" r:id="rId8" imgW="1193800" imgH="533400" progId="Equation.DSMT4">
-                  <p:embed/>
-                  <p:pic>
-                    <p:nvPicPr>
-                      <p:cNvPr id="0" name=""/>
-                      <p:cNvPicPr/>
-                      <p:nvPr/>
-                    </p:nvPicPr>
-                    <p:blipFill>
-                      <a:blip r:embed="rId9"/>
-                      <a:stretch>
-                        <a:fillRect/>
-                      </a:stretch>
-                    </p:blipFill>
-                    <p:spPr>
-                      <a:xfrm>
-                        <a:off x="3657599" y="1295400"/>
-                        <a:ext cx="4775201" cy="2133600"/>
-                      </a:xfrm>
-                      <a:prstGeom prst="rect">
-                        <a:avLst/>
-                      </a:prstGeom>
-                    </p:spPr>
-                  </p:pic>
-                </p:oleObj>
-              </mc:Fallback>
-            </mc:AlternateContent>
-          </a:graphicData>
-        </a:graphic>
-      </p:graphicFrame>
-    </p:spTree>
-    <p:extLst>
-      <p:ext uri="{BB962C8B-B14F-4D97-AF65-F5344CB8AC3E}">
-        <p14:creationId xmlns:p14="http://schemas.microsoft.com/office/powerpoint/2010/main" val="547243453"/>
-      </p:ext>
-    </p:extLst>
-  </p:cSld>
-  <p:clrMapOvr>
-    <a:masterClrMapping/>
-  </p:clrMapOvr>
-  <p:transition xmlns:p14="http://schemas.microsoft.com/office/powerpoint/2010/main" spd="slow" advClick="0">
-    <p:fade/>
-  </p:transition>
-  <p:timing>
-    <p:tnLst>
-      <p:par>
-        <p:cTn xmlns:p14="http://schemas.microsoft.com/office/powerpoint/2010/main" id="1" dur="indefinite" restart="never" nodeType="tmRoot">
-          <p:childTnLst>
-            <p:seq concurrent="1" nextAc="seek">
-              <p:cTn id="2" dur="indefinite" nodeType="mainSeq">
-                <p:childTnLst>
-                  <p:par>
-                    <p:cTn id="3" fill="hold">
-                      <p:stCondLst>
-                        <p:cond delay="indefinite"/>
-                      </p:stCondLst>
-                      <p:childTnLst>
-                        <p:par>
-                          <p:cTn id="4" fill="hold">
-                            <p:stCondLst>
-                              <p:cond delay="0"/>
-                            </p:stCondLst>
-                            <p:childTnLst>
-                              <p:par>
-                                <p:cTn id="5" presetID="22" presetClass="entr" presetSubtype="8" fill="hold" nodeType="clickEffect">
-                                  <p:stCondLst>
-                                    <p:cond delay="0"/>
-                                  </p:stCondLst>
-                                  <p:childTnLst>
-                                    <p:set>
-                                      <p:cBhvr>
-                                        <p:cTn id="6" dur="1" fill="hold">
-                                          <p:stCondLst>
-                                            <p:cond delay="0"/>
-                                          </p:stCondLst>
-                                        </p:cTn>
-                                        <p:tgtEl>
-                                          <p:spTgt spid="3"/>
-                                        </p:tgtEl>
-                                        <p:attrNameLst>
-                                          <p:attrName>style.visibility</p:attrName>
-                                        </p:attrNameLst>
-                                      </p:cBhvr>
-                                      <p:to>
-                                        <p:strVal val="visible"/>
-                                      </p:to>
-                                    </p:set>
-                                    <p:animEffect transition="in" filter="wipe(left)">
-                                      <p:cBhvr>
-                                        <p:cTn id="7" dur="500"/>
-                                        <p:tgtEl>
-                                          <p:spTgt spid="3"/>
-                                        </p:tgtEl>
-                                      </p:cBhvr>
-                                    </p:animEffect>
-                                  </p:childTnLst>
-                                </p:cTn>
-                              </p:par>
-                            </p:childTnLst>
-                          </p:cTn>
-                        </p:par>
-                      </p:childTnLst>
-                    </p:cTn>
-                  </p:par>
-                  <p:par>
-                    <p:cTn id="8" fill="hold">
-                      <p:stCondLst>
-                        <p:cond delay="indefinite"/>
-                      </p:stCondLst>
-                      <p:childTnLst>
-                        <p:par>
-                          <p:cTn id="9" fill="hold">
-                            <p:stCondLst>
-                              <p:cond delay="0"/>
-                            </p:stCondLst>
-                            <p:childTnLst>
-                              <p:par>
-                                <p:cTn id="10" presetID="22" presetClass="entr" presetSubtype="8" fill="hold" nodeType="clickEffect">
-                                  <p:stCondLst>
-                                    <p:cond delay="0"/>
-                                  </p:stCondLst>
-                                  <p:childTnLst>
-                                    <p:set>
-                                      <p:cBhvr>
-                                        <p:cTn id="11" dur="1" fill="hold">
-                                          <p:stCondLst>
-                                            <p:cond delay="0"/>
-                                          </p:stCondLst>
-                                        </p:cTn>
-                                        <p:tgtEl>
-                                          <p:spTgt spid="5"/>
-                                        </p:tgtEl>
-                                        <p:attrNameLst>
-                                          <p:attrName>style.visibility</p:attrName>
-                                        </p:attrNameLst>
-                                      </p:cBhvr>
-                                      <p:to>
-                                        <p:strVal val="visible"/>
-                                      </p:to>
-                                    </p:set>
-                                    <p:animEffect transition="in" filter="wipe(left)">
-                                      <p:cBhvr>
-                                        <p:cTn id="12" dur="2000"/>
-                                        <p:tgtEl>
-                                          <p:spTgt spid="5"/>
-                                        </p:tgtEl>
-                                      </p:cBhvr>
-                                    </p:animEffect>
-                                  </p:childTnLst>
-                                </p:cTn>
-                              </p:par>
-                            </p:childTnLst>
-                          </p:cTn>
-                        </p:par>
-                      </p:childTnLst>
-                    </p:cTn>
-                  </p:par>
-                  <p:par>
-                    <p:cTn id="13" fill="hold">
-                      <p:stCondLst>
-                        <p:cond delay="indefinite"/>
-                      </p:stCondLst>
-                      <p:childTnLst>
-                        <p:par>
-                          <p:cTn id="14" fill="hold">
-                            <p:stCondLst>
-                              <p:cond delay="0"/>
-                            </p:stCondLst>
-                            <p:childTnLst>
-                              <p:par>
-                                <p:cTn id="15" presetID="22" presetClass="entr" presetSubtype="8" fill="hold" nodeType="clickEffect">
-                                  <p:stCondLst>
-                                    <p:cond delay="0"/>
-                                  </p:stCondLst>
-                                  <p:childTnLst>
-                                    <p:set>
-                                      <p:cBhvr>
-                                        <p:cTn id="16" dur="1" fill="hold">
-                                          <p:stCondLst>
-                                            <p:cond delay="0"/>
-                                          </p:stCondLst>
-                                        </p:cTn>
-                                        <p:tgtEl>
-                                          <p:spTgt spid="4"/>
-                                        </p:tgtEl>
-                                        <p:attrNameLst>
-                                          <p:attrName>style.visibility</p:attrName>
-                                        </p:attrNameLst>
-                                      </p:cBhvr>
-                                      <p:to>
-                                        <p:strVal val="visible"/>
-                                      </p:to>
-                                    </p:set>
-                                    <p:animEffect transition="in" filter="wipe(left)">
-                                      <p:cBhvr>
-                                        <p:cTn id="17" dur="2000"/>
-                                        <p:tgtEl>
-                                          <p:spTgt spid="4"/>
-                                        </p:tgtEl>
-                                      </p:cBhvr>
-                                    </p:animEffect>
-                                  </p:childTnLst>
-                                </p:cTn>
-                              </p:par>
-                            </p:childTnLst>
-                          </p:cTn>
-                        </p:par>
-                      </p:childTnLst>
-                    </p:cTn>
-                  </p:par>
-                </p:childTnLst>
-              </p:cTn>
-              <p:prevCondLst>
-                <p:cond evt="onPrev" delay="0">
-                  <p:tgtEl>
-                    <p:sldTgt/>
-                  </p:tgtEl>
-                </p:cond>
-              </p:prevCondLst>
-              <p:nextCondLst>
-                <p:cond evt="onNext" delay="0">
-                  <p:tgtEl>
-                    <p:sldTgt/>
-                  </p:tgtEl>
-                </p:cond>
-              </p:nextCondLst>
-            </p:seq>
-          </p:childTnLst>
-        </p:cTn>
-      </p:par>
-    </p:tnLst>
-  </p:timing>
-</p:sld>
-</file>
-
-<file path=ppt/slides/slide3.xml><?xml version="1.0" encoding="utf-8"?>
-<p:sld xmlns:a="http://schemas.openxmlformats.org/drawingml/2006/main" xmlns:r="http://schemas.openxmlformats.org/officeDocument/2006/relationships" xmlns:p="http://schemas.openxmlformats.org/presentationml/2006/main">
-  <p:cSld>
-    <p:spTree>
-      <p:nvGrpSpPr>
-        <p:cNvPr id="1" name=""/>
-        <p:cNvGrpSpPr/>
-        <p:nvPr/>
-      </p:nvGrpSpPr>
-      <p:grpSpPr>
-        <a:xfrm>
-          <a:off x="0" y="0"/>
-          <a:ext cx="0" cy="0"/>
-          <a:chOff x="0" y="0"/>
-          <a:chExt cx="0" cy="0"/>
-        </a:xfrm>
-      </p:grpSpPr>
-      <p:sp>
-        <p:nvSpPr>
-          <p:cNvPr id="17412" name="Slide Number Placeholder 5"/>
-          <p:cNvSpPr>
-            <a:spLocks noGrp="1"/>
-          </p:cNvSpPr>
-          <p:nvPr>
-            <p:ph type="sldNum" sz="quarter" idx="10"/>
-          </p:nvPr>
-        </p:nvSpPr>
-        <p:spPr>
-          <a:noFill/>
-        </p:spPr>
-        <p:txBody>
-          <a:bodyPr/>
-          <a:lstStyle/>
-          <a:p>
-            <a:r>
-              <a:rPr lang="en-US" dirty="0" err="1" smtClean="0"/>
-              <a:t>incexcbinom</a:t>
-            </a:r>
-            <a:r>
-              <a:rPr lang="en-US" dirty="0" smtClean="0"/>
-              <a:t>.</a:t>
-            </a:r>
-            <a:fld id="{83D78B86-54BD-4C40-B154-E0B4BEB7EE49}" type="slidenum">
-              <a:rPr lang="en-US" smtClean="0"/>
-              <a:pPr/>
-              <a:t>3</a:t>
-            </a:fld>
-            <a:endParaRPr lang="en-US" dirty="0" smtClean="0"/>
-          </a:p>
-        </p:txBody>
-      </p:sp>
-      <p:sp>
-        <p:nvSpPr>
-          <p:cNvPr id="17413" name="Rectangle 2"/>
-          <p:cNvSpPr>
-            <a:spLocks noGrp="1" noChangeArrowheads="1"/>
-          </p:cNvSpPr>
-          <p:nvPr>
-            <p:ph type="title"/>
-          </p:nvPr>
-        </p:nvSpPr>
-        <p:spPr>
-          <a:xfrm>
-            <a:off x="1295400" y="152400"/>
-            <a:ext cx="6781800" cy="1219200"/>
-          </a:xfrm>
-        </p:spPr>
-        <p:txBody>
-          <a:bodyPr/>
-          <a:lstStyle/>
-          <a:p>
-            <a:pPr eaLnBrk="1" hangingPunct="1"/>
-            <a:r>
-              <a:rPr lang="en-US" sz="4400" dirty="0" smtClean="0"/>
-              <a:t>Binomial </a:t>
-            </a:r>
-            <a:r>
-              <a:rPr lang="en-US" sz="4400" dirty="0"/>
-              <a:t>C</a:t>
-            </a:r>
-            <a:r>
-              <a:rPr lang="en-US" sz="4400" dirty="0" smtClean="0"/>
-              <a:t>ounting proof</a:t>
-            </a:r>
-          </a:p>
-        </p:txBody>
-      </p:sp>
-      <p:graphicFrame>
-        <p:nvGraphicFramePr>
-          <p:cNvPr id="4" name="Object 3"/>
-          <p:cNvGraphicFramePr>
-            <a:graphicFrameLocks noChangeAspect="1"/>
-          </p:cNvGraphicFramePr>
-          <p:nvPr>
-            <p:extLst>
-              <p:ext uri="{D42A27DB-BD31-4B8C-83A1-F6EECF244321}">
-                <p14:modId xmlns:p14="http://schemas.microsoft.com/office/powerpoint/2010/main" val="3214761271"/>
-              </p:ext>
-            </p:extLst>
-          </p:nvPr>
-        </p:nvGraphicFramePr>
-        <p:xfrm>
-          <a:off x="1219200" y="2286000"/>
-          <a:ext cx="6478588" cy="2667000"/>
-        </p:xfrm>
-        <a:graphic>
-          <a:graphicData uri="http://schemas.openxmlformats.org/presentationml/2006/ole">
-            <mc:AlternateContent xmlns:mc="http://schemas.openxmlformats.org/markup-compatibility/2006">
-              <mc:Choice xmlns:v="urn:schemas-microsoft-com:vml" Requires="v">
-                <p:oleObj spid="_x0000_s222214" name="Equation" r:id="rId4" imgW="1295400" imgH="533400" progId="Equation.DSMT4">
-                  <p:embed/>
-                </p:oleObj>
-              </mc:Choice>
-              <mc:Fallback>
-                <p:oleObj name="Equation" r:id="rId4" imgW="1295400" imgH="533400" progId="Equation.DSMT4">
-                  <p:embed/>
-                  <p:pic>
-                    <p:nvPicPr>
-                      <p:cNvPr id="0" name=""/>
-                      <p:cNvPicPr/>
-                      <p:nvPr/>
-                    </p:nvPicPr>
-                    <p:blipFill>
-                      <a:blip r:embed="rId5"/>
-                      <a:stretch>
-                        <a:fillRect/>
-                      </a:stretch>
-                    </p:blipFill>
-                    <p:spPr>
-                      <a:xfrm>
-                        <a:off x="1219200" y="2286000"/>
-                        <a:ext cx="6478588" cy="2667000"/>
-                      </a:xfrm>
-                      <a:prstGeom prst="rect">
-                        <a:avLst/>
-                      </a:prstGeom>
-                    </p:spPr>
-                  </p:pic>
-                </p:oleObj>
-              </mc:Fallback>
-            </mc:AlternateContent>
-          </a:graphicData>
-        </a:graphic>
-      </p:graphicFrame>
-      <p:sp>
-        <p:nvSpPr>
-          <p:cNvPr id="2" name="TextBox 1"/>
-          <p:cNvSpPr txBox="1"/>
-          <p:nvPr/>
-        </p:nvSpPr>
-        <p:spPr>
-          <a:xfrm>
-            <a:off x="609600" y="1828800"/>
-            <a:ext cx="1982409" cy="769441"/>
-          </a:xfrm>
-          <a:prstGeom prst="rect">
-            <a:avLst/>
-          </a:prstGeom>
-          <a:noFill/>
-        </p:spPr>
-        <p:txBody>
-          <a:bodyPr wrap="none" rtlCol="0">
-            <a:spAutoFit/>
-          </a:bodyPr>
-          <a:lstStyle/>
-          <a:p>
-            <a:r>
-              <a:rPr lang="en-US" sz="4400" dirty="0" smtClean="0">
-                <a:solidFill>
-                  <a:srgbClr val="90096D"/>
-                </a:solidFill>
-                <a:latin typeface="Comic Sans MS" pitchFamily="66" charset="0"/>
-              </a:rPr>
-              <a:t>lemma:</a:t>
-            </a:r>
-          </a:p>
-        </p:txBody>
-      </p:sp>
-    </p:spTree>
-    <p:extLst>
-      <p:ext uri="{BB962C8B-B14F-4D97-AF65-F5344CB8AC3E}">
-        <p14:creationId xmlns:p14="http://schemas.microsoft.com/office/powerpoint/2010/main" val="678555003"/>
-      </p:ext>
-    </p:extLst>
-  </p:cSld>
-  <p:clrMapOvr>
-    <a:masterClrMapping/>
-  </p:clrMapOvr>
-  <p:transition xmlns:p14="http://schemas.microsoft.com/office/powerpoint/2010/main" spd="slow" advClick="0">
-    <p:fade/>
-  </p:transition>
-  <p:timing>
-    <p:tnLst>
-      <p:par>
-        <p:cTn xmlns:p14="http://schemas.microsoft.com/office/powerpoint/2010/main" id="1" dur="indefinite" restart="never" nodeType="tmRoot"/>
-      </p:par>
-    </p:tnLst>
-  </p:timing>
-</p:sld>
-</file>
-
-<file path=ppt/slides/slide4.xml><?xml version="1.0" encoding="utf-8"?>
-<p:sld xmlns:a="http://schemas.openxmlformats.org/drawingml/2006/main" xmlns:r="http://schemas.openxmlformats.org/officeDocument/2006/relationships" xmlns:p="http://schemas.openxmlformats.org/presentationml/2006/main">
-  <p:cSld>
-    <p:spTree>
-      <p:nvGrpSpPr>
-        <p:cNvPr id="1" name=""/>
-        <p:cNvGrpSpPr/>
-        <p:nvPr/>
-      </p:nvGrpSpPr>
-      <p:grpSpPr>
-        <a:xfrm>
-          <a:off x="0" y="0"/>
-          <a:ext cx="0" cy="0"/>
-          <a:chOff x="0" y="0"/>
-          <a:chExt cx="0" cy="0"/>
-        </a:xfrm>
-      </p:grpSpPr>
       <p:graphicFrame>
         <p:nvGraphicFramePr>
           <p:cNvPr id="5122" name="Object 3"/>
@@ -6635,7 +7716,7 @@
           <a:graphicData uri="http://schemas.openxmlformats.org/presentationml/2006/ole">
             <mc:AlternateContent xmlns:mc="http://schemas.openxmlformats.org/markup-compatibility/2006">
               <mc:Choice xmlns:v="urn:schemas-microsoft-com:vml" Requires="v">
-                <p:oleObj spid="_x0000_s1040" name="Equation" r:id="rId4" imgW="1346200" imgH="266700" progId="Equation.DSMT4">
+                <p:oleObj spid="_x0000_s1047" name="Equation" r:id="rId4" imgW="1346200" imgH="266700" progId="Equation.DSMT4">
                   <p:embed/>
                 </p:oleObj>
               </mc:Choice>
@@ -6705,7 +7786,7 @@
           <a:graphicData uri="http://schemas.openxmlformats.org/presentationml/2006/ole">
             <mc:AlternateContent xmlns:mc="http://schemas.openxmlformats.org/markup-compatibility/2006">
               <mc:Choice xmlns:v="urn:schemas-microsoft-com:vml" Requires="v">
-                <p:oleObj spid="_x0000_s1041" name="Equation" r:id="rId6" imgW="1447800" imgH="495300" progId="Equation.DSMT4">
+                <p:oleObj spid="_x0000_s1048" name="Equation" r:id="rId6" imgW="1447800" imgH="495300" progId="Equation.DSMT4">
                   <p:embed/>
                 </p:oleObj>
               </mc:Choice>
@@ -6832,7 +7913,7 @@
             <a:fld id="{440333D2-3154-4D4B-AAB9-AB5679BA8A30}" type="slidenum">
               <a:rPr lang="en-US" smtClean="0"/>
               <a:pPr/>
-              <a:t>4</a:t>
+              <a:t>2</a:t>
             </a:fld>
             <a:endParaRPr lang="en-US" dirty="0" smtClean="0"/>
           </a:p>
@@ -6937,7 +8018,7 @@
 </p:sld>
 </file>
 
-<file path=ppt/slides/slide5.xml><?xml version="1.0" encoding="utf-8"?>
+<file path=ppt/slides/slide3.xml><?xml version="1.0" encoding="utf-8"?>
 <p:sld xmlns:a="http://schemas.openxmlformats.org/drawingml/2006/main" xmlns:r="http://schemas.openxmlformats.org/officeDocument/2006/relationships" xmlns:p="http://schemas.openxmlformats.org/presentationml/2006/main">
   <p:cSld>
     <p:spTree>
@@ -7033,7 +8114,7 @@
             <a:fld id="{440333D2-3154-4D4B-AAB9-AB5679BA8A30}" type="slidenum">
               <a:rPr lang="en-US" smtClean="0"/>
               <a:pPr/>
-              <a:t>5</a:t>
+              <a:t>3</a:t>
             </a:fld>
             <a:endParaRPr lang="en-US" dirty="0" smtClean="0"/>
           </a:p>
@@ -7061,7 +8142,7 @@
           <a:graphicData uri="http://schemas.openxmlformats.org/presentationml/2006/ole">
             <mc:AlternateContent xmlns:mc="http://schemas.openxmlformats.org/markup-compatibility/2006">
               <mc:Choice xmlns:v="urn:schemas-microsoft-com:vml" Requires="v">
-                <p:oleObj spid="_x0000_s5251" name="Equation" r:id="rId4" imgW="139700" imgH="215900" progId="Equation.DSMT4">
+                <p:oleObj spid="_x0000_s5268" name="Equation" r:id="rId4" imgW="139700" imgH="215900" progId="Equation.DSMT4">
                   <p:embed/>
                 </p:oleObj>
               </mc:Choice>
@@ -7118,7 +8199,7 @@
           <a:graphicData uri="http://schemas.openxmlformats.org/presentationml/2006/ole">
             <mc:AlternateContent xmlns:mc="http://schemas.openxmlformats.org/markup-compatibility/2006">
               <mc:Choice xmlns:v="urn:schemas-microsoft-com:vml" Requires="v">
-                <p:oleObj spid="_x0000_s5252" name="Equation" r:id="rId6" imgW="571500" imgH="203200" progId="Equation.DSMT4">
+                <p:oleObj spid="_x0000_s5269" name="Equation" r:id="rId6" imgW="571500" imgH="203200" progId="Equation.DSMT4">
                   <p:embed/>
                 </p:oleObj>
               </mc:Choice>
@@ -7175,7 +8256,7 @@
           <a:graphicData uri="http://schemas.openxmlformats.org/presentationml/2006/ole">
             <mc:AlternateContent xmlns:mc="http://schemas.openxmlformats.org/markup-compatibility/2006">
               <mc:Choice xmlns:v="urn:schemas-microsoft-com:vml" Requires="v">
-                <p:oleObj spid="_x0000_s5253" name="Equation" r:id="rId8" imgW="1612900" imgH="393700" progId="Equation.DSMT4">
+                <p:oleObj spid="_x0000_s5270" name="Equation" r:id="rId8" imgW="1612900" imgH="393700" progId="Equation.DSMT4">
                   <p:embed/>
                 </p:oleObj>
               </mc:Choice>
@@ -7232,7 +8313,7 @@
           <a:graphicData uri="http://schemas.openxmlformats.org/presentationml/2006/ole">
             <mc:AlternateContent xmlns:mc="http://schemas.openxmlformats.org/markup-compatibility/2006">
               <mc:Choice xmlns:v="urn:schemas-microsoft-com:vml" Requires="v">
-                <p:oleObj spid="_x0000_s5254" name="Equation" r:id="rId10" imgW="1549400" imgH="292100" progId="Equation.DSMT4">
+                <p:oleObj spid="_x0000_s5271" name="Equation" r:id="rId10" imgW="1549400" imgH="292100" progId="Equation.DSMT4">
                   <p:embed/>
                 </p:oleObj>
               </mc:Choice>
@@ -7272,9 +8353,18 @@
   <p:clrMapOvr>
     <a:masterClrMapping/>
   </p:clrMapOvr>
-  <p:transition xmlns:p14="http://schemas.microsoft.com/office/powerpoint/2010/main" spd="slow" advClick="0">
-    <p:fade thruBlk="1"/>
-  </p:transition>
+  <mc:AlternateContent xmlns:mc="http://schemas.openxmlformats.org/markup-compatibility/2006">
+    <mc:Choice xmlns:p14="http://schemas.microsoft.com/office/powerpoint/2010/main" Requires="p14">
+      <p:transition spd="slow" p14:dur="1100" advClick="0">
+        <p:fade/>
+      </p:transition>
+    </mc:Choice>
+    <mc:Fallback>
+      <p:transition xmlns:p14="http://schemas.microsoft.com/office/powerpoint/2010/main" spd="slow" advClick="0">
+        <p:fade/>
+      </p:transition>
+    </mc:Fallback>
+  </mc:AlternateContent>
   <p:timing>
     <p:tnLst>
       <p:par>
@@ -7414,7 +8504,7 @@
 </p:sld>
 </file>
 
-<file path=ppt/slides/slide6.xml><?xml version="1.0" encoding="utf-8"?>
+<file path=ppt/slides/slide4.xml><?xml version="1.0" encoding="utf-8"?>
 <p:sld xmlns:a="http://schemas.openxmlformats.org/drawingml/2006/main" xmlns:r="http://schemas.openxmlformats.org/officeDocument/2006/relationships" xmlns:p="http://schemas.openxmlformats.org/presentationml/2006/main">
   <p:cSld>
     <p:spTree>
@@ -7453,7 +8543,7 @@
           <a:graphicData uri="http://schemas.openxmlformats.org/presentationml/2006/ole">
             <mc:AlternateContent xmlns:mc="http://schemas.openxmlformats.org/markup-compatibility/2006">
               <mc:Choice xmlns:v="urn:schemas-microsoft-com:vml" Requires="v">
-                <p:oleObj spid="_x0000_s213012" name="Equation" r:id="rId4" imgW="1346200" imgH="266700" progId="Equation.DSMT4">
+                <p:oleObj spid="_x0000_s213019" name="Equation" r:id="rId4" imgW="1346200" imgH="266700" progId="Equation.DSMT4">
                   <p:embed/>
                 </p:oleObj>
               </mc:Choice>
@@ -7580,7 +8670,7 @@
             <a:fld id="{440333D2-3154-4D4B-AAB9-AB5679BA8A30}" type="slidenum">
               <a:rPr lang="en-US" smtClean="0"/>
               <a:pPr/>
-              <a:t>6</a:t>
+              <a:t>4</a:t>
             </a:fld>
             <a:endParaRPr lang="en-US" dirty="0" smtClean="0"/>
           </a:p>
@@ -7608,7 +8698,7 @@
           <a:graphicData uri="http://schemas.openxmlformats.org/presentationml/2006/ole">
             <mc:AlternateContent xmlns:mc="http://schemas.openxmlformats.org/markup-compatibility/2006">
               <mc:Choice xmlns:v="urn:schemas-microsoft-com:vml" Requires="v">
-                <p:oleObj spid="_x0000_s213013" name="Equation" r:id="rId6" imgW="1447800" imgH="495300" progId="Equation.DSMT4">
+                <p:oleObj spid="_x0000_s213020" name="Equation" r:id="rId6" imgW="1447800" imgH="495300" progId="Equation.DSMT4">
                   <p:embed/>
                 </p:oleObj>
               </mc:Choice>
@@ -7688,7 +8778,7 @@
 </p:sld>
 </file>
 
-<file path=ppt/slides/slide7.xml><?xml version="1.0" encoding="utf-8"?>
+<file path=ppt/slides/slide5.xml><?xml version="1.0" encoding="utf-8"?>
 <p:sld xmlns:a="http://schemas.openxmlformats.org/drawingml/2006/main" xmlns:r="http://schemas.openxmlformats.org/officeDocument/2006/relationships" xmlns:p="http://schemas.openxmlformats.org/presentationml/2006/main">
   <p:cSld>
     <p:spTree>
@@ -7784,7 +8874,7 @@
             <a:fld id="{440333D2-3154-4D4B-AAB9-AB5679BA8A30}" type="slidenum">
               <a:rPr lang="en-US" smtClean="0"/>
               <a:pPr/>
-              <a:t>7</a:t>
+              <a:t>5</a:t>
             </a:fld>
             <a:endParaRPr lang="en-US" dirty="0" smtClean="0"/>
           </a:p>
@@ -7812,7 +8902,7 @@
           <a:graphicData uri="http://schemas.openxmlformats.org/presentationml/2006/ole">
             <mc:AlternateContent xmlns:mc="http://schemas.openxmlformats.org/markup-compatibility/2006">
               <mc:Choice xmlns:v="urn:schemas-microsoft-com:vml" Requires="v">
-                <p:oleObj spid="_x0000_s214026" name="Equation" r:id="rId4" imgW="393700" imgH="266700" progId="Equation.DSMT4">
+                <p:oleObj spid="_x0000_s214033" name="Equation" r:id="rId4" imgW="393700" imgH="266700" progId="Equation.DSMT4">
                   <p:embed/>
                 </p:oleObj>
               </mc:Choice>
@@ -7882,7 +8972,7 @@
           <a:graphicData uri="http://schemas.openxmlformats.org/presentationml/2006/ole">
             <mc:AlternateContent xmlns:mc="http://schemas.openxmlformats.org/markup-compatibility/2006">
               <mc:Choice xmlns:v="urn:schemas-microsoft-com:vml" Requires="v">
-                <p:oleObj spid="_x0000_s214027" name="Equation" r:id="rId6" imgW="1447800" imgH="495300" progId="Equation.DSMT4">
+                <p:oleObj spid="_x0000_s214034" name="Equation" r:id="rId6" imgW="1447800" imgH="495300" progId="Equation.DSMT4">
                   <p:embed/>
                 </p:oleObj>
               </mc:Choice>
@@ -7953,7 +9043,7 @@
 </p:sld>
 </file>
 
-<file path=ppt/slides/slide8.xml><?xml version="1.0" encoding="utf-8"?>
+<file path=ppt/slides/slide6.xml><?xml version="1.0" encoding="utf-8"?>
 <p:sld xmlns:a="http://schemas.openxmlformats.org/drawingml/2006/main" xmlns:r="http://schemas.openxmlformats.org/officeDocument/2006/relationships" xmlns:p="http://schemas.openxmlformats.org/presentationml/2006/main">
   <p:cSld>
     <p:spTree>
@@ -8049,7 +9139,7 @@
             <a:fld id="{440333D2-3154-4D4B-AAB9-AB5679BA8A30}" type="slidenum">
               <a:rPr lang="en-US" smtClean="0"/>
               <a:pPr/>
-              <a:t>8</a:t>
+              <a:t>6</a:t>
             </a:fld>
             <a:endParaRPr lang="en-US" dirty="0" smtClean="0"/>
           </a:p>
@@ -8077,7 +9167,7 @@
           <a:graphicData uri="http://schemas.openxmlformats.org/presentationml/2006/ole">
             <mc:AlternateContent xmlns:mc="http://schemas.openxmlformats.org/markup-compatibility/2006">
               <mc:Choice xmlns:v="urn:schemas-microsoft-com:vml" Requires="v">
-                <p:oleObj spid="_x0000_s216076" name="Equation" r:id="rId4" imgW="393700" imgH="266700" progId="Equation.DSMT4">
+                <p:oleObj spid="_x0000_s216083" name="Equation" r:id="rId4" imgW="393700" imgH="266700" progId="Equation.DSMT4">
                   <p:embed/>
                 </p:oleObj>
               </mc:Choice>
@@ -8147,7 +9237,7 @@
           <a:graphicData uri="http://schemas.openxmlformats.org/presentationml/2006/ole">
             <mc:AlternateContent xmlns:mc="http://schemas.openxmlformats.org/markup-compatibility/2006">
               <mc:Choice xmlns:v="urn:schemas-microsoft-com:vml" Requires="v">
-                <p:oleObj spid="_x0000_s216077" name="Equation" r:id="rId6" imgW="1308100" imgH="419100" progId="Equation.DSMT4">
+                <p:oleObj spid="_x0000_s216084" name="Equation" r:id="rId6" imgW="1308100" imgH="419100" progId="Equation.DSMT4">
                   <p:embed/>
                 </p:oleObj>
               </mc:Choice>
@@ -8210,7 +9300,7 @@
 </p:sld>
 </file>
 
-<file path=ppt/slides/slide9.xml><?xml version="1.0" encoding="utf-8"?>
+<file path=ppt/slides/slide7.xml><?xml version="1.0" encoding="utf-8"?>
 <p:sld xmlns:a="http://schemas.openxmlformats.org/drawingml/2006/main" xmlns:r="http://schemas.openxmlformats.org/officeDocument/2006/relationships" xmlns:p="http://schemas.openxmlformats.org/presentationml/2006/main">
   <p:cSld>
     <p:spTree>
@@ -8306,7 +9396,264 @@
             <a:fld id="{440333D2-3154-4D4B-AAB9-AB5679BA8A30}" type="slidenum">
               <a:rPr lang="en-US" smtClean="0"/>
               <a:pPr/>
-              <a:t>9</a:t>
+              <a:t>7</a:t>
+            </a:fld>
+            <a:endParaRPr lang="en-US" dirty="0" smtClean="0"/>
+          </a:p>
+        </p:txBody>
+      </p:sp>
+      <p:graphicFrame>
+        <p:nvGraphicFramePr>
+          <p:cNvPr id="6" name="Object 3"/>
+          <p:cNvGraphicFramePr>
+            <a:graphicFrameLocks noChangeAspect="1"/>
+          </p:cNvGraphicFramePr>
+          <p:nvPr>
+            <p:extLst>
+              <p:ext uri="{D42A27DB-BD31-4B8C-83A1-F6EECF244321}">
+                <p14:modId xmlns:p14="http://schemas.microsoft.com/office/powerpoint/2010/main" val="702874331"/>
+              </p:ext>
+            </p:extLst>
+          </p:nvPr>
+        </p:nvGraphicFramePr>
+        <p:xfrm>
+          <a:off x="5075238" y="1219200"/>
+          <a:ext cx="2011362" cy="1360488"/>
+        </p:xfrm>
+        <a:graphic>
+          <a:graphicData uri="http://schemas.openxmlformats.org/presentationml/2006/ole">
+            <mc:AlternateContent xmlns:mc="http://schemas.openxmlformats.org/markup-compatibility/2006">
+              <mc:Choice xmlns:v="urn:schemas-microsoft-com:vml" Requires="v">
+                <p:oleObj spid="_x0000_s248835" name="Equation" r:id="rId4" imgW="393700" imgH="266700" progId="Equation.DSMT4">
+                  <p:embed/>
+                </p:oleObj>
+              </mc:Choice>
+              <mc:Fallback>
+                <p:oleObj name="Equation" r:id="rId4" imgW="393700" imgH="266700" progId="Equation.DSMT4">
+                  <p:embed/>
+                  <p:pic>
+                    <p:nvPicPr>
+                      <p:cNvPr id="0" name=""/>
+                      <p:cNvPicPr>
+                        <a:picLocks noChangeAspect="1" noChangeArrowheads="1"/>
+                      </p:cNvPicPr>
+                      <p:nvPr/>
+                    </p:nvPicPr>
+                    <p:blipFill>
+                      <a:blip r:embed="rId5"/>
+                      <a:srcRect/>
+                      <a:stretch>
+                        <a:fillRect/>
+                      </a:stretch>
+                    </p:blipFill>
+                    <p:spPr bwMode="auto">
+                      <a:xfrm>
+                        <a:off x="5075238" y="1219200"/>
+                        <a:ext cx="2011362" cy="1360488"/>
+                      </a:xfrm>
+                      <a:prstGeom prst="rect">
+                        <a:avLst/>
+                      </a:prstGeom>
+                      <a:noFill/>
+                      <a:extLst>
+                        <a:ext uri="{909E8E84-426E-40dd-AFC4-6F175D3DCCD1}">
+                          <a14:hiddenFill xmlns:a14="http://schemas.microsoft.com/office/drawing/2010/main">
+                            <a:solidFill>
+                              <a:srgbClr val="FFFFFF"/>
+                            </a:solidFill>
+                          </a14:hiddenFill>
+                        </a:ext>
+                      </a:extLst>
+                    </p:spPr>
+                  </p:pic>
+                </p:oleObj>
+              </mc:Fallback>
+            </mc:AlternateContent>
+          </a:graphicData>
+        </a:graphic>
+      </p:graphicFrame>
+      <p:graphicFrame>
+        <p:nvGraphicFramePr>
+          <p:cNvPr id="8" name="Object 4"/>
+          <p:cNvGraphicFramePr>
+            <a:graphicFrameLocks noChangeAspect="1"/>
+          </p:cNvGraphicFramePr>
+          <p:nvPr>
+            <p:extLst>
+              <p:ext uri="{D42A27DB-BD31-4B8C-83A1-F6EECF244321}">
+                <p14:modId xmlns:p14="http://schemas.microsoft.com/office/powerpoint/2010/main" val="1991955777"/>
+              </p:ext>
+            </p:extLst>
+          </p:nvPr>
+        </p:nvGraphicFramePr>
+        <p:xfrm>
+          <a:off x="914400" y="2784259"/>
+          <a:ext cx="6781800" cy="2168741"/>
+        </p:xfrm>
+        <a:graphic>
+          <a:graphicData uri="http://schemas.openxmlformats.org/presentationml/2006/ole">
+            <mc:AlternateContent xmlns:mc="http://schemas.openxmlformats.org/markup-compatibility/2006">
+              <mc:Choice xmlns:v="urn:schemas-microsoft-com:vml" Requires="v">
+                <p:oleObj spid="_x0000_s248836" name="Equation" r:id="rId6" imgW="1308100" imgH="419100" progId="Equation.DSMT4">
+                  <p:embed/>
+                </p:oleObj>
+              </mc:Choice>
+              <mc:Fallback>
+                <p:oleObj name="Equation" r:id="rId6" imgW="1308100" imgH="419100" progId="Equation.DSMT4">
+                  <p:embed/>
+                  <p:pic>
+                    <p:nvPicPr>
+                      <p:cNvPr id="0" name=""/>
+                      <p:cNvPicPr>
+                        <a:picLocks noChangeAspect="1" noChangeArrowheads="1"/>
+                      </p:cNvPicPr>
+                      <p:nvPr/>
+                    </p:nvPicPr>
+                    <p:blipFill>
+                      <a:blip r:embed="rId7"/>
+                      <a:srcRect/>
+                      <a:stretch>
+                        <a:fillRect/>
+                      </a:stretch>
+                    </p:blipFill>
+                    <p:spPr bwMode="auto">
+                      <a:xfrm>
+                        <a:off x="914400" y="2784259"/>
+                        <a:ext cx="6781800" cy="2168741"/>
+                      </a:xfrm>
+                      <a:prstGeom prst="rect">
+                        <a:avLst/>
+                      </a:prstGeom>
+                      <a:noFill/>
+                      <a:extLst/>
+                    </p:spPr>
+                  </p:pic>
+                </p:oleObj>
+              </mc:Fallback>
+            </mc:AlternateContent>
+          </a:graphicData>
+        </a:graphic>
+      </p:graphicFrame>
+    </p:spTree>
+    <p:extLst>
+      <p:ext uri="{BB962C8B-B14F-4D97-AF65-F5344CB8AC3E}">
+        <p14:creationId xmlns:p14="http://schemas.microsoft.com/office/powerpoint/2010/main" val="227280648"/>
+      </p:ext>
+    </p:extLst>
+  </p:cSld>
+  <p:clrMapOvr>
+    <a:masterClrMapping/>
+  </p:clrMapOvr>
+  <p:transition xmlns:p14="http://schemas.microsoft.com/office/powerpoint/2010/main" advClick="0">
+    <p:fade/>
+  </p:transition>
+  <p:timing>
+    <p:tnLst>
+      <p:par>
+        <p:cTn xmlns:p14="http://schemas.microsoft.com/office/powerpoint/2010/main" id="1" dur="indefinite" restart="never" nodeType="tmRoot"/>
+      </p:par>
+    </p:tnLst>
+  </p:timing>
+</p:sld>
+</file>
+
+<file path=ppt/slides/slide8.xml><?xml version="1.0" encoding="utf-8"?>
+<p:sld xmlns:a="http://schemas.openxmlformats.org/drawingml/2006/main" xmlns:r="http://schemas.openxmlformats.org/officeDocument/2006/relationships" xmlns:p="http://schemas.openxmlformats.org/presentationml/2006/main">
+  <p:cSld>
+    <p:spTree>
+      <p:nvGrpSpPr>
+        <p:cNvPr id="1" name=""/>
+        <p:cNvGrpSpPr/>
+        <p:nvPr/>
+      </p:nvGrpSpPr>
+      <p:grpSpPr>
+        <a:xfrm>
+          <a:off x="0" y="0"/>
+          <a:ext cx="0" cy="0"/>
+          <a:chOff x="0" y="0"/>
+          <a:chExt cx="0" cy="0"/>
+        </a:xfrm>
+      </p:grpSpPr>
+      <p:sp>
+        <p:nvSpPr>
+          <p:cNvPr id="5124" name="Rectangle 2"/>
+          <p:cNvSpPr>
+            <a:spLocks noGrp="1" noChangeArrowheads="1"/>
+          </p:cNvSpPr>
+          <p:nvPr>
+            <p:ph type="title"/>
+          </p:nvPr>
+        </p:nvSpPr>
+        <p:spPr>
+          <a:xfrm>
+            <a:off x="1600200" y="304800"/>
+            <a:ext cx="6019800" cy="1143000"/>
+          </a:xfrm>
+        </p:spPr>
+        <p:txBody>
+          <a:bodyPr/>
+          <a:lstStyle/>
+          <a:p>
+            <a:pPr eaLnBrk="1" hangingPunct="1"/>
+            <a:r>
+              <a:rPr lang="en-US" dirty="0" err="1" smtClean="0">
+                <a:latin typeface="Comic Sans MS" pitchFamily="66" charset="0"/>
+              </a:rPr>
+              <a:t>Incl-Excl</a:t>
+            </a:r>
+            <a:r>
+              <a:rPr lang="en-US" dirty="0" smtClean="0">
+                <a:latin typeface="Comic Sans MS" pitchFamily="66" charset="0"/>
+              </a:rPr>
+              <a:t> </a:t>
+            </a:r>
+            <a:r>
+              <a:rPr lang="en-US" dirty="0" smtClean="0">
+                <a:solidFill>
+                  <a:srgbClr val="0000FF"/>
+                </a:solidFill>
+                <a:latin typeface="Comic Sans MS" pitchFamily="66" charset="0"/>
+              </a:rPr>
+              <a:t>n</a:t>
+            </a:r>
+            <a:r>
+              <a:rPr lang="en-US" dirty="0" smtClean="0">
+                <a:latin typeface="Comic Sans MS" pitchFamily="66" charset="0"/>
+              </a:rPr>
+              <a:t> sets</a:t>
+            </a:r>
+          </a:p>
+        </p:txBody>
+      </p:sp>
+      <p:sp>
+        <p:nvSpPr>
+          <p:cNvPr id="5125" name="Slide Number Placeholder 7"/>
+          <p:cNvSpPr>
+            <a:spLocks noGrp="1"/>
+          </p:cNvSpPr>
+          <p:nvPr>
+            <p:ph type="sldNum" sz="quarter" idx="10"/>
+          </p:nvPr>
+        </p:nvSpPr>
+        <p:spPr>
+          <a:noFill/>
+        </p:spPr>
+        <p:txBody>
+          <a:bodyPr/>
+          <a:lstStyle/>
+          <a:p>
+            <a:r>
+              <a:rPr lang="en-US" dirty="0" err="1" smtClean="0"/>
+              <a:t>incexcbinom</a:t>
+            </a:r>
+            <a:r>
+              <a:rPr lang="en-US" dirty="0" smtClean="0"/>
+              <a:t>.</a:t>
+            </a:r>
+            <a:fld id="{440333D2-3154-4D4B-AAB9-AB5679BA8A30}" type="slidenum">
+              <a:rPr lang="en-US" smtClean="0"/>
+              <a:pPr/>
+              <a:t>8</a:t>
             </a:fld>
             <a:endParaRPr lang="en-US" dirty="0" smtClean="0"/>
           </a:p>
@@ -8334,7 +9681,7 @@
           <a:graphicData uri="http://schemas.openxmlformats.org/presentationml/2006/ole">
             <mc:AlternateContent xmlns:mc="http://schemas.openxmlformats.org/markup-compatibility/2006">
               <mc:Choice xmlns:v="urn:schemas-microsoft-com:vml" Requires="v">
-                <p:oleObj spid="_x0000_s217098" name="Equation" r:id="rId4" imgW="241300" imgH="152400" progId="Equation.DSMT4">
+                <p:oleObj spid="_x0000_s217105" name="Equation" r:id="rId4" imgW="241300" imgH="152400" progId="Equation.DSMT4">
                   <p:embed/>
                 </p:oleObj>
               </mc:Choice>
@@ -8404,7 +9751,7 @@
           <a:graphicData uri="http://schemas.openxmlformats.org/presentationml/2006/ole">
             <mc:AlternateContent xmlns:mc="http://schemas.openxmlformats.org/markup-compatibility/2006">
               <mc:Choice xmlns:v="urn:schemas-microsoft-com:vml" Requires="v">
-                <p:oleObj spid="_x0000_s217099" name="Equation" r:id="rId6" imgW="1181100" imgH="419100" progId="Equation.DSMT4">
+                <p:oleObj spid="_x0000_s217106" name="Equation" r:id="rId6" imgW="1181100" imgH="419100" progId="Equation.DSMT4">
                   <p:embed/>
                 </p:oleObj>
               </mc:Choice>
@@ -8463,6 +9810,597 @@
         <p:cTn xmlns:p14="http://schemas.microsoft.com/office/powerpoint/2010/main" id="1" dur="indefinite" restart="never" nodeType="tmRoot"/>
       </p:par>
     </p:tnLst>
+  </p:timing>
+</p:sld>
+</file>
+
+<file path=ppt/slides/slide9.xml><?xml version="1.0" encoding="utf-8"?>
+<p:sld xmlns:a="http://schemas.openxmlformats.org/drawingml/2006/main" xmlns:r="http://schemas.openxmlformats.org/officeDocument/2006/relationships" xmlns:p="http://schemas.openxmlformats.org/presentationml/2006/main">
+  <p:cSld>
+    <p:spTree>
+      <p:nvGrpSpPr>
+        <p:cNvPr id="1" name=""/>
+        <p:cNvGrpSpPr/>
+        <p:nvPr/>
+      </p:nvGrpSpPr>
+      <p:grpSpPr>
+        <a:xfrm>
+          <a:off x="0" y="0"/>
+          <a:ext cx="0" cy="0"/>
+          <a:chOff x="0" y="0"/>
+          <a:chExt cx="0" cy="0"/>
+        </a:xfrm>
+      </p:grpSpPr>
+      <p:sp>
+        <p:nvSpPr>
+          <p:cNvPr id="5124" name="Rectangle 2"/>
+          <p:cNvSpPr>
+            <a:spLocks noGrp="1" noChangeArrowheads="1"/>
+          </p:cNvSpPr>
+          <p:nvPr>
+            <p:ph type="title"/>
+          </p:nvPr>
+        </p:nvSpPr>
+        <p:spPr>
+          <a:xfrm>
+            <a:off x="1600200" y="304800"/>
+            <a:ext cx="6019800" cy="1143000"/>
+          </a:xfrm>
+        </p:spPr>
+        <p:txBody>
+          <a:bodyPr/>
+          <a:lstStyle/>
+          <a:p>
+            <a:pPr eaLnBrk="1" hangingPunct="1"/>
+            <a:r>
+              <a:rPr lang="en-US" dirty="0" err="1" smtClean="0">
+                <a:latin typeface="Comic Sans MS" pitchFamily="66" charset="0"/>
+              </a:rPr>
+              <a:t>Incl-Excl</a:t>
+            </a:r>
+            <a:r>
+              <a:rPr lang="en-US" dirty="0" smtClean="0">
+                <a:latin typeface="Comic Sans MS" pitchFamily="66" charset="0"/>
+              </a:rPr>
+              <a:t> </a:t>
+            </a:r>
+            <a:r>
+              <a:rPr lang="en-US" dirty="0" smtClean="0">
+                <a:solidFill>
+                  <a:srgbClr val="0000FF"/>
+                </a:solidFill>
+                <a:latin typeface="Comic Sans MS" pitchFamily="66" charset="0"/>
+              </a:rPr>
+              <a:t>n</a:t>
+            </a:r>
+            <a:r>
+              <a:rPr lang="en-US" dirty="0" smtClean="0">
+                <a:latin typeface="Comic Sans MS" pitchFamily="66" charset="0"/>
+              </a:rPr>
+              <a:t> sets</a:t>
+            </a:r>
+          </a:p>
+        </p:txBody>
+      </p:sp>
+      <p:sp>
+        <p:nvSpPr>
+          <p:cNvPr id="5125" name="Slide Number Placeholder 7"/>
+          <p:cNvSpPr>
+            <a:spLocks noGrp="1"/>
+          </p:cNvSpPr>
+          <p:nvPr>
+            <p:ph type="sldNum" sz="quarter" idx="10"/>
+          </p:nvPr>
+        </p:nvSpPr>
+        <p:spPr>
+          <a:noFill/>
+        </p:spPr>
+        <p:txBody>
+          <a:bodyPr/>
+          <a:lstStyle/>
+          <a:p>
+            <a:r>
+              <a:rPr lang="en-US" dirty="0" err="1" smtClean="0"/>
+              <a:t>incexcbinom</a:t>
+            </a:r>
+            <a:r>
+              <a:rPr lang="en-US" dirty="0" smtClean="0"/>
+              <a:t>.</a:t>
+            </a:r>
+            <a:fld id="{440333D2-3154-4D4B-AAB9-AB5679BA8A30}" type="slidenum">
+              <a:rPr lang="en-US" smtClean="0"/>
+              <a:pPr/>
+              <a:t>9</a:t>
+            </a:fld>
+            <a:endParaRPr lang="en-US" dirty="0" smtClean="0"/>
+          </a:p>
+        </p:txBody>
+      </p:sp>
+      <p:graphicFrame>
+        <p:nvGraphicFramePr>
+          <p:cNvPr id="8" name="Object 4"/>
+          <p:cNvGraphicFramePr>
+            <a:graphicFrameLocks noChangeAspect="1"/>
+          </p:cNvGraphicFramePr>
+          <p:nvPr>
+            <p:extLst>
+              <p:ext uri="{D42A27DB-BD31-4B8C-83A1-F6EECF244321}">
+                <p14:modId xmlns:p14="http://schemas.microsoft.com/office/powerpoint/2010/main" val="1071310267"/>
+              </p:ext>
+            </p:extLst>
+          </p:nvPr>
+        </p:nvGraphicFramePr>
+        <p:xfrm>
+          <a:off x="1066800" y="2057400"/>
+          <a:ext cx="6848475" cy="2168525"/>
+        </p:xfrm>
+        <a:graphic>
+          <a:graphicData uri="http://schemas.openxmlformats.org/presentationml/2006/ole">
+            <mc:AlternateContent xmlns:mc="http://schemas.openxmlformats.org/markup-compatibility/2006">
+              <mc:Choice xmlns:v="urn:schemas-microsoft-com:vml" Requires="v">
+                <p:oleObj spid="_x0000_s235534" name="Equation" r:id="rId4" imgW="1320800" imgH="419100" progId="Equation.DSMT4">
+                  <p:embed/>
+                </p:oleObj>
+              </mc:Choice>
+              <mc:Fallback>
+                <p:oleObj name="Equation" r:id="rId4" imgW="1320800" imgH="419100" progId="Equation.DSMT4">
+                  <p:embed/>
+                  <p:pic>
+                    <p:nvPicPr>
+                      <p:cNvPr id="0" name=""/>
+                      <p:cNvPicPr>
+                        <a:picLocks noChangeAspect="1" noChangeArrowheads="1"/>
+                      </p:cNvPicPr>
+                      <p:nvPr/>
+                    </p:nvPicPr>
+                    <p:blipFill>
+                      <a:blip r:embed="rId5"/>
+                      <a:srcRect/>
+                      <a:stretch>
+                        <a:fillRect/>
+                      </a:stretch>
+                    </p:blipFill>
+                    <p:spPr bwMode="auto">
+                      <a:xfrm>
+                        <a:off x="1066800" y="2057400"/>
+                        <a:ext cx="6848475" cy="2168525"/>
+                      </a:xfrm>
+                      <a:prstGeom prst="rect">
+                        <a:avLst/>
+                      </a:prstGeom>
+                      <a:noFill/>
+                      <a:extLst/>
+                    </p:spPr>
+                  </p:pic>
+                </p:oleObj>
+              </mc:Fallback>
+            </mc:AlternateContent>
+          </a:graphicData>
+        </a:graphic>
+      </p:graphicFrame>
+      <p:sp>
+        <p:nvSpPr>
+          <p:cNvPr id="2" name="Rectangle 1"/>
+          <p:cNvSpPr/>
+          <p:nvPr/>
+        </p:nvSpPr>
+        <p:spPr bwMode="auto">
+          <a:xfrm>
+            <a:off x="838200" y="1905000"/>
+            <a:ext cx="7391400" cy="2514600"/>
+          </a:xfrm>
+          <a:prstGeom prst="rect">
+            <a:avLst/>
+          </a:prstGeom>
+          <a:noFill/>
+          <a:ln w="44450" cap="flat" cmpd="sng" algn="ctr">
+            <a:solidFill>
+              <a:srgbClr val="FF00FF"/>
+            </a:solidFill>
+            <a:prstDash val="sysDash"/>
+            <a:round/>
+            <a:headEnd type="none" w="med" len="med"/>
+            <a:tailEnd type="none" w="med" len="med"/>
+          </a:ln>
+          <a:effectLst/>
+        </p:spPr>
+        <p:txBody>
+          <a:bodyPr vert="horz" wrap="square" lIns="91440" tIns="45720" rIns="91440" bIns="45720" numCol="1" rtlCol="0" anchor="t" anchorCtr="0" compatLnSpc="1">
+            <a:prstTxWarp prst="textNoShape">
+              <a:avLst/>
+            </a:prstTxWarp>
+          </a:bodyPr>
+          <a:lstStyle/>
+          <a:p>
+            <a:pPr marL="0" marR="0" indent="0" algn="l" defTabSz="914400" rtl="0" eaLnBrk="1" fontAlgn="base" latinLnBrk="0" hangingPunct="1">
+              <a:lnSpc>
+                <a:spcPct val="100000"/>
+              </a:lnSpc>
+              <a:spcBef>
+                <a:spcPct val="0"/>
+              </a:spcBef>
+              <a:spcAft>
+                <a:spcPct val="0"/>
+              </a:spcAft>
+              <a:buClrTx/>
+              <a:buSzTx/>
+              <a:buFontTx/>
+              <a:buNone/>
+              <a:tabLst/>
+            </a:pPr>
+            <a:endParaRPr kumimoji="0" lang="en-US" sz="3600" b="0" i="0" u="none" strike="noStrike" cap="none" normalizeH="0" baseline="0" smtClean="0">
+              <a:ln>
+                <a:noFill/>
+              </a:ln>
+              <a:solidFill>
+                <a:schemeClr val="tx1"/>
+              </a:solidFill>
+              <a:effectLst/>
+              <a:latin typeface="Times New Roman" pitchFamily="8" charset="0"/>
+            </a:endParaRPr>
+          </a:p>
+        </p:txBody>
+      </p:sp>
+      <p:graphicFrame>
+        <p:nvGraphicFramePr>
+          <p:cNvPr id="3" name="Object 2"/>
+          <p:cNvGraphicFramePr>
+            <a:graphicFrameLocks noChangeAspect="1"/>
+          </p:cNvGraphicFramePr>
+          <p:nvPr>
+            <p:extLst>
+              <p:ext uri="{D42A27DB-BD31-4B8C-83A1-F6EECF244321}">
+                <p14:modId xmlns:p14="http://schemas.microsoft.com/office/powerpoint/2010/main" val="366922906"/>
+              </p:ext>
+            </p:extLst>
+          </p:nvPr>
+        </p:nvGraphicFramePr>
+        <p:xfrm>
+          <a:off x="5994400" y="4038600"/>
+          <a:ext cx="139700" cy="215900"/>
+        </p:xfrm>
+        <a:graphic>
+          <a:graphicData uri="http://schemas.openxmlformats.org/presentationml/2006/ole">
+            <mc:AlternateContent xmlns:mc="http://schemas.openxmlformats.org/markup-compatibility/2006">
+              <mc:Choice xmlns:v="urn:schemas-microsoft-com:vml" Requires="v">
+                <p:oleObj spid="_x0000_s235535" name="Equation" r:id="rId6" imgW="139700" imgH="215900" progId="Equation.DSMT4">
+                  <p:embed/>
+                </p:oleObj>
+              </mc:Choice>
+              <mc:Fallback>
+                <p:oleObj name="Equation" r:id="rId6" imgW="139700" imgH="215900" progId="Equation.DSMT4">
+                  <p:embed/>
+                  <p:pic>
+                    <p:nvPicPr>
+                      <p:cNvPr id="0" name=""/>
+                      <p:cNvPicPr/>
+                      <p:nvPr/>
+                    </p:nvPicPr>
+                    <p:blipFill>
+                      <a:blip r:embed="rId7"/>
+                      <a:stretch>
+                        <a:fillRect/>
+                      </a:stretch>
+                    </p:blipFill>
+                    <p:spPr>
+                      <a:xfrm>
+                        <a:off x="5994400" y="4038600"/>
+                        <a:ext cx="139700" cy="215900"/>
+                      </a:xfrm>
+                      <a:prstGeom prst="rect">
+                        <a:avLst/>
+                      </a:prstGeom>
+                    </p:spPr>
+                  </p:pic>
+                </p:oleObj>
+              </mc:Fallback>
+            </mc:AlternateContent>
+          </a:graphicData>
+        </a:graphic>
+      </p:graphicFrame>
+      <p:graphicFrame>
+        <p:nvGraphicFramePr>
+          <p:cNvPr id="4" name="Object 3"/>
+          <p:cNvGraphicFramePr>
+            <a:graphicFrameLocks noChangeAspect="1"/>
+          </p:cNvGraphicFramePr>
+          <p:nvPr>
+            <p:extLst>
+              <p:ext uri="{D42A27DB-BD31-4B8C-83A1-F6EECF244321}">
+                <p14:modId xmlns:p14="http://schemas.microsoft.com/office/powerpoint/2010/main" val="2966260653"/>
+              </p:ext>
+            </p:extLst>
+          </p:nvPr>
+        </p:nvGraphicFramePr>
+        <p:xfrm>
+          <a:off x="5994400" y="4038600"/>
+          <a:ext cx="139700" cy="215900"/>
+        </p:xfrm>
+        <a:graphic>
+          <a:graphicData uri="http://schemas.openxmlformats.org/presentationml/2006/ole">
+            <mc:AlternateContent xmlns:mc="http://schemas.openxmlformats.org/markup-compatibility/2006">
+              <mc:Choice xmlns:v="urn:schemas-microsoft-com:vml" Requires="v">
+                <p:oleObj spid="_x0000_s235536" name="Equation" r:id="rId8" imgW="139700" imgH="215900" progId="Equation.DSMT4">
+                  <p:embed/>
+                </p:oleObj>
+              </mc:Choice>
+              <mc:Fallback>
+                <p:oleObj name="Equation" r:id="rId8" imgW="139700" imgH="215900" progId="Equation.DSMT4">
+                  <p:embed/>
+                  <p:pic>
+                    <p:nvPicPr>
+                      <p:cNvPr id="0" name=""/>
+                      <p:cNvPicPr/>
+                      <p:nvPr/>
+                    </p:nvPicPr>
+                    <p:blipFill>
+                      <a:blip r:embed="rId7"/>
+                      <a:stretch>
+                        <a:fillRect/>
+                      </a:stretch>
+                    </p:blipFill>
+                    <p:spPr>
+                      <a:xfrm>
+                        <a:off x="5994400" y="4038600"/>
+                        <a:ext cx="139700" cy="215900"/>
+                      </a:xfrm>
+                      <a:prstGeom prst="rect">
+                        <a:avLst/>
+                      </a:prstGeom>
+                    </p:spPr>
+                  </p:pic>
+                </p:oleObj>
+              </mc:Fallback>
+            </mc:AlternateContent>
+          </a:graphicData>
+        </a:graphic>
+      </p:graphicFrame>
+      <p:graphicFrame>
+        <p:nvGraphicFramePr>
+          <p:cNvPr id="5" name="Object 4"/>
+          <p:cNvGraphicFramePr>
+            <a:graphicFrameLocks noChangeAspect="1"/>
+          </p:cNvGraphicFramePr>
+          <p:nvPr>
+            <p:extLst>
+              <p:ext uri="{D42A27DB-BD31-4B8C-83A1-F6EECF244321}">
+                <p14:modId xmlns:p14="http://schemas.microsoft.com/office/powerpoint/2010/main" val="2846912475"/>
+              </p:ext>
+            </p:extLst>
+          </p:nvPr>
+        </p:nvGraphicFramePr>
+        <p:xfrm>
+          <a:off x="967573" y="2895600"/>
+          <a:ext cx="6042827" cy="2784290"/>
+        </p:xfrm>
+        <a:graphic>
+          <a:graphicData uri="http://schemas.openxmlformats.org/presentationml/2006/ole">
+            <mc:AlternateContent xmlns:mc="http://schemas.openxmlformats.org/markup-compatibility/2006">
+              <mc:Choice xmlns:v="urn:schemas-microsoft-com:vml" Requires="v">
+                <p:oleObj spid="_x0000_s235537" name="Equation" r:id="rId9" imgW="1295400" imgH="596900" progId="Equation.DSMT4">
+                  <p:embed/>
+                </p:oleObj>
+              </mc:Choice>
+              <mc:Fallback>
+                <p:oleObj name="Equation" r:id="rId9" imgW="1295400" imgH="596900" progId="Equation.DSMT4">
+                  <p:embed/>
+                  <p:pic>
+                    <p:nvPicPr>
+                      <p:cNvPr id="0" name=""/>
+                      <p:cNvPicPr/>
+                      <p:nvPr/>
+                    </p:nvPicPr>
+                    <p:blipFill>
+                      <a:blip r:embed="rId10"/>
+                      <a:stretch>
+                        <a:fillRect/>
+                      </a:stretch>
+                    </p:blipFill>
+                    <p:spPr>
+                      <a:xfrm>
+                        <a:off x="967573" y="2895600"/>
+                        <a:ext cx="6042827" cy="2784290"/>
+                      </a:xfrm>
+                      <a:prstGeom prst="rect">
+                        <a:avLst/>
+                      </a:prstGeom>
+                    </p:spPr>
+                  </p:pic>
+                </p:oleObj>
+              </mc:Fallback>
+            </mc:AlternateContent>
+          </a:graphicData>
+        </a:graphic>
+      </p:graphicFrame>
+    </p:spTree>
+    <p:extLst>
+      <p:ext uri="{BB962C8B-B14F-4D97-AF65-F5344CB8AC3E}">
+        <p14:creationId xmlns:p14="http://schemas.microsoft.com/office/powerpoint/2010/main" val="2215064533"/>
+      </p:ext>
+    </p:extLst>
+  </p:cSld>
+  <p:clrMapOvr>
+    <a:masterClrMapping/>
+  </p:clrMapOvr>
+  <p:transition xmlns:p14="http://schemas.microsoft.com/office/powerpoint/2010/main" advClick="0">
+    <p:fade/>
+  </p:transition>
+  <p:timing>
+    <p:tnLst>
+      <p:par>
+        <p:cTn xmlns:p14="http://schemas.microsoft.com/office/powerpoint/2010/main" id="1" dur="indefinite" restart="never" nodeType="tmRoot">
+          <p:childTnLst>
+            <p:seq concurrent="1" nextAc="seek">
+              <p:cTn id="2" dur="indefinite" nodeType="mainSeq">
+                <p:childTnLst>
+                  <p:par>
+                    <p:cTn id="3" fill="hold">
+                      <p:stCondLst>
+                        <p:cond delay="indefinite"/>
+                      </p:stCondLst>
+                      <p:childTnLst>
+                        <p:par>
+                          <p:cTn id="4" fill="hold">
+                            <p:stCondLst>
+                              <p:cond delay="0"/>
+                            </p:stCondLst>
+                            <p:childTnLst>
+                              <p:par>
+                                <p:cTn id="5" presetID="10" presetClass="entr" presetSubtype="0" fill="hold" grpId="0" nodeType="clickEffect">
+                                  <p:stCondLst>
+                                    <p:cond delay="0"/>
+                                  </p:stCondLst>
+                                  <p:childTnLst>
+                                    <p:set>
+                                      <p:cBhvr>
+                                        <p:cTn id="6" dur="1" fill="hold">
+                                          <p:stCondLst>
+                                            <p:cond delay="0"/>
+                                          </p:stCondLst>
+                                        </p:cTn>
+                                        <p:tgtEl>
+                                          <p:spTgt spid="2"/>
+                                        </p:tgtEl>
+                                        <p:attrNameLst>
+                                          <p:attrName>style.visibility</p:attrName>
+                                        </p:attrNameLst>
+                                      </p:cBhvr>
+                                      <p:to>
+                                        <p:strVal val="visible"/>
+                                      </p:to>
+                                    </p:set>
+                                    <p:animEffect transition="in" filter="fade">
+                                      <p:cBhvr>
+                                        <p:cTn id="7" dur="500"/>
+                                        <p:tgtEl>
+                                          <p:spTgt spid="2"/>
+                                        </p:tgtEl>
+                                      </p:cBhvr>
+                                    </p:animEffect>
+                                  </p:childTnLst>
+                                </p:cTn>
+                              </p:par>
+                            </p:childTnLst>
+                          </p:cTn>
+                        </p:par>
+                      </p:childTnLst>
+                    </p:cTn>
+                  </p:par>
+                  <p:par>
+                    <p:cTn id="8" fill="hold">
+                      <p:stCondLst>
+                        <p:cond delay="indefinite"/>
+                      </p:stCondLst>
+                      <p:childTnLst>
+                        <p:par>
+                          <p:cTn id="9" fill="hold">
+                            <p:stCondLst>
+                              <p:cond delay="0"/>
+                            </p:stCondLst>
+                            <p:childTnLst>
+                              <p:par>
+                                <p:cTn id="10" presetID="2" presetClass="entr" presetSubtype="4" fill="hold" nodeType="clickEffect">
+                                  <p:stCondLst>
+                                    <p:cond delay="0"/>
+                                  </p:stCondLst>
+                                  <p:childTnLst>
+                                    <p:set>
+                                      <p:cBhvr>
+                                        <p:cTn id="11" dur="1" fill="hold">
+                                          <p:stCondLst>
+                                            <p:cond delay="0"/>
+                                          </p:stCondLst>
+                                        </p:cTn>
+                                        <p:tgtEl>
+                                          <p:spTgt spid="5"/>
+                                        </p:tgtEl>
+                                        <p:attrNameLst>
+                                          <p:attrName>style.visibility</p:attrName>
+                                        </p:attrNameLst>
+                                      </p:cBhvr>
+                                      <p:to>
+                                        <p:strVal val="visible"/>
+                                      </p:to>
+                                    </p:set>
+                                    <p:anim calcmode="lin" valueType="num">
+                                      <p:cBhvr additive="base">
+                                        <p:cTn id="12" dur="1000" fill="hold"/>
+                                        <p:tgtEl>
+                                          <p:spTgt spid="5"/>
+                                        </p:tgtEl>
+                                        <p:attrNameLst>
+                                          <p:attrName>ppt_x</p:attrName>
+                                        </p:attrNameLst>
+                                      </p:cBhvr>
+                                      <p:tavLst>
+                                        <p:tav tm="0">
+                                          <p:val>
+                                            <p:strVal val="#ppt_x"/>
+                                          </p:val>
+                                        </p:tav>
+                                        <p:tav tm="100000">
+                                          <p:val>
+                                            <p:strVal val="#ppt_x"/>
+                                          </p:val>
+                                        </p:tav>
+                                      </p:tavLst>
+                                    </p:anim>
+                                    <p:anim calcmode="lin" valueType="num">
+                                      <p:cBhvr additive="base">
+                                        <p:cTn id="13" dur="1000" fill="hold"/>
+                                        <p:tgtEl>
+                                          <p:spTgt spid="5"/>
+                                        </p:tgtEl>
+                                        <p:attrNameLst>
+                                          <p:attrName>ppt_y</p:attrName>
+                                        </p:attrNameLst>
+                                      </p:cBhvr>
+                                      <p:tavLst>
+                                        <p:tav tm="0">
+                                          <p:val>
+                                            <p:strVal val="1+#ppt_h/2"/>
+                                          </p:val>
+                                        </p:tav>
+                                        <p:tav tm="100000">
+                                          <p:val>
+                                            <p:strVal val="#ppt_y"/>
+                                          </p:val>
+                                        </p:tav>
+                                      </p:tavLst>
+                                    </p:anim>
+                                  </p:childTnLst>
+                                </p:cTn>
+                              </p:par>
+                            </p:childTnLst>
+                          </p:cTn>
+                        </p:par>
+                      </p:childTnLst>
+                    </p:cTn>
+                  </p:par>
+                </p:childTnLst>
+              </p:cTn>
+              <p:prevCondLst>
+                <p:cond evt="onPrev" delay="0">
+                  <p:tgtEl>
+                    <p:sldTgt/>
+                  </p:tgtEl>
+                </p:cond>
+              </p:prevCondLst>
+              <p:nextCondLst>
+                <p:cond evt="onNext" delay="0">
+                  <p:tgtEl>
+                    <p:sldTgt/>
+                  </p:tgtEl>
+                </p:cond>
+              </p:nextCondLst>
+            </p:seq>
+          </p:childTnLst>
+        </p:cTn>
+      </p:par>
+    </p:tnLst>
+    <p:bldLst>
+      <p:bldP spid="2" grpId="0" animBg="1"/>
+    </p:bldLst>
   </p:timing>
 </p:sld>
 </file>
@@ -8702,33 +10640,19 @@
   <a:objectDefaults>
     <a:spDef>
       <a:spPr bwMode="auto">
-        <a:xfrm>
-          <a:off x="0" y="0"/>
-          <a:ext cx="1" cy="1"/>
-        </a:xfrm>
-        <a:custGeom>
-          <a:avLst/>
-          <a:gdLst/>
-          <a:ahLst/>
-          <a:cxnLst/>
-          <a:rect l="0" t="0" r="0" b="0"/>
-          <a:pathLst/>
-        </a:custGeom>
-        <a:solidFill>
-          <a:schemeClr val="accent1"/>
-        </a:solidFill>
-        <a:ln w="38100" cap="flat" cmpd="sng" algn="ctr">
+        <a:noFill/>
+        <a:ln w="44450" cap="flat" cmpd="sng" algn="ctr">
           <a:solidFill>
-            <a:schemeClr val="tx1"/>
+            <a:srgbClr val="FF00FF"/>
           </a:solidFill>
-          <a:prstDash val="solid"/>
+          <a:prstDash val="sysDash"/>
           <a:round/>
           <a:headEnd type="none" w="med" len="med"/>
           <a:tailEnd type="none" w="med" len="med"/>
         </a:ln>
         <a:effectLst/>
       </a:spPr>
-      <a:bodyPr vert="horz" wrap="square" lIns="91440" tIns="45720" rIns="91440" bIns="45720" numCol="1" anchor="t" anchorCtr="0" compatLnSpc="1">
+      <a:bodyPr vert="horz" wrap="square" lIns="91440" tIns="45720" rIns="91440" bIns="45720" numCol="1" rtlCol="0" anchor="t" anchorCtr="0" compatLnSpc="1">
         <a:prstTxWarp prst="textNoShape">
           <a:avLst/>
         </a:prstTxWarp>
@@ -8749,7 +10673,7 @@
           <a:buFontTx/>
           <a:buNone/>
           <a:tabLst/>
-          <a:defRPr kumimoji="0" lang="en-US" sz="3600" b="0" i="0" u="none" strike="noStrike" cap="none" normalizeH="0" baseline="0" smtClean="0">
+          <a:defRPr kumimoji="0" sz="3600" b="0" i="0" u="none" strike="noStrike" cap="none" normalizeH="0" baseline="0" smtClean="0">
             <a:ln>
               <a:noFill/>
             </a:ln>

--- a/spring13/slides13/incexcbinom.pptx
+++ b/spring13/slides13/incexcbinom.pptx
@@ -28,7 +28,7 @@
     <p:sldId id="589" r:id="rId16"/>
     <p:sldId id="566" r:id="rId17"/>
     <p:sldId id="590" r:id="rId18"/>
-    <p:sldId id="594" r:id="rId19"/>
+    <p:sldId id="596" r:id="rId19"/>
   </p:sldIdLst>
   <p:sldSz cx="9144000" cy="6858000" type="screen4x3"/>
   <p:notesSz cx="9601200" cy="7315200"/>
@@ -3649,7 +3649,7 @@
           <a:graphicData uri="http://schemas.openxmlformats.org/presentationml/2006/ole">
             <mc:AlternateContent xmlns:mc="http://schemas.openxmlformats.org/markup-compatibility/2006">
               <mc:Choice xmlns:v="urn:schemas-microsoft-com:vml" Requires="v">
-                <p:oleObj spid="_x0000_s218126" name="Equation" r:id="rId4" imgW="1346200" imgH="355600" progId="Equation.DSMT4">
+                <p:oleObj spid="_x0000_s218130" name="Equation" r:id="rId4" imgW="1346200" imgH="355600" progId="Equation.DSMT4">
                   <p:embed/>
                 </p:oleObj>
               </mc:Choice>
@@ -4149,7 +4149,7 @@
           <a:graphicData uri="http://schemas.openxmlformats.org/presentationml/2006/ole">
             <mc:AlternateContent xmlns:mc="http://schemas.openxmlformats.org/markup-compatibility/2006">
               <mc:Choice xmlns:v="urn:schemas-microsoft-com:vml" Requires="v">
-                <p:oleObj spid="_x0000_s234514" name="Equation" r:id="rId3" imgW="1816100" imgH="381000" progId="Equation.DSMT4">
+                <p:oleObj spid="_x0000_s234521" name="Equation" r:id="rId3" imgW="1816100" imgH="381000" progId="Equation.DSMT4">
                   <p:embed/>
                 </p:oleObj>
               </mc:Choice>
@@ -4206,7 +4206,7 @@
           <a:graphicData uri="http://schemas.openxmlformats.org/presentationml/2006/ole">
             <mc:AlternateContent xmlns:mc="http://schemas.openxmlformats.org/markup-compatibility/2006">
               <mc:Choice xmlns:v="urn:schemas-microsoft-com:vml" Requires="v">
-                <p:oleObj spid="_x0000_s234515" name="Equation" r:id="rId5" imgW="406400" imgH="292100" progId="Equation.DSMT4">
+                <p:oleObj spid="_x0000_s234522" name="Equation" r:id="rId5" imgW="406400" imgH="292100" progId="Equation.DSMT4">
                   <p:embed/>
                 </p:oleObj>
               </mc:Choice>
@@ -4272,12 +4272,6 @@
               </a:rPr>
               <a:t>QED</a:t>
             </a:r>
-            <a:endParaRPr lang="en-US" sz="6600" dirty="0" smtClean="0">
-              <a:solidFill>
-                <a:srgbClr val="90096D"/>
-              </a:solidFill>
-              <a:latin typeface="Comic Sans MS" pitchFamily="66" charset="0"/>
-            </a:endParaRPr>
           </a:p>
         </p:txBody>
       </p:sp>
@@ -4291,13 +4285,13 @@
   <p:clrMapOvr>
     <a:masterClrMapping/>
   </p:clrMapOvr>
-  <mc:AlternateContent xmlns:mc="http://schemas.openxmlformats.org/markup-compatibility/2006">
-    <mc:Choice xmlns:p14="http://schemas.microsoft.com/office/powerpoint/2010/main" Requires="p14">
+  <mc:AlternateContent xmlns:mc="http://schemas.openxmlformats.org/markup-compatibility/2006" xmlns:p14="http://schemas.microsoft.com/office/powerpoint/2010/main">
+    <mc:Choice Requires="p14">
       <p:transition spd="slow" p14:dur="1200" advClick="0">
         <p:fade thruBlk="1"/>
       </p:transition>
     </mc:Choice>
-    <mc:Fallback>
+    <mc:Fallback xmlns="">
       <p:transition xmlns:p14="http://schemas.microsoft.com/office/powerpoint/2010/main" spd="slow" advClick="0">
         <p:fade thruBlk="1"/>
       </p:transition>
@@ -4991,7 +4985,7 @@
           <a:graphicData uri="http://schemas.openxmlformats.org/presentationml/2006/ole">
             <mc:AlternateContent xmlns:mc="http://schemas.openxmlformats.org/markup-compatibility/2006">
               <mc:Choice xmlns:v="urn:schemas-microsoft-com:vml" Requires="v">
-                <p:oleObj spid="_x0000_s240646" name="Equation" r:id="rId3" imgW="1574800" imgH="533400" progId="Equation.DSMT4">
+                <p:oleObj spid="_x0000_s240650" name="Equation" r:id="rId3" imgW="1574800" imgH="533400" progId="Equation.DSMT4">
                   <p:embed/>
                 </p:oleObj>
               </mc:Choice>
@@ -5036,13 +5030,13 @@
   <p:clrMapOvr>
     <a:masterClrMapping/>
   </p:clrMapOvr>
-  <mc:AlternateContent xmlns:mc="http://schemas.openxmlformats.org/markup-compatibility/2006">
-    <mc:Choice xmlns:p14="http://schemas.microsoft.com/office/powerpoint/2010/main" Requires="p14">
+  <mc:AlternateContent xmlns:mc="http://schemas.openxmlformats.org/markup-compatibility/2006" xmlns:p14="http://schemas.microsoft.com/office/powerpoint/2010/main">
+    <mc:Choice Requires="p14">
       <p:transition spd="slow" p14:dur="900" advClick="0">
         <p:fade thruBlk="1"/>
       </p:transition>
     </mc:Choice>
-    <mc:Fallback>
+    <mc:Fallback xmlns="">
       <p:transition xmlns:p14="http://schemas.microsoft.com/office/powerpoint/2010/main" spd="slow" advClick="0">
         <p:fade thruBlk="1"/>
       </p:transition>
@@ -5398,7 +5392,7 @@
           <a:graphicData uri="http://schemas.openxmlformats.org/presentationml/2006/ole">
             <mc:AlternateContent xmlns:mc="http://schemas.openxmlformats.org/markup-compatibility/2006">
               <mc:Choice xmlns:v="urn:schemas-microsoft-com:vml" Requires="v">
-                <p:oleObj spid="_x0000_s237576" name="Equation" r:id="rId3" imgW="1638300" imgH="495300" progId="Equation.DSMT4">
+                <p:oleObj spid="_x0000_s237580" name="Equation" r:id="rId3" imgW="1638300" imgH="495300" progId="Equation.DSMT4">
                   <p:embed/>
                 </p:oleObj>
               </mc:Choice>
@@ -5443,13 +5437,13 @@
   <p:clrMapOvr>
     <a:masterClrMapping/>
   </p:clrMapOvr>
-  <mc:AlternateContent xmlns:mc="http://schemas.openxmlformats.org/markup-compatibility/2006">
-    <mc:Choice xmlns:p14="http://schemas.microsoft.com/office/powerpoint/2010/main" Requires="p14">
+  <mc:AlternateContent xmlns:mc="http://schemas.openxmlformats.org/markup-compatibility/2006" xmlns:p14="http://schemas.microsoft.com/office/powerpoint/2010/main">
+    <mc:Choice Requires="p14">
       <p:transition spd="slow" p14:dur="800" advClick="0">
         <p:fade/>
       </p:transition>
     </mc:Choice>
-    <mc:Fallback>
+    <mc:Fallback xmlns="">
       <p:transition xmlns:p14="http://schemas.microsoft.com/office/powerpoint/2010/main" spd="slow" advClick="0">
         <p:fade/>
       </p:transition>
@@ -5698,7 +5692,7 @@
           <a:graphicData uri="http://schemas.openxmlformats.org/presentationml/2006/ole">
             <mc:AlternateContent xmlns:mc="http://schemas.openxmlformats.org/markup-compatibility/2006">
               <mc:Choice xmlns:v="urn:schemas-microsoft-com:vml" Requires="v">
-                <p:oleObj spid="_x0000_s242691" name="Equation" r:id="rId3" imgW="1790700" imgH="495300" progId="Equation.DSMT4">
+                <p:oleObj spid="_x0000_s242695" name="Equation" r:id="rId3" imgW="1790700" imgH="495300" progId="Equation.DSMT4">
                   <p:embed/>
                 </p:oleObj>
               </mc:Choice>
@@ -5743,13 +5737,13 @@
   <p:clrMapOvr>
     <a:masterClrMapping/>
   </p:clrMapOvr>
-  <mc:AlternateContent xmlns:mc="http://schemas.openxmlformats.org/markup-compatibility/2006">
-    <mc:Choice xmlns:p14="http://schemas.microsoft.com/office/powerpoint/2010/main" Requires="p14">
+  <mc:AlternateContent xmlns:mc="http://schemas.openxmlformats.org/markup-compatibility/2006" xmlns:p14="http://schemas.microsoft.com/office/powerpoint/2010/main">
+    <mc:Choice Requires="p14">
       <p:transition spd="slow" p14:dur="800" advClick="0">
         <p:fade/>
       </p:transition>
     </mc:Choice>
-    <mc:Fallback>
+    <mc:Fallback xmlns="">
       <p:transition xmlns:p14="http://schemas.microsoft.com/office/powerpoint/2010/main" spd="slow" advClick="0">
         <p:fade/>
       </p:transition>
@@ -5922,7 +5916,7 @@
           <a:graphicData uri="http://schemas.openxmlformats.org/presentationml/2006/ole">
             <mc:AlternateContent xmlns:mc="http://schemas.openxmlformats.org/markup-compatibility/2006">
               <mc:Choice xmlns:v="urn:schemas-microsoft-com:vml" Requires="v">
-                <p:oleObj spid="_x0000_s244740" name="Equation" r:id="rId3" imgW="1790700" imgH="495300" progId="Equation.DSMT4">
+                <p:oleObj spid="_x0000_s244744" name="Equation" r:id="rId3" imgW="1790700" imgH="495300" progId="Equation.DSMT4">
                   <p:embed/>
                 </p:oleObj>
               </mc:Choice>
@@ -5967,13 +5961,13 @@
   <p:clrMapOvr>
     <a:masterClrMapping/>
   </p:clrMapOvr>
-  <mc:AlternateContent xmlns:mc="http://schemas.openxmlformats.org/markup-compatibility/2006">
-    <mc:Choice xmlns:p14="http://schemas.microsoft.com/office/powerpoint/2010/main" Requires="p14">
+  <mc:AlternateContent xmlns:mc="http://schemas.openxmlformats.org/markup-compatibility/2006" xmlns:p14="http://schemas.microsoft.com/office/powerpoint/2010/main">
+    <mc:Choice Requires="p14">
       <p:transition spd="slow" p14:dur="800" advClick="0">
         <p:fade/>
       </p:transition>
     </mc:Choice>
-    <mc:Fallback>
+    <mc:Fallback xmlns="">
       <p:transition xmlns:p14="http://schemas.microsoft.com/office/powerpoint/2010/main" spd="slow" advClick="0">
         <p:fade/>
       </p:transition>
@@ -6229,7 +6223,7 @@
           <a:graphicData uri="http://schemas.openxmlformats.org/presentationml/2006/ole">
             <mc:AlternateContent xmlns:mc="http://schemas.openxmlformats.org/markup-compatibility/2006">
               <mc:Choice xmlns:v="urn:schemas-microsoft-com:vml" Requires="v">
-                <p:oleObj spid="_x0000_s205956" name="Equation" r:id="rId4" imgW="139700" imgH="215900" progId="Equation.DSMT4">
+                <p:oleObj spid="_x0000_s205969" name="Equation" r:id="rId4" imgW="139700" imgH="215900" progId="Equation.DSMT4">
                   <p:embed/>
                 </p:oleObj>
               </mc:Choice>
@@ -6286,7 +6280,7 @@
           <a:graphicData uri="http://schemas.openxmlformats.org/presentationml/2006/ole">
             <mc:AlternateContent xmlns:mc="http://schemas.openxmlformats.org/markup-compatibility/2006">
               <mc:Choice xmlns:v="urn:schemas-microsoft-com:vml" Requires="v">
-                <p:oleObj spid="_x0000_s205957" name="Equation" r:id="rId6" imgW="139700" imgH="215900" progId="Equation.DSMT4">
+                <p:oleObj spid="_x0000_s205970" name="Equation" r:id="rId6" imgW="139700" imgH="215900" progId="Equation.DSMT4">
                   <p:embed/>
                 </p:oleObj>
               </mc:Choice>
@@ -6343,7 +6337,7 @@
           <a:graphicData uri="http://schemas.openxmlformats.org/presentationml/2006/ole">
             <mc:AlternateContent xmlns:mc="http://schemas.openxmlformats.org/markup-compatibility/2006">
               <mc:Choice xmlns:v="urn:schemas-microsoft-com:vml" Requires="v">
-                <p:oleObj spid="_x0000_s205958" name="Equation" r:id="rId7" imgW="1346200" imgH="533400" progId="Equation.DSMT4">
+                <p:oleObj spid="_x0000_s205971" name="Equation" r:id="rId7" imgW="1346200" imgH="533400" progId="Equation.DSMT4">
                   <p:embed/>
                 </p:oleObj>
               </mc:Choice>
@@ -6400,7 +6394,7 @@
           <a:graphicData uri="http://schemas.openxmlformats.org/presentationml/2006/ole">
             <mc:AlternateContent xmlns:mc="http://schemas.openxmlformats.org/markup-compatibility/2006">
               <mc:Choice xmlns:v="urn:schemas-microsoft-com:vml" Requires="v">
-                <p:oleObj spid="_x0000_s205959" name="Equation" r:id="rId9" imgW="482600" imgH="241300" progId="Equation.DSMT4">
+                <p:oleObj spid="_x0000_s205972" name="Equation" r:id="rId9" imgW="482600" imgH="241300" progId="Equation.DSMT4">
                   <p:embed/>
                 </p:oleObj>
               </mc:Choice>
@@ -6445,18 +6439,9 @@
   <p:clrMapOvr>
     <a:masterClrMapping/>
   </p:clrMapOvr>
-  <mc:AlternateContent xmlns:mc="http://schemas.openxmlformats.org/markup-compatibility/2006">
-    <mc:Choice xmlns:p14="http://schemas.microsoft.com/office/powerpoint/2010/main" Requires="p14">
-      <p:transition spd="slow" p14:dur="800" advClick="0">
-        <p:fade thruBlk="1"/>
-      </p:transition>
-    </mc:Choice>
-    <mc:Fallback>
-      <p:transition xmlns:p14="http://schemas.microsoft.com/office/powerpoint/2010/main" spd="slow" advClick="0">
-        <p:fade thruBlk="1"/>
-      </p:transition>
-    </mc:Fallback>
-  </mc:AlternateContent>
+  <p:transition xmlns:p14="http://schemas.microsoft.com/office/powerpoint/2010/main" spd="slow" advClick="0">
+    <p:fade thruBlk="1"/>
+  </p:transition>
   <p:timing>
     <p:tnLst>
       <p:par>
@@ -6783,7 +6768,7 @@
           <a:graphicData uri="http://schemas.openxmlformats.org/presentationml/2006/ole">
             <mc:AlternateContent xmlns:mc="http://schemas.openxmlformats.org/markup-compatibility/2006">
               <mc:Choice xmlns:v="urn:schemas-microsoft-com:vml" Requires="v">
-                <p:oleObj spid="_x0000_s245767" name="Equation" r:id="rId4" imgW="139700" imgH="215900" progId="Equation.DSMT4">
+                <p:oleObj spid="_x0000_s245777" name="Equation" r:id="rId4" imgW="139700" imgH="215900" progId="Equation.DSMT4">
                   <p:embed/>
                 </p:oleObj>
               </mc:Choice>
@@ -6840,7 +6825,7 @@
           <a:graphicData uri="http://schemas.openxmlformats.org/presentationml/2006/ole">
             <mc:AlternateContent xmlns:mc="http://schemas.openxmlformats.org/markup-compatibility/2006">
               <mc:Choice xmlns:v="urn:schemas-microsoft-com:vml" Requires="v">
-                <p:oleObj spid="_x0000_s245768" name="Equation" r:id="rId6" imgW="139700" imgH="215900" progId="Equation.DSMT4">
+                <p:oleObj spid="_x0000_s245778" name="Equation" r:id="rId6" imgW="139700" imgH="215900" progId="Equation.DSMT4">
                   <p:embed/>
                 </p:oleObj>
               </mc:Choice>
@@ -6884,25 +6869,25 @@
           <p:nvPr>
             <p:extLst>
               <p:ext uri="{D42A27DB-BD31-4B8C-83A1-F6EECF244321}">
-                <p14:modId xmlns:p14="http://schemas.microsoft.com/office/powerpoint/2010/main" val="312334529"/>
+                <p14:modId xmlns:p14="http://schemas.microsoft.com/office/powerpoint/2010/main" val="737281621"/>
               </p:ext>
             </p:extLst>
           </p:nvPr>
         </p:nvGraphicFramePr>
         <p:xfrm>
-          <a:off x="152400" y="2593041"/>
-          <a:ext cx="4191000" cy="2588559"/>
+          <a:off x="1752600" y="2133600"/>
+          <a:ext cx="5486400" cy="2452265"/>
         </p:xfrm>
         <a:graphic>
           <a:graphicData uri="http://schemas.openxmlformats.org/presentationml/2006/ole">
             <mc:AlternateContent xmlns:mc="http://schemas.openxmlformats.org/markup-compatibility/2006">
               <mc:Choice xmlns:v="urn:schemas-microsoft-com:vml" Requires="v">
-                <p:oleObj spid="_x0000_s245769" name="Equation" r:id="rId7" imgW="863600" imgH="533400" progId="Equation.DSMT4">
+                <p:oleObj spid="_x0000_s245779" name="Equation" r:id="rId7" imgW="1193800" imgH="533400" progId="Equation.DSMT4">
                   <p:embed/>
                 </p:oleObj>
               </mc:Choice>
               <mc:Fallback>
-                <p:oleObj name="Equation" r:id="rId7" imgW="863600" imgH="533400" progId="Equation.DSMT4">
+                <p:oleObj name="Equation" r:id="rId7" imgW="1193800" imgH="533400" progId="Equation.DSMT4">
                   <p:embed/>
                   <p:pic>
                     <p:nvPicPr>
@@ -6918,8 +6903,8 @@
                     </p:blipFill>
                     <p:spPr>
                       <a:xfrm>
-                        <a:off x="152400" y="2593041"/>
-                        <a:ext cx="4191000" cy="2588559"/>
+                        <a:off x="1752600" y="2133600"/>
+                        <a:ext cx="5486400" cy="2452265"/>
                       </a:xfrm>
                       <a:prstGeom prst="rect">
                         <a:avLst/>
@@ -7182,7 +7167,7 @@
           <p:nvPr>
             <p:extLst>
               <p:ext uri="{D42A27DB-BD31-4B8C-83A1-F6EECF244321}">
-                <p14:modId xmlns:p14="http://schemas.microsoft.com/office/powerpoint/2010/main" val="945755997"/>
+                <p14:modId xmlns:p14="http://schemas.microsoft.com/office/powerpoint/2010/main" val="1039531652"/>
               </p:ext>
             </p:extLst>
           </p:nvPr>
@@ -7195,7 +7180,7 @@
           <a:graphicData uri="http://schemas.openxmlformats.org/presentationml/2006/ole">
             <mc:AlternateContent xmlns:mc="http://schemas.openxmlformats.org/markup-compatibility/2006">
               <mc:Choice xmlns:v="urn:schemas-microsoft-com:vml" Requires="v">
-                <p:oleObj spid="_x0000_s249861" name="Equation" r:id="rId4" imgW="139700" imgH="215900" progId="Equation.DSMT4">
+                <p:oleObj spid="_x0000_s262153" name="Equation" r:id="rId4" imgW="139700" imgH="215900" progId="Equation.DSMT4">
                   <p:embed/>
                 </p:oleObj>
               </mc:Choice>
@@ -7239,7 +7224,7 @@
           <p:nvPr>
             <p:extLst>
               <p:ext uri="{D42A27DB-BD31-4B8C-83A1-F6EECF244321}">
-                <p14:modId xmlns:p14="http://schemas.microsoft.com/office/powerpoint/2010/main" val="2188170612"/>
+                <p14:modId xmlns:p14="http://schemas.microsoft.com/office/powerpoint/2010/main" val="1872430895"/>
               </p:ext>
             </p:extLst>
           </p:nvPr>
@@ -7252,7 +7237,7 @@
           <a:graphicData uri="http://schemas.openxmlformats.org/presentationml/2006/ole">
             <mc:AlternateContent xmlns:mc="http://schemas.openxmlformats.org/markup-compatibility/2006">
               <mc:Choice xmlns:v="urn:schemas-microsoft-com:vml" Requires="v">
-                <p:oleObj spid="_x0000_s249862" name="Equation" r:id="rId6" imgW="139700" imgH="215900" progId="Equation.DSMT4">
+                <p:oleObj spid="_x0000_s262154" name="Equation" r:id="rId6" imgW="139700" imgH="215900" progId="Equation.DSMT4">
                   <p:embed/>
                 </p:oleObj>
               </mc:Choice>
@@ -7296,25 +7281,25 @@
           <p:nvPr>
             <p:extLst>
               <p:ext uri="{D42A27DB-BD31-4B8C-83A1-F6EECF244321}">
-                <p14:modId xmlns:p14="http://schemas.microsoft.com/office/powerpoint/2010/main" val="2059159772"/>
+                <p14:modId xmlns:p14="http://schemas.microsoft.com/office/powerpoint/2010/main" val="1890154747"/>
               </p:ext>
             </p:extLst>
           </p:nvPr>
         </p:nvGraphicFramePr>
         <p:xfrm>
-          <a:off x="152400" y="2593041"/>
-          <a:ext cx="4191000" cy="2588559"/>
+          <a:off x="1752600" y="2133600"/>
+          <a:ext cx="5486400" cy="2452265"/>
         </p:xfrm>
         <a:graphic>
           <a:graphicData uri="http://schemas.openxmlformats.org/presentationml/2006/ole">
             <mc:AlternateContent xmlns:mc="http://schemas.openxmlformats.org/markup-compatibility/2006">
               <mc:Choice xmlns:v="urn:schemas-microsoft-com:vml" Requires="v">
-                <p:oleObj spid="_x0000_s249863" name="Equation" r:id="rId7" imgW="863600" imgH="533400" progId="Equation.DSMT4">
+                <p:oleObj spid="_x0000_s262155" name="Equation" r:id="rId7" imgW="1193800" imgH="533400" progId="Equation.DSMT4">
                   <p:embed/>
                 </p:oleObj>
               </mc:Choice>
               <mc:Fallback>
-                <p:oleObj name="Equation" r:id="rId7" imgW="863600" imgH="533400" progId="Equation.DSMT4">
+                <p:oleObj name="Equation" r:id="rId7" imgW="1193800" imgH="533400" progId="Equation.DSMT4">
                   <p:embed/>
                   <p:pic>
                     <p:nvPicPr>
@@ -7330,8 +7315,8 @@
                     </p:blipFill>
                     <p:spPr>
                       <a:xfrm>
-                        <a:off x="152400" y="2593041"/>
-                        <a:ext cx="4191000" cy="2588559"/>
+                        <a:off x="1752600" y="2133600"/>
+                        <a:ext cx="5486400" cy="2452265"/>
                       </a:xfrm>
                       <a:prstGeom prst="rect">
                         <a:avLst/>
@@ -7353,20 +7338,20 @@
           <p:nvPr>
             <p:extLst>
               <p:ext uri="{D42A27DB-BD31-4B8C-83A1-F6EECF244321}">
-                <p14:modId xmlns:p14="http://schemas.microsoft.com/office/powerpoint/2010/main" val="3634380603"/>
+                <p14:modId xmlns:p14="http://schemas.microsoft.com/office/powerpoint/2010/main" val="1843562763"/>
               </p:ext>
             </p:extLst>
           </p:nvPr>
         </p:nvGraphicFramePr>
         <p:xfrm>
-          <a:off x="4340225" y="3200400"/>
-          <a:ext cx="4498975" cy="1231900"/>
+          <a:off x="3048000" y="4191000"/>
+          <a:ext cx="4535488" cy="1241898"/>
         </p:xfrm>
         <a:graphic>
           <a:graphicData uri="http://schemas.openxmlformats.org/presentationml/2006/ole">
             <mc:AlternateContent xmlns:mc="http://schemas.openxmlformats.org/markup-compatibility/2006">
               <mc:Choice xmlns:v="urn:schemas-microsoft-com:vml" Requires="v">
-                <p:oleObj spid="_x0000_s249864" name="Equation" r:id="rId9" imgW="927100" imgH="254000" progId="Equation.DSMT4">
+                <p:oleObj spid="_x0000_s262156" name="Equation" r:id="rId9" imgW="927100" imgH="254000" progId="Equation.DSMT4">
                   <p:embed/>
                 </p:oleObj>
               </mc:Choice>
@@ -7387,8 +7372,8 @@
                     </p:blipFill>
                     <p:spPr>
                       <a:xfrm>
-                        <a:off x="4340225" y="3200400"/>
-                        <a:ext cx="4498975" cy="1231900"/>
+                        <a:off x="3048000" y="4191000"/>
+                        <a:ext cx="4535488" cy="1241898"/>
                       </a:xfrm>
                       <a:prstGeom prst="rect">
                         <a:avLst/>
@@ -7409,8 +7394,8 @@
         </p:nvSpPr>
         <p:spPr>
           <a:xfrm>
-            <a:off x="3429000" y="4953000"/>
-            <a:ext cx="2464938" cy="1323439"/>
+            <a:off x="5410200" y="5334001"/>
+            <a:ext cx="2362200" cy="1200329"/>
           </a:xfrm>
           <a:prstGeom prst="rect">
             <a:avLst/>
@@ -7418,13 +7403,13 @@
           <a:noFill/>
         </p:spPr>
         <p:txBody>
-          <a:bodyPr wrap="none" rtlCol="0">
+          <a:bodyPr wrap="square" rtlCol="0">
             <a:spAutoFit/>
           </a:bodyPr>
           <a:lstStyle/>
           <a:p>
             <a:r>
-              <a:rPr lang="en-US" sz="8000" dirty="0" smtClean="0">
+              <a:rPr lang="en-US" sz="7200" dirty="0" smtClean="0">
                 <a:solidFill>
                   <a:srgbClr val="008000"/>
                 </a:solidFill>
@@ -7438,14 +7423,14 @@
     </p:spTree>
     <p:extLst>
       <p:ext uri="{BB962C8B-B14F-4D97-AF65-F5344CB8AC3E}">
-        <p14:creationId xmlns:p14="http://schemas.microsoft.com/office/powerpoint/2010/main" val="2703840527"/>
+        <p14:creationId xmlns:p14="http://schemas.microsoft.com/office/powerpoint/2010/main" val="3357704414"/>
       </p:ext>
     </p:extLst>
   </p:cSld>
   <p:clrMapOvr>
     <a:masterClrMapping/>
   </p:clrMapOvr>
-  <p:transition xmlns:p14="http://schemas.microsoft.com/office/powerpoint/2010/main" advClick="0">
+  <p:transition xmlns:p14="http://schemas.microsoft.com/office/powerpoint/2010/main" spd="slow" advClick="0">
     <p:fade/>
   </p:transition>
   <p:timing>
@@ -7460,9 +7445,6 @@
                     <p:cTn id="3" fill="hold">
                       <p:stCondLst>
                         <p:cond delay="indefinite"/>
-                        <p:cond evt="onBegin" delay="0">
-                          <p:tn val="2"/>
-                        </p:cond>
                       </p:stCondLst>
                       <p:childTnLst>
                         <p:par>
@@ -7472,7 +7454,7 @@
                             </p:stCondLst>
                             <p:childTnLst>
                               <p:par>
-                                <p:cTn id="5" presetID="22" presetClass="entr" presetSubtype="8" fill="hold" nodeType="withEffect">
+                                <p:cTn id="5" presetID="15" presetClass="entr" presetSubtype="0" fill="hold" grpId="0" nodeType="clickEffect">
                                   <p:stCondLst>
                                     <p:cond delay="0"/>
                                   </p:stCondLst>
@@ -7480,59 +7462,6 @@
                                     <p:set>
                                       <p:cBhvr>
                                         <p:cTn id="6" dur="1" fill="hold">
-                                          <p:stCondLst>
-                                            <p:cond delay="0"/>
-                                          </p:stCondLst>
-                                        </p:cTn>
-                                        <p:tgtEl>
-                                          <p:spTgt spid="8"/>
-                                        </p:tgtEl>
-                                        <p:attrNameLst>
-                                          <p:attrName>style.visibility</p:attrName>
-                                        </p:attrNameLst>
-                                      </p:cBhvr>
-                                      <p:to>
-                                        <p:strVal val="visible"/>
-                                      </p:to>
-                                    </p:set>
-                                    <p:animEffect transition="in" filter="wipe(left)">
-                                      <p:cBhvr>
-                                        <p:cTn id="7" dur="500"/>
-                                        <p:tgtEl>
-                                          <p:spTgt spid="8"/>
-                                        </p:tgtEl>
-                                      </p:cBhvr>
-                                    </p:animEffect>
-                                  </p:childTnLst>
-                                </p:cTn>
-                              </p:par>
-                            </p:childTnLst>
-                          </p:cTn>
-                        </p:par>
-                      </p:childTnLst>
-                    </p:cTn>
-                  </p:par>
-                  <p:par>
-                    <p:cTn id="8" fill="hold">
-                      <p:stCondLst>
-                        <p:cond delay="indefinite"/>
-                      </p:stCondLst>
-                      <p:childTnLst>
-                        <p:par>
-                          <p:cTn id="9" fill="hold">
-                            <p:stCondLst>
-                              <p:cond delay="0"/>
-                            </p:stCondLst>
-                            <p:childTnLst>
-                              <p:par>
-                                <p:cTn id="10" presetID="15" presetClass="entr" presetSubtype="0" fill="hold" grpId="0" nodeType="clickEffect">
-                                  <p:stCondLst>
-                                    <p:cond delay="0"/>
-                                  </p:stCondLst>
-                                  <p:childTnLst>
-                                    <p:set>
-                                      <p:cBhvr>
-                                        <p:cTn id="11" dur="1" fill="hold">
                                           <p:stCondLst>
                                             <p:cond delay="0"/>
                                           </p:stCondLst>
@@ -7550,7 +7479,7 @@
                                     </p:set>
                                     <p:anim calcmode="lin" valueType="num">
                                       <p:cBhvr>
-                                        <p:cTn id="12" dur="1000" fill="hold"/>
+                                        <p:cTn id="7" dur="1000" fill="hold"/>
                                         <p:tgtEl>
                                           <p:spTgt spid="9"/>
                                         </p:tgtEl>
@@ -7573,7 +7502,7 @@
                                     </p:anim>
                                     <p:anim calcmode="lin" valueType="num">
                                       <p:cBhvr>
-                                        <p:cTn id="13" dur="1000" fill="hold"/>
+                                        <p:cTn id="8" dur="1000" fill="hold"/>
                                         <p:tgtEl>
                                           <p:spTgt spid="9"/>
                                         </p:tgtEl>
@@ -7596,7 +7525,7 @@
                                     </p:anim>
                                     <p:anim calcmode="lin" valueType="num">
                                       <p:cBhvr>
-                                        <p:cTn id="14" dur="1000" fill="hold"/>
+                                        <p:cTn id="9" dur="1000" fill="hold"/>
                                         <p:tgtEl>
                                           <p:spTgt spid="9"/>
                                         </p:tgtEl>
@@ -7619,7 +7548,7 @@
                                     </p:anim>
                                     <p:anim calcmode="lin" valueType="num">
                                       <p:cBhvr>
-                                        <p:cTn id="15" dur="1000" fill="hold"/>
+                                        <p:cTn id="10" dur="1000" fill="hold"/>
                                         <p:tgtEl>
                                           <p:spTgt spid="9"/>
                                         </p:tgtEl>
@@ -7716,7 +7645,7 @@
           <a:graphicData uri="http://schemas.openxmlformats.org/presentationml/2006/ole">
             <mc:AlternateContent xmlns:mc="http://schemas.openxmlformats.org/markup-compatibility/2006">
               <mc:Choice xmlns:v="urn:schemas-microsoft-com:vml" Requires="v">
-                <p:oleObj spid="_x0000_s1047" name="Equation" r:id="rId4" imgW="1346200" imgH="266700" progId="Equation.DSMT4">
+                <p:oleObj spid="_x0000_s1054" name="Equation" r:id="rId4" imgW="1346200" imgH="266700" progId="Equation.DSMT4">
                   <p:embed/>
                 </p:oleObj>
               </mc:Choice>
@@ -7786,7 +7715,7 @@
           <a:graphicData uri="http://schemas.openxmlformats.org/presentationml/2006/ole">
             <mc:AlternateContent xmlns:mc="http://schemas.openxmlformats.org/markup-compatibility/2006">
               <mc:Choice xmlns:v="urn:schemas-microsoft-com:vml" Requires="v">
-                <p:oleObj spid="_x0000_s1048" name="Equation" r:id="rId6" imgW="1447800" imgH="495300" progId="Equation.DSMT4">
+                <p:oleObj spid="_x0000_s1055" name="Equation" r:id="rId6" imgW="1447800" imgH="495300" progId="Equation.DSMT4">
                   <p:embed/>
                 </p:oleObj>
               </mc:Choice>
@@ -8142,7 +8071,7 @@
           <a:graphicData uri="http://schemas.openxmlformats.org/presentationml/2006/ole">
             <mc:AlternateContent xmlns:mc="http://schemas.openxmlformats.org/markup-compatibility/2006">
               <mc:Choice xmlns:v="urn:schemas-microsoft-com:vml" Requires="v">
-                <p:oleObj spid="_x0000_s5268" name="Equation" r:id="rId4" imgW="139700" imgH="215900" progId="Equation.DSMT4">
+                <p:oleObj spid="_x0000_s5281" name="Equation" r:id="rId4" imgW="139700" imgH="215900" progId="Equation.DSMT4">
                   <p:embed/>
                 </p:oleObj>
               </mc:Choice>
@@ -8199,7 +8128,7 @@
           <a:graphicData uri="http://schemas.openxmlformats.org/presentationml/2006/ole">
             <mc:AlternateContent xmlns:mc="http://schemas.openxmlformats.org/markup-compatibility/2006">
               <mc:Choice xmlns:v="urn:schemas-microsoft-com:vml" Requires="v">
-                <p:oleObj spid="_x0000_s5269" name="Equation" r:id="rId6" imgW="571500" imgH="203200" progId="Equation.DSMT4">
+                <p:oleObj spid="_x0000_s5282" name="Equation" r:id="rId6" imgW="571500" imgH="203200" progId="Equation.DSMT4">
                   <p:embed/>
                 </p:oleObj>
               </mc:Choice>
@@ -8256,7 +8185,7 @@
           <a:graphicData uri="http://schemas.openxmlformats.org/presentationml/2006/ole">
             <mc:AlternateContent xmlns:mc="http://schemas.openxmlformats.org/markup-compatibility/2006">
               <mc:Choice xmlns:v="urn:schemas-microsoft-com:vml" Requires="v">
-                <p:oleObj spid="_x0000_s5270" name="Equation" r:id="rId8" imgW="1612900" imgH="393700" progId="Equation.DSMT4">
+                <p:oleObj spid="_x0000_s5283" name="Equation" r:id="rId8" imgW="1612900" imgH="393700" progId="Equation.DSMT4">
                   <p:embed/>
                 </p:oleObj>
               </mc:Choice>
@@ -8313,7 +8242,7 @@
           <a:graphicData uri="http://schemas.openxmlformats.org/presentationml/2006/ole">
             <mc:AlternateContent xmlns:mc="http://schemas.openxmlformats.org/markup-compatibility/2006">
               <mc:Choice xmlns:v="urn:schemas-microsoft-com:vml" Requires="v">
-                <p:oleObj spid="_x0000_s5271" name="Equation" r:id="rId10" imgW="1549400" imgH="292100" progId="Equation.DSMT4">
+                <p:oleObj spid="_x0000_s5284" name="Equation" r:id="rId10" imgW="1549400" imgH="292100" progId="Equation.DSMT4">
                   <p:embed/>
                 </p:oleObj>
               </mc:Choice>
@@ -8353,13 +8282,13 @@
   <p:clrMapOvr>
     <a:masterClrMapping/>
   </p:clrMapOvr>
-  <mc:AlternateContent xmlns:mc="http://schemas.openxmlformats.org/markup-compatibility/2006">
-    <mc:Choice xmlns:p14="http://schemas.microsoft.com/office/powerpoint/2010/main" Requires="p14">
+  <mc:AlternateContent xmlns:mc="http://schemas.openxmlformats.org/markup-compatibility/2006" xmlns:p14="http://schemas.microsoft.com/office/powerpoint/2010/main">
+    <mc:Choice Requires="p14">
       <p:transition spd="slow" p14:dur="1100" advClick="0">
         <p:fade/>
       </p:transition>
     </mc:Choice>
-    <mc:Fallback>
+    <mc:Fallback xmlns="">
       <p:transition xmlns:p14="http://schemas.microsoft.com/office/powerpoint/2010/main" spd="slow" advClick="0">
         <p:fade/>
       </p:transition>
@@ -8543,7 +8472,7 @@
           <a:graphicData uri="http://schemas.openxmlformats.org/presentationml/2006/ole">
             <mc:AlternateContent xmlns:mc="http://schemas.openxmlformats.org/markup-compatibility/2006">
               <mc:Choice xmlns:v="urn:schemas-microsoft-com:vml" Requires="v">
-                <p:oleObj spid="_x0000_s213019" name="Equation" r:id="rId4" imgW="1346200" imgH="266700" progId="Equation.DSMT4">
+                <p:oleObj spid="_x0000_s213026" name="Equation" r:id="rId4" imgW="1346200" imgH="266700" progId="Equation.DSMT4">
                   <p:embed/>
                 </p:oleObj>
               </mc:Choice>
@@ -8698,7 +8627,7 @@
           <a:graphicData uri="http://schemas.openxmlformats.org/presentationml/2006/ole">
             <mc:AlternateContent xmlns:mc="http://schemas.openxmlformats.org/markup-compatibility/2006">
               <mc:Choice xmlns:v="urn:schemas-microsoft-com:vml" Requires="v">
-                <p:oleObj spid="_x0000_s213020" name="Equation" r:id="rId6" imgW="1447800" imgH="495300" progId="Equation.DSMT4">
+                <p:oleObj spid="_x0000_s213027" name="Equation" r:id="rId6" imgW="1447800" imgH="495300" progId="Equation.DSMT4">
                   <p:embed/>
                 </p:oleObj>
               </mc:Choice>
@@ -8902,7 +8831,7 @@
           <a:graphicData uri="http://schemas.openxmlformats.org/presentationml/2006/ole">
             <mc:AlternateContent xmlns:mc="http://schemas.openxmlformats.org/markup-compatibility/2006">
               <mc:Choice xmlns:v="urn:schemas-microsoft-com:vml" Requires="v">
-                <p:oleObj spid="_x0000_s214033" name="Equation" r:id="rId4" imgW="393700" imgH="266700" progId="Equation.DSMT4">
+                <p:oleObj spid="_x0000_s214040" name="Equation" r:id="rId4" imgW="393700" imgH="266700" progId="Equation.DSMT4">
                   <p:embed/>
                 </p:oleObj>
               </mc:Choice>
@@ -8972,7 +8901,7 @@
           <a:graphicData uri="http://schemas.openxmlformats.org/presentationml/2006/ole">
             <mc:AlternateContent xmlns:mc="http://schemas.openxmlformats.org/markup-compatibility/2006">
               <mc:Choice xmlns:v="urn:schemas-microsoft-com:vml" Requires="v">
-                <p:oleObj spid="_x0000_s214034" name="Equation" r:id="rId6" imgW="1447800" imgH="495300" progId="Equation.DSMT4">
+                <p:oleObj spid="_x0000_s214041" name="Equation" r:id="rId6" imgW="1447800" imgH="495300" progId="Equation.DSMT4">
                   <p:embed/>
                 </p:oleObj>
               </mc:Choice>
@@ -9167,7 +9096,7 @@
           <a:graphicData uri="http://schemas.openxmlformats.org/presentationml/2006/ole">
             <mc:AlternateContent xmlns:mc="http://schemas.openxmlformats.org/markup-compatibility/2006">
               <mc:Choice xmlns:v="urn:schemas-microsoft-com:vml" Requires="v">
-                <p:oleObj spid="_x0000_s216083" name="Equation" r:id="rId4" imgW="393700" imgH="266700" progId="Equation.DSMT4">
+                <p:oleObj spid="_x0000_s216090" name="Equation" r:id="rId4" imgW="393700" imgH="266700" progId="Equation.DSMT4">
                   <p:embed/>
                 </p:oleObj>
               </mc:Choice>
@@ -9237,7 +9166,7 @@
           <a:graphicData uri="http://schemas.openxmlformats.org/presentationml/2006/ole">
             <mc:AlternateContent xmlns:mc="http://schemas.openxmlformats.org/markup-compatibility/2006">
               <mc:Choice xmlns:v="urn:schemas-microsoft-com:vml" Requires="v">
-                <p:oleObj spid="_x0000_s216084" name="Equation" r:id="rId6" imgW="1308100" imgH="419100" progId="Equation.DSMT4">
+                <p:oleObj spid="_x0000_s216091" name="Equation" r:id="rId6" imgW="1308100" imgH="419100" progId="Equation.DSMT4">
                   <p:embed/>
                 </p:oleObj>
               </mc:Choice>
@@ -9424,7 +9353,7 @@
           <a:graphicData uri="http://schemas.openxmlformats.org/presentationml/2006/ole">
             <mc:AlternateContent xmlns:mc="http://schemas.openxmlformats.org/markup-compatibility/2006">
               <mc:Choice xmlns:v="urn:schemas-microsoft-com:vml" Requires="v">
-                <p:oleObj spid="_x0000_s248835" name="Equation" r:id="rId4" imgW="393700" imgH="266700" progId="Equation.DSMT4">
+                <p:oleObj spid="_x0000_s248842" name="Equation" r:id="rId4" imgW="393700" imgH="266700" progId="Equation.DSMT4">
                   <p:embed/>
                 </p:oleObj>
               </mc:Choice>
@@ -9494,7 +9423,7 @@
           <a:graphicData uri="http://schemas.openxmlformats.org/presentationml/2006/ole">
             <mc:AlternateContent xmlns:mc="http://schemas.openxmlformats.org/markup-compatibility/2006">
               <mc:Choice xmlns:v="urn:schemas-microsoft-com:vml" Requires="v">
-                <p:oleObj spid="_x0000_s248836" name="Equation" r:id="rId6" imgW="1308100" imgH="419100" progId="Equation.DSMT4">
+                <p:oleObj spid="_x0000_s248843" name="Equation" r:id="rId6" imgW="1308100" imgH="419100" progId="Equation.DSMT4">
                   <p:embed/>
                 </p:oleObj>
               </mc:Choice>
@@ -9681,7 +9610,7 @@
           <a:graphicData uri="http://schemas.openxmlformats.org/presentationml/2006/ole">
             <mc:AlternateContent xmlns:mc="http://schemas.openxmlformats.org/markup-compatibility/2006">
               <mc:Choice xmlns:v="urn:schemas-microsoft-com:vml" Requires="v">
-                <p:oleObj spid="_x0000_s217105" name="Equation" r:id="rId4" imgW="241300" imgH="152400" progId="Equation.DSMT4">
+                <p:oleObj spid="_x0000_s217112" name="Equation" r:id="rId4" imgW="241300" imgH="152400" progId="Equation.DSMT4">
                   <p:embed/>
                 </p:oleObj>
               </mc:Choice>
@@ -9751,7 +9680,7 @@
           <a:graphicData uri="http://schemas.openxmlformats.org/presentationml/2006/ole">
             <mc:AlternateContent xmlns:mc="http://schemas.openxmlformats.org/markup-compatibility/2006">
               <mc:Choice xmlns:v="urn:schemas-microsoft-com:vml" Requires="v">
-                <p:oleObj spid="_x0000_s217106" name="Equation" r:id="rId6" imgW="1181100" imgH="419100" progId="Equation.DSMT4">
+                <p:oleObj spid="_x0000_s217113" name="Equation" r:id="rId6" imgW="1181100" imgH="419100" progId="Equation.DSMT4">
                   <p:embed/>
                 </p:oleObj>
               </mc:Choice>
@@ -9938,7 +9867,7 @@
           <a:graphicData uri="http://schemas.openxmlformats.org/presentationml/2006/ole">
             <mc:AlternateContent xmlns:mc="http://schemas.openxmlformats.org/markup-compatibility/2006">
               <mc:Choice xmlns:v="urn:schemas-microsoft-com:vml" Requires="v">
-                <p:oleObj spid="_x0000_s235534" name="Equation" r:id="rId4" imgW="1320800" imgH="419100" progId="Equation.DSMT4">
+                <p:oleObj spid="_x0000_s235547" name="Equation" r:id="rId4" imgW="1320800" imgH="419100" progId="Equation.DSMT4">
                   <p:embed/>
                 </p:oleObj>
               </mc:Choice>
@@ -10063,7 +9992,7 @@
           <a:graphicData uri="http://schemas.openxmlformats.org/presentationml/2006/ole">
             <mc:AlternateContent xmlns:mc="http://schemas.openxmlformats.org/markup-compatibility/2006">
               <mc:Choice xmlns:v="urn:schemas-microsoft-com:vml" Requires="v">
-                <p:oleObj spid="_x0000_s235535" name="Equation" r:id="rId6" imgW="139700" imgH="215900" progId="Equation.DSMT4">
+                <p:oleObj spid="_x0000_s235548" name="Equation" r:id="rId6" imgW="139700" imgH="215900" progId="Equation.DSMT4">
                   <p:embed/>
                 </p:oleObj>
               </mc:Choice>
@@ -10120,7 +10049,7 @@
           <a:graphicData uri="http://schemas.openxmlformats.org/presentationml/2006/ole">
             <mc:AlternateContent xmlns:mc="http://schemas.openxmlformats.org/markup-compatibility/2006">
               <mc:Choice xmlns:v="urn:schemas-microsoft-com:vml" Requires="v">
-                <p:oleObj spid="_x0000_s235536" name="Equation" r:id="rId8" imgW="139700" imgH="215900" progId="Equation.DSMT4">
+                <p:oleObj spid="_x0000_s235549" name="Equation" r:id="rId8" imgW="139700" imgH="215900" progId="Equation.DSMT4">
                   <p:embed/>
                 </p:oleObj>
               </mc:Choice>
@@ -10177,7 +10106,7 @@
           <a:graphicData uri="http://schemas.openxmlformats.org/presentationml/2006/ole">
             <mc:AlternateContent xmlns:mc="http://schemas.openxmlformats.org/markup-compatibility/2006">
               <mc:Choice xmlns:v="urn:schemas-microsoft-com:vml" Requires="v">
-                <p:oleObj spid="_x0000_s235537" name="Equation" r:id="rId9" imgW="1295400" imgH="596900" progId="Equation.DSMT4">
+                <p:oleObj spid="_x0000_s235550" name="Equation" r:id="rId9" imgW="1295400" imgH="596900" progId="Equation.DSMT4">
                   <p:embed/>
                 </p:oleObj>
               </mc:Choice>
